--- a/wiki_assets/files/poster_template.pptx
+++ b/wiki_assets/files/poster_template.pptx
@@ -5,11 +5,13 @@
     <p:sldMasterId id="2147483648" r:id="rId1"/>
   </p:sldMasterIdLst>
   <p:notesMasterIdLst>
-    <p:notesMasterId r:id="rId4"/>
+    <p:notesMasterId r:id="rId6"/>
   </p:notesMasterIdLst>
   <p:sldIdLst>
     <p:sldId id="257" r:id="rId2"/>
     <p:sldId id="258" r:id="rId3"/>
+    <p:sldId id="259" r:id="rId4"/>
+    <p:sldId id="260" r:id="rId5"/>
   </p:sldIdLst>
   <p:sldSz cx="14758988" cy="10333038"/>
   <p:notesSz cx="6858000" cy="9144000"/>
@@ -254,7 +256,7 @@
               <a:pPr>
                 <a:defRPr/>
               </a:pPr>
-              <a:t>5/15/2025</a:t>
+              <a:t>5/28/2025</a:t>
             </a:fld>
             <a:endParaRPr lang="en-US"/>
           </a:p>
@@ -663,6 +665,120 @@
 </p:notes>
 </file>
 
+<file path=ppt/notesSlides/notesSlide2.xml><?xml version="1.0" encoding="utf-8"?>
+<p:notes xmlns:a="http://schemas.openxmlformats.org/drawingml/2006/main" xmlns:r="http://schemas.openxmlformats.org/officeDocument/2006/relationships" xmlns:p="http://schemas.openxmlformats.org/presentationml/2006/main">
+  <p:cSld>
+    <p:spTree>
+      <p:nvGrpSpPr>
+        <p:cNvPr id="1" name="">
+          <a:extLst>
+            <a:ext uri="{FF2B5EF4-FFF2-40B4-BE49-F238E27FC236}">
+              <a16:creationId xmlns:a16="http://schemas.microsoft.com/office/drawing/2014/main" id="{1BF907AE-8B5E-6F4E-6CB4-BEFEA524CDF3}"/>
+            </a:ext>
+          </a:extLst>
+        </p:cNvPr>
+        <p:cNvGrpSpPr/>
+        <p:nvPr/>
+      </p:nvGrpSpPr>
+      <p:grpSpPr>
+        <a:xfrm>
+          <a:off x="0" y="0"/>
+          <a:ext cx="0" cy="0"/>
+          <a:chOff x="0" y="0"/>
+          <a:chExt cx="0" cy="0"/>
+        </a:xfrm>
+      </p:grpSpPr>
+      <p:sp>
+        <p:nvSpPr>
+          <p:cNvPr id="2" name="Slide Image Placeholder 1">
+            <a:extLst>
+              <a:ext uri="{FF2B5EF4-FFF2-40B4-BE49-F238E27FC236}">
+                <a16:creationId xmlns:a16="http://schemas.microsoft.com/office/drawing/2014/main" id="{004C92D5-9DD4-42C1-278A-6585DCD05279}"/>
+              </a:ext>
+            </a:extLst>
+          </p:cNvPr>
+          <p:cNvSpPr>
+            <a:spLocks noGrp="1" noRot="1" noChangeAspect="1"/>
+          </p:cNvSpPr>
+          <p:nvPr>
+            <p:ph type="sldImg"/>
+          </p:nvPr>
+        </p:nvSpPr>
+        <p:spPr/>
+      </p:sp>
+      <p:sp>
+        <p:nvSpPr>
+          <p:cNvPr id="3" name="Notes Placeholder 2">
+            <a:extLst>
+              <a:ext uri="{FF2B5EF4-FFF2-40B4-BE49-F238E27FC236}">
+                <a16:creationId xmlns:a16="http://schemas.microsoft.com/office/drawing/2014/main" id="{2037F5C6-D599-0A94-9767-7FFE2AAED56A}"/>
+              </a:ext>
+            </a:extLst>
+          </p:cNvPr>
+          <p:cNvSpPr>
+            <a:spLocks noGrp="1"/>
+          </p:cNvSpPr>
+          <p:nvPr>
+            <p:ph type="body" idx="1"/>
+          </p:nvPr>
+        </p:nvSpPr>
+        <p:spPr/>
+        <p:txBody>
+          <a:bodyPr/>
+          <a:lstStyle/>
+          <a:p>
+            <a:endParaRPr lang="en-AU" dirty="0"/>
+          </a:p>
+        </p:txBody>
+      </p:sp>
+      <p:sp>
+        <p:nvSpPr>
+          <p:cNvPr id="4" name="Slide Number Placeholder 3">
+            <a:extLst>
+              <a:ext uri="{FF2B5EF4-FFF2-40B4-BE49-F238E27FC236}">
+                <a16:creationId xmlns:a16="http://schemas.microsoft.com/office/drawing/2014/main" id="{609AEA2D-D582-0795-D8F2-FB301B9E0958}"/>
+              </a:ext>
+            </a:extLst>
+          </p:cNvPr>
+          <p:cNvSpPr>
+            <a:spLocks noGrp="1"/>
+          </p:cNvSpPr>
+          <p:nvPr>
+            <p:ph type="sldNum" sz="quarter" idx="5"/>
+          </p:nvPr>
+        </p:nvSpPr>
+        <p:spPr/>
+        <p:txBody>
+          <a:bodyPr/>
+          <a:lstStyle/>
+          <a:p>
+            <a:pPr>
+              <a:defRPr/>
+            </a:pPr>
+            <a:fld id="{B5E5256C-919A-4817-B7EE-7D55C0BCBE54}" type="slidenum">
+              <a:rPr lang="en-US" smtClean="0"/>
+              <a:pPr>
+                <a:defRPr/>
+              </a:pPr>
+              <a:t>3</a:t>
+            </a:fld>
+            <a:endParaRPr lang="en-US"/>
+          </a:p>
+        </p:txBody>
+      </p:sp>
+    </p:spTree>
+    <p:extLst>
+      <p:ext uri="{BB962C8B-B14F-4D97-AF65-F5344CB8AC3E}">
+        <p14:creationId xmlns:p14="http://schemas.microsoft.com/office/powerpoint/2010/main" val="3423456006"/>
+      </p:ext>
+    </p:extLst>
+  </p:cSld>
+  <p:clrMapOvr>
+    <a:masterClrMapping/>
+  </p:clrMapOvr>
+</p:notes>
+</file>
+
 <file path=ppt/slideLayouts/slideLayout1.xml><?xml version="1.0" encoding="utf-8"?>
 <p:sldLayout xmlns:a="http://schemas.openxmlformats.org/drawingml/2006/main" xmlns:r="http://schemas.openxmlformats.org/officeDocument/2006/relationships" xmlns:p="http://schemas.openxmlformats.org/presentationml/2006/main" type="title" preserve="1">
   <p:cSld name="Title Slide">
@@ -854,7 +970,7 @@
               <a:pPr>
                 <a:defRPr/>
               </a:pPr>
-              <a:t>5/15/2025</a:t>
+              <a:t>5/28/2025</a:t>
             </a:fld>
             <a:endParaRPr lang="en-US"/>
           </a:p>
@@ -1826,7 +1942,7 @@
               <a:pPr>
                 <a:defRPr/>
               </a:pPr>
-              <a:t>5/15/2025</a:t>
+              <a:t>5/28/2025</a:t>
             </a:fld>
             <a:endParaRPr lang="en-US"/>
           </a:p>
@@ -5267,6 +5383,2660 @@
     <p:extLst>
       <p:ext uri="{BB962C8B-B14F-4D97-AF65-F5344CB8AC3E}">
         <p14:creationId xmlns:p14="http://schemas.microsoft.com/office/powerpoint/2010/main" val="4249819129"/>
+      </p:ext>
+    </p:extLst>
+  </p:cSld>
+  <p:clrMapOvr>
+    <a:masterClrMapping/>
+  </p:clrMapOvr>
+</p:sld>
+</file>
+
+<file path=ppt/slides/slide3.xml><?xml version="1.0" encoding="utf-8"?>
+<p:sld xmlns:a="http://schemas.openxmlformats.org/drawingml/2006/main" xmlns:r="http://schemas.openxmlformats.org/officeDocument/2006/relationships" xmlns:p="http://schemas.openxmlformats.org/presentationml/2006/main">
+  <p:cSld>
+    <p:spTree>
+      <p:nvGrpSpPr>
+        <p:cNvPr id="1" name="">
+          <a:extLst>
+            <a:ext uri="{FF2B5EF4-FFF2-40B4-BE49-F238E27FC236}">
+              <a16:creationId xmlns:a16="http://schemas.microsoft.com/office/drawing/2014/main" id="{F4882961-6457-2A96-4389-4CAB05A9A63D}"/>
+            </a:ext>
+          </a:extLst>
+        </p:cNvPr>
+        <p:cNvGrpSpPr/>
+        <p:nvPr/>
+      </p:nvGrpSpPr>
+      <p:grpSpPr>
+        <a:xfrm>
+          <a:off x="0" y="0"/>
+          <a:ext cx="0" cy="0"/>
+          <a:chOff x="0" y="0"/>
+          <a:chExt cx="0" cy="0"/>
+        </a:xfrm>
+      </p:grpSpPr>
+      <p:sp>
+        <p:nvSpPr>
+          <p:cNvPr id="3075" name="Title 2">
+            <a:extLst>
+              <a:ext uri="{FF2B5EF4-FFF2-40B4-BE49-F238E27FC236}">
+                <a16:creationId xmlns:a16="http://schemas.microsoft.com/office/drawing/2014/main" id="{E51E2CE3-5213-5818-8F22-2ADB8D2236D0}"/>
+              </a:ext>
+            </a:extLst>
+          </p:cNvPr>
+          <p:cNvSpPr>
+            <a:spLocks noGrp="1"/>
+          </p:cNvSpPr>
+          <p:nvPr>
+            <p:ph type="title"/>
+          </p:nvPr>
+        </p:nvSpPr>
+        <p:spPr>
+          <a:xfrm>
+            <a:off x="0" y="19957"/>
+            <a:ext cx="14762163" cy="698500"/>
+          </a:xfrm>
+        </p:spPr>
+        <p:txBody>
+          <a:bodyPr/>
+          <a:lstStyle/>
+          <a:p>
+            <a:pPr algn="ctr"/>
+            <a:r>
+              <a:rPr lang="en-US" cap="none" dirty="0">
+                <a:latin typeface="Bodoni MT" charset="0"/>
+                <a:cs typeface="Didot" charset="0"/>
+              </a:rPr>
+              <a:t>BlowChain: Tamper-Proof Secure-Logging Lock-Box</a:t>
+            </a:r>
+          </a:p>
+        </p:txBody>
+      </p:sp>
+      <p:sp>
+        <p:nvSpPr>
+          <p:cNvPr id="3076" name="Subtitle 3">
+            <a:extLst>
+              <a:ext uri="{FF2B5EF4-FFF2-40B4-BE49-F238E27FC236}">
+                <a16:creationId xmlns:a16="http://schemas.microsoft.com/office/drawing/2014/main" id="{B7122572-1E27-D7C8-2C9C-E6697B8F1CF7}"/>
+              </a:ext>
+            </a:extLst>
+          </p:cNvPr>
+          <p:cNvSpPr>
+            <a:spLocks noGrp="1"/>
+          </p:cNvSpPr>
+          <p:nvPr>
+            <p:ph type="subTitle" idx="10"/>
+          </p:nvPr>
+        </p:nvSpPr>
+        <p:spPr>
+          <a:xfrm>
+            <a:off x="0" y="752250"/>
+            <a:ext cx="14758988" cy="345030"/>
+          </a:xfrm>
+        </p:spPr>
+        <p:txBody>
+          <a:bodyPr/>
+          <a:lstStyle/>
+          <a:p>
+            <a:pPr algn="ctr">
+              <a:spcBef>
+                <a:spcPct val="0"/>
+              </a:spcBef>
+            </a:pPr>
+            <a:r>
+              <a:rPr lang="en-US" sz="2000" i="1" dirty="0">
+                <a:latin typeface="Helvetica Neue" charset="0"/>
+                <a:cs typeface="Helvetica Neue" charset="0"/>
+              </a:rPr>
+              <a:t>Niall Waller, James McAuley, Dhanan Balasaravanan </a:t>
+            </a:r>
+          </a:p>
+        </p:txBody>
+      </p:sp>
+      <p:sp>
+        <p:nvSpPr>
+          <p:cNvPr id="3077" name="Content Placeholder 7">
+            <a:extLst>
+              <a:ext uri="{FF2B5EF4-FFF2-40B4-BE49-F238E27FC236}">
+                <a16:creationId xmlns:a16="http://schemas.microsoft.com/office/drawing/2014/main" id="{EE847723-35D9-A5B6-8462-2366B9F28D50}"/>
+              </a:ext>
+            </a:extLst>
+          </p:cNvPr>
+          <p:cNvSpPr>
+            <a:spLocks noGrp="1"/>
+          </p:cNvSpPr>
+          <p:nvPr>
+            <p:ph idx="11"/>
+          </p:nvPr>
+        </p:nvSpPr>
+        <p:spPr>
+          <a:xfrm>
+            <a:off x="-3652837" y="133531"/>
+            <a:ext cx="3500437" cy="7656513"/>
+          </a:xfrm>
+          <a:ln/>
+        </p:spPr>
+        <p:txBody>
+          <a:bodyPr/>
+          <a:lstStyle/>
+          <a:p>
+            <a:r>
+              <a:rPr lang="en-US" b="1" dirty="0">
+                <a:latin typeface="Helvetica Neue" charset="0"/>
+                <a:cs typeface="Helvetica Neue" charset="0"/>
+              </a:rPr>
+              <a:t>General Hints &amp; Tips</a:t>
+            </a:r>
+          </a:p>
+          <a:p>
+            <a:r>
+              <a:rPr lang="en-US" b="1" i="1" dirty="0">
+                <a:latin typeface="Helvetica Neue" charset="0"/>
+                <a:cs typeface="Helvetica Neue" charset="0"/>
+              </a:rPr>
+              <a:t>Do not </a:t>
+            </a:r>
+            <a:r>
+              <a:rPr lang="en-US" dirty="0">
+                <a:latin typeface="Helvetica Neue" charset="0"/>
+                <a:cs typeface="Helvetica Neue" charset="0"/>
+              </a:rPr>
+              <a:t>change the </a:t>
+            </a:r>
+            <a:r>
+              <a:rPr lang="en-US" dirty="0" err="1">
+                <a:latin typeface="Helvetica Neue" charset="0"/>
+                <a:cs typeface="Helvetica Neue" charset="0"/>
+              </a:rPr>
+              <a:t>colour</a:t>
+            </a:r>
+            <a:r>
+              <a:rPr lang="en-US" dirty="0">
+                <a:latin typeface="Helvetica Neue" charset="0"/>
+                <a:cs typeface="Helvetica Neue" charset="0"/>
+              </a:rPr>
+              <a:t>/size/logos/positioning of the Slide Master.</a:t>
+            </a:r>
+          </a:p>
+          <a:p>
+            <a:r>
+              <a:rPr lang="en-US" dirty="0">
+                <a:latin typeface="Helvetica Neue" charset="0"/>
+                <a:cs typeface="Helvetica Neue" charset="0"/>
+              </a:rPr>
+              <a:t>This is a standard format across all Innovation Expo posters.</a:t>
+            </a:r>
+          </a:p>
+          <a:p>
+            <a:r>
+              <a:rPr lang="en-US" b="1" i="1" dirty="0">
+                <a:latin typeface="Helvetica Neue" charset="0"/>
+                <a:cs typeface="Helvetica Neue" charset="0"/>
+              </a:rPr>
+              <a:t>Do not </a:t>
+            </a:r>
+            <a:r>
+              <a:rPr lang="en-US" dirty="0">
+                <a:latin typeface="Helvetica Neue" charset="0"/>
+                <a:cs typeface="Helvetica Neue" charset="0"/>
+              </a:rPr>
+              <a:t>add other corporate logos. This is an infringement of copyright, unless you have express permission to do so.</a:t>
+            </a:r>
+          </a:p>
+          <a:p>
+            <a:r>
+              <a:rPr lang="en-US" b="1" i="1" dirty="0">
+                <a:latin typeface="Helvetica Neue" charset="0"/>
+                <a:cs typeface="Helvetica Neue" charset="0"/>
+              </a:rPr>
+              <a:t>Do</a:t>
+            </a:r>
+            <a:r>
+              <a:rPr lang="en-US" dirty="0">
+                <a:latin typeface="Helvetica Neue" charset="0"/>
+                <a:cs typeface="Helvetica Neue" charset="0"/>
+              </a:rPr>
+              <a:t> use this space as creatively as you wish.</a:t>
+            </a:r>
+          </a:p>
+          <a:p>
+            <a:r>
+              <a:rPr lang="en-US" b="1" i="1" dirty="0">
+                <a:latin typeface="Helvetica Neue" charset="0"/>
+                <a:cs typeface="Helvetica Neue" charset="0"/>
+              </a:rPr>
+              <a:t>Avoid </a:t>
+            </a:r>
+            <a:r>
+              <a:rPr lang="en-US" dirty="0">
+                <a:latin typeface="Helvetica Neue" charset="0"/>
+                <a:cs typeface="Helvetica Neue" charset="0"/>
+              </a:rPr>
+              <a:t>using large background </a:t>
+            </a:r>
+            <a:r>
+              <a:rPr lang="en-US" dirty="0" err="1">
+                <a:latin typeface="Helvetica Neue" charset="0"/>
+                <a:cs typeface="Helvetica Neue" charset="0"/>
+              </a:rPr>
+              <a:t>colours</a:t>
+            </a:r>
+            <a:r>
+              <a:rPr lang="en-US" dirty="0">
+                <a:latin typeface="Helvetica Neue" charset="0"/>
+                <a:cs typeface="Helvetica Neue" charset="0"/>
+              </a:rPr>
+              <a:t> – doesn’t print well.</a:t>
+            </a:r>
+          </a:p>
+          <a:p>
+            <a:r>
+              <a:rPr lang="en-US" b="1" i="1" dirty="0">
+                <a:latin typeface="Helvetica Neue" charset="0"/>
+                <a:cs typeface="Helvetica Neue" charset="0"/>
+              </a:rPr>
+              <a:t>Stick to </a:t>
+            </a:r>
+            <a:r>
+              <a:rPr lang="en-US" dirty="0">
+                <a:latin typeface="Helvetica Neue" charset="0"/>
+                <a:cs typeface="Helvetica Neue" charset="0"/>
+              </a:rPr>
+              <a:t>the basic fonts &amp; sizes (left) – these read clearly. If you need to reduce the text size, you are trying to put too much on your poster.</a:t>
+            </a:r>
+          </a:p>
+          <a:p>
+            <a:r>
+              <a:rPr lang="en-US" b="1" i="1" dirty="0">
+                <a:latin typeface="Helvetica Neue" charset="0"/>
+                <a:cs typeface="Helvetica Neue" charset="0"/>
+              </a:rPr>
+              <a:t>As a check</a:t>
+            </a:r>
+            <a:r>
+              <a:rPr lang="en-US" dirty="0">
+                <a:latin typeface="Helvetica Neue" charset="0"/>
+                <a:cs typeface="Helvetica Neue" charset="0"/>
+              </a:rPr>
+              <a:t>, print “scaled to fit” onto A4 and read at arms length.</a:t>
+            </a:r>
+          </a:p>
+          <a:p>
+            <a:r>
+              <a:rPr lang="en-US" b="1" i="1" dirty="0">
+                <a:latin typeface="Helvetica Neue" charset="0"/>
+                <a:cs typeface="Helvetica Neue" charset="0"/>
+              </a:rPr>
+              <a:t>Save </a:t>
+            </a:r>
+            <a:r>
+              <a:rPr lang="en-US" dirty="0">
+                <a:latin typeface="Helvetica Neue" charset="0"/>
+                <a:cs typeface="Helvetica Neue" charset="0"/>
+              </a:rPr>
+              <a:t>your poster as you work on it.</a:t>
+            </a:r>
+          </a:p>
+          <a:p>
+            <a:r>
+              <a:rPr lang="en-US" b="1" i="1" dirty="0">
+                <a:latin typeface="Helvetica Neue" charset="0"/>
+                <a:cs typeface="Helvetica Neue" charset="0"/>
+              </a:rPr>
+              <a:t>You shouldn’t</a:t>
+            </a:r>
+            <a:r>
+              <a:rPr lang="en-US" dirty="0">
+                <a:latin typeface="Helvetica Neue" charset="0"/>
+                <a:cs typeface="Helvetica Neue" charset="0"/>
+              </a:rPr>
+              <a:t> need to change the sizing of this file, it should already be landscape format with width: 41cm and height: 28.7 cm (A3 with 5 mm borders all around).</a:t>
+            </a:r>
+          </a:p>
+          <a:p>
+            <a:r>
+              <a:rPr lang="en-US" b="1" i="1" dirty="0">
+                <a:latin typeface="Helvetica Neue" charset="0"/>
+                <a:cs typeface="Helvetica Neue" charset="0"/>
+              </a:rPr>
+              <a:t>The title </a:t>
+            </a:r>
+            <a:r>
+              <a:rPr lang="en-US" dirty="0">
+                <a:latin typeface="Helvetica Neue" charset="0"/>
+                <a:cs typeface="Helvetica Neue" charset="0"/>
+              </a:rPr>
+              <a:t>may look to close to the top edge – don’t be tempted to change it. It allows for the extra 5mm from the printing.</a:t>
+            </a:r>
+          </a:p>
+        </p:txBody>
+      </p:sp>
+      <p:pic>
+        <p:nvPicPr>
+          <p:cNvPr id="5" name="Picture 4">
+            <a:extLst>
+              <a:ext uri="{FF2B5EF4-FFF2-40B4-BE49-F238E27FC236}">
+                <a16:creationId xmlns:a16="http://schemas.microsoft.com/office/drawing/2014/main" id="{06789833-DE99-E5F5-1A4D-9B2420449BB7}"/>
+              </a:ext>
+            </a:extLst>
+          </p:cNvPr>
+          <p:cNvPicPr>
+            <a:picLocks noChangeAspect="1"/>
+          </p:cNvPicPr>
+          <p:nvPr/>
+        </p:nvPicPr>
+        <p:blipFill>
+          <a:blip r:embed="rId3"/>
+          <a:stretch>
+            <a:fillRect/>
+          </a:stretch>
+        </p:blipFill>
+        <p:spPr>
+          <a:xfrm>
+            <a:off x="375849" y="4116023"/>
+            <a:ext cx="6475307" cy="5837143"/>
+          </a:xfrm>
+          <a:prstGeom prst="rect">
+            <a:avLst/>
+          </a:prstGeom>
+        </p:spPr>
+      </p:pic>
+      <p:pic>
+        <p:nvPicPr>
+          <p:cNvPr id="7" name="Picture 6" descr="A qr code with a dinosaur&#10;&#10;AI-generated content may be incorrect.">
+            <a:extLst>
+              <a:ext uri="{FF2B5EF4-FFF2-40B4-BE49-F238E27FC236}">
+                <a16:creationId xmlns:a16="http://schemas.microsoft.com/office/drawing/2014/main" id="{73C9D006-FC08-9628-D449-52CA494F5DD8}"/>
+              </a:ext>
+            </a:extLst>
+          </p:cNvPr>
+          <p:cNvPicPr>
+            <a:picLocks noChangeAspect="1"/>
+          </p:cNvPicPr>
+          <p:nvPr/>
+        </p:nvPicPr>
+        <p:blipFill>
+          <a:blip r:embed="rId4"/>
+          <a:srcRect l="6867" t="7057" r="6100" b="6987"/>
+          <a:stretch/>
+        </p:blipFill>
+        <p:spPr>
+          <a:xfrm>
+            <a:off x="361261" y="1463040"/>
+            <a:ext cx="2012227" cy="1987307"/>
+          </a:xfrm>
+          <a:prstGeom prst="rect">
+            <a:avLst/>
+          </a:prstGeom>
+        </p:spPr>
+      </p:pic>
+      <p:sp>
+        <p:nvSpPr>
+          <p:cNvPr id="8" name="Content Placeholder 1">
+            <a:extLst>
+              <a:ext uri="{FF2B5EF4-FFF2-40B4-BE49-F238E27FC236}">
+                <a16:creationId xmlns:a16="http://schemas.microsoft.com/office/drawing/2014/main" id="{8C407353-E44D-F2BA-E277-53E49F361065}"/>
+              </a:ext>
+            </a:extLst>
+          </p:cNvPr>
+          <p:cNvSpPr txBox="1">
+            <a:spLocks/>
+          </p:cNvSpPr>
+          <p:nvPr/>
+        </p:nvSpPr>
+        <p:spPr bwMode="auto">
+          <a:xfrm>
+            <a:off x="-3584460" y="7075032"/>
+            <a:ext cx="3498850" cy="7656513"/>
+          </a:xfrm>
+          <a:prstGeom prst="rect">
+            <a:avLst/>
+          </a:prstGeom>
+          <a:noFill/>
+          <a:ln w="9525">
+            <a:noFill/>
+            <a:miter lim="800000"/>
+            <a:headEnd/>
+            <a:tailEnd/>
+          </a:ln>
+          <a:extLst>
+            <a:ext uri="{909E8E84-426E-40dd-AFC4-6F175D3DCCD1}">
+              <a14:hiddenFill xmlns:a14="http://schemas.microsoft.com/office/drawing/2010/main" xmlns="">
+                <a:solidFill>
+                  <a:srgbClr val="FFFFFF"/>
+                </a:solidFill>
+              </a14:hiddenFill>
+            </a:ext>
+            <a:ext uri="{91240B29-F687-4f45-9708-019B960494DF}">
+              <a14:hiddenLine xmlns:a14="http://schemas.microsoft.com/office/drawing/2010/main" xmlns="" w="9525">
+                <a:solidFill>
+                  <a:srgbClr val="000000"/>
+                </a:solidFill>
+                <a:miter lim="800000"/>
+                <a:headEnd/>
+                <a:tailEnd/>
+              </a14:hiddenLine>
+            </a:ext>
+          </a:extLst>
+        </p:spPr>
+        <p:txBody>
+          <a:bodyPr vert="horz" wrap="square" lIns="143378" tIns="71689" rIns="143378" bIns="71689" numCol="1" anchor="t" anchorCtr="0" compatLnSpc="1">
+            <a:prstTxWarp prst="textNoShape">
+              <a:avLst/>
+            </a:prstTxWarp>
+          </a:bodyPr>
+          <a:lstStyle>
+            <a:lvl1pPr marL="0" indent="0" algn="l" defTabSz="715963" rtl="0" eaLnBrk="0" fontAlgn="base" hangingPunct="0">
+              <a:spcBef>
+                <a:spcPct val="20000"/>
+              </a:spcBef>
+              <a:spcAft>
+                <a:spcPct val="0"/>
+              </a:spcAft>
+              <a:buFont typeface="Arial" charset="0"/>
+              <a:buNone/>
+              <a:defRPr sz="1400" kern="1200">
+                <a:solidFill>
+                  <a:schemeClr val="tx1"/>
+                </a:solidFill>
+                <a:latin typeface="Helvetica Neue"/>
+                <a:ea typeface="Geneva" charset="-128"/>
+                <a:cs typeface="Helvetica Neue"/>
+              </a:defRPr>
+            </a:lvl1pPr>
+            <a:lvl2pPr marL="1163638" indent="-447675" algn="l" defTabSz="715963" rtl="0" eaLnBrk="0" fontAlgn="base" hangingPunct="0">
+              <a:spcBef>
+                <a:spcPct val="20000"/>
+              </a:spcBef>
+              <a:spcAft>
+                <a:spcPct val="0"/>
+              </a:spcAft>
+              <a:buFont typeface="Arial" charset="0"/>
+              <a:buNone/>
+              <a:defRPr sz="1800" kern="1200">
+                <a:solidFill>
+                  <a:schemeClr val="tx1"/>
+                </a:solidFill>
+                <a:latin typeface="Helvetica Neue"/>
+                <a:ea typeface="Geneva" charset="-128"/>
+                <a:cs typeface="Helvetica Neue"/>
+              </a:defRPr>
+            </a:lvl2pPr>
+            <a:lvl3pPr marL="1790700" indent="-357188" algn="l" defTabSz="715963" rtl="0" eaLnBrk="0" fontAlgn="base" hangingPunct="0">
+              <a:spcBef>
+                <a:spcPct val="20000"/>
+              </a:spcBef>
+              <a:spcAft>
+                <a:spcPct val="0"/>
+              </a:spcAft>
+              <a:buFont typeface="Arial" charset="0"/>
+              <a:buNone/>
+              <a:defRPr sz="1800" kern="1200">
+                <a:solidFill>
+                  <a:schemeClr val="tx1"/>
+                </a:solidFill>
+                <a:latin typeface="Helvetica Neue"/>
+                <a:ea typeface="Geneva" charset="-128"/>
+                <a:cs typeface="Helvetica Neue"/>
+              </a:defRPr>
+            </a:lvl3pPr>
+            <a:lvl4pPr marL="2508250" indent="-357188" algn="l" defTabSz="715963" rtl="0" eaLnBrk="0" fontAlgn="base" hangingPunct="0">
+              <a:spcBef>
+                <a:spcPct val="20000"/>
+              </a:spcBef>
+              <a:spcAft>
+                <a:spcPct val="0"/>
+              </a:spcAft>
+              <a:buFont typeface="Arial" charset="0"/>
+              <a:buNone/>
+              <a:defRPr sz="1800" kern="1200">
+                <a:solidFill>
+                  <a:schemeClr val="tx1"/>
+                </a:solidFill>
+                <a:latin typeface="Helvetica Neue"/>
+                <a:ea typeface="Geneva" charset="-128"/>
+                <a:cs typeface="Helvetica Neue"/>
+              </a:defRPr>
+            </a:lvl4pPr>
+            <a:lvl5pPr marL="3225800" indent="-357188" algn="l" defTabSz="715963" rtl="0" eaLnBrk="0" fontAlgn="base" hangingPunct="0">
+              <a:spcBef>
+                <a:spcPct val="20000"/>
+              </a:spcBef>
+              <a:spcAft>
+                <a:spcPct val="0"/>
+              </a:spcAft>
+              <a:buFont typeface="Arial" charset="0"/>
+              <a:buNone/>
+              <a:defRPr sz="1800" kern="1200">
+                <a:solidFill>
+                  <a:schemeClr val="tx1"/>
+                </a:solidFill>
+                <a:latin typeface="Helvetica Neue"/>
+                <a:ea typeface="Geneva" charset="-128"/>
+                <a:cs typeface="Helvetica Neue"/>
+              </a:defRPr>
+            </a:lvl5pPr>
+            <a:lvl6pPr marL="3942893" indent="-358445" algn="l" defTabSz="716890" rtl="0" eaLnBrk="1" latinLnBrk="0" hangingPunct="1">
+              <a:spcBef>
+                <a:spcPct val="20000"/>
+              </a:spcBef>
+              <a:buFont typeface="Arial"/>
+              <a:buChar char="•"/>
+              <a:defRPr sz="3100" kern="1200">
+                <a:solidFill>
+                  <a:schemeClr val="tx1"/>
+                </a:solidFill>
+                <a:latin typeface="+mn-lt"/>
+                <a:ea typeface="+mn-ea"/>
+                <a:cs typeface="+mn-cs"/>
+              </a:defRPr>
+            </a:lvl6pPr>
+            <a:lvl7pPr marL="4659782" indent="-358445" algn="l" defTabSz="716890" rtl="0" eaLnBrk="1" latinLnBrk="0" hangingPunct="1">
+              <a:spcBef>
+                <a:spcPct val="20000"/>
+              </a:spcBef>
+              <a:buFont typeface="Arial"/>
+              <a:buChar char="•"/>
+              <a:defRPr sz="3100" kern="1200">
+                <a:solidFill>
+                  <a:schemeClr val="tx1"/>
+                </a:solidFill>
+                <a:latin typeface="+mn-lt"/>
+                <a:ea typeface="+mn-ea"/>
+                <a:cs typeface="+mn-cs"/>
+              </a:defRPr>
+            </a:lvl7pPr>
+            <a:lvl8pPr marL="5376672" indent="-358445" algn="l" defTabSz="716890" rtl="0" eaLnBrk="1" latinLnBrk="0" hangingPunct="1">
+              <a:spcBef>
+                <a:spcPct val="20000"/>
+              </a:spcBef>
+              <a:buFont typeface="Arial"/>
+              <a:buChar char="•"/>
+              <a:defRPr sz="3100" kern="1200">
+                <a:solidFill>
+                  <a:schemeClr val="tx1"/>
+                </a:solidFill>
+                <a:latin typeface="+mn-lt"/>
+                <a:ea typeface="+mn-ea"/>
+                <a:cs typeface="+mn-cs"/>
+              </a:defRPr>
+            </a:lvl8pPr>
+            <a:lvl9pPr marL="6093562" indent="-358445" algn="l" defTabSz="716890" rtl="0" eaLnBrk="1" latinLnBrk="0" hangingPunct="1">
+              <a:spcBef>
+                <a:spcPct val="20000"/>
+              </a:spcBef>
+              <a:buFont typeface="Arial"/>
+              <a:buChar char="•"/>
+              <a:defRPr sz="3100" kern="1200">
+                <a:solidFill>
+                  <a:schemeClr val="tx1"/>
+                </a:solidFill>
+                <a:latin typeface="+mn-lt"/>
+                <a:ea typeface="+mn-ea"/>
+                <a:cs typeface="+mn-cs"/>
+              </a:defRPr>
+            </a:lvl9pPr>
+          </a:lstStyle>
+          <a:p>
+            <a:r>
+              <a:rPr lang="en-US" sz="1800" dirty="0">
+                <a:latin typeface="Bodoni MT" charset="0"/>
+                <a:cs typeface="Helvetica Neue" charset="0"/>
+              </a:rPr>
+              <a:t>GitHub Wiki:</a:t>
+            </a:r>
+            <a:endParaRPr lang="en-US" sz="1600" dirty="0">
+              <a:latin typeface="Bodoni MT" charset="0"/>
+              <a:cs typeface="Helvetica Neue" charset="0"/>
+            </a:endParaRPr>
+          </a:p>
+          <a:p>
+            <a:r>
+              <a:rPr lang="en-US" b="1" dirty="0">
+                <a:latin typeface="Helvetica Neue" charset="0"/>
+                <a:cs typeface="Helvetica Neue" charset="0"/>
+              </a:rPr>
+              <a:t>Subheadings – Helvetica Neue Bold 14pt</a:t>
+            </a:r>
+          </a:p>
+          <a:p>
+            <a:r>
+              <a:rPr lang="en-US" dirty="0">
+                <a:latin typeface="Helvetica Neue" charset="0"/>
+                <a:cs typeface="Helvetica Neue" charset="0"/>
+              </a:rPr>
+              <a:t>Body Text – Helvetica Neue 14pt (min 12pt)</a:t>
+            </a:r>
+          </a:p>
+          <a:p>
+            <a:endParaRPr lang="en-US" dirty="0">
+              <a:latin typeface="Helvetica Neue" charset="0"/>
+              <a:cs typeface="Helvetica Neue" charset="0"/>
+            </a:endParaRPr>
+          </a:p>
+          <a:p>
+            <a:r>
+              <a:rPr lang="en-US" b="1" dirty="0">
+                <a:latin typeface="Helvetica Neue" charset="0"/>
+                <a:cs typeface="Helvetica Neue" charset="0"/>
+              </a:rPr>
+              <a:t>Don’t have the above fonts installed?</a:t>
+            </a:r>
+          </a:p>
+          <a:p>
+            <a:r>
+              <a:rPr lang="en-US" dirty="0">
+                <a:latin typeface="Helvetica Neue" charset="0"/>
+                <a:cs typeface="Helvetica Neue" charset="0"/>
+              </a:rPr>
+              <a:t>Substitutes for Bodoni MT:</a:t>
+            </a:r>
+          </a:p>
+          <a:p>
+            <a:r>
+              <a:rPr lang="en-US" dirty="0">
+                <a:latin typeface="Didot" charset="0"/>
+                <a:cs typeface="Helvetica Neue" charset="0"/>
+              </a:rPr>
+              <a:t>Didot on Apple</a:t>
+            </a:r>
+          </a:p>
+          <a:p>
+            <a:r>
+              <a:rPr lang="en-US" dirty="0">
+                <a:latin typeface="Times New Roman" charset="0"/>
+                <a:cs typeface="Times New Roman" charset="0"/>
+              </a:rPr>
+              <a:t>or Times New Roman (Apple &amp; Windows)</a:t>
+            </a:r>
+          </a:p>
+          <a:p>
+            <a:endParaRPr lang="en-US" dirty="0">
+              <a:latin typeface="Helvetica Neue" charset="0"/>
+              <a:cs typeface="Helvetica Neue" charset="0"/>
+            </a:endParaRPr>
+          </a:p>
+          <a:p>
+            <a:r>
+              <a:rPr lang="en-US" dirty="0">
+                <a:latin typeface="Helvetica Neue" charset="0"/>
+                <a:cs typeface="Helvetica Neue" charset="0"/>
+              </a:rPr>
+              <a:t>Substitutes for Helvetica Neue:</a:t>
+            </a:r>
+          </a:p>
+          <a:p>
+            <a:r>
+              <a:rPr lang="en-US" dirty="0">
+                <a:latin typeface="Helvetica" charset="0"/>
+                <a:cs typeface="Helvetica" charset="0"/>
+              </a:rPr>
+              <a:t>Helvetica (Apple)</a:t>
+            </a:r>
+          </a:p>
+          <a:p>
+            <a:r>
+              <a:rPr lang="en-US" dirty="0">
+                <a:latin typeface="Arial" charset="0"/>
+                <a:cs typeface="Arial" charset="0"/>
+              </a:rPr>
+              <a:t>or Arial (Apple &amp; Windows)</a:t>
+            </a:r>
+          </a:p>
+          <a:p>
+            <a:endParaRPr lang="en-US" dirty="0">
+              <a:latin typeface="Helvetica Neue" charset="0"/>
+              <a:cs typeface="Helvetica Neue" charset="0"/>
+            </a:endParaRPr>
+          </a:p>
+        </p:txBody>
+      </p:sp>
+      <p:sp>
+        <p:nvSpPr>
+          <p:cNvPr id="9" name="Content Placeholder 1">
+            <a:extLst>
+              <a:ext uri="{FF2B5EF4-FFF2-40B4-BE49-F238E27FC236}">
+                <a16:creationId xmlns:a16="http://schemas.microsoft.com/office/drawing/2014/main" id="{4BB4BC67-5BC0-7819-15BC-3CECD54B62E3}"/>
+              </a:ext>
+            </a:extLst>
+          </p:cNvPr>
+          <p:cNvSpPr txBox="1">
+            <a:spLocks/>
+          </p:cNvSpPr>
+          <p:nvPr/>
+        </p:nvSpPr>
+        <p:spPr bwMode="auto">
+          <a:xfrm>
+            <a:off x="241917" y="3641805"/>
+            <a:ext cx="3498850" cy="423048"/>
+          </a:xfrm>
+          <a:prstGeom prst="rect">
+            <a:avLst/>
+          </a:prstGeom>
+          <a:noFill/>
+          <a:ln w="9525">
+            <a:noFill/>
+            <a:miter lim="800000"/>
+            <a:headEnd/>
+            <a:tailEnd/>
+          </a:ln>
+          <a:extLst>
+            <a:ext uri="{909E8E84-426E-40dd-AFC4-6F175D3DCCD1}">
+              <a14:hiddenFill xmlns:a14="http://schemas.microsoft.com/office/drawing/2010/main" xmlns="">
+                <a:solidFill>
+                  <a:srgbClr val="FFFFFF"/>
+                </a:solidFill>
+              </a14:hiddenFill>
+            </a:ext>
+            <a:ext uri="{91240B29-F687-4f45-9708-019B960494DF}">
+              <a14:hiddenLine xmlns:a14="http://schemas.microsoft.com/office/drawing/2010/main" xmlns="" w="9525">
+                <a:solidFill>
+                  <a:srgbClr val="000000"/>
+                </a:solidFill>
+                <a:miter lim="800000"/>
+                <a:headEnd/>
+                <a:tailEnd/>
+              </a14:hiddenLine>
+            </a:ext>
+          </a:extLst>
+        </p:spPr>
+        <p:txBody>
+          <a:bodyPr vert="horz" wrap="square" lIns="143378" tIns="71689" rIns="143378" bIns="71689" numCol="1" anchor="t" anchorCtr="0" compatLnSpc="1">
+            <a:prstTxWarp prst="textNoShape">
+              <a:avLst/>
+            </a:prstTxWarp>
+          </a:bodyPr>
+          <a:lstStyle>
+            <a:lvl1pPr marL="0" indent="0" algn="l" defTabSz="715963" rtl="0" eaLnBrk="0" fontAlgn="base" hangingPunct="0">
+              <a:spcBef>
+                <a:spcPct val="20000"/>
+              </a:spcBef>
+              <a:spcAft>
+                <a:spcPct val="0"/>
+              </a:spcAft>
+              <a:buFont typeface="Arial" charset="0"/>
+              <a:buNone/>
+              <a:defRPr sz="1400" kern="1200">
+                <a:solidFill>
+                  <a:schemeClr val="tx1"/>
+                </a:solidFill>
+                <a:latin typeface="Helvetica Neue"/>
+                <a:ea typeface="Geneva" charset="-128"/>
+                <a:cs typeface="Helvetica Neue"/>
+              </a:defRPr>
+            </a:lvl1pPr>
+            <a:lvl2pPr marL="1163638" indent="-447675" algn="l" defTabSz="715963" rtl="0" eaLnBrk="0" fontAlgn="base" hangingPunct="0">
+              <a:spcBef>
+                <a:spcPct val="20000"/>
+              </a:spcBef>
+              <a:spcAft>
+                <a:spcPct val="0"/>
+              </a:spcAft>
+              <a:buFont typeface="Arial" charset="0"/>
+              <a:buNone/>
+              <a:defRPr sz="1800" kern="1200">
+                <a:solidFill>
+                  <a:schemeClr val="tx1"/>
+                </a:solidFill>
+                <a:latin typeface="Helvetica Neue"/>
+                <a:ea typeface="Geneva" charset="-128"/>
+                <a:cs typeface="Helvetica Neue"/>
+              </a:defRPr>
+            </a:lvl2pPr>
+            <a:lvl3pPr marL="1790700" indent="-357188" algn="l" defTabSz="715963" rtl="0" eaLnBrk="0" fontAlgn="base" hangingPunct="0">
+              <a:spcBef>
+                <a:spcPct val="20000"/>
+              </a:spcBef>
+              <a:spcAft>
+                <a:spcPct val="0"/>
+              </a:spcAft>
+              <a:buFont typeface="Arial" charset="0"/>
+              <a:buNone/>
+              <a:defRPr sz="1800" kern="1200">
+                <a:solidFill>
+                  <a:schemeClr val="tx1"/>
+                </a:solidFill>
+                <a:latin typeface="Helvetica Neue"/>
+                <a:ea typeface="Geneva" charset="-128"/>
+                <a:cs typeface="Helvetica Neue"/>
+              </a:defRPr>
+            </a:lvl3pPr>
+            <a:lvl4pPr marL="2508250" indent="-357188" algn="l" defTabSz="715963" rtl="0" eaLnBrk="0" fontAlgn="base" hangingPunct="0">
+              <a:spcBef>
+                <a:spcPct val="20000"/>
+              </a:spcBef>
+              <a:spcAft>
+                <a:spcPct val="0"/>
+              </a:spcAft>
+              <a:buFont typeface="Arial" charset="0"/>
+              <a:buNone/>
+              <a:defRPr sz="1800" kern="1200">
+                <a:solidFill>
+                  <a:schemeClr val="tx1"/>
+                </a:solidFill>
+                <a:latin typeface="Helvetica Neue"/>
+                <a:ea typeface="Geneva" charset="-128"/>
+                <a:cs typeface="Helvetica Neue"/>
+              </a:defRPr>
+            </a:lvl4pPr>
+            <a:lvl5pPr marL="3225800" indent="-357188" algn="l" defTabSz="715963" rtl="0" eaLnBrk="0" fontAlgn="base" hangingPunct="0">
+              <a:spcBef>
+                <a:spcPct val="20000"/>
+              </a:spcBef>
+              <a:spcAft>
+                <a:spcPct val="0"/>
+              </a:spcAft>
+              <a:buFont typeface="Arial" charset="0"/>
+              <a:buNone/>
+              <a:defRPr sz="1800" kern="1200">
+                <a:solidFill>
+                  <a:schemeClr val="tx1"/>
+                </a:solidFill>
+                <a:latin typeface="Helvetica Neue"/>
+                <a:ea typeface="Geneva" charset="-128"/>
+                <a:cs typeface="Helvetica Neue"/>
+              </a:defRPr>
+            </a:lvl5pPr>
+            <a:lvl6pPr marL="3942893" indent="-358445" algn="l" defTabSz="716890" rtl="0" eaLnBrk="1" latinLnBrk="0" hangingPunct="1">
+              <a:spcBef>
+                <a:spcPct val="20000"/>
+              </a:spcBef>
+              <a:buFont typeface="Arial"/>
+              <a:buChar char="•"/>
+              <a:defRPr sz="3100" kern="1200">
+                <a:solidFill>
+                  <a:schemeClr val="tx1"/>
+                </a:solidFill>
+                <a:latin typeface="+mn-lt"/>
+                <a:ea typeface="+mn-ea"/>
+                <a:cs typeface="+mn-cs"/>
+              </a:defRPr>
+            </a:lvl6pPr>
+            <a:lvl7pPr marL="4659782" indent="-358445" algn="l" defTabSz="716890" rtl="0" eaLnBrk="1" latinLnBrk="0" hangingPunct="1">
+              <a:spcBef>
+                <a:spcPct val="20000"/>
+              </a:spcBef>
+              <a:buFont typeface="Arial"/>
+              <a:buChar char="•"/>
+              <a:defRPr sz="3100" kern="1200">
+                <a:solidFill>
+                  <a:schemeClr val="tx1"/>
+                </a:solidFill>
+                <a:latin typeface="+mn-lt"/>
+                <a:ea typeface="+mn-ea"/>
+                <a:cs typeface="+mn-cs"/>
+              </a:defRPr>
+            </a:lvl7pPr>
+            <a:lvl8pPr marL="5376672" indent="-358445" algn="l" defTabSz="716890" rtl="0" eaLnBrk="1" latinLnBrk="0" hangingPunct="1">
+              <a:spcBef>
+                <a:spcPct val="20000"/>
+              </a:spcBef>
+              <a:buFont typeface="Arial"/>
+              <a:buChar char="•"/>
+              <a:defRPr sz="3100" kern="1200">
+                <a:solidFill>
+                  <a:schemeClr val="tx1"/>
+                </a:solidFill>
+                <a:latin typeface="+mn-lt"/>
+                <a:ea typeface="+mn-ea"/>
+                <a:cs typeface="+mn-cs"/>
+              </a:defRPr>
+            </a:lvl8pPr>
+            <a:lvl9pPr marL="6093562" indent="-358445" algn="l" defTabSz="716890" rtl="0" eaLnBrk="1" latinLnBrk="0" hangingPunct="1">
+              <a:spcBef>
+                <a:spcPct val="20000"/>
+              </a:spcBef>
+              <a:buFont typeface="Arial"/>
+              <a:buChar char="•"/>
+              <a:defRPr sz="3100" kern="1200">
+                <a:solidFill>
+                  <a:schemeClr val="tx1"/>
+                </a:solidFill>
+                <a:latin typeface="+mn-lt"/>
+                <a:ea typeface="+mn-ea"/>
+                <a:cs typeface="+mn-cs"/>
+              </a:defRPr>
+            </a:lvl9pPr>
+          </a:lstStyle>
+          <a:p>
+            <a:r>
+              <a:rPr lang="en-US" sz="1800" dirty="0">
+                <a:latin typeface="Bodoni MT" charset="0"/>
+                <a:cs typeface="Helvetica Neue" charset="0"/>
+              </a:rPr>
+              <a:t>How Does it Work ?</a:t>
+            </a:r>
+            <a:endParaRPr lang="en-US" dirty="0">
+              <a:latin typeface="Arial" charset="0"/>
+              <a:cs typeface="Arial" charset="0"/>
+            </a:endParaRPr>
+          </a:p>
+          <a:p>
+            <a:endParaRPr lang="en-US" dirty="0">
+              <a:latin typeface="Helvetica Neue" charset="0"/>
+              <a:cs typeface="Helvetica Neue" charset="0"/>
+            </a:endParaRPr>
+          </a:p>
+        </p:txBody>
+      </p:sp>
+      <p:sp>
+        <p:nvSpPr>
+          <p:cNvPr id="10" name="Content Placeholder 7">
+            <a:extLst>
+              <a:ext uri="{FF2B5EF4-FFF2-40B4-BE49-F238E27FC236}">
+                <a16:creationId xmlns:a16="http://schemas.microsoft.com/office/drawing/2014/main" id="{4B16069D-25B6-56C5-7CC4-A291AC2B0953}"/>
+              </a:ext>
+            </a:extLst>
+          </p:cNvPr>
+          <p:cNvSpPr txBox="1">
+            <a:spLocks/>
+          </p:cNvSpPr>
+          <p:nvPr/>
+        </p:nvSpPr>
+        <p:spPr bwMode="auto">
+          <a:xfrm>
+            <a:off x="7306605" y="1463040"/>
+            <a:ext cx="2931843" cy="3230880"/>
+          </a:xfrm>
+          <a:prstGeom prst="rect">
+            <a:avLst/>
+          </a:prstGeom>
+          <a:noFill/>
+          <a:ln w="9525">
+            <a:noFill/>
+            <a:miter lim="800000"/>
+            <a:headEnd/>
+            <a:tailEnd/>
+          </a:ln>
+          <a:extLst>
+            <a:ext uri="{909E8E84-426E-40dd-AFC4-6F175D3DCCD1}">
+              <a14:hiddenFill xmlns:a14="http://schemas.microsoft.com/office/drawing/2010/main" xmlns="">
+                <a:solidFill>
+                  <a:srgbClr val="FFFFFF"/>
+                </a:solidFill>
+              </a14:hiddenFill>
+            </a:ext>
+            <a:ext uri="{91240B29-F687-4f45-9708-019B960494DF}">
+              <a14:hiddenLine xmlns:a14="http://schemas.microsoft.com/office/drawing/2010/main" xmlns="" w="9525">
+                <a:solidFill>
+                  <a:srgbClr val="000000"/>
+                </a:solidFill>
+                <a:miter lim="800000"/>
+                <a:headEnd/>
+                <a:tailEnd/>
+              </a14:hiddenLine>
+            </a:ext>
+          </a:extLst>
+        </p:spPr>
+        <p:txBody>
+          <a:bodyPr vert="horz" wrap="square" lIns="143378" tIns="71689" rIns="143378" bIns="71689" numCol="1" anchor="t" anchorCtr="0" compatLnSpc="1">
+            <a:prstTxWarp prst="textNoShape">
+              <a:avLst/>
+            </a:prstTxWarp>
+          </a:bodyPr>
+          <a:lstStyle>
+            <a:lvl1pPr marL="0" indent="0" algn="l" defTabSz="715963" rtl="0" eaLnBrk="0" fontAlgn="base" hangingPunct="0">
+              <a:spcBef>
+                <a:spcPct val="20000"/>
+              </a:spcBef>
+              <a:spcAft>
+                <a:spcPct val="0"/>
+              </a:spcAft>
+              <a:buFont typeface="Arial" charset="0"/>
+              <a:buNone/>
+              <a:defRPr sz="1400" kern="1200">
+                <a:solidFill>
+                  <a:schemeClr val="tx1"/>
+                </a:solidFill>
+                <a:latin typeface="Helvetica Neue"/>
+                <a:ea typeface="Geneva" charset="-128"/>
+                <a:cs typeface="Helvetica Neue"/>
+              </a:defRPr>
+            </a:lvl1pPr>
+            <a:lvl2pPr marL="1163638" indent="-447675" algn="l" defTabSz="715963" rtl="0" eaLnBrk="0" fontAlgn="base" hangingPunct="0">
+              <a:spcBef>
+                <a:spcPct val="20000"/>
+              </a:spcBef>
+              <a:spcAft>
+                <a:spcPct val="0"/>
+              </a:spcAft>
+              <a:buFont typeface="Arial" charset="0"/>
+              <a:buNone/>
+              <a:defRPr sz="1800" kern="1200">
+                <a:solidFill>
+                  <a:schemeClr val="tx1"/>
+                </a:solidFill>
+                <a:latin typeface="Helvetica Neue"/>
+                <a:ea typeface="Geneva" charset="-128"/>
+                <a:cs typeface="Helvetica Neue"/>
+              </a:defRPr>
+            </a:lvl2pPr>
+            <a:lvl3pPr marL="1790700" indent="-357188" algn="l" defTabSz="715963" rtl="0" eaLnBrk="0" fontAlgn="base" hangingPunct="0">
+              <a:spcBef>
+                <a:spcPct val="20000"/>
+              </a:spcBef>
+              <a:spcAft>
+                <a:spcPct val="0"/>
+              </a:spcAft>
+              <a:buFont typeface="Arial" charset="0"/>
+              <a:buNone/>
+              <a:defRPr sz="1800" kern="1200">
+                <a:solidFill>
+                  <a:schemeClr val="tx1"/>
+                </a:solidFill>
+                <a:latin typeface="Helvetica Neue"/>
+                <a:ea typeface="Geneva" charset="-128"/>
+                <a:cs typeface="Helvetica Neue"/>
+              </a:defRPr>
+            </a:lvl3pPr>
+            <a:lvl4pPr marL="2508250" indent="-357188" algn="l" defTabSz="715963" rtl="0" eaLnBrk="0" fontAlgn="base" hangingPunct="0">
+              <a:spcBef>
+                <a:spcPct val="20000"/>
+              </a:spcBef>
+              <a:spcAft>
+                <a:spcPct val="0"/>
+              </a:spcAft>
+              <a:buFont typeface="Arial" charset="0"/>
+              <a:buNone/>
+              <a:defRPr sz="1800" kern="1200">
+                <a:solidFill>
+                  <a:schemeClr val="tx1"/>
+                </a:solidFill>
+                <a:latin typeface="Helvetica Neue"/>
+                <a:ea typeface="Geneva" charset="-128"/>
+                <a:cs typeface="Helvetica Neue"/>
+              </a:defRPr>
+            </a:lvl4pPr>
+            <a:lvl5pPr marL="3225800" indent="-357188" algn="l" defTabSz="715963" rtl="0" eaLnBrk="0" fontAlgn="base" hangingPunct="0">
+              <a:spcBef>
+                <a:spcPct val="20000"/>
+              </a:spcBef>
+              <a:spcAft>
+                <a:spcPct val="0"/>
+              </a:spcAft>
+              <a:buFont typeface="Arial" charset="0"/>
+              <a:buNone/>
+              <a:defRPr sz="1800" kern="1200">
+                <a:solidFill>
+                  <a:schemeClr val="tx1"/>
+                </a:solidFill>
+                <a:latin typeface="Helvetica Neue"/>
+                <a:ea typeface="Geneva" charset="-128"/>
+                <a:cs typeface="Helvetica Neue"/>
+              </a:defRPr>
+            </a:lvl5pPr>
+            <a:lvl6pPr marL="3942893" indent="-358445" algn="l" defTabSz="716890" rtl="0" eaLnBrk="1" latinLnBrk="0" hangingPunct="1">
+              <a:spcBef>
+                <a:spcPct val="20000"/>
+              </a:spcBef>
+              <a:buFont typeface="Arial"/>
+              <a:buChar char="•"/>
+              <a:defRPr sz="3100" kern="1200">
+                <a:solidFill>
+                  <a:schemeClr val="tx1"/>
+                </a:solidFill>
+                <a:latin typeface="+mn-lt"/>
+                <a:ea typeface="+mn-ea"/>
+                <a:cs typeface="+mn-cs"/>
+              </a:defRPr>
+            </a:lvl6pPr>
+            <a:lvl7pPr marL="4659782" indent="-358445" algn="l" defTabSz="716890" rtl="0" eaLnBrk="1" latinLnBrk="0" hangingPunct="1">
+              <a:spcBef>
+                <a:spcPct val="20000"/>
+              </a:spcBef>
+              <a:buFont typeface="Arial"/>
+              <a:buChar char="•"/>
+              <a:defRPr sz="3100" kern="1200">
+                <a:solidFill>
+                  <a:schemeClr val="tx1"/>
+                </a:solidFill>
+                <a:latin typeface="+mn-lt"/>
+                <a:ea typeface="+mn-ea"/>
+                <a:cs typeface="+mn-cs"/>
+              </a:defRPr>
+            </a:lvl7pPr>
+            <a:lvl8pPr marL="5376672" indent="-358445" algn="l" defTabSz="716890" rtl="0" eaLnBrk="1" latinLnBrk="0" hangingPunct="1">
+              <a:spcBef>
+                <a:spcPct val="20000"/>
+              </a:spcBef>
+              <a:buFont typeface="Arial"/>
+              <a:buChar char="•"/>
+              <a:defRPr sz="3100" kern="1200">
+                <a:solidFill>
+                  <a:schemeClr val="tx1"/>
+                </a:solidFill>
+                <a:latin typeface="+mn-lt"/>
+                <a:ea typeface="+mn-ea"/>
+                <a:cs typeface="+mn-cs"/>
+              </a:defRPr>
+            </a:lvl8pPr>
+            <a:lvl9pPr marL="6093562" indent="-358445" algn="l" defTabSz="716890" rtl="0" eaLnBrk="1" latinLnBrk="0" hangingPunct="1">
+              <a:spcBef>
+                <a:spcPct val="20000"/>
+              </a:spcBef>
+              <a:buFont typeface="Arial"/>
+              <a:buChar char="•"/>
+              <a:defRPr sz="3100" kern="1200">
+                <a:solidFill>
+                  <a:schemeClr val="tx1"/>
+                </a:solidFill>
+                <a:latin typeface="+mn-lt"/>
+                <a:ea typeface="+mn-ea"/>
+                <a:cs typeface="+mn-cs"/>
+              </a:defRPr>
+            </a:lvl9pPr>
+          </a:lstStyle>
+          <a:p>
+            <a:pPr marL="0" marR="0" lvl="0" indent="0" algn="l" defTabSz="715963" rtl="0" eaLnBrk="1" fontAlgn="base" latinLnBrk="0" hangingPunct="1">
+              <a:lnSpc>
+                <a:spcPct val="150000"/>
+              </a:lnSpc>
+              <a:spcBef>
+                <a:spcPct val="0"/>
+              </a:spcBef>
+              <a:spcAft>
+                <a:spcPct val="0"/>
+              </a:spcAft>
+              <a:buClrTx/>
+              <a:buSzTx/>
+              <a:buFontTx/>
+              <a:buNone/>
+              <a:tabLst/>
+              <a:defRPr/>
+            </a:pPr>
+            <a:r>
+              <a:rPr kumimoji="0" lang="en-US" sz="1800" b="0" i="0" u="none" strike="noStrike" kern="1200" cap="none" spc="0" normalizeH="0" baseline="0" noProof="0" dirty="0">
+                <a:ln>
+                  <a:noFill/>
+                </a:ln>
+                <a:solidFill>
+                  <a:prstClr val="black"/>
+                </a:solidFill>
+                <a:effectLst/>
+                <a:uLnTx/>
+                <a:uFillTx/>
+                <a:latin typeface="Bodoni MT" charset="0"/>
+                <a:ea typeface="Geneva" charset="-128"/>
+                <a:cs typeface="Helvetica Neue" charset="0"/>
+              </a:rPr>
+              <a:t>What's The Problem ?</a:t>
+            </a:r>
+            <a:endParaRPr lang="en-US" dirty="0">
+              <a:latin typeface="Helvetica Neue" charset="0"/>
+              <a:cs typeface="Helvetica Neue" charset="0"/>
+            </a:endParaRPr>
+          </a:p>
+          <a:p>
+            <a:pPr>
+              <a:lnSpc>
+                <a:spcPct val="150000"/>
+              </a:lnSpc>
+            </a:pPr>
+            <a:r>
+              <a:rPr lang="en-US" dirty="0">
+                <a:latin typeface="Helvetica Neue" charset="0"/>
+                <a:cs typeface="Helvetica Neue" charset="0"/>
+              </a:rPr>
+              <a:t>Traditional Lockboxes:</a:t>
+            </a:r>
+          </a:p>
+          <a:p>
+            <a:pPr marL="285750" indent="-285750">
+              <a:lnSpc>
+                <a:spcPct val="150000"/>
+              </a:lnSpc>
+              <a:buFont typeface="Arial" panose="020B0604020202020204" pitchFamily="34" charset="0"/>
+              <a:buChar char="•"/>
+            </a:pPr>
+            <a:r>
+              <a:rPr lang="en-US" dirty="0">
+                <a:latin typeface="Helvetica Neue" charset="0"/>
+                <a:cs typeface="Helvetica Neue" charset="0"/>
+              </a:rPr>
+              <a:t>Single shared access code → weak security &amp; no accountability.</a:t>
+            </a:r>
+          </a:p>
+          <a:p>
+            <a:pPr marL="285750" indent="-285750">
+              <a:lnSpc>
+                <a:spcPct val="150000"/>
+              </a:lnSpc>
+              <a:buFont typeface="Arial" panose="020B0604020202020204" pitchFamily="34" charset="0"/>
+              <a:buChar char="•"/>
+            </a:pPr>
+            <a:r>
+              <a:rPr lang="en-US" dirty="0">
+                <a:latin typeface="Helvetica Neue" charset="0"/>
+                <a:cs typeface="Helvetica Neue" charset="0"/>
+              </a:rPr>
+              <a:t>Manual logs → unreliable auditing.</a:t>
+            </a:r>
+          </a:p>
+          <a:p>
+            <a:pPr>
+              <a:lnSpc>
+                <a:spcPct val="150000"/>
+              </a:lnSpc>
+            </a:pPr>
+            <a:r>
+              <a:rPr lang="en-US" dirty="0">
+                <a:latin typeface="Helvetica Neue" charset="0"/>
+                <a:cs typeface="Helvetica Neue" charset="0"/>
+              </a:rPr>
+              <a:t>Digital Alternatives:</a:t>
+            </a:r>
+          </a:p>
+          <a:p>
+            <a:pPr marL="285750" indent="-285750">
+              <a:lnSpc>
+                <a:spcPct val="150000"/>
+              </a:lnSpc>
+              <a:buFont typeface="Arial" panose="020B0604020202020204" pitchFamily="34" charset="0"/>
+              <a:buChar char="•"/>
+            </a:pPr>
+            <a:r>
+              <a:rPr lang="en-US" dirty="0">
+                <a:latin typeface="Helvetica Neue" charset="0"/>
+                <a:cs typeface="Helvetica Neue" charset="0"/>
+              </a:rPr>
+              <a:t>Internet-dependent → vulnerable to remote attacks.</a:t>
+            </a:r>
+          </a:p>
+          <a:p>
+            <a:pPr marL="285750" indent="-285750">
+              <a:lnSpc>
+                <a:spcPct val="150000"/>
+              </a:lnSpc>
+              <a:buFont typeface="Arial" panose="020B0604020202020204" pitchFamily="34" charset="0"/>
+              <a:buChar char="•"/>
+            </a:pPr>
+            <a:r>
+              <a:rPr lang="en-US" dirty="0">
+                <a:latin typeface="Helvetica Neue" charset="0"/>
+                <a:cs typeface="Helvetica Neue" charset="0"/>
+              </a:rPr>
+              <a:t>Centralized databases → risk of data modification breaches.</a:t>
+            </a:r>
+          </a:p>
+        </p:txBody>
+      </p:sp>
+      <p:sp>
+        <p:nvSpPr>
+          <p:cNvPr id="13" name="Content Placeholder 7">
+            <a:extLst>
+              <a:ext uri="{FF2B5EF4-FFF2-40B4-BE49-F238E27FC236}">
+                <a16:creationId xmlns:a16="http://schemas.microsoft.com/office/drawing/2014/main" id="{7D1B335B-B64E-E8F6-0E42-DE8AF2311350}"/>
+              </a:ext>
+            </a:extLst>
+          </p:cNvPr>
+          <p:cNvSpPr txBox="1">
+            <a:spLocks/>
+          </p:cNvSpPr>
+          <p:nvPr/>
+        </p:nvSpPr>
+        <p:spPr bwMode="auto">
+          <a:xfrm>
+            <a:off x="2578962" y="1530488"/>
+            <a:ext cx="4417793" cy="2217569"/>
+          </a:xfrm>
+          <a:prstGeom prst="rect">
+            <a:avLst/>
+          </a:prstGeom>
+          <a:noFill/>
+          <a:ln w="9525">
+            <a:noFill/>
+            <a:miter lim="800000"/>
+            <a:headEnd/>
+            <a:tailEnd/>
+          </a:ln>
+          <a:extLst>
+            <a:ext uri="{909E8E84-426E-40dd-AFC4-6F175D3DCCD1}">
+              <a14:hiddenFill xmlns:a14="http://schemas.microsoft.com/office/drawing/2010/main" xmlns="">
+                <a:solidFill>
+                  <a:srgbClr val="FFFFFF"/>
+                </a:solidFill>
+              </a14:hiddenFill>
+            </a:ext>
+            <a:ext uri="{91240B29-F687-4f45-9708-019B960494DF}">
+              <a14:hiddenLine xmlns:a14="http://schemas.microsoft.com/office/drawing/2010/main" xmlns="" w="9525">
+                <a:solidFill>
+                  <a:srgbClr val="000000"/>
+                </a:solidFill>
+                <a:miter lim="800000"/>
+                <a:headEnd/>
+                <a:tailEnd/>
+              </a14:hiddenLine>
+            </a:ext>
+          </a:extLst>
+        </p:spPr>
+        <p:txBody>
+          <a:bodyPr vert="horz" wrap="square" lIns="143378" tIns="71689" rIns="143378" bIns="71689" numCol="1" anchor="t" anchorCtr="0" compatLnSpc="1">
+            <a:prstTxWarp prst="textNoShape">
+              <a:avLst/>
+            </a:prstTxWarp>
+          </a:bodyPr>
+          <a:lstStyle>
+            <a:lvl1pPr marL="0" indent="0" algn="l" defTabSz="715963" rtl="0" eaLnBrk="0" fontAlgn="base" hangingPunct="0">
+              <a:spcBef>
+                <a:spcPct val="20000"/>
+              </a:spcBef>
+              <a:spcAft>
+                <a:spcPct val="0"/>
+              </a:spcAft>
+              <a:buFont typeface="Arial" charset="0"/>
+              <a:buNone/>
+              <a:defRPr sz="1400" kern="1200">
+                <a:solidFill>
+                  <a:schemeClr val="tx1"/>
+                </a:solidFill>
+                <a:latin typeface="Helvetica Neue"/>
+                <a:ea typeface="Geneva" charset="-128"/>
+                <a:cs typeface="Helvetica Neue"/>
+              </a:defRPr>
+            </a:lvl1pPr>
+            <a:lvl2pPr marL="1163638" indent="-447675" algn="l" defTabSz="715963" rtl="0" eaLnBrk="0" fontAlgn="base" hangingPunct="0">
+              <a:spcBef>
+                <a:spcPct val="20000"/>
+              </a:spcBef>
+              <a:spcAft>
+                <a:spcPct val="0"/>
+              </a:spcAft>
+              <a:buFont typeface="Arial" charset="0"/>
+              <a:buNone/>
+              <a:defRPr sz="1800" kern="1200">
+                <a:solidFill>
+                  <a:schemeClr val="tx1"/>
+                </a:solidFill>
+                <a:latin typeface="Helvetica Neue"/>
+                <a:ea typeface="Geneva" charset="-128"/>
+                <a:cs typeface="Helvetica Neue"/>
+              </a:defRPr>
+            </a:lvl2pPr>
+            <a:lvl3pPr marL="1790700" indent="-357188" algn="l" defTabSz="715963" rtl="0" eaLnBrk="0" fontAlgn="base" hangingPunct="0">
+              <a:spcBef>
+                <a:spcPct val="20000"/>
+              </a:spcBef>
+              <a:spcAft>
+                <a:spcPct val="0"/>
+              </a:spcAft>
+              <a:buFont typeface="Arial" charset="0"/>
+              <a:buNone/>
+              <a:defRPr sz="1800" kern="1200">
+                <a:solidFill>
+                  <a:schemeClr val="tx1"/>
+                </a:solidFill>
+                <a:latin typeface="Helvetica Neue"/>
+                <a:ea typeface="Geneva" charset="-128"/>
+                <a:cs typeface="Helvetica Neue"/>
+              </a:defRPr>
+            </a:lvl3pPr>
+            <a:lvl4pPr marL="2508250" indent="-357188" algn="l" defTabSz="715963" rtl="0" eaLnBrk="0" fontAlgn="base" hangingPunct="0">
+              <a:spcBef>
+                <a:spcPct val="20000"/>
+              </a:spcBef>
+              <a:spcAft>
+                <a:spcPct val="0"/>
+              </a:spcAft>
+              <a:buFont typeface="Arial" charset="0"/>
+              <a:buNone/>
+              <a:defRPr sz="1800" kern="1200">
+                <a:solidFill>
+                  <a:schemeClr val="tx1"/>
+                </a:solidFill>
+                <a:latin typeface="Helvetica Neue"/>
+                <a:ea typeface="Geneva" charset="-128"/>
+                <a:cs typeface="Helvetica Neue"/>
+              </a:defRPr>
+            </a:lvl4pPr>
+            <a:lvl5pPr marL="3225800" indent="-357188" algn="l" defTabSz="715963" rtl="0" eaLnBrk="0" fontAlgn="base" hangingPunct="0">
+              <a:spcBef>
+                <a:spcPct val="20000"/>
+              </a:spcBef>
+              <a:spcAft>
+                <a:spcPct val="0"/>
+              </a:spcAft>
+              <a:buFont typeface="Arial" charset="0"/>
+              <a:buNone/>
+              <a:defRPr sz="1800" kern="1200">
+                <a:solidFill>
+                  <a:schemeClr val="tx1"/>
+                </a:solidFill>
+                <a:latin typeface="Helvetica Neue"/>
+                <a:ea typeface="Geneva" charset="-128"/>
+                <a:cs typeface="Helvetica Neue"/>
+              </a:defRPr>
+            </a:lvl5pPr>
+            <a:lvl6pPr marL="3942893" indent="-358445" algn="l" defTabSz="716890" rtl="0" eaLnBrk="1" latinLnBrk="0" hangingPunct="1">
+              <a:spcBef>
+                <a:spcPct val="20000"/>
+              </a:spcBef>
+              <a:buFont typeface="Arial"/>
+              <a:buChar char="•"/>
+              <a:defRPr sz="3100" kern="1200">
+                <a:solidFill>
+                  <a:schemeClr val="tx1"/>
+                </a:solidFill>
+                <a:latin typeface="+mn-lt"/>
+                <a:ea typeface="+mn-ea"/>
+                <a:cs typeface="+mn-cs"/>
+              </a:defRPr>
+            </a:lvl6pPr>
+            <a:lvl7pPr marL="4659782" indent="-358445" algn="l" defTabSz="716890" rtl="0" eaLnBrk="1" latinLnBrk="0" hangingPunct="1">
+              <a:spcBef>
+                <a:spcPct val="20000"/>
+              </a:spcBef>
+              <a:buFont typeface="Arial"/>
+              <a:buChar char="•"/>
+              <a:defRPr sz="3100" kern="1200">
+                <a:solidFill>
+                  <a:schemeClr val="tx1"/>
+                </a:solidFill>
+                <a:latin typeface="+mn-lt"/>
+                <a:ea typeface="+mn-ea"/>
+                <a:cs typeface="+mn-cs"/>
+              </a:defRPr>
+            </a:lvl7pPr>
+            <a:lvl8pPr marL="5376672" indent="-358445" algn="l" defTabSz="716890" rtl="0" eaLnBrk="1" latinLnBrk="0" hangingPunct="1">
+              <a:spcBef>
+                <a:spcPct val="20000"/>
+              </a:spcBef>
+              <a:buFont typeface="Arial"/>
+              <a:buChar char="•"/>
+              <a:defRPr sz="3100" kern="1200">
+                <a:solidFill>
+                  <a:schemeClr val="tx1"/>
+                </a:solidFill>
+                <a:latin typeface="+mn-lt"/>
+                <a:ea typeface="+mn-ea"/>
+                <a:cs typeface="+mn-cs"/>
+              </a:defRPr>
+            </a:lvl8pPr>
+            <a:lvl9pPr marL="6093562" indent="-358445" algn="l" defTabSz="716890" rtl="0" eaLnBrk="1" latinLnBrk="0" hangingPunct="1">
+              <a:spcBef>
+                <a:spcPct val="20000"/>
+              </a:spcBef>
+              <a:buFont typeface="Arial"/>
+              <a:buChar char="•"/>
+              <a:defRPr sz="3100" kern="1200">
+                <a:solidFill>
+                  <a:schemeClr val="tx1"/>
+                </a:solidFill>
+                <a:latin typeface="+mn-lt"/>
+                <a:ea typeface="+mn-ea"/>
+                <a:cs typeface="+mn-cs"/>
+              </a:defRPr>
+            </a:lvl9pPr>
+          </a:lstStyle>
+          <a:p>
+            <a:pPr marL="0" marR="0" lvl="0" indent="0" algn="l" defTabSz="715963" rtl="0" eaLnBrk="1" fontAlgn="base" latinLnBrk="0" hangingPunct="1">
+              <a:lnSpc>
+                <a:spcPct val="150000"/>
+              </a:lnSpc>
+              <a:spcBef>
+                <a:spcPct val="0"/>
+              </a:spcBef>
+              <a:spcAft>
+                <a:spcPct val="0"/>
+              </a:spcAft>
+              <a:buClrTx/>
+              <a:buSzTx/>
+              <a:buFontTx/>
+              <a:buNone/>
+              <a:tabLst/>
+              <a:defRPr/>
+            </a:pPr>
+            <a:r>
+              <a:rPr kumimoji="0" lang="en-US" sz="1800" b="0" i="0" u="none" strike="noStrike" kern="1200" cap="none" spc="0" normalizeH="0" baseline="0" noProof="0" dirty="0">
+                <a:ln>
+                  <a:noFill/>
+                </a:ln>
+                <a:solidFill>
+                  <a:prstClr val="black"/>
+                </a:solidFill>
+                <a:effectLst/>
+                <a:uLnTx/>
+                <a:uFillTx/>
+                <a:latin typeface="Bodoni MT" charset="0"/>
+                <a:ea typeface="Geneva" charset="-128"/>
+                <a:cs typeface="Helvetica Neue" charset="0"/>
+              </a:rPr>
+              <a:t>What’s Our Solution ?</a:t>
+            </a:r>
+            <a:endParaRPr lang="en-US" dirty="0">
+              <a:latin typeface="Arial" charset="0"/>
+              <a:cs typeface="Arial" charset="0"/>
+            </a:endParaRPr>
+          </a:p>
+          <a:p>
+            <a:pPr>
+              <a:lnSpc>
+                <a:spcPct val="150000"/>
+              </a:lnSpc>
+            </a:pPr>
+            <a:r>
+              <a:rPr lang="en-US" dirty="0">
+                <a:latin typeface="Helvetica Neue" charset="0"/>
+                <a:cs typeface="Helvetica Neue" charset="0"/>
+              </a:rPr>
+              <a:t>BlowChain proposes an advanced digital lockbox, combining environmental sensing, offline architecture, and blockchain based accountability to remove user error from lockbox security.</a:t>
+            </a:r>
+          </a:p>
+          <a:p>
+            <a:endParaRPr lang="en-US" dirty="0">
+              <a:latin typeface="Helvetica Neue" charset="0"/>
+              <a:cs typeface="Helvetica Neue" charset="0"/>
+            </a:endParaRPr>
+          </a:p>
+        </p:txBody>
+      </p:sp>
+      <p:sp>
+        <p:nvSpPr>
+          <p:cNvPr id="14" name="Content Placeholder 7">
+            <a:extLst>
+              <a:ext uri="{FF2B5EF4-FFF2-40B4-BE49-F238E27FC236}">
+                <a16:creationId xmlns:a16="http://schemas.microsoft.com/office/drawing/2014/main" id="{39A3CF79-0218-5F61-3312-E760D514C364}"/>
+              </a:ext>
+            </a:extLst>
+          </p:cNvPr>
+          <p:cNvSpPr txBox="1">
+            <a:spLocks/>
+          </p:cNvSpPr>
+          <p:nvPr/>
+        </p:nvSpPr>
+        <p:spPr bwMode="auto">
+          <a:xfrm>
+            <a:off x="7306605" y="6256463"/>
+            <a:ext cx="2828036" cy="4218525"/>
+          </a:xfrm>
+          <a:prstGeom prst="rect">
+            <a:avLst/>
+          </a:prstGeom>
+          <a:noFill/>
+          <a:ln w="9525">
+            <a:noFill/>
+            <a:miter lim="800000"/>
+            <a:headEnd/>
+            <a:tailEnd/>
+          </a:ln>
+          <a:extLst>
+            <a:ext uri="{909E8E84-426E-40dd-AFC4-6F175D3DCCD1}">
+              <a14:hiddenFill xmlns:a14="http://schemas.microsoft.com/office/drawing/2010/main" xmlns="">
+                <a:solidFill>
+                  <a:srgbClr val="FFFFFF"/>
+                </a:solidFill>
+              </a14:hiddenFill>
+            </a:ext>
+            <a:ext uri="{91240B29-F687-4f45-9708-019B960494DF}">
+              <a14:hiddenLine xmlns:a14="http://schemas.microsoft.com/office/drawing/2010/main" xmlns="" w="9525">
+                <a:solidFill>
+                  <a:srgbClr val="000000"/>
+                </a:solidFill>
+                <a:miter lim="800000"/>
+                <a:headEnd/>
+                <a:tailEnd/>
+              </a14:hiddenLine>
+            </a:ext>
+          </a:extLst>
+        </p:spPr>
+        <p:txBody>
+          <a:bodyPr vert="horz" wrap="square" lIns="143378" tIns="71689" rIns="143378" bIns="71689" numCol="1" anchor="t" anchorCtr="0" compatLnSpc="1">
+            <a:prstTxWarp prst="textNoShape">
+              <a:avLst/>
+            </a:prstTxWarp>
+          </a:bodyPr>
+          <a:lstStyle>
+            <a:lvl1pPr marL="0" indent="0" algn="l" defTabSz="715963" rtl="0" eaLnBrk="0" fontAlgn="base" hangingPunct="0">
+              <a:spcBef>
+                <a:spcPct val="20000"/>
+              </a:spcBef>
+              <a:spcAft>
+                <a:spcPct val="0"/>
+              </a:spcAft>
+              <a:buFont typeface="Arial" charset="0"/>
+              <a:buNone/>
+              <a:defRPr sz="1400" kern="1200">
+                <a:solidFill>
+                  <a:schemeClr val="tx1"/>
+                </a:solidFill>
+                <a:latin typeface="Helvetica Neue"/>
+                <a:ea typeface="Geneva" charset="-128"/>
+                <a:cs typeface="Helvetica Neue"/>
+              </a:defRPr>
+            </a:lvl1pPr>
+            <a:lvl2pPr marL="1163638" indent="-447675" algn="l" defTabSz="715963" rtl="0" eaLnBrk="0" fontAlgn="base" hangingPunct="0">
+              <a:spcBef>
+                <a:spcPct val="20000"/>
+              </a:spcBef>
+              <a:spcAft>
+                <a:spcPct val="0"/>
+              </a:spcAft>
+              <a:buFont typeface="Arial" charset="0"/>
+              <a:buNone/>
+              <a:defRPr sz="1800" kern="1200">
+                <a:solidFill>
+                  <a:schemeClr val="tx1"/>
+                </a:solidFill>
+                <a:latin typeface="Helvetica Neue"/>
+                <a:ea typeface="Geneva" charset="-128"/>
+                <a:cs typeface="Helvetica Neue"/>
+              </a:defRPr>
+            </a:lvl2pPr>
+            <a:lvl3pPr marL="1790700" indent="-357188" algn="l" defTabSz="715963" rtl="0" eaLnBrk="0" fontAlgn="base" hangingPunct="0">
+              <a:spcBef>
+                <a:spcPct val="20000"/>
+              </a:spcBef>
+              <a:spcAft>
+                <a:spcPct val="0"/>
+              </a:spcAft>
+              <a:buFont typeface="Arial" charset="0"/>
+              <a:buNone/>
+              <a:defRPr sz="1800" kern="1200">
+                <a:solidFill>
+                  <a:schemeClr val="tx1"/>
+                </a:solidFill>
+                <a:latin typeface="Helvetica Neue"/>
+                <a:ea typeface="Geneva" charset="-128"/>
+                <a:cs typeface="Helvetica Neue"/>
+              </a:defRPr>
+            </a:lvl3pPr>
+            <a:lvl4pPr marL="2508250" indent="-357188" algn="l" defTabSz="715963" rtl="0" eaLnBrk="0" fontAlgn="base" hangingPunct="0">
+              <a:spcBef>
+                <a:spcPct val="20000"/>
+              </a:spcBef>
+              <a:spcAft>
+                <a:spcPct val="0"/>
+              </a:spcAft>
+              <a:buFont typeface="Arial" charset="0"/>
+              <a:buNone/>
+              <a:defRPr sz="1800" kern="1200">
+                <a:solidFill>
+                  <a:schemeClr val="tx1"/>
+                </a:solidFill>
+                <a:latin typeface="Helvetica Neue"/>
+                <a:ea typeface="Geneva" charset="-128"/>
+                <a:cs typeface="Helvetica Neue"/>
+              </a:defRPr>
+            </a:lvl4pPr>
+            <a:lvl5pPr marL="3225800" indent="-357188" algn="l" defTabSz="715963" rtl="0" eaLnBrk="0" fontAlgn="base" hangingPunct="0">
+              <a:spcBef>
+                <a:spcPct val="20000"/>
+              </a:spcBef>
+              <a:spcAft>
+                <a:spcPct val="0"/>
+              </a:spcAft>
+              <a:buFont typeface="Arial" charset="0"/>
+              <a:buNone/>
+              <a:defRPr sz="1800" kern="1200">
+                <a:solidFill>
+                  <a:schemeClr val="tx1"/>
+                </a:solidFill>
+                <a:latin typeface="Helvetica Neue"/>
+                <a:ea typeface="Geneva" charset="-128"/>
+                <a:cs typeface="Helvetica Neue"/>
+              </a:defRPr>
+            </a:lvl5pPr>
+            <a:lvl6pPr marL="3942893" indent="-358445" algn="l" defTabSz="716890" rtl="0" eaLnBrk="1" latinLnBrk="0" hangingPunct="1">
+              <a:spcBef>
+                <a:spcPct val="20000"/>
+              </a:spcBef>
+              <a:buFont typeface="Arial"/>
+              <a:buChar char="•"/>
+              <a:defRPr sz="3100" kern="1200">
+                <a:solidFill>
+                  <a:schemeClr val="tx1"/>
+                </a:solidFill>
+                <a:latin typeface="+mn-lt"/>
+                <a:ea typeface="+mn-ea"/>
+                <a:cs typeface="+mn-cs"/>
+              </a:defRPr>
+            </a:lvl6pPr>
+            <a:lvl7pPr marL="4659782" indent="-358445" algn="l" defTabSz="716890" rtl="0" eaLnBrk="1" latinLnBrk="0" hangingPunct="1">
+              <a:spcBef>
+                <a:spcPct val="20000"/>
+              </a:spcBef>
+              <a:buFont typeface="Arial"/>
+              <a:buChar char="•"/>
+              <a:defRPr sz="3100" kern="1200">
+                <a:solidFill>
+                  <a:schemeClr val="tx1"/>
+                </a:solidFill>
+                <a:latin typeface="+mn-lt"/>
+                <a:ea typeface="+mn-ea"/>
+                <a:cs typeface="+mn-cs"/>
+              </a:defRPr>
+            </a:lvl7pPr>
+            <a:lvl8pPr marL="5376672" indent="-358445" algn="l" defTabSz="716890" rtl="0" eaLnBrk="1" latinLnBrk="0" hangingPunct="1">
+              <a:spcBef>
+                <a:spcPct val="20000"/>
+              </a:spcBef>
+              <a:buFont typeface="Arial"/>
+              <a:buChar char="•"/>
+              <a:defRPr sz="3100" kern="1200">
+                <a:solidFill>
+                  <a:schemeClr val="tx1"/>
+                </a:solidFill>
+                <a:latin typeface="+mn-lt"/>
+                <a:ea typeface="+mn-ea"/>
+                <a:cs typeface="+mn-cs"/>
+              </a:defRPr>
+            </a:lvl8pPr>
+            <a:lvl9pPr marL="6093562" indent="-358445" algn="l" defTabSz="716890" rtl="0" eaLnBrk="1" latinLnBrk="0" hangingPunct="1">
+              <a:spcBef>
+                <a:spcPct val="20000"/>
+              </a:spcBef>
+              <a:buFont typeface="Arial"/>
+              <a:buChar char="•"/>
+              <a:defRPr sz="3100" kern="1200">
+                <a:solidFill>
+                  <a:schemeClr val="tx1"/>
+                </a:solidFill>
+                <a:latin typeface="+mn-lt"/>
+                <a:ea typeface="+mn-ea"/>
+                <a:cs typeface="+mn-cs"/>
+              </a:defRPr>
+            </a:lvl9pPr>
+          </a:lstStyle>
+          <a:p>
+            <a:pPr marL="0" marR="0" lvl="0" indent="0" algn="l" defTabSz="715963" rtl="0" eaLnBrk="1" fontAlgn="base" latinLnBrk="0" hangingPunct="1">
+              <a:lnSpc>
+                <a:spcPct val="150000"/>
+              </a:lnSpc>
+              <a:spcBef>
+                <a:spcPct val="0"/>
+              </a:spcBef>
+              <a:spcAft>
+                <a:spcPct val="0"/>
+              </a:spcAft>
+              <a:buClrTx/>
+              <a:buSzTx/>
+              <a:buFontTx/>
+              <a:buNone/>
+              <a:tabLst/>
+              <a:defRPr/>
+            </a:pPr>
+            <a:r>
+              <a:rPr kumimoji="0" lang="en-US" sz="1800" b="0" i="0" u="none" strike="noStrike" kern="1200" cap="none" spc="0" normalizeH="0" baseline="0" noProof="0" dirty="0">
+                <a:ln>
+                  <a:noFill/>
+                </a:ln>
+                <a:solidFill>
+                  <a:prstClr val="black"/>
+                </a:solidFill>
+                <a:effectLst/>
+                <a:uLnTx/>
+                <a:uFillTx/>
+                <a:latin typeface="Bodoni MT" charset="0"/>
+                <a:ea typeface="Geneva" charset="-128"/>
+                <a:cs typeface="Helvetica Neue" charset="0"/>
+              </a:rPr>
+              <a:t>Who Needs It ?</a:t>
+            </a:r>
+            <a:endParaRPr lang="en-US" dirty="0">
+              <a:latin typeface="Arial" charset="0"/>
+              <a:cs typeface="Arial" charset="0"/>
+            </a:endParaRPr>
+          </a:p>
+          <a:p>
+            <a:pPr marL="285750" indent="-285750">
+              <a:lnSpc>
+                <a:spcPct val="150000"/>
+              </a:lnSpc>
+              <a:buFont typeface="Arial" panose="020B0604020202020204" pitchFamily="34" charset="0"/>
+              <a:buChar char="•"/>
+            </a:pPr>
+            <a:r>
+              <a:rPr lang="en-US" dirty="0">
+                <a:latin typeface="Helvetica Neue" charset="0"/>
+                <a:cs typeface="Helvetica Neue" charset="0"/>
+              </a:rPr>
+              <a:t>Real estate (secure property showings).</a:t>
+            </a:r>
+          </a:p>
+          <a:p>
+            <a:pPr marL="285750" indent="-285750">
+              <a:lnSpc>
+                <a:spcPct val="150000"/>
+              </a:lnSpc>
+              <a:buFont typeface="Arial" panose="020B0604020202020204" pitchFamily="34" charset="0"/>
+              <a:buChar char="•"/>
+            </a:pPr>
+            <a:r>
+              <a:rPr lang="en-US" dirty="0">
+                <a:latin typeface="Helvetica Neue" charset="0"/>
+                <a:cs typeface="Helvetica Neue" charset="0"/>
+              </a:rPr>
+              <a:t>Rental units (self-check-in with logs).</a:t>
+            </a:r>
+          </a:p>
+          <a:p>
+            <a:pPr marL="285750" indent="-285750">
+              <a:lnSpc>
+                <a:spcPct val="150000"/>
+              </a:lnSpc>
+              <a:buFont typeface="Arial" panose="020B0604020202020204" pitchFamily="34" charset="0"/>
+              <a:buChar char="•"/>
+            </a:pPr>
+            <a:r>
+              <a:rPr lang="en-US" dirty="0">
+                <a:latin typeface="Helvetica Neue" charset="0"/>
+                <a:cs typeface="Helvetica Neue" charset="0"/>
+              </a:rPr>
+              <a:t>Shared facilities (granular access control).</a:t>
+            </a:r>
+          </a:p>
+          <a:p>
+            <a:pPr marL="285750" indent="-285750">
+              <a:lnSpc>
+                <a:spcPct val="150000"/>
+              </a:lnSpc>
+              <a:buFont typeface="Arial" panose="020B0604020202020204" pitchFamily="34" charset="0"/>
+              <a:buChar char="•"/>
+            </a:pPr>
+            <a:r>
+              <a:rPr lang="en-US" dirty="0">
+                <a:latin typeface="Helvetica Neue" charset="0"/>
+                <a:cs typeface="Helvetica Neue" charset="0"/>
+              </a:rPr>
+              <a:t>Companies that create or access intellectual property that needs to be stored.</a:t>
+            </a:r>
+          </a:p>
+        </p:txBody>
+      </p:sp>
+      <p:graphicFrame>
+        <p:nvGraphicFramePr>
+          <p:cNvPr id="15" name="Table 14">
+            <a:extLst>
+              <a:ext uri="{FF2B5EF4-FFF2-40B4-BE49-F238E27FC236}">
+                <a16:creationId xmlns:a16="http://schemas.microsoft.com/office/drawing/2014/main" id="{4D65770C-F915-458F-597A-677A59B92209}"/>
+              </a:ext>
+            </a:extLst>
+          </p:cNvPr>
+          <p:cNvGraphicFramePr>
+            <a:graphicFrameLocks noGrp="1"/>
+          </p:cNvGraphicFramePr>
+          <p:nvPr/>
+        </p:nvGraphicFramePr>
+        <p:xfrm>
+          <a:off x="10693898" y="1617276"/>
+          <a:ext cx="3578598" cy="8260078"/>
+        </p:xfrm>
+        <a:graphic>
+          <a:graphicData uri="http://schemas.openxmlformats.org/drawingml/2006/table">
+            <a:tbl>
+              <a:tblPr firstRow="1" bandRow="1">
+                <a:tableStyleId>{69012ECD-51FC-41F1-AA8D-1B2483CD663E}</a:tableStyleId>
+              </a:tblPr>
+              <a:tblGrid>
+                <a:gridCol w="1890007">
+                  <a:extLst>
+                    <a:ext uri="{9D8B030D-6E8A-4147-A177-3AD203B41FA5}">
+                      <a16:colId xmlns:a16="http://schemas.microsoft.com/office/drawing/2014/main" val="2063823472"/>
+                    </a:ext>
+                  </a:extLst>
+                </a:gridCol>
+                <a:gridCol w="1688591">
+                  <a:extLst>
+                    <a:ext uri="{9D8B030D-6E8A-4147-A177-3AD203B41FA5}">
+                      <a16:colId xmlns:a16="http://schemas.microsoft.com/office/drawing/2014/main" val="1522963484"/>
+                    </a:ext>
+                  </a:extLst>
+                </a:gridCol>
+              </a:tblGrid>
+              <a:tr h="595406">
+                <a:tc>
+                  <a:txBody>
+                    <a:bodyPr/>
+                    <a:lstStyle/>
+                    <a:p>
+                      <a:pPr algn="l">
+                        <a:lnSpc>
+                          <a:spcPct val="100000"/>
+                        </a:lnSpc>
+                      </a:pPr>
+                      <a:r>
+                        <a:rPr lang="en-AU" sz="1600" b="1" kern="1200" dirty="0">
+                          <a:solidFill>
+                            <a:schemeClr val="lt1"/>
+                          </a:solidFill>
+                          <a:effectLst/>
+                        </a:rPr>
+                        <a:t>Feature</a:t>
+                      </a:r>
+                      <a:endParaRPr lang="en-AU" sz="1600" dirty="0"/>
+                    </a:p>
+                  </a:txBody>
+                  <a:tcPr anchor="ctr">
+                    <a:lnR w="12700" cap="flat" cmpd="sng" algn="ctr">
+                      <a:solidFill>
+                        <a:schemeClr val="tx1"/>
+                      </a:solidFill>
+                      <a:prstDash val="solid"/>
+                      <a:round/>
+                      <a:headEnd type="none" w="med" len="med"/>
+                      <a:tailEnd type="none" w="med" len="med"/>
+                    </a:lnR>
+                  </a:tcPr>
+                </a:tc>
+                <a:tc>
+                  <a:txBody>
+                    <a:bodyPr/>
+                    <a:lstStyle/>
+                    <a:p>
+                      <a:pPr algn="l">
+                        <a:lnSpc>
+                          <a:spcPct val="100000"/>
+                        </a:lnSpc>
+                      </a:pPr>
+                      <a:r>
+                        <a:rPr lang="en-AU" sz="1600" b="1" kern="1200" dirty="0">
+                          <a:solidFill>
+                            <a:schemeClr val="lt1"/>
+                          </a:solidFill>
+                          <a:effectLst/>
+                        </a:rPr>
+                        <a:t>Benefit</a:t>
+                      </a:r>
+                      <a:endParaRPr lang="en-AU" sz="1600" dirty="0"/>
+                    </a:p>
+                  </a:txBody>
+                  <a:tcPr anchor="ctr">
+                    <a:lnL w="12700" cap="flat" cmpd="sng" algn="ctr">
+                      <a:solidFill>
+                        <a:schemeClr val="tx1"/>
+                      </a:solidFill>
+                      <a:prstDash val="solid"/>
+                      <a:round/>
+                      <a:headEnd type="none" w="med" len="med"/>
+                      <a:tailEnd type="none" w="med" len="med"/>
+                    </a:lnL>
+                  </a:tcPr>
+                </a:tc>
+                <a:extLst>
+                  <a:ext uri="{0D108BD9-81ED-4DB2-BD59-A6C34878D82A}">
+                    <a16:rowId xmlns:a16="http://schemas.microsoft.com/office/drawing/2014/main" val="2569739377"/>
+                  </a:ext>
+                </a:extLst>
+              </a:tr>
+              <a:tr h="1671252">
+                <a:tc>
+                  <a:txBody>
+                    <a:bodyPr/>
+                    <a:lstStyle/>
+                    <a:p>
+                      <a:pPr algn="l">
+                        <a:lnSpc>
+                          <a:spcPct val="100000"/>
+                        </a:lnSpc>
+                      </a:pPr>
+                      <a:r>
+                        <a:rPr lang="en-AU" sz="1600" b="1" kern="1200" dirty="0">
+                          <a:solidFill>
+                            <a:schemeClr val="dk1"/>
+                          </a:solidFill>
+                          <a:effectLst/>
+                        </a:rPr>
+                        <a:t>Human Presence Detection</a:t>
+                      </a:r>
+                      <a:br>
+                        <a:rPr lang="en-AU" sz="1600" dirty="0"/>
+                      </a:br>
+                      <a:r>
+                        <a:rPr lang="en-AU" sz="1600" b="0" kern="1200" dirty="0">
+                          <a:solidFill>
+                            <a:schemeClr val="dk1"/>
+                          </a:solidFill>
+                          <a:effectLst/>
+                        </a:rPr>
+                        <a:t>(CO₂ + particle sensors)</a:t>
+                      </a:r>
+                      <a:endParaRPr lang="en-AU" sz="1600" dirty="0"/>
+                    </a:p>
+                  </a:txBody>
+                  <a:tcPr anchor="ctr">
+                    <a:lnR w="12700" cap="flat" cmpd="sng" algn="ctr">
+                      <a:solidFill>
+                        <a:schemeClr val="tx1"/>
+                      </a:solidFill>
+                      <a:prstDash val="solid"/>
+                      <a:round/>
+                      <a:headEnd type="none" w="med" len="med"/>
+                      <a:tailEnd type="none" w="med" len="med"/>
+                    </a:lnR>
+                  </a:tcPr>
+                </a:tc>
+                <a:tc>
+                  <a:txBody>
+                    <a:bodyPr/>
+                    <a:lstStyle/>
+                    <a:p>
+                      <a:pPr algn="l">
+                        <a:lnSpc>
+                          <a:spcPct val="100000"/>
+                        </a:lnSpc>
+                      </a:pPr>
+                      <a:r>
+                        <a:rPr lang="en-US" sz="1600" dirty="0">
+                          <a:effectLst/>
+                        </a:rPr>
+                        <a:t>Prevents spoofing by verifying access attempt is by a human.</a:t>
+                      </a:r>
+                    </a:p>
+                  </a:txBody>
+                  <a:tcPr marL="123825" marR="123825" marT="57150" marB="57150" anchor="ctr">
+                    <a:lnL w="12700" cap="flat" cmpd="sng" algn="ctr">
+                      <a:solidFill>
+                        <a:schemeClr val="tx1"/>
+                      </a:solidFill>
+                      <a:prstDash val="solid"/>
+                      <a:round/>
+                      <a:headEnd type="none" w="med" len="med"/>
+                      <a:tailEnd type="none" w="med" len="med"/>
+                    </a:lnL>
+                  </a:tcPr>
+                </a:tc>
+                <a:extLst>
+                  <a:ext uri="{0D108BD9-81ED-4DB2-BD59-A6C34878D82A}">
+                    <a16:rowId xmlns:a16="http://schemas.microsoft.com/office/drawing/2014/main" val="1490514185"/>
+                  </a:ext>
+                </a:extLst>
+              </a:tr>
+              <a:tr h="1049784">
+                <a:tc>
+                  <a:txBody>
+                    <a:bodyPr/>
+                    <a:lstStyle/>
+                    <a:p>
+                      <a:pPr algn="l">
+                        <a:lnSpc>
+                          <a:spcPct val="100000"/>
+                        </a:lnSpc>
+                      </a:pPr>
+                      <a:r>
+                        <a:rPr lang="en-AU" sz="1600" b="1" dirty="0">
+                          <a:effectLst/>
+                        </a:rPr>
+                        <a:t>Blockchain Immutable Logs</a:t>
+                      </a:r>
+                      <a:endParaRPr lang="en-AU" sz="1600" dirty="0">
+                        <a:effectLst/>
+                      </a:endParaRPr>
+                    </a:p>
+                  </a:txBody>
+                  <a:tcPr marL="123825" marR="123825" marT="57150" marB="57150" anchor="ctr">
+                    <a:lnR w="12700" cap="flat" cmpd="sng" algn="ctr">
+                      <a:solidFill>
+                        <a:schemeClr val="tx1"/>
+                      </a:solidFill>
+                      <a:prstDash val="solid"/>
+                      <a:round/>
+                      <a:headEnd type="none" w="med" len="med"/>
+                      <a:tailEnd type="none" w="med" len="med"/>
+                    </a:lnR>
+                  </a:tcPr>
+                </a:tc>
+                <a:tc>
+                  <a:txBody>
+                    <a:bodyPr/>
+                    <a:lstStyle/>
+                    <a:p>
+                      <a:pPr algn="l">
+                        <a:lnSpc>
+                          <a:spcPct val="100000"/>
+                        </a:lnSpc>
+                      </a:pPr>
+                      <a:r>
+                        <a:rPr lang="en-US" sz="1600" dirty="0">
+                          <a:effectLst/>
+                        </a:rPr>
+                        <a:t>Tamper-proof record of all events.</a:t>
+                      </a:r>
+                    </a:p>
+                  </a:txBody>
+                  <a:tcPr marL="123825" marR="123825" marT="57150" marB="57150" anchor="ctr">
+                    <a:lnL w="12700" cap="flat" cmpd="sng" algn="ctr">
+                      <a:solidFill>
+                        <a:schemeClr val="tx1"/>
+                      </a:solidFill>
+                      <a:prstDash val="solid"/>
+                      <a:round/>
+                      <a:headEnd type="none" w="med" len="med"/>
+                      <a:tailEnd type="none" w="med" len="med"/>
+                    </a:lnL>
+                  </a:tcPr>
+                </a:tc>
+                <a:extLst>
+                  <a:ext uri="{0D108BD9-81ED-4DB2-BD59-A6C34878D82A}">
+                    <a16:rowId xmlns:a16="http://schemas.microsoft.com/office/drawing/2014/main" val="2186911723"/>
+                  </a:ext>
+                </a:extLst>
+              </a:tr>
+              <a:tr h="2045239">
+                <a:tc>
+                  <a:txBody>
+                    <a:bodyPr/>
+                    <a:lstStyle/>
+                    <a:p>
+                      <a:pPr marL="0" marR="0" lvl="0" indent="0" algn="l" defTabSz="716890" rtl="0" eaLnBrk="1" fontAlgn="auto" latinLnBrk="0" hangingPunct="1">
+                        <a:lnSpc>
+                          <a:spcPct val="100000"/>
+                        </a:lnSpc>
+                        <a:spcBef>
+                          <a:spcPts val="0"/>
+                        </a:spcBef>
+                        <a:spcAft>
+                          <a:spcPts val="0"/>
+                        </a:spcAft>
+                        <a:buClrTx/>
+                        <a:buSzTx/>
+                        <a:buFontTx/>
+                        <a:buNone/>
+                        <a:tabLst/>
+                        <a:defRPr/>
+                      </a:pPr>
+                      <a:r>
+                        <a:rPr lang="en-US" sz="1600" b="1" kern="1200" dirty="0">
+                          <a:solidFill>
+                            <a:schemeClr val="dk1"/>
+                          </a:solidFill>
+                          <a:effectLst/>
+                        </a:rPr>
+                        <a:t>Dynamic Access Tokens</a:t>
+                      </a:r>
+                      <a:br>
+                        <a:rPr lang="en-US" sz="1600" dirty="0"/>
+                      </a:br>
+                      <a:r>
+                        <a:rPr lang="en-US" sz="1600" b="0" kern="1200" dirty="0">
+                          <a:solidFill>
+                            <a:schemeClr val="dk1"/>
+                          </a:solidFill>
+                          <a:effectLst/>
+                        </a:rPr>
+                        <a:t>(NFT-based credentials)</a:t>
+                      </a:r>
+                      <a:endParaRPr lang="en-AU" sz="1600" dirty="0"/>
+                    </a:p>
+                    <a:p>
+                      <a:pPr algn="l">
+                        <a:lnSpc>
+                          <a:spcPct val="100000"/>
+                        </a:lnSpc>
+                      </a:pPr>
+                      <a:endParaRPr lang="en-AU" sz="1600" dirty="0"/>
+                    </a:p>
+                  </a:txBody>
+                  <a:tcPr anchor="ctr">
+                    <a:lnR w="12700" cap="flat" cmpd="sng" algn="ctr">
+                      <a:solidFill>
+                        <a:schemeClr val="tx1"/>
+                      </a:solidFill>
+                      <a:prstDash val="solid"/>
+                      <a:round/>
+                      <a:headEnd type="none" w="med" len="med"/>
+                      <a:tailEnd type="none" w="med" len="med"/>
+                    </a:lnR>
+                  </a:tcPr>
+                </a:tc>
+                <a:tc>
+                  <a:txBody>
+                    <a:bodyPr/>
+                    <a:lstStyle/>
+                    <a:p>
+                      <a:pPr marL="0" marR="0" lvl="0" indent="0" algn="l" defTabSz="716890" rtl="0" eaLnBrk="1" fontAlgn="auto" latinLnBrk="0" hangingPunct="1">
+                        <a:lnSpc>
+                          <a:spcPct val="100000"/>
+                        </a:lnSpc>
+                        <a:spcBef>
+                          <a:spcPts val="0"/>
+                        </a:spcBef>
+                        <a:spcAft>
+                          <a:spcPts val="0"/>
+                        </a:spcAft>
+                        <a:buClrTx/>
+                        <a:buSzTx/>
+                        <a:buFontTx/>
+                        <a:buNone/>
+                        <a:tabLst/>
+                        <a:defRPr/>
+                      </a:pPr>
+                      <a:r>
+                        <a:rPr lang="en-US" sz="1600" b="0" kern="1200" dirty="0">
+                          <a:solidFill>
+                            <a:schemeClr val="dk1"/>
+                          </a:solidFill>
+                          <a:effectLst/>
+                        </a:rPr>
+                        <a:t>Time-bound, revocable permissions per user (no static codes).</a:t>
+                      </a:r>
+                      <a:endParaRPr lang="en-AU" sz="1600" dirty="0">
+                        <a:effectLst/>
+                      </a:endParaRPr>
+                    </a:p>
+                    <a:p>
+                      <a:pPr algn="l">
+                        <a:lnSpc>
+                          <a:spcPct val="100000"/>
+                        </a:lnSpc>
+                      </a:pPr>
+                      <a:endParaRPr lang="en-AU" sz="1600" dirty="0">
+                        <a:effectLst/>
+                      </a:endParaRPr>
+                    </a:p>
+                  </a:txBody>
+                  <a:tcPr marL="123825" marR="123825" marT="57150" marB="57150" anchor="ctr">
+                    <a:lnL w="12700" cap="flat" cmpd="sng" algn="ctr">
+                      <a:solidFill>
+                        <a:schemeClr val="tx1"/>
+                      </a:solidFill>
+                      <a:prstDash val="solid"/>
+                      <a:round/>
+                      <a:headEnd type="none" w="med" len="med"/>
+                      <a:tailEnd type="none" w="med" len="med"/>
+                    </a:lnL>
+                  </a:tcPr>
+                </a:tc>
+                <a:extLst>
+                  <a:ext uri="{0D108BD9-81ED-4DB2-BD59-A6C34878D82A}">
+                    <a16:rowId xmlns:a16="http://schemas.microsoft.com/office/drawing/2014/main" val="2025755874"/>
+                  </a:ext>
+                </a:extLst>
+              </a:tr>
+              <a:tr h="1262206">
+                <a:tc>
+                  <a:txBody>
+                    <a:bodyPr/>
+                    <a:lstStyle/>
+                    <a:p>
+                      <a:pPr algn="l">
+                        <a:lnSpc>
+                          <a:spcPct val="100000"/>
+                        </a:lnSpc>
+                      </a:pPr>
+                      <a:r>
+                        <a:rPr lang="en-AU" sz="1600" b="1" kern="1200" dirty="0">
+                          <a:solidFill>
+                            <a:schemeClr val="dk1"/>
+                          </a:solidFill>
+                          <a:effectLst/>
+                        </a:rPr>
+                        <a:t>Tamper Detection</a:t>
+                      </a:r>
+                      <a:br>
+                        <a:rPr lang="en-AU" sz="1600" dirty="0"/>
+                      </a:br>
+                      <a:r>
+                        <a:rPr lang="en-AU" sz="1600" b="0" kern="1200" dirty="0">
+                          <a:solidFill>
+                            <a:schemeClr val="dk1"/>
+                          </a:solidFill>
+                          <a:effectLst/>
+                        </a:rPr>
+                        <a:t>(Magnetometer trigger)</a:t>
+                      </a:r>
+                      <a:endParaRPr lang="en-AU" sz="1600" dirty="0"/>
+                    </a:p>
+                  </a:txBody>
+                  <a:tcPr anchor="ctr">
+                    <a:lnR w="12700" cap="flat" cmpd="sng" algn="ctr">
+                      <a:solidFill>
+                        <a:schemeClr val="tx1"/>
+                      </a:solidFill>
+                      <a:prstDash val="solid"/>
+                      <a:round/>
+                      <a:headEnd type="none" w="med" len="med"/>
+                      <a:tailEnd type="none" w="med" len="med"/>
+                    </a:lnR>
+                  </a:tcPr>
+                </a:tc>
+                <a:tc>
+                  <a:txBody>
+                    <a:bodyPr/>
+                    <a:lstStyle/>
+                    <a:p>
+                      <a:pPr algn="l">
+                        <a:lnSpc>
+                          <a:spcPct val="100000"/>
+                        </a:lnSpc>
+                      </a:pPr>
+                      <a:r>
+                        <a:rPr lang="en-US" sz="1600" b="0" kern="1200" dirty="0">
+                          <a:solidFill>
+                            <a:schemeClr val="dk1"/>
+                          </a:solidFill>
+                          <a:effectLst/>
+                        </a:rPr>
+                        <a:t>Alerts + logs forced entry attempts in real time.</a:t>
+                      </a:r>
+                      <a:endParaRPr lang="en-AU" sz="1600" dirty="0"/>
+                    </a:p>
+                  </a:txBody>
+                  <a:tcPr anchor="ctr">
+                    <a:lnL w="12700" cap="flat" cmpd="sng" algn="ctr">
+                      <a:solidFill>
+                        <a:schemeClr val="tx1"/>
+                      </a:solidFill>
+                      <a:prstDash val="solid"/>
+                      <a:round/>
+                      <a:headEnd type="none" w="med" len="med"/>
+                      <a:tailEnd type="none" w="med" len="med"/>
+                    </a:lnL>
+                  </a:tcPr>
+                </a:tc>
+                <a:extLst>
+                  <a:ext uri="{0D108BD9-81ED-4DB2-BD59-A6C34878D82A}">
+                    <a16:rowId xmlns:a16="http://schemas.microsoft.com/office/drawing/2014/main" val="4031601779"/>
+                  </a:ext>
+                </a:extLst>
+              </a:tr>
+              <a:tr h="1636191">
+                <a:tc>
+                  <a:txBody>
+                    <a:bodyPr/>
+                    <a:lstStyle/>
+                    <a:p>
+                      <a:pPr algn="l">
+                        <a:lnSpc>
+                          <a:spcPct val="100000"/>
+                        </a:lnSpc>
+                      </a:pPr>
+                      <a:r>
+                        <a:rPr lang="en-US" sz="1600" b="1" kern="1200" dirty="0">
+                          <a:solidFill>
+                            <a:schemeClr val="dk1"/>
+                          </a:solidFill>
+                          <a:effectLst/>
+                        </a:rPr>
+                        <a:t>Offline-First Design</a:t>
+                      </a:r>
+                      <a:br>
+                        <a:rPr lang="en-US" sz="1600" dirty="0"/>
+                      </a:br>
+                      <a:r>
+                        <a:rPr lang="en-US" sz="1600" b="0" kern="1200" dirty="0">
+                          <a:solidFill>
+                            <a:schemeClr val="dk1"/>
+                          </a:solidFill>
+                          <a:effectLst/>
+                        </a:rPr>
+                        <a:t>(BLE-only to base station)</a:t>
+                      </a:r>
+                      <a:endParaRPr lang="en-AU" sz="1600" dirty="0"/>
+                    </a:p>
+                  </a:txBody>
+                  <a:tcPr anchor="ctr">
+                    <a:lnR w="12700" cap="flat" cmpd="sng" algn="ctr">
+                      <a:solidFill>
+                        <a:schemeClr val="tx1"/>
+                      </a:solidFill>
+                      <a:prstDash val="solid"/>
+                      <a:round/>
+                      <a:headEnd type="none" w="med" len="med"/>
+                      <a:tailEnd type="none" w="med" len="med"/>
+                    </a:lnR>
+                  </a:tcPr>
+                </a:tc>
+                <a:tc>
+                  <a:txBody>
+                    <a:bodyPr/>
+                    <a:lstStyle/>
+                    <a:p>
+                      <a:pPr algn="l">
+                        <a:lnSpc>
+                          <a:spcPct val="100000"/>
+                        </a:lnSpc>
+                      </a:pPr>
+                      <a:r>
+                        <a:rPr lang="en-US" sz="1600" b="0" kern="1200" dirty="0">
+                          <a:solidFill>
+                            <a:schemeClr val="dk1"/>
+                          </a:solidFill>
+                          <a:effectLst/>
+                        </a:rPr>
+                        <a:t>No direct internet exposure → immunity to remote hacking.</a:t>
+                      </a:r>
+                      <a:endParaRPr lang="en-AU" sz="1600" dirty="0"/>
+                    </a:p>
+                  </a:txBody>
+                  <a:tcPr anchor="ctr">
+                    <a:lnL w="12700" cap="flat" cmpd="sng" algn="ctr">
+                      <a:solidFill>
+                        <a:schemeClr val="tx1"/>
+                      </a:solidFill>
+                      <a:prstDash val="solid"/>
+                      <a:round/>
+                      <a:headEnd type="none" w="med" len="med"/>
+                      <a:tailEnd type="none" w="med" len="med"/>
+                    </a:lnL>
+                  </a:tcPr>
+                </a:tc>
+                <a:extLst>
+                  <a:ext uri="{0D108BD9-81ED-4DB2-BD59-A6C34878D82A}">
+                    <a16:rowId xmlns:a16="http://schemas.microsoft.com/office/drawing/2014/main" val="2450201231"/>
+                  </a:ext>
+                </a:extLst>
+              </a:tr>
+            </a:tbl>
+          </a:graphicData>
+        </a:graphic>
+      </p:graphicFrame>
+    </p:spTree>
+    <p:extLst>
+      <p:ext uri="{BB962C8B-B14F-4D97-AF65-F5344CB8AC3E}">
+        <p14:creationId xmlns:p14="http://schemas.microsoft.com/office/powerpoint/2010/main" val="4111781435"/>
+      </p:ext>
+    </p:extLst>
+  </p:cSld>
+  <p:clrMapOvr>
+    <a:masterClrMapping/>
+  </p:clrMapOvr>
+</p:sld>
+</file>
+
+<file path=ppt/slides/slide4.xml><?xml version="1.0" encoding="utf-8"?>
+<p:sld xmlns:a="http://schemas.openxmlformats.org/drawingml/2006/main" xmlns:r="http://schemas.openxmlformats.org/officeDocument/2006/relationships" xmlns:p="http://schemas.openxmlformats.org/presentationml/2006/main">
+  <p:cSld>
+    <p:spTree>
+      <p:nvGrpSpPr>
+        <p:cNvPr id="1" name=""/>
+        <p:cNvGrpSpPr/>
+        <p:nvPr/>
+      </p:nvGrpSpPr>
+      <p:grpSpPr>
+        <a:xfrm>
+          <a:off x="0" y="0"/>
+          <a:ext cx="0" cy="0"/>
+          <a:chOff x="0" y="0"/>
+          <a:chExt cx="0" cy="0"/>
+        </a:xfrm>
+      </p:grpSpPr>
+      <p:sp>
+        <p:nvSpPr>
+          <p:cNvPr id="2" name="Content Placeholder 1">
+            <a:extLst>
+              <a:ext uri="{FF2B5EF4-FFF2-40B4-BE49-F238E27FC236}">
+                <a16:creationId xmlns:a16="http://schemas.microsoft.com/office/drawing/2014/main" id="{12DBA001-5DEA-9F7F-CD7E-10219F5C1DB3}"/>
+              </a:ext>
+            </a:extLst>
+          </p:cNvPr>
+          <p:cNvSpPr>
+            <a:spLocks noGrp="1"/>
+          </p:cNvSpPr>
+          <p:nvPr>
+            <p:ph idx="1"/>
+          </p:nvPr>
+        </p:nvSpPr>
+        <p:spPr/>
+        <p:txBody>
+          <a:bodyPr/>
+          <a:lstStyle/>
+          <a:p>
+            <a:endParaRPr lang="en-AU"/>
+          </a:p>
+        </p:txBody>
+      </p:sp>
+      <p:sp>
+        <p:nvSpPr>
+          <p:cNvPr id="3" name="Title 2">
+            <a:extLst>
+              <a:ext uri="{FF2B5EF4-FFF2-40B4-BE49-F238E27FC236}">
+                <a16:creationId xmlns:a16="http://schemas.microsoft.com/office/drawing/2014/main" id="{78EAAEC9-D338-8A62-26AB-F238FB7464EC}"/>
+              </a:ext>
+            </a:extLst>
+          </p:cNvPr>
+          <p:cNvSpPr>
+            <a:spLocks noGrp="1"/>
+          </p:cNvSpPr>
+          <p:nvPr>
+            <p:ph type="title"/>
+          </p:nvPr>
+        </p:nvSpPr>
+        <p:spPr/>
+        <p:txBody>
+          <a:bodyPr/>
+          <a:lstStyle/>
+          <a:p>
+            <a:endParaRPr lang="en-AU"/>
+          </a:p>
+        </p:txBody>
+      </p:sp>
+      <p:sp>
+        <p:nvSpPr>
+          <p:cNvPr id="4" name="Subtitle 3">
+            <a:extLst>
+              <a:ext uri="{FF2B5EF4-FFF2-40B4-BE49-F238E27FC236}">
+                <a16:creationId xmlns:a16="http://schemas.microsoft.com/office/drawing/2014/main" id="{0D050EBA-6C71-DC64-0C37-84FDF08AF531}"/>
+              </a:ext>
+            </a:extLst>
+          </p:cNvPr>
+          <p:cNvSpPr>
+            <a:spLocks noGrp="1"/>
+          </p:cNvSpPr>
+          <p:nvPr>
+            <p:ph type="subTitle" idx="10"/>
+          </p:nvPr>
+        </p:nvSpPr>
+        <p:spPr/>
+        <p:txBody>
+          <a:bodyPr/>
+          <a:lstStyle/>
+          <a:p>
+            <a:endParaRPr lang="en-AU"/>
+          </a:p>
+        </p:txBody>
+      </p:sp>
+      <p:sp>
+        <p:nvSpPr>
+          <p:cNvPr id="5" name="Content Placeholder 4">
+            <a:extLst>
+              <a:ext uri="{FF2B5EF4-FFF2-40B4-BE49-F238E27FC236}">
+                <a16:creationId xmlns:a16="http://schemas.microsoft.com/office/drawing/2014/main" id="{6CBE9B10-50CE-45F8-DAEB-6262FB1B34D6}"/>
+              </a:ext>
+            </a:extLst>
+          </p:cNvPr>
+          <p:cNvSpPr>
+            <a:spLocks noGrp="1"/>
+          </p:cNvSpPr>
+          <p:nvPr>
+            <p:ph idx="11"/>
+          </p:nvPr>
+        </p:nvSpPr>
+        <p:spPr/>
+        <p:txBody>
+          <a:bodyPr/>
+          <a:lstStyle/>
+          <a:p>
+            <a:endParaRPr lang="en-AU"/>
+          </a:p>
+        </p:txBody>
+      </p:sp>
+      <p:sp>
+        <p:nvSpPr>
+          <p:cNvPr id="6" name="Content Placeholder 5">
+            <a:extLst>
+              <a:ext uri="{FF2B5EF4-FFF2-40B4-BE49-F238E27FC236}">
+                <a16:creationId xmlns:a16="http://schemas.microsoft.com/office/drawing/2014/main" id="{15A3BDE4-34DB-A275-4BDD-5585ADFF1D81}"/>
+              </a:ext>
+            </a:extLst>
+          </p:cNvPr>
+          <p:cNvSpPr>
+            <a:spLocks noGrp="1"/>
+          </p:cNvSpPr>
+          <p:nvPr>
+            <p:ph idx="12"/>
+          </p:nvPr>
+        </p:nvSpPr>
+        <p:spPr/>
+        <p:txBody>
+          <a:bodyPr/>
+          <a:lstStyle/>
+          <a:p>
+            <a:endParaRPr lang="en-AU"/>
+          </a:p>
+        </p:txBody>
+      </p:sp>
+      <p:pic>
+        <p:nvPicPr>
+          <p:cNvPr id="10" name="Content Placeholder 9">
+            <a:extLst>
+              <a:ext uri="{FF2B5EF4-FFF2-40B4-BE49-F238E27FC236}">
+                <a16:creationId xmlns:a16="http://schemas.microsoft.com/office/drawing/2014/main" id="{995C50BB-906B-2BF8-6DB8-C849AE79767F}"/>
+              </a:ext>
+            </a:extLst>
+          </p:cNvPr>
+          <p:cNvPicPr>
+            <a:picLocks noGrp="1" noChangeAspect="1"/>
+          </p:cNvPicPr>
+          <p:nvPr>
+            <p:ph idx="13"/>
+          </p:nvPr>
+        </p:nvPicPr>
+        <p:blipFill>
+          <a:blip r:embed="rId2"/>
+          <a:stretch>
+            <a:fillRect/>
+          </a:stretch>
+        </p:blipFill>
+        <p:spPr>
+          <a:xfrm>
+            <a:off x="11142663" y="3192682"/>
+            <a:ext cx="3500437" cy="3811149"/>
+          </a:xfrm>
+        </p:spPr>
+      </p:pic>
+      <p:pic>
+        <p:nvPicPr>
+          <p:cNvPr id="9" name="Picture 8">
+            <a:extLst>
+              <a:ext uri="{FF2B5EF4-FFF2-40B4-BE49-F238E27FC236}">
+                <a16:creationId xmlns:a16="http://schemas.microsoft.com/office/drawing/2014/main" id="{57988E0D-15A6-88FA-8BB0-8A6424CCDB2F}"/>
+              </a:ext>
+            </a:extLst>
+          </p:cNvPr>
+          <p:cNvPicPr>
+            <a:picLocks noChangeAspect="1"/>
+          </p:cNvPicPr>
+          <p:nvPr/>
+        </p:nvPicPr>
+        <p:blipFill>
+          <a:blip r:embed="rId3"/>
+          <a:stretch>
+            <a:fillRect/>
+          </a:stretch>
+        </p:blipFill>
+        <p:spPr>
+          <a:xfrm>
+            <a:off x="449969" y="463112"/>
+            <a:ext cx="8411749" cy="7897327"/>
+          </a:xfrm>
+          <a:prstGeom prst="rect">
+            <a:avLst/>
+          </a:prstGeom>
+        </p:spPr>
+      </p:pic>
+    </p:spTree>
+    <p:extLst>
+      <p:ext uri="{BB962C8B-B14F-4D97-AF65-F5344CB8AC3E}">
+        <p14:creationId xmlns:p14="http://schemas.microsoft.com/office/powerpoint/2010/main" val="565007070"/>
       </p:ext>
     </p:extLst>
   </p:cSld>

--- a/wiki_assets/files/poster_template.pptx
+++ b/wiki_assets/files/poster_template.pptx
@@ -1776,14 +1776,14 @@
           </a:ln>
           <a:extLst>
             <a:ext uri="{909E8E84-426E-40dd-AFC4-6F175D3DCCD1}">
-              <a14:hiddenFill xmlns:a14="http://schemas.microsoft.com/office/drawing/2010/main" xmlns="">
+              <a14:hiddenFill xmlns="" xmlns:a14="http://schemas.microsoft.com/office/drawing/2010/main">
                 <a:solidFill>
                   <a:srgbClr val="FFFFFF"/>
                 </a:solidFill>
               </a14:hiddenFill>
             </a:ext>
             <a:ext uri="{91240B29-F687-4f45-9708-019B960494DF}">
-              <a14:hiddenLine xmlns:a14="http://schemas.microsoft.com/office/drawing/2010/main" xmlns="" w="9525">
+              <a14:hiddenLine xmlns="" xmlns:a14="http://schemas.microsoft.com/office/drawing/2010/main" w="9525">
                 <a:solidFill>
                   <a:srgbClr val="000000"/>
                 </a:solidFill>
@@ -1835,14 +1835,14 @@
           </a:ln>
           <a:extLst>
             <a:ext uri="{909E8E84-426E-40dd-AFC4-6F175D3DCCD1}">
-              <a14:hiddenFill xmlns:a14="http://schemas.microsoft.com/office/drawing/2010/main" xmlns="">
+              <a14:hiddenFill xmlns="" xmlns:a14="http://schemas.microsoft.com/office/drawing/2010/main">
                 <a:solidFill>
                   <a:srgbClr val="FFFFFF"/>
                 </a:solidFill>
               </a14:hiddenFill>
             </a:ext>
             <a:ext uri="{91240B29-F687-4f45-9708-019B960494DF}">
-              <a14:hiddenLine xmlns:a14="http://schemas.microsoft.com/office/drawing/2010/main" xmlns="" w="9525">
+              <a14:hiddenLine xmlns="" xmlns:a14="http://schemas.microsoft.com/office/drawing/2010/main" w="9525">
                 <a:solidFill>
                   <a:srgbClr val="000000"/>
                 </a:solidFill>
@@ -3355,14 +3355,14 @@
           </a:ln>
           <a:extLst>
             <a:ext uri="{909E8E84-426E-40dd-AFC4-6F175D3DCCD1}">
-              <a14:hiddenFill xmlns:a14="http://schemas.microsoft.com/office/drawing/2010/main" xmlns="">
+              <a14:hiddenFill xmlns="" xmlns:a14="http://schemas.microsoft.com/office/drawing/2010/main">
                 <a:solidFill>
                   <a:srgbClr val="FFFFFF"/>
                 </a:solidFill>
               </a14:hiddenFill>
             </a:ext>
             <a:ext uri="{91240B29-F687-4f45-9708-019B960494DF}">
-              <a14:hiddenLine xmlns:a14="http://schemas.microsoft.com/office/drawing/2010/main" xmlns="" w="9525">
+              <a14:hiddenLine xmlns="" xmlns:a14="http://schemas.microsoft.com/office/drawing/2010/main" w="9525">
                 <a:solidFill>
                   <a:srgbClr val="000000"/>
                 </a:solidFill>
@@ -3676,14 +3676,14 @@
           </a:ln>
           <a:extLst>
             <a:ext uri="{909E8E84-426E-40dd-AFC4-6F175D3DCCD1}">
-              <a14:hiddenFill xmlns:a14="http://schemas.microsoft.com/office/drawing/2010/main" xmlns="">
+              <a14:hiddenFill xmlns="" xmlns:a14="http://schemas.microsoft.com/office/drawing/2010/main">
                 <a:solidFill>
                   <a:srgbClr val="FFFFFF"/>
                 </a:solidFill>
               </a14:hiddenFill>
             </a:ext>
             <a:ext uri="{91240B29-F687-4f45-9708-019B960494DF}">
-              <a14:hiddenLine xmlns:a14="http://schemas.microsoft.com/office/drawing/2010/main" xmlns="" w="9525">
+              <a14:hiddenLine xmlns="" xmlns:a14="http://schemas.microsoft.com/office/drawing/2010/main" w="9525">
                 <a:solidFill>
                   <a:srgbClr val="000000"/>
                 </a:solidFill>
@@ -3904,14 +3904,14 @@
           </a:ln>
           <a:extLst>
             <a:ext uri="{909E8E84-426E-40dd-AFC4-6F175D3DCCD1}">
-              <a14:hiddenFill xmlns:a14="http://schemas.microsoft.com/office/drawing/2010/main" xmlns="">
+              <a14:hiddenFill xmlns="" xmlns:a14="http://schemas.microsoft.com/office/drawing/2010/main">
                 <a:solidFill>
                   <a:srgbClr val="FFFFFF"/>
                 </a:solidFill>
               </a14:hiddenFill>
             </a:ext>
             <a:ext uri="{91240B29-F687-4f45-9708-019B960494DF}">
-              <a14:hiddenLine xmlns:a14="http://schemas.microsoft.com/office/drawing/2010/main" xmlns="" w="9525">
+              <a14:hiddenLine xmlns="" xmlns:a14="http://schemas.microsoft.com/office/drawing/2010/main" w="9525">
                 <a:solidFill>
                   <a:srgbClr val="000000"/>
                 </a:solidFill>
@@ -4245,14 +4245,14 @@
           </a:ln>
           <a:extLst>
             <a:ext uri="{909E8E84-426E-40dd-AFC4-6F175D3DCCD1}">
-              <a14:hiddenFill xmlns:a14="http://schemas.microsoft.com/office/drawing/2010/main" xmlns="">
+              <a14:hiddenFill xmlns="" xmlns:a14="http://schemas.microsoft.com/office/drawing/2010/main">
                 <a:solidFill>
                   <a:srgbClr val="FFFFFF"/>
                 </a:solidFill>
               </a14:hiddenFill>
             </a:ext>
             <a:ext uri="{91240B29-F687-4f45-9708-019B960494DF}">
-              <a14:hiddenLine xmlns:a14="http://schemas.microsoft.com/office/drawing/2010/main" xmlns="" w="9525">
+              <a14:hiddenLine xmlns="" xmlns:a14="http://schemas.microsoft.com/office/drawing/2010/main" w="9525">
                 <a:solidFill>
                   <a:srgbClr val="000000"/>
                 </a:solidFill>
@@ -4514,14 +4514,14 @@
           </a:ln>
           <a:extLst>
             <a:ext uri="{909E8E84-426E-40dd-AFC4-6F175D3DCCD1}">
-              <a14:hiddenFill xmlns:a14="http://schemas.microsoft.com/office/drawing/2010/main" xmlns="">
+              <a14:hiddenFill xmlns="" xmlns:a14="http://schemas.microsoft.com/office/drawing/2010/main">
                 <a:solidFill>
                   <a:srgbClr val="FFFFFF"/>
                 </a:solidFill>
               </a14:hiddenFill>
             </a:ext>
             <a:ext uri="{91240B29-F687-4f45-9708-019B960494DF}">
-              <a14:hiddenLine xmlns:a14="http://schemas.microsoft.com/office/drawing/2010/main" xmlns="" w="9525">
+              <a14:hiddenLine xmlns="" xmlns:a14="http://schemas.microsoft.com/office/drawing/2010/main" w="9525">
                 <a:solidFill>
                   <a:srgbClr val="000000"/>
                 </a:solidFill>
@@ -5733,8 +5733,8 @@
         </p:blipFill>
         <p:spPr>
           <a:xfrm>
-            <a:off x="375849" y="4116023"/>
-            <a:ext cx="6475307" cy="5837143"/>
+            <a:off x="163706" y="3961787"/>
+            <a:ext cx="4960721" cy="4471825"/>
           </a:xfrm>
           <a:prstGeom prst="rect">
             <a:avLst/>
@@ -5762,8 +5762,8 @@
         </p:blipFill>
         <p:spPr>
           <a:xfrm>
-            <a:off x="361261" y="1463040"/>
-            <a:ext cx="2012227" cy="1987307"/>
+            <a:off x="111285" y="1221290"/>
+            <a:ext cx="1987369" cy="1962757"/>
           </a:xfrm>
           <a:prstGeom prst="rect">
             <a:avLst/>
@@ -5801,14 +5801,14 @@
           </a:ln>
           <a:extLst>
             <a:ext uri="{909E8E84-426E-40dd-AFC4-6F175D3DCCD1}">
-              <a14:hiddenFill xmlns:a14="http://schemas.microsoft.com/office/drawing/2010/main" xmlns="">
+              <a14:hiddenFill xmlns="" xmlns:a14="http://schemas.microsoft.com/office/drawing/2010/main">
                 <a:solidFill>
                   <a:srgbClr val="FFFFFF"/>
                 </a:solidFill>
               </a14:hiddenFill>
             </a:ext>
             <a:ext uri="{91240B29-F687-4f45-9708-019B960494DF}">
-              <a14:hiddenLine xmlns:a14="http://schemas.microsoft.com/office/drawing/2010/main" xmlns="" w="9525">
+              <a14:hiddenLine xmlns="" xmlns:a14="http://schemas.microsoft.com/office/drawing/2010/main" w="9525">
                 <a:solidFill>
                   <a:srgbClr val="000000"/>
                 </a:solidFill>
@@ -6107,7 +6107,7 @@
         </p:nvSpPr>
         <p:spPr bwMode="auto">
           <a:xfrm>
-            <a:off x="241917" y="3641805"/>
+            <a:off x="78252" y="3262156"/>
             <a:ext cx="3498850" cy="423048"/>
           </a:xfrm>
           <a:prstGeom prst="rect">
@@ -6122,14 +6122,14 @@
           </a:ln>
           <a:extLst>
             <a:ext uri="{909E8E84-426E-40dd-AFC4-6F175D3DCCD1}">
-              <a14:hiddenFill xmlns:a14="http://schemas.microsoft.com/office/drawing/2010/main" xmlns="">
+              <a14:hiddenFill xmlns="" xmlns:a14="http://schemas.microsoft.com/office/drawing/2010/main">
                 <a:solidFill>
                   <a:srgbClr val="FFFFFF"/>
                 </a:solidFill>
               </a14:hiddenFill>
             </a:ext>
             <a:ext uri="{91240B29-F687-4f45-9708-019B960494DF}">
-              <a14:hiddenLine xmlns:a14="http://schemas.microsoft.com/office/drawing/2010/main" xmlns="" w="9525">
+              <a14:hiddenLine xmlns="" xmlns:a14="http://schemas.microsoft.com/office/drawing/2010/main" w="9525">
                 <a:solidFill>
                   <a:srgbClr val="000000"/>
                 </a:solidFill>
@@ -6335,8 +6335,8 @@
         </p:nvSpPr>
         <p:spPr bwMode="auto">
           <a:xfrm>
-            <a:off x="7306605" y="1463040"/>
-            <a:ext cx="2931843" cy="3230880"/>
+            <a:off x="2177237" y="1148745"/>
+            <a:ext cx="5723472" cy="2697542"/>
           </a:xfrm>
           <a:prstGeom prst="rect">
             <a:avLst/>
@@ -6350,14 +6350,14 @@
           </a:ln>
           <a:extLst>
             <a:ext uri="{909E8E84-426E-40dd-AFC4-6F175D3DCCD1}">
-              <a14:hiddenFill xmlns:a14="http://schemas.microsoft.com/office/drawing/2010/main" xmlns="">
+              <a14:hiddenFill xmlns="" xmlns:a14="http://schemas.microsoft.com/office/drawing/2010/main">
                 <a:solidFill>
                   <a:srgbClr val="FFFFFF"/>
                 </a:solidFill>
               </a14:hiddenFill>
             </a:ext>
             <a:ext uri="{91240B29-F687-4f45-9708-019B960494DF}">
-              <a14:hiddenLine xmlns:a14="http://schemas.microsoft.com/office/drawing/2010/main" xmlns="" w="9525">
+              <a14:hiddenLine xmlns="" xmlns:a14="http://schemas.microsoft.com/office/drawing/2010/main" w="9525">
                 <a:solidFill>
                   <a:srgbClr val="000000"/>
                 </a:solidFill>
@@ -6676,8 +6676,8 @@
         </p:nvSpPr>
         <p:spPr bwMode="auto">
           <a:xfrm>
-            <a:off x="2578962" y="1530488"/>
-            <a:ext cx="4417793" cy="2217569"/>
+            <a:off x="7887507" y="1148745"/>
+            <a:ext cx="3628102" cy="2597329"/>
           </a:xfrm>
           <a:prstGeom prst="rect">
             <a:avLst/>
@@ -6691,14 +6691,14 @@
           </a:ln>
           <a:extLst>
             <a:ext uri="{909E8E84-426E-40dd-AFC4-6F175D3DCCD1}">
-              <a14:hiddenFill xmlns:a14="http://schemas.microsoft.com/office/drawing/2010/main" xmlns="">
+              <a14:hiddenFill xmlns="" xmlns:a14="http://schemas.microsoft.com/office/drawing/2010/main">
                 <a:solidFill>
                   <a:srgbClr val="FFFFFF"/>
                 </a:solidFill>
               </a14:hiddenFill>
             </a:ext>
             <a:ext uri="{91240B29-F687-4f45-9708-019B960494DF}">
-              <a14:hiddenLine xmlns:a14="http://schemas.microsoft.com/office/drawing/2010/main" xmlns="" w="9525">
+              <a14:hiddenLine xmlns="" xmlns:a14="http://schemas.microsoft.com/office/drawing/2010/main" w="9525">
                 <a:solidFill>
                   <a:srgbClr val="000000"/>
                 </a:solidFill>
@@ -6945,8 +6945,8 @@
         </p:nvSpPr>
         <p:spPr bwMode="auto">
           <a:xfrm>
-            <a:off x="7306605" y="6256463"/>
-            <a:ext cx="2828036" cy="4218525"/>
+            <a:off x="7885138" y="3571519"/>
+            <a:ext cx="3498850" cy="4218525"/>
           </a:xfrm>
           <a:prstGeom prst="rect">
             <a:avLst/>
@@ -6960,14 +6960,14 @@
           </a:ln>
           <a:extLst>
             <a:ext uri="{909E8E84-426E-40dd-AFC4-6F175D3DCCD1}">
-              <a14:hiddenFill xmlns:a14="http://schemas.microsoft.com/office/drawing/2010/main" xmlns="">
+              <a14:hiddenFill xmlns="" xmlns:a14="http://schemas.microsoft.com/office/drawing/2010/main">
                 <a:solidFill>
                   <a:srgbClr val="FFFFFF"/>
                 </a:solidFill>
               </a14:hiddenFill>
             </a:ext>
             <a:ext uri="{91240B29-F687-4f45-9708-019B960494DF}">
-              <a14:hiddenLine xmlns:a14="http://schemas.microsoft.com/office/drawing/2010/main" xmlns="" w="9525">
+              <a14:hiddenLine xmlns="" xmlns:a14="http://schemas.microsoft.com/office/drawing/2010/main" w="9525">
                 <a:solidFill>
                   <a:srgbClr val="000000"/>
                 </a:solidFill>
@@ -7171,7 +7171,7 @@
               </a:rPr>
               <a:t>Who Needs It ?</a:t>
             </a:r>
-            <a:endParaRPr lang="en-US" dirty="0">
+            <a:endParaRPr lang="en-US" sz="3600" dirty="0">
               <a:latin typeface="Arial" charset="0"/>
               <a:cs typeface="Arial" charset="0"/>
             </a:endParaRPr>
@@ -7254,11 +7254,17 @@
           <p:cNvGraphicFramePr>
             <a:graphicFrameLocks noGrp="1"/>
           </p:cNvGraphicFramePr>
-          <p:nvPr/>
+          <p:nvPr>
+            <p:extLst>
+              <p:ext uri="{D42A27DB-BD31-4B8C-83A1-F6EECF244321}">
+                <p14:modId xmlns:p14="http://schemas.microsoft.com/office/powerpoint/2010/main" val="79581047"/>
+              </p:ext>
+            </p:extLst>
+          </p:nvPr>
         </p:nvGraphicFramePr>
         <p:xfrm>
-          <a:off x="10693898" y="1617276"/>
-          <a:ext cx="3578598" cy="8260078"/>
+          <a:off x="11582399" y="1221290"/>
+          <a:ext cx="3012883" cy="8967739"/>
         </p:xfrm>
         <a:graphic>
           <a:graphicData uri="http://schemas.openxmlformats.org/drawingml/2006/table">
@@ -7267,14 +7273,14 @@
                 <a:tableStyleId>{69012ECD-51FC-41F1-AA8D-1B2483CD663E}</a:tableStyleId>
               </a:tblPr>
               <a:tblGrid>
-                <a:gridCol w="1890007">
+                <a:gridCol w="1591229">
                   <a:extLst>
                     <a:ext uri="{9D8B030D-6E8A-4147-A177-3AD203B41FA5}">
                       <a16:colId xmlns:a16="http://schemas.microsoft.com/office/drawing/2014/main" val="2063823472"/>
                     </a:ext>
                   </a:extLst>
                 </a:gridCol>
-                <a:gridCol w="1688591">
+                <a:gridCol w="1421654">
                   <a:extLst>
                     <a:ext uri="{9D8B030D-6E8A-4147-A177-3AD203B41FA5}">
                       <a16:colId xmlns:a16="http://schemas.microsoft.com/office/drawing/2014/main" val="1522963484"/>
@@ -7282,7 +7288,7 @@
                   </a:extLst>
                 </a:gridCol>
               </a:tblGrid>
-              <a:tr h="595406">
+              <a:tr h="646416">
                 <a:tc>
                   <a:txBody>
                     <a:bodyPr/>
@@ -7357,7 +7363,7 @@
                   </a:ext>
                 </a:extLst>
               </a:tr>
-              <a:tr h="1671252">
+              <a:tr h="1814432">
                 <a:tc>
                   <a:txBody>
                     <a:bodyPr/>
@@ -7440,7 +7446,7 @@
                   </a:ext>
                 </a:extLst>
               </a:tr>
-              <a:tr h="1049784">
+              <a:tr h="1139722">
                 <a:tc>
                   <a:txBody>
                     <a:bodyPr/>
@@ -7510,7 +7516,7 @@
                   </a:ext>
                 </a:extLst>
               </a:tr>
-              <a:tr h="2045239">
+              <a:tr h="2220459">
                 <a:tc>
                   <a:txBody>
                     <a:bodyPr/>
@@ -7641,7 +7647,7 @@
                   </a:ext>
                 </a:extLst>
               </a:tr>
-              <a:tr h="1262206">
+              <a:tr h="1370342">
                 <a:tc>
                   <a:txBody>
                     <a:bodyPr/>
@@ -7728,7 +7734,7 @@
                   </a:ext>
                 </a:extLst>
               </a:tr>
-              <a:tr h="1636191">
+              <a:tr h="1776368">
                 <a:tc>
                   <a:txBody>
                     <a:bodyPr/>
@@ -7819,6 +7825,672 @@
           </a:graphicData>
         </a:graphic>
       </p:graphicFrame>
+      <p:sp>
+        <p:nvSpPr>
+          <p:cNvPr id="2" name="Content Placeholder 7">
+            <a:extLst>
+              <a:ext uri="{FF2B5EF4-FFF2-40B4-BE49-F238E27FC236}">
+                <a16:creationId xmlns:a16="http://schemas.microsoft.com/office/drawing/2014/main" id="{FD109908-DFFE-A95B-F60B-9A1D8C98660E}"/>
+              </a:ext>
+            </a:extLst>
+          </p:cNvPr>
+          <p:cNvSpPr txBox="1">
+            <a:spLocks/>
+          </p:cNvSpPr>
+          <p:nvPr/>
+        </p:nvSpPr>
+        <p:spPr bwMode="auto">
+          <a:xfrm>
+            <a:off x="5003991" y="6544501"/>
+            <a:ext cx="2874613" cy="3454493"/>
+          </a:xfrm>
+          <a:prstGeom prst="rect">
+            <a:avLst/>
+          </a:prstGeom>
+          <a:noFill/>
+          <a:ln w="9525">
+            <a:noFill/>
+            <a:miter lim="800000"/>
+            <a:headEnd/>
+            <a:tailEnd/>
+          </a:ln>
+          <a:extLst>
+            <a:ext uri="{909E8E84-426E-40dd-AFC4-6F175D3DCCD1}">
+              <a14:hiddenFill xmlns="" xmlns:a14="http://schemas.microsoft.com/office/drawing/2010/main">
+                <a:solidFill>
+                  <a:srgbClr val="FFFFFF"/>
+                </a:solidFill>
+              </a14:hiddenFill>
+            </a:ext>
+            <a:ext uri="{91240B29-F687-4f45-9708-019B960494DF}">
+              <a14:hiddenLine xmlns="" xmlns:a14="http://schemas.microsoft.com/office/drawing/2010/main" w="9525">
+                <a:solidFill>
+                  <a:srgbClr val="000000"/>
+                </a:solidFill>
+                <a:miter lim="800000"/>
+                <a:headEnd/>
+                <a:tailEnd/>
+              </a14:hiddenLine>
+            </a:ext>
+          </a:extLst>
+        </p:spPr>
+        <p:txBody>
+          <a:bodyPr vert="horz" wrap="square" lIns="143378" tIns="71689" rIns="143378" bIns="71689" numCol="1" anchor="t" anchorCtr="0" compatLnSpc="1">
+            <a:prstTxWarp prst="textNoShape">
+              <a:avLst/>
+            </a:prstTxWarp>
+          </a:bodyPr>
+          <a:lstStyle>
+            <a:lvl1pPr marL="0" indent="0" algn="l" defTabSz="715963" rtl="0" eaLnBrk="0" fontAlgn="base" hangingPunct="0">
+              <a:spcBef>
+                <a:spcPct val="20000"/>
+              </a:spcBef>
+              <a:spcAft>
+                <a:spcPct val="0"/>
+              </a:spcAft>
+              <a:buFont typeface="Arial" charset="0"/>
+              <a:buNone/>
+              <a:defRPr sz="1400" kern="1200">
+                <a:solidFill>
+                  <a:schemeClr val="tx1"/>
+                </a:solidFill>
+                <a:latin typeface="Helvetica Neue"/>
+                <a:ea typeface="Geneva" charset="-128"/>
+                <a:cs typeface="Helvetica Neue"/>
+              </a:defRPr>
+            </a:lvl1pPr>
+            <a:lvl2pPr marL="1163638" indent="-447675" algn="l" defTabSz="715963" rtl="0" eaLnBrk="0" fontAlgn="base" hangingPunct="0">
+              <a:spcBef>
+                <a:spcPct val="20000"/>
+              </a:spcBef>
+              <a:spcAft>
+                <a:spcPct val="0"/>
+              </a:spcAft>
+              <a:buFont typeface="Arial" charset="0"/>
+              <a:buNone/>
+              <a:defRPr sz="1800" kern="1200">
+                <a:solidFill>
+                  <a:schemeClr val="tx1"/>
+                </a:solidFill>
+                <a:latin typeface="Helvetica Neue"/>
+                <a:ea typeface="Geneva" charset="-128"/>
+                <a:cs typeface="Helvetica Neue"/>
+              </a:defRPr>
+            </a:lvl2pPr>
+            <a:lvl3pPr marL="1790700" indent="-357188" algn="l" defTabSz="715963" rtl="0" eaLnBrk="0" fontAlgn="base" hangingPunct="0">
+              <a:spcBef>
+                <a:spcPct val="20000"/>
+              </a:spcBef>
+              <a:spcAft>
+                <a:spcPct val="0"/>
+              </a:spcAft>
+              <a:buFont typeface="Arial" charset="0"/>
+              <a:buNone/>
+              <a:defRPr sz="1800" kern="1200">
+                <a:solidFill>
+                  <a:schemeClr val="tx1"/>
+                </a:solidFill>
+                <a:latin typeface="Helvetica Neue"/>
+                <a:ea typeface="Geneva" charset="-128"/>
+                <a:cs typeface="Helvetica Neue"/>
+              </a:defRPr>
+            </a:lvl3pPr>
+            <a:lvl4pPr marL="2508250" indent="-357188" algn="l" defTabSz="715963" rtl="0" eaLnBrk="0" fontAlgn="base" hangingPunct="0">
+              <a:spcBef>
+                <a:spcPct val="20000"/>
+              </a:spcBef>
+              <a:spcAft>
+                <a:spcPct val="0"/>
+              </a:spcAft>
+              <a:buFont typeface="Arial" charset="0"/>
+              <a:buNone/>
+              <a:defRPr sz="1800" kern="1200">
+                <a:solidFill>
+                  <a:schemeClr val="tx1"/>
+                </a:solidFill>
+                <a:latin typeface="Helvetica Neue"/>
+                <a:ea typeface="Geneva" charset="-128"/>
+                <a:cs typeface="Helvetica Neue"/>
+              </a:defRPr>
+            </a:lvl4pPr>
+            <a:lvl5pPr marL="3225800" indent="-357188" algn="l" defTabSz="715963" rtl="0" eaLnBrk="0" fontAlgn="base" hangingPunct="0">
+              <a:spcBef>
+                <a:spcPct val="20000"/>
+              </a:spcBef>
+              <a:spcAft>
+                <a:spcPct val="0"/>
+              </a:spcAft>
+              <a:buFont typeface="Arial" charset="0"/>
+              <a:buNone/>
+              <a:defRPr sz="1800" kern="1200">
+                <a:solidFill>
+                  <a:schemeClr val="tx1"/>
+                </a:solidFill>
+                <a:latin typeface="Helvetica Neue"/>
+                <a:ea typeface="Geneva" charset="-128"/>
+                <a:cs typeface="Helvetica Neue"/>
+              </a:defRPr>
+            </a:lvl5pPr>
+            <a:lvl6pPr marL="3942893" indent="-358445" algn="l" defTabSz="716890" rtl="0" eaLnBrk="1" latinLnBrk="0" hangingPunct="1">
+              <a:spcBef>
+                <a:spcPct val="20000"/>
+              </a:spcBef>
+              <a:buFont typeface="Arial"/>
+              <a:buChar char="•"/>
+              <a:defRPr sz="3100" kern="1200">
+                <a:solidFill>
+                  <a:schemeClr val="tx1"/>
+                </a:solidFill>
+                <a:latin typeface="+mn-lt"/>
+                <a:ea typeface="+mn-ea"/>
+                <a:cs typeface="+mn-cs"/>
+              </a:defRPr>
+            </a:lvl6pPr>
+            <a:lvl7pPr marL="4659782" indent="-358445" algn="l" defTabSz="716890" rtl="0" eaLnBrk="1" latinLnBrk="0" hangingPunct="1">
+              <a:spcBef>
+                <a:spcPct val="20000"/>
+              </a:spcBef>
+              <a:buFont typeface="Arial"/>
+              <a:buChar char="•"/>
+              <a:defRPr sz="3100" kern="1200">
+                <a:solidFill>
+                  <a:schemeClr val="tx1"/>
+                </a:solidFill>
+                <a:latin typeface="+mn-lt"/>
+                <a:ea typeface="+mn-ea"/>
+                <a:cs typeface="+mn-cs"/>
+              </a:defRPr>
+            </a:lvl7pPr>
+            <a:lvl8pPr marL="5376672" indent="-358445" algn="l" defTabSz="716890" rtl="0" eaLnBrk="1" latinLnBrk="0" hangingPunct="1">
+              <a:spcBef>
+                <a:spcPct val="20000"/>
+              </a:spcBef>
+              <a:buFont typeface="Arial"/>
+              <a:buChar char="•"/>
+              <a:defRPr sz="3100" kern="1200">
+                <a:solidFill>
+                  <a:schemeClr val="tx1"/>
+                </a:solidFill>
+                <a:latin typeface="+mn-lt"/>
+                <a:ea typeface="+mn-ea"/>
+                <a:cs typeface="+mn-cs"/>
+              </a:defRPr>
+            </a:lvl8pPr>
+            <a:lvl9pPr marL="6093562" indent="-358445" algn="l" defTabSz="716890" rtl="0" eaLnBrk="1" latinLnBrk="0" hangingPunct="1">
+              <a:spcBef>
+                <a:spcPct val="20000"/>
+              </a:spcBef>
+              <a:buFont typeface="Arial"/>
+              <a:buChar char="•"/>
+              <a:defRPr sz="3100" kern="1200">
+                <a:solidFill>
+                  <a:schemeClr val="tx1"/>
+                </a:solidFill>
+                <a:latin typeface="+mn-lt"/>
+                <a:ea typeface="+mn-ea"/>
+                <a:cs typeface="+mn-cs"/>
+              </a:defRPr>
+            </a:lvl9pPr>
+          </a:lstStyle>
+          <a:p>
+            <a:pPr marL="0" marR="0" lvl="0" indent="0" algn="l" defTabSz="715963" rtl="0" eaLnBrk="1" fontAlgn="base" latinLnBrk="0" hangingPunct="1">
+              <a:lnSpc>
+                <a:spcPct val="150000"/>
+              </a:lnSpc>
+              <a:spcBef>
+                <a:spcPct val="0"/>
+              </a:spcBef>
+              <a:spcAft>
+                <a:spcPct val="0"/>
+              </a:spcAft>
+              <a:buClrTx/>
+              <a:buSzTx/>
+              <a:buFontTx/>
+              <a:buNone/>
+              <a:tabLst/>
+              <a:defRPr/>
+            </a:pPr>
+            <a:r>
+              <a:rPr lang="en-US" sz="1800" dirty="0">
+                <a:solidFill>
+                  <a:prstClr val="black"/>
+                </a:solidFill>
+                <a:latin typeface="Bodoni MT" charset="0"/>
+                <a:cs typeface="Arial" charset="0"/>
+              </a:rPr>
+              <a:t>What Did We Found Out ?</a:t>
+            </a:r>
+            <a:endParaRPr lang="en-US" sz="3600" dirty="0">
+              <a:latin typeface="Arial" charset="0"/>
+              <a:cs typeface="Arial" charset="0"/>
+            </a:endParaRPr>
+          </a:p>
+          <a:p>
+            <a:pPr marL="285750" indent="-285750">
+              <a:lnSpc>
+                <a:spcPct val="150000"/>
+              </a:lnSpc>
+              <a:buFont typeface="Arial" panose="020B0604020202020204" pitchFamily="34" charset="0"/>
+              <a:buChar char="•"/>
+            </a:pPr>
+            <a:r>
+              <a:rPr lang="en-US" dirty="0">
+                <a:latin typeface="Helvetica Neue" charset="0"/>
+                <a:cs typeface="Helvetica Neue" charset="0"/>
+              </a:rPr>
+              <a:t>…</a:t>
+            </a:r>
+          </a:p>
+          <a:p>
+            <a:pPr marL="285750" indent="-285750">
+              <a:lnSpc>
+                <a:spcPct val="150000"/>
+              </a:lnSpc>
+              <a:buFont typeface="Arial" panose="020B0604020202020204" pitchFamily="34" charset="0"/>
+              <a:buChar char="•"/>
+            </a:pPr>
+            <a:r>
+              <a:rPr lang="en-US" dirty="0">
+                <a:latin typeface="Helvetica Neue" charset="0"/>
+                <a:cs typeface="Helvetica Neue" charset="0"/>
+              </a:rPr>
+              <a:t>…</a:t>
+            </a:r>
+          </a:p>
+          <a:p>
+            <a:pPr marL="285750" indent="-285750">
+              <a:lnSpc>
+                <a:spcPct val="150000"/>
+              </a:lnSpc>
+              <a:buFont typeface="Arial" panose="020B0604020202020204" pitchFamily="34" charset="0"/>
+              <a:buChar char="•"/>
+            </a:pPr>
+            <a:r>
+              <a:rPr lang="en-US" dirty="0">
+                <a:latin typeface="Helvetica Neue" charset="0"/>
+                <a:cs typeface="Helvetica Neue" charset="0"/>
+              </a:rPr>
+              <a:t>…</a:t>
+            </a:r>
+          </a:p>
+        </p:txBody>
+      </p:sp>
+      <p:sp>
+        <p:nvSpPr>
+          <p:cNvPr id="3" name="Content Placeholder 7">
+            <a:extLst>
+              <a:ext uri="{FF2B5EF4-FFF2-40B4-BE49-F238E27FC236}">
+                <a16:creationId xmlns:a16="http://schemas.microsoft.com/office/drawing/2014/main" id="{942A72AE-CF57-1D01-6800-CFC842DCB107}"/>
+              </a:ext>
+            </a:extLst>
+          </p:cNvPr>
+          <p:cNvSpPr txBox="1">
+            <a:spLocks/>
+          </p:cNvSpPr>
+          <p:nvPr/>
+        </p:nvSpPr>
+        <p:spPr bwMode="auto">
+          <a:xfrm>
+            <a:off x="284603" y="8378206"/>
+            <a:ext cx="3628102" cy="1810823"/>
+          </a:xfrm>
+          <a:prstGeom prst="rect">
+            <a:avLst/>
+          </a:prstGeom>
+          <a:noFill/>
+          <a:ln w="9525">
+            <a:noFill/>
+            <a:miter lim="800000"/>
+            <a:headEnd/>
+            <a:tailEnd/>
+          </a:ln>
+          <a:extLst>
+            <a:ext uri="{909E8E84-426E-40dd-AFC4-6F175D3DCCD1}">
+              <a14:hiddenFill xmlns="" xmlns:a14="http://schemas.microsoft.com/office/drawing/2010/main">
+                <a:solidFill>
+                  <a:srgbClr val="FFFFFF"/>
+                </a:solidFill>
+              </a14:hiddenFill>
+            </a:ext>
+            <a:ext uri="{91240B29-F687-4f45-9708-019B960494DF}">
+              <a14:hiddenLine xmlns="" xmlns:a14="http://schemas.microsoft.com/office/drawing/2010/main" w="9525">
+                <a:solidFill>
+                  <a:srgbClr val="000000"/>
+                </a:solidFill>
+                <a:miter lim="800000"/>
+                <a:headEnd/>
+                <a:tailEnd/>
+              </a14:hiddenLine>
+            </a:ext>
+          </a:extLst>
+        </p:spPr>
+        <p:txBody>
+          <a:bodyPr vert="horz" wrap="square" lIns="143378" tIns="71689" rIns="143378" bIns="71689" numCol="1" anchor="t" anchorCtr="0" compatLnSpc="1">
+            <a:prstTxWarp prst="textNoShape">
+              <a:avLst/>
+            </a:prstTxWarp>
+          </a:bodyPr>
+          <a:lstStyle>
+            <a:lvl1pPr marL="0" indent="0" algn="l" defTabSz="715963" rtl="0" eaLnBrk="0" fontAlgn="base" hangingPunct="0">
+              <a:spcBef>
+                <a:spcPct val="20000"/>
+              </a:spcBef>
+              <a:spcAft>
+                <a:spcPct val="0"/>
+              </a:spcAft>
+              <a:buFont typeface="Arial" charset="0"/>
+              <a:buNone/>
+              <a:defRPr sz="1400" kern="1200">
+                <a:solidFill>
+                  <a:schemeClr val="tx1"/>
+                </a:solidFill>
+                <a:latin typeface="Helvetica Neue"/>
+                <a:ea typeface="Geneva" charset="-128"/>
+                <a:cs typeface="Helvetica Neue"/>
+              </a:defRPr>
+            </a:lvl1pPr>
+            <a:lvl2pPr marL="1163638" indent="-447675" algn="l" defTabSz="715963" rtl="0" eaLnBrk="0" fontAlgn="base" hangingPunct="0">
+              <a:spcBef>
+                <a:spcPct val="20000"/>
+              </a:spcBef>
+              <a:spcAft>
+                <a:spcPct val="0"/>
+              </a:spcAft>
+              <a:buFont typeface="Arial" charset="0"/>
+              <a:buNone/>
+              <a:defRPr sz="1800" kern="1200">
+                <a:solidFill>
+                  <a:schemeClr val="tx1"/>
+                </a:solidFill>
+                <a:latin typeface="Helvetica Neue"/>
+                <a:ea typeface="Geneva" charset="-128"/>
+                <a:cs typeface="Helvetica Neue"/>
+              </a:defRPr>
+            </a:lvl2pPr>
+            <a:lvl3pPr marL="1790700" indent="-357188" algn="l" defTabSz="715963" rtl="0" eaLnBrk="0" fontAlgn="base" hangingPunct="0">
+              <a:spcBef>
+                <a:spcPct val="20000"/>
+              </a:spcBef>
+              <a:spcAft>
+                <a:spcPct val="0"/>
+              </a:spcAft>
+              <a:buFont typeface="Arial" charset="0"/>
+              <a:buNone/>
+              <a:defRPr sz="1800" kern="1200">
+                <a:solidFill>
+                  <a:schemeClr val="tx1"/>
+                </a:solidFill>
+                <a:latin typeface="Helvetica Neue"/>
+                <a:ea typeface="Geneva" charset="-128"/>
+                <a:cs typeface="Helvetica Neue"/>
+              </a:defRPr>
+            </a:lvl3pPr>
+            <a:lvl4pPr marL="2508250" indent="-357188" algn="l" defTabSz="715963" rtl="0" eaLnBrk="0" fontAlgn="base" hangingPunct="0">
+              <a:spcBef>
+                <a:spcPct val="20000"/>
+              </a:spcBef>
+              <a:spcAft>
+                <a:spcPct val="0"/>
+              </a:spcAft>
+              <a:buFont typeface="Arial" charset="0"/>
+              <a:buNone/>
+              <a:defRPr sz="1800" kern="1200">
+                <a:solidFill>
+                  <a:schemeClr val="tx1"/>
+                </a:solidFill>
+                <a:latin typeface="Helvetica Neue"/>
+                <a:ea typeface="Geneva" charset="-128"/>
+                <a:cs typeface="Helvetica Neue"/>
+              </a:defRPr>
+            </a:lvl4pPr>
+            <a:lvl5pPr marL="3225800" indent="-357188" algn="l" defTabSz="715963" rtl="0" eaLnBrk="0" fontAlgn="base" hangingPunct="0">
+              <a:spcBef>
+                <a:spcPct val="20000"/>
+              </a:spcBef>
+              <a:spcAft>
+                <a:spcPct val="0"/>
+              </a:spcAft>
+              <a:buFont typeface="Arial" charset="0"/>
+              <a:buNone/>
+              <a:defRPr sz="1800" kern="1200">
+                <a:solidFill>
+                  <a:schemeClr val="tx1"/>
+                </a:solidFill>
+                <a:latin typeface="Helvetica Neue"/>
+                <a:ea typeface="Geneva" charset="-128"/>
+                <a:cs typeface="Helvetica Neue"/>
+              </a:defRPr>
+            </a:lvl5pPr>
+            <a:lvl6pPr marL="3942893" indent="-358445" algn="l" defTabSz="716890" rtl="0" eaLnBrk="1" latinLnBrk="0" hangingPunct="1">
+              <a:spcBef>
+                <a:spcPct val="20000"/>
+              </a:spcBef>
+              <a:buFont typeface="Arial"/>
+              <a:buChar char="•"/>
+              <a:defRPr sz="3100" kern="1200">
+                <a:solidFill>
+                  <a:schemeClr val="tx1"/>
+                </a:solidFill>
+                <a:latin typeface="+mn-lt"/>
+                <a:ea typeface="+mn-ea"/>
+                <a:cs typeface="+mn-cs"/>
+              </a:defRPr>
+            </a:lvl6pPr>
+            <a:lvl7pPr marL="4659782" indent="-358445" algn="l" defTabSz="716890" rtl="0" eaLnBrk="1" latinLnBrk="0" hangingPunct="1">
+              <a:spcBef>
+                <a:spcPct val="20000"/>
+              </a:spcBef>
+              <a:buFont typeface="Arial"/>
+              <a:buChar char="•"/>
+              <a:defRPr sz="3100" kern="1200">
+                <a:solidFill>
+                  <a:schemeClr val="tx1"/>
+                </a:solidFill>
+                <a:latin typeface="+mn-lt"/>
+                <a:ea typeface="+mn-ea"/>
+                <a:cs typeface="+mn-cs"/>
+              </a:defRPr>
+            </a:lvl7pPr>
+            <a:lvl8pPr marL="5376672" indent="-358445" algn="l" defTabSz="716890" rtl="0" eaLnBrk="1" latinLnBrk="0" hangingPunct="1">
+              <a:spcBef>
+                <a:spcPct val="20000"/>
+              </a:spcBef>
+              <a:buFont typeface="Arial"/>
+              <a:buChar char="•"/>
+              <a:defRPr sz="3100" kern="1200">
+                <a:solidFill>
+                  <a:schemeClr val="tx1"/>
+                </a:solidFill>
+                <a:latin typeface="+mn-lt"/>
+                <a:ea typeface="+mn-ea"/>
+                <a:cs typeface="+mn-cs"/>
+              </a:defRPr>
+            </a:lvl8pPr>
+            <a:lvl9pPr marL="6093562" indent="-358445" algn="l" defTabSz="716890" rtl="0" eaLnBrk="1" latinLnBrk="0" hangingPunct="1">
+              <a:spcBef>
+                <a:spcPct val="20000"/>
+              </a:spcBef>
+              <a:buFont typeface="Arial"/>
+              <a:buChar char="•"/>
+              <a:defRPr sz="3100" kern="1200">
+                <a:solidFill>
+                  <a:schemeClr val="tx1"/>
+                </a:solidFill>
+                <a:latin typeface="+mn-lt"/>
+                <a:ea typeface="+mn-ea"/>
+                <a:cs typeface="+mn-cs"/>
+              </a:defRPr>
+            </a:lvl9pPr>
+          </a:lstStyle>
+          <a:p>
+            <a:pPr marL="0" marR="0" lvl="0" indent="0" algn="l" defTabSz="715963" rtl="0" eaLnBrk="1" fontAlgn="base" latinLnBrk="0" hangingPunct="1">
+              <a:lnSpc>
+                <a:spcPct val="150000"/>
+              </a:lnSpc>
+              <a:spcBef>
+                <a:spcPct val="0"/>
+              </a:spcBef>
+              <a:spcAft>
+                <a:spcPct val="0"/>
+              </a:spcAft>
+              <a:buClrTx/>
+              <a:buSzTx/>
+              <a:buFontTx/>
+              <a:buNone/>
+              <a:tabLst/>
+              <a:defRPr/>
+            </a:pPr>
+            <a:r>
+              <a:rPr lang="en-US" sz="1800" dirty="0">
+                <a:solidFill>
+                  <a:prstClr val="black"/>
+                </a:solidFill>
+                <a:latin typeface="Bodoni MT" charset="0"/>
+                <a:cs typeface="Arial" charset="0"/>
+              </a:rPr>
+              <a:t>Who Would We Like To Thank ?</a:t>
+            </a:r>
+            <a:endParaRPr lang="en-US" sz="3600" dirty="0">
+              <a:latin typeface="Arial" charset="0"/>
+              <a:cs typeface="Arial" charset="0"/>
+            </a:endParaRPr>
+          </a:p>
+          <a:p>
+            <a:pPr marL="285750" indent="-285750">
+              <a:lnSpc>
+                <a:spcPct val="150000"/>
+              </a:lnSpc>
+              <a:buFont typeface="Arial" panose="020B0604020202020204" pitchFamily="34" charset="0"/>
+              <a:buChar char="•"/>
+            </a:pPr>
+            <a:r>
+              <a:rPr lang="en-US" dirty="0">
+                <a:latin typeface="Helvetica Neue" charset="0"/>
+                <a:cs typeface="Helvetica Neue" charset="0"/>
+              </a:rPr>
+              <a:t>Ourselves</a:t>
+            </a:r>
+          </a:p>
+          <a:p>
+            <a:pPr marL="285750" indent="-285750">
+              <a:lnSpc>
+                <a:spcPct val="150000"/>
+              </a:lnSpc>
+              <a:buFont typeface="Arial" panose="020B0604020202020204" pitchFamily="34" charset="0"/>
+              <a:buChar char="•"/>
+            </a:pPr>
+            <a:r>
+              <a:rPr lang="en-US" dirty="0">
+                <a:latin typeface="Helvetica Neue" charset="0"/>
+                <a:cs typeface="Helvetica Neue" charset="0"/>
+              </a:rPr>
+              <a:t>…</a:t>
+            </a:r>
+          </a:p>
+          <a:p>
+            <a:pPr marL="285750" indent="-285750">
+              <a:lnSpc>
+                <a:spcPct val="150000"/>
+              </a:lnSpc>
+              <a:buFont typeface="Arial" panose="020B0604020202020204" pitchFamily="34" charset="0"/>
+              <a:buChar char="•"/>
+            </a:pPr>
+            <a:r>
+              <a:rPr lang="en-US" dirty="0">
+                <a:latin typeface="Helvetica Neue" charset="0"/>
+                <a:cs typeface="Helvetica Neue" charset="0"/>
+              </a:rPr>
+              <a:t>…</a:t>
+            </a:r>
+          </a:p>
+        </p:txBody>
+      </p:sp>
+      <p:pic>
+        <p:nvPicPr>
+          <p:cNvPr id="4" name="Content Placeholder 9">
+            <a:extLst>
+              <a:ext uri="{FF2B5EF4-FFF2-40B4-BE49-F238E27FC236}">
+                <a16:creationId xmlns:a16="http://schemas.microsoft.com/office/drawing/2014/main" id="{550797FC-9775-A9C8-953E-C395FD865B76}"/>
+              </a:ext>
+            </a:extLst>
+          </p:cNvPr>
+          <p:cNvPicPr>
+            <a:picLocks noChangeAspect="1"/>
+          </p:cNvPicPr>
+          <p:nvPr/>
+        </p:nvPicPr>
+        <p:blipFill>
+          <a:blip r:embed="rId5"/>
+          <a:stretch>
+            <a:fillRect/>
+          </a:stretch>
+        </p:blipFill>
+        <p:spPr bwMode="auto">
+          <a:xfrm>
+            <a:off x="5322838" y="3904036"/>
+            <a:ext cx="2319112" cy="2524965"/>
+          </a:xfrm>
+          <a:prstGeom prst="rect">
+            <a:avLst/>
+          </a:prstGeom>
+          <a:noFill/>
+          <a:ln w="9525">
+            <a:noFill/>
+            <a:miter lim="800000"/>
+            <a:headEnd/>
+            <a:tailEnd/>
+          </a:ln>
+          <a:extLst>
+            <a:ext uri="{909E8E84-426E-40dd-AFC4-6F175D3DCCD1}">
+              <a14:hiddenFill xmlns="" xmlns:a14="http://schemas.microsoft.com/office/drawing/2010/main">
+                <a:solidFill>
+                  <a:srgbClr val="FFFFFF"/>
+                </a:solidFill>
+              </a14:hiddenFill>
+            </a:ext>
+            <a:ext uri="{91240B29-F687-4f45-9708-019B960494DF}">
+              <a14:hiddenLine xmlns="" xmlns:a14="http://schemas.microsoft.com/office/drawing/2010/main" w="9525">
+                <a:solidFill>
+                  <a:srgbClr val="000000"/>
+                </a:solidFill>
+                <a:miter lim="800000"/>
+                <a:headEnd/>
+                <a:tailEnd/>
+              </a14:hiddenLine>
+            </a:ext>
+          </a:extLst>
+        </p:spPr>
+      </p:pic>
+      <p:pic>
+        <p:nvPicPr>
+          <p:cNvPr id="6" name="Picture 5">
+            <a:extLst>
+              <a:ext uri="{FF2B5EF4-FFF2-40B4-BE49-F238E27FC236}">
+                <a16:creationId xmlns:a16="http://schemas.microsoft.com/office/drawing/2014/main" id="{B9022199-7449-F215-22CD-3EB6DAD32C56}"/>
+              </a:ext>
+            </a:extLst>
+          </p:cNvPr>
+          <p:cNvPicPr>
+            <a:picLocks noChangeAspect="1"/>
+          </p:cNvPicPr>
+          <p:nvPr/>
+        </p:nvPicPr>
+        <p:blipFill>
+          <a:blip r:embed="rId6"/>
+          <a:stretch>
+            <a:fillRect/>
+          </a:stretch>
+        </p:blipFill>
+        <p:spPr>
+          <a:xfrm>
+            <a:off x="7977810" y="7005358"/>
+            <a:ext cx="3331129" cy="3127413"/>
+          </a:xfrm>
+          <a:prstGeom prst="rect">
+            <a:avLst/>
+          </a:prstGeom>
+        </p:spPr>
+      </p:pic>
     </p:spTree>
     <p:extLst>
       <p:ext uri="{BB962C8B-B14F-4D97-AF65-F5344CB8AC3E}">

--- a/wiki_assets/files/poster_template.pptx
+++ b/wiki_assets/files/poster_template.pptx
@@ -5,13 +5,15 @@
     <p:sldMasterId id="2147483648" r:id="rId1"/>
   </p:sldMasterIdLst>
   <p:notesMasterIdLst>
-    <p:notesMasterId r:id="rId6"/>
+    <p:notesMasterId r:id="rId8"/>
   </p:notesMasterIdLst>
   <p:sldIdLst>
-    <p:sldId id="257" r:id="rId2"/>
-    <p:sldId id="258" r:id="rId3"/>
-    <p:sldId id="259" r:id="rId4"/>
-    <p:sldId id="260" r:id="rId5"/>
+    <p:sldId id="263" r:id="rId2"/>
+    <p:sldId id="257" r:id="rId3"/>
+    <p:sldId id="258" r:id="rId4"/>
+    <p:sldId id="259" r:id="rId5"/>
+    <p:sldId id="260" r:id="rId6"/>
+    <p:sldId id="262" r:id="rId7"/>
   </p:sldIdLst>
   <p:sldSz cx="14758988" cy="10333038"/>
   <p:notesSz cx="6858000" cy="9144000"/>
@@ -256,7 +258,7 @@
               <a:pPr>
                 <a:defRPr/>
               </a:pPr>
-              <a:t>5/28/2025</a:t>
+              <a:t>5/30/2025</a:t>
             </a:fld>
             <a:endParaRPr lang="en-US"/>
           </a:p>
@@ -580,6 +582,120 @@
   <p:cSld>
     <p:spTree>
       <p:nvGrpSpPr>
+        <p:cNvPr id="1" name="">
+          <a:extLst>
+            <a:ext uri="{FF2B5EF4-FFF2-40B4-BE49-F238E27FC236}">
+              <a16:creationId xmlns:a16="http://schemas.microsoft.com/office/drawing/2014/main" id="{15ABFFE9-0BA3-3FA0-8E39-F9EFB4BF5462}"/>
+            </a:ext>
+          </a:extLst>
+        </p:cNvPr>
+        <p:cNvGrpSpPr/>
+        <p:nvPr/>
+      </p:nvGrpSpPr>
+      <p:grpSpPr>
+        <a:xfrm>
+          <a:off x="0" y="0"/>
+          <a:ext cx="0" cy="0"/>
+          <a:chOff x="0" y="0"/>
+          <a:chExt cx="0" cy="0"/>
+        </a:xfrm>
+      </p:grpSpPr>
+      <p:sp>
+        <p:nvSpPr>
+          <p:cNvPr id="2" name="Slide Image Placeholder 1">
+            <a:extLst>
+              <a:ext uri="{FF2B5EF4-FFF2-40B4-BE49-F238E27FC236}">
+                <a16:creationId xmlns:a16="http://schemas.microsoft.com/office/drawing/2014/main" id="{B64254B8-18EF-FB85-77CB-26158A8F1B4A}"/>
+              </a:ext>
+            </a:extLst>
+          </p:cNvPr>
+          <p:cNvSpPr>
+            <a:spLocks noGrp="1" noRot="1" noChangeAspect="1"/>
+          </p:cNvSpPr>
+          <p:nvPr>
+            <p:ph type="sldImg"/>
+          </p:nvPr>
+        </p:nvSpPr>
+        <p:spPr/>
+      </p:sp>
+      <p:sp>
+        <p:nvSpPr>
+          <p:cNvPr id="3" name="Notes Placeholder 2">
+            <a:extLst>
+              <a:ext uri="{FF2B5EF4-FFF2-40B4-BE49-F238E27FC236}">
+                <a16:creationId xmlns:a16="http://schemas.microsoft.com/office/drawing/2014/main" id="{3A63EB4E-64C4-3054-B6C4-9EEC4455F4F2}"/>
+              </a:ext>
+            </a:extLst>
+          </p:cNvPr>
+          <p:cNvSpPr>
+            <a:spLocks noGrp="1"/>
+          </p:cNvSpPr>
+          <p:nvPr>
+            <p:ph type="body" idx="1"/>
+          </p:nvPr>
+        </p:nvSpPr>
+        <p:spPr/>
+        <p:txBody>
+          <a:bodyPr/>
+          <a:lstStyle/>
+          <a:p>
+            <a:endParaRPr lang="en-AU" dirty="0"/>
+          </a:p>
+        </p:txBody>
+      </p:sp>
+      <p:sp>
+        <p:nvSpPr>
+          <p:cNvPr id="4" name="Slide Number Placeholder 3">
+            <a:extLst>
+              <a:ext uri="{FF2B5EF4-FFF2-40B4-BE49-F238E27FC236}">
+                <a16:creationId xmlns:a16="http://schemas.microsoft.com/office/drawing/2014/main" id="{F500FF63-E5FD-FA94-F4DE-7616997F20F0}"/>
+              </a:ext>
+            </a:extLst>
+          </p:cNvPr>
+          <p:cNvSpPr>
+            <a:spLocks noGrp="1"/>
+          </p:cNvSpPr>
+          <p:nvPr>
+            <p:ph type="sldNum" sz="quarter" idx="5"/>
+          </p:nvPr>
+        </p:nvSpPr>
+        <p:spPr/>
+        <p:txBody>
+          <a:bodyPr/>
+          <a:lstStyle/>
+          <a:p>
+            <a:pPr>
+              <a:defRPr/>
+            </a:pPr>
+            <a:fld id="{B5E5256C-919A-4817-B7EE-7D55C0BCBE54}" type="slidenum">
+              <a:rPr lang="en-US" smtClean="0"/>
+              <a:pPr>
+                <a:defRPr/>
+              </a:pPr>
+              <a:t>1</a:t>
+            </a:fld>
+            <a:endParaRPr lang="en-US"/>
+          </a:p>
+        </p:txBody>
+      </p:sp>
+    </p:spTree>
+    <p:extLst>
+      <p:ext uri="{BB962C8B-B14F-4D97-AF65-F5344CB8AC3E}">
+        <p14:creationId xmlns:p14="http://schemas.microsoft.com/office/powerpoint/2010/main" val="1940325490"/>
+      </p:ext>
+    </p:extLst>
+  </p:cSld>
+  <p:clrMapOvr>
+    <a:masterClrMapping/>
+  </p:clrMapOvr>
+</p:notes>
+</file>
+
+<file path=ppt/notesSlides/notesSlide2.xml><?xml version="1.0" encoding="utf-8"?>
+<p:notes xmlns:a="http://schemas.openxmlformats.org/drawingml/2006/main" xmlns:r="http://schemas.openxmlformats.org/officeDocument/2006/relationships" xmlns:p="http://schemas.openxmlformats.org/presentationml/2006/main">
+  <p:cSld>
+    <p:spTree>
+      <p:nvGrpSpPr>
         <p:cNvPr id="1" name=""/>
         <p:cNvGrpSpPr/>
         <p:nvPr/>
@@ -646,7 +762,7 @@
               <a:pPr>
                 <a:defRPr/>
               </a:pPr>
-              <a:t>2</a:t>
+              <a:t>3</a:t>
             </a:fld>
             <a:endParaRPr lang="en-US"/>
           </a:p>
@@ -665,7 +781,7 @@
 </p:notes>
 </file>
 
-<file path=ppt/notesSlides/notesSlide2.xml><?xml version="1.0" encoding="utf-8"?>
+<file path=ppt/notesSlides/notesSlide3.xml><?xml version="1.0" encoding="utf-8"?>
 <p:notes xmlns:a="http://schemas.openxmlformats.org/drawingml/2006/main" xmlns:r="http://schemas.openxmlformats.org/officeDocument/2006/relationships" xmlns:p="http://schemas.openxmlformats.org/presentationml/2006/main">
   <p:cSld>
     <p:spTree>
@@ -760,7 +876,7 @@
               <a:pPr>
                 <a:defRPr/>
               </a:pPr>
-              <a:t>3</a:t>
+              <a:t>4</a:t>
             </a:fld>
             <a:endParaRPr lang="en-US"/>
           </a:p>
@@ -770,6 +886,120 @@
     <p:extLst>
       <p:ext uri="{BB962C8B-B14F-4D97-AF65-F5344CB8AC3E}">
         <p14:creationId xmlns:p14="http://schemas.microsoft.com/office/powerpoint/2010/main" val="3423456006"/>
+      </p:ext>
+    </p:extLst>
+  </p:cSld>
+  <p:clrMapOvr>
+    <a:masterClrMapping/>
+  </p:clrMapOvr>
+</p:notes>
+</file>
+
+<file path=ppt/notesSlides/notesSlide4.xml><?xml version="1.0" encoding="utf-8"?>
+<p:notes xmlns:a="http://schemas.openxmlformats.org/drawingml/2006/main" xmlns:r="http://schemas.openxmlformats.org/officeDocument/2006/relationships" xmlns:p="http://schemas.openxmlformats.org/presentationml/2006/main">
+  <p:cSld>
+    <p:spTree>
+      <p:nvGrpSpPr>
+        <p:cNvPr id="1" name="">
+          <a:extLst>
+            <a:ext uri="{FF2B5EF4-FFF2-40B4-BE49-F238E27FC236}">
+              <a16:creationId xmlns:a16="http://schemas.microsoft.com/office/drawing/2014/main" id="{7F5363B6-F4B7-70BF-F5B1-365441AF31B3}"/>
+            </a:ext>
+          </a:extLst>
+        </p:cNvPr>
+        <p:cNvGrpSpPr/>
+        <p:nvPr/>
+      </p:nvGrpSpPr>
+      <p:grpSpPr>
+        <a:xfrm>
+          <a:off x="0" y="0"/>
+          <a:ext cx="0" cy="0"/>
+          <a:chOff x="0" y="0"/>
+          <a:chExt cx="0" cy="0"/>
+        </a:xfrm>
+      </p:grpSpPr>
+      <p:sp>
+        <p:nvSpPr>
+          <p:cNvPr id="2" name="Slide Image Placeholder 1">
+            <a:extLst>
+              <a:ext uri="{FF2B5EF4-FFF2-40B4-BE49-F238E27FC236}">
+                <a16:creationId xmlns:a16="http://schemas.microsoft.com/office/drawing/2014/main" id="{F2754208-25ED-1E37-ED40-6375B063713F}"/>
+              </a:ext>
+            </a:extLst>
+          </p:cNvPr>
+          <p:cNvSpPr>
+            <a:spLocks noGrp="1" noRot="1" noChangeAspect="1"/>
+          </p:cNvSpPr>
+          <p:nvPr>
+            <p:ph type="sldImg"/>
+          </p:nvPr>
+        </p:nvSpPr>
+        <p:spPr/>
+      </p:sp>
+      <p:sp>
+        <p:nvSpPr>
+          <p:cNvPr id="3" name="Notes Placeholder 2">
+            <a:extLst>
+              <a:ext uri="{FF2B5EF4-FFF2-40B4-BE49-F238E27FC236}">
+                <a16:creationId xmlns:a16="http://schemas.microsoft.com/office/drawing/2014/main" id="{1443483D-27C9-DF46-53EF-2570DF9657EC}"/>
+              </a:ext>
+            </a:extLst>
+          </p:cNvPr>
+          <p:cNvSpPr>
+            <a:spLocks noGrp="1"/>
+          </p:cNvSpPr>
+          <p:nvPr>
+            <p:ph type="body" idx="1"/>
+          </p:nvPr>
+        </p:nvSpPr>
+        <p:spPr/>
+        <p:txBody>
+          <a:bodyPr/>
+          <a:lstStyle/>
+          <a:p>
+            <a:endParaRPr lang="en-AU" dirty="0"/>
+          </a:p>
+        </p:txBody>
+      </p:sp>
+      <p:sp>
+        <p:nvSpPr>
+          <p:cNvPr id="4" name="Slide Number Placeholder 3">
+            <a:extLst>
+              <a:ext uri="{FF2B5EF4-FFF2-40B4-BE49-F238E27FC236}">
+                <a16:creationId xmlns:a16="http://schemas.microsoft.com/office/drawing/2014/main" id="{379BE1CC-6219-7511-C631-C12422586FD8}"/>
+              </a:ext>
+            </a:extLst>
+          </p:cNvPr>
+          <p:cNvSpPr>
+            <a:spLocks noGrp="1"/>
+          </p:cNvSpPr>
+          <p:nvPr>
+            <p:ph type="sldNum" sz="quarter" idx="5"/>
+          </p:nvPr>
+        </p:nvSpPr>
+        <p:spPr/>
+        <p:txBody>
+          <a:bodyPr/>
+          <a:lstStyle/>
+          <a:p>
+            <a:pPr>
+              <a:defRPr/>
+            </a:pPr>
+            <a:fld id="{B5E5256C-919A-4817-B7EE-7D55C0BCBE54}" type="slidenum">
+              <a:rPr lang="en-US" smtClean="0"/>
+              <a:pPr>
+                <a:defRPr/>
+              </a:pPr>
+              <a:t>6</a:t>
+            </a:fld>
+            <a:endParaRPr lang="en-US"/>
+          </a:p>
+        </p:txBody>
+      </p:sp>
+    </p:spTree>
+    <p:extLst>
+      <p:ext uri="{BB962C8B-B14F-4D97-AF65-F5344CB8AC3E}">
+        <p14:creationId xmlns:p14="http://schemas.microsoft.com/office/powerpoint/2010/main" val="1962273833"/>
       </p:ext>
     </p:extLst>
   </p:cSld>
@@ -970,7 +1200,7 @@
               <a:pPr>
                 <a:defRPr/>
               </a:pPr>
-              <a:t>5/28/2025</a:t>
+              <a:t>5/30/2025</a:t>
             </a:fld>
             <a:endParaRPr lang="en-US"/>
           </a:p>
@@ -1942,7 +2172,7 @@
               <a:pPr>
                 <a:defRPr/>
               </a:pPr>
-              <a:t>5/28/2025</a:t>
+              <a:t>5/30/2025</a:t>
             </a:fld>
             <a:endParaRPr lang="en-US"/>
           </a:p>
@@ -2457,6 +2687,3165 @@
   <p:cSld>
     <p:spTree>
       <p:nvGrpSpPr>
+        <p:cNvPr id="1" name="">
+          <a:extLst>
+            <a:ext uri="{FF2B5EF4-FFF2-40B4-BE49-F238E27FC236}">
+              <a16:creationId xmlns:a16="http://schemas.microsoft.com/office/drawing/2014/main" id="{2020D74A-D37C-046C-E6FD-FCE924AFD416}"/>
+            </a:ext>
+          </a:extLst>
+        </p:cNvPr>
+        <p:cNvGrpSpPr/>
+        <p:nvPr/>
+      </p:nvGrpSpPr>
+      <p:grpSpPr>
+        <a:xfrm>
+          <a:off x="0" y="0"/>
+          <a:ext cx="0" cy="0"/>
+          <a:chOff x="0" y="0"/>
+          <a:chExt cx="0" cy="0"/>
+        </a:xfrm>
+      </p:grpSpPr>
+      <p:sp>
+        <p:nvSpPr>
+          <p:cNvPr id="3075" name="Title 2">
+            <a:extLst>
+              <a:ext uri="{FF2B5EF4-FFF2-40B4-BE49-F238E27FC236}">
+                <a16:creationId xmlns:a16="http://schemas.microsoft.com/office/drawing/2014/main" id="{4BDCC05F-9393-6553-3963-9F92FA310F30}"/>
+              </a:ext>
+            </a:extLst>
+          </p:cNvPr>
+          <p:cNvSpPr>
+            <a:spLocks noGrp="1"/>
+          </p:cNvSpPr>
+          <p:nvPr>
+            <p:ph type="title"/>
+          </p:nvPr>
+        </p:nvSpPr>
+        <p:spPr>
+          <a:xfrm>
+            <a:off x="0" y="19957"/>
+            <a:ext cx="14762163" cy="698500"/>
+          </a:xfrm>
+        </p:spPr>
+        <p:txBody>
+          <a:bodyPr/>
+          <a:lstStyle/>
+          <a:p>
+            <a:pPr algn="ctr"/>
+            <a:r>
+              <a:rPr lang="en-US" cap="none" dirty="0">
+                <a:latin typeface="Bodoni MT" charset="0"/>
+                <a:cs typeface="Didot" charset="0"/>
+              </a:rPr>
+              <a:t>BlowChain: Tamper-Proof Secure-Logging Lock-Box</a:t>
+            </a:r>
+          </a:p>
+        </p:txBody>
+      </p:sp>
+      <p:sp>
+        <p:nvSpPr>
+          <p:cNvPr id="3076" name="Subtitle 3">
+            <a:extLst>
+              <a:ext uri="{FF2B5EF4-FFF2-40B4-BE49-F238E27FC236}">
+                <a16:creationId xmlns:a16="http://schemas.microsoft.com/office/drawing/2014/main" id="{ED46A887-64D8-58A5-3E0E-08440AFC51F8}"/>
+              </a:ext>
+            </a:extLst>
+          </p:cNvPr>
+          <p:cNvSpPr>
+            <a:spLocks noGrp="1"/>
+          </p:cNvSpPr>
+          <p:nvPr>
+            <p:ph type="subTitle" idx="10"/>
+          </p:nvPr>
+        </p:nvSpPr>
+        <p:spPr>
+          <a:xfrm>
+            <a:off x="0" y="752250"/>
+            <a:ext cx="14758988" cy="345030"/>
+          </a:xfrm>
+        </p:spPr>
+        <p:txBody>
+          <a:bodyPr/>
+          <a:lstStyle/>
+          <a:p>
+            <a:pPr algn="ctr">
+              <a:spcBef>
+                <a:spcPct val="0"/>
+              </a:spcBef>
+            </a:pPr>
+            <a:r>
+              <a:rPr lang="en-US" sz="2000" i="1" dirty="0">
+                <a:latin typeface="Helvetica Neue" charset="0"/>
+                <a:cs typeface="Helvetica Neue" charset="0"/>
+              </a:rPr>
+              <a:t>Niall Waller, James McAuley, Dhanan Balasaravanan </a:t>
+            </a:r>
+          </a:p>
+        </p:txBody>
+      </p:sp>
+      <p:sp>
+        <p:nvSpPr>
+          <p:cNvPr id="3077" name="Content Placeholder 7">
+            <a:extLst>
+              <a:ext uri="{FF2B5EF4-FFF2-40B4-BE49-F238E27FC236}">
+                <a16:creationId xmlns:a16="http://schemas.microsoft.com/office/drawing/2014/main" id="{CF7093FF-F3E0-D612-A3AA-1DEC360C7EF8}"/>
+              </a:ext>
+            </a:extLst>
+          </p:cNvPr>
+          <p:cNvSpPr>
+            <a:spLocks noGrp="1"/>
+          </p:cNvSpPr>
+          <p:nvPr>
+            <p:ph idx="11"/>
+          </p:nvPr>
+        </p:nvSpPr>
+        <p:spPr>
+          <a:xfrm>
+            <a:off x="-3652837" y="133531"/>
+            <a:ext cx="3500437" cy="7656513"/>
+          </a:xfrm>
+          <a:ln/>
+        </p:spPr>
+        <p:txBody>
+          <a:bodyPr/>
+          <a:lstStyle/>
+          <a:p>
+            <a:r>
+              <a:rPr lang="en-US" b="1" dirty="0">
+                <a:latin typeface="Helvetica Neue" charset="0"/>
+                <a:cs typeface="Helvetica Neue" charset="0"/>
+              </a:rPr>
+              <a:t>General Hints &amp; Tips</a:t>
+            </a:r>
+          </a:p>
+          <a:p>
+            <a:r>
+              <a:rPr lang="en-US" b="1" i="1" dirty="0">
+                <a:latin typeface="Helvetica Neue" charset="0"/>
+                <a:cs typeface="Helvetica Neue" charset="0"/>
+              </a:rPr>
+              <a:t>Do not </a:t>
+            </a:r>
+            <a:r>
+              <a:rPr lang="en-US" dirty="0">
+                <a:latin typeface="Helvetica Neue" charset="0"/>
+                <a:cs typeface="Helvetica Neue" charset="0"/>
+              </a:rPr>
+              <a:t>change the </a:t>
+            </a:r>
+            <a:r>
+              <a:rPr lang="en-US" dirty="0" err="1">
+                <a:latin typeface="Helvetica Neue" charset="0"/>
+                <a:cs typeface="Helvetica Neue" charset="0"/>
+              </a:rPr>
+              <a:t>colour</a:t>
+            </a:r>
+            <a:r>
+              <a:rPr lang="en-US" dirty="0">
+                <a:latin typeface="Helvetica Neue" charset="0"/>
+                <a:cs typeface="Helvetica Neue" charset="0"/>
+              </a:rPr>
+              <a:t>/size/logos/positioning of the Slide Master.</a:t>
+            </a:r>
+          </a:p>
+          <a:p>
+            <a:r>
+              <a:rPr lang="en-US" dirty="0">
+                <a:latin typeface="Helvetica Neue" charset="0"/>
+                <a:cs typeface="Helvetica Neue" charset="0"/>
+              </a:rPr>
+              <a:t>This is a standard format across all Innovation Expo posters.</a:t>
+            </a:r>
+          </a:p>
+          <a:p>
+            <a:r>
+              <a:rPr lang="en-US" b="1" i="1" dirty="0">
+                <a:latin typeface="Helvetica Neue" charset="0"/>
+                <a:cs typeface="Helvetica Neue" charset="0"/>
+              </a:rPr>
+              <a:t>Do not </a:t>
+            </a:r>
+            <a:r>
+              <a:rPr lang="en-US" dirty="0">
+                <a:latin typeface="Helvetica Neue" charset="0"/>
+                <a:cs typeface="Helvetica Neue" charset="0"/>
+              </a:rPr>
+              <a:t>add other corporate logos. This is an infringement of copyright, unless you have express permission to do so.</a:t>
+            </a:r>
+          </a:p>
+          <a:p>
+            <a:r>
+              <a:rPr lang="en-US" b="1" i="1" dirty="0">
+                <a:latin typeface="Helvetica Neue" charset="0"/>
+                <a:cs typeface="Helvetica Neue" charset="0"/>
+              </a:rPr>
+              <a:t>Do</a:t>
+            </a:r>
+            <a:r>
+              <a:rPr lang="en-US" dirty="0">
+                <a:latin typeface="Helvetica Neue" charset="0"/>
+                <a:cs typeface="Helvetica Neue" charset="0"/>
+              </a:rPr>
+              <a:t> use this space as creatively as you wish.</a:t>
+            </a:r>
+          </a:p>
+          <a:p>
+            <a:r>
+              <a:rPr lang="en-US" b="1" i="1" dirty="0">
+                <a:latin typeface="Helvetica Neue" charset="0"/>
+                <a:cs typeface="Helvetica Neue" charset="0"/>
+              </a:rPr>
+              <a:t>Avoid </a:t>
+            </a:r>
+            <a:r>
+              <a:rPr lang="en-US" dirty="0">
+                <a:latin typeface="Helvetica Neue" charset="0"/>
+                <a:cs typeface="Helvetica Neue" charset="0"/>
+              </a:rPr>
+              <a:t>using large background </a:t>
+            </a:r>
+            <a:r>
+              <a:rPr lang="en-US" dirty="0" err="1">
+                <a:latin typeface="Helvetica Neue" charset="0"/>
+                <a:cs typeface="Helvetica Neue" charset="0"/>
+              </a:rPr>
+              <a:t>colours</a:t>
+            </a:r>
+            <a:r>
+              <a:rPr lang="en-US" dirty="0">
+                <a:latin typeface="Helvetica Neue" charset="0"/>
+                <a:cs typeface="Helvetica Neue" charset="0"/>
+              </a:rPr>
+              <a:t> – doesn’t print well.</a:t>
+            </a:r>
+          </a:p>
+          <a:p>
+            <a:r>
+              <a:rPr lang="en-US" b="1" i="1" dirty="0">
+                <a:latin typeface="Helvetica Neue" charset="0"/>
+                <a:cs typeface="Helvetica Neue" charset="0"/>
+              </a:rPr>
+              <a:t>Stick to </a:t>
+            </a:r>
+            <a:r>
+              <a:rPr lang="en-US" dirty="0">
+                <a:latin typeface="Helvetica Neue" charset="0"/>
+                <a:cs typeface="Helvetica Neue" charset="0"/>
+              </a:rPr>
+              <a:t>the basic fonts &amp; sizes (left) – these read clearly. If you need to reduce the text size, you are trying to put too much on your poster.</a:t>
+            </a:r>
+          </a:p>
+          <a:p>
+            <a:r>
+              <a:rPr lang="en-US" b="1" i="1" dirty="0">
+                <a:latin typeface="Helvetica Neue" charset="0"/>
+                <a:cs typeface="Helvetica Neue" charset="0"/>
+              </a:rPr>
+              <a:t>As a check</a:t>
+            </a:r>
+            <a:r>
+              <a:rPr lang="en-US" dirty="0">
+                <a:latin typeface="Helvetica Neue" charset="0"/>
+                <a:cs typeface="Helvetica Neue" charset="0"/>
+              </a:rPr>
+              <a:t>, print “scaled to fit” onto A4 and read at arms length.</a:t>
+            </a:r>
+          </a:p>
+          <a:p>
+            <a:r>
+              <a:rPr lang="en-US" b="1" i="1" dirty="0">
+                <a:latin typeface="Helvetica Neue" charset="0"/>
+                <a:cs typeface="Helvetica Neue" charset="0"/>
+              </a:rPr>
+              <a:t>Save </a:t>
+            </a:r>
+            <a:r>
+              <a:rPr lang="en-US" dirty="0">
+                <a:latin typeface="Helvetica Neue" charset="0"/>
+                <a:cs typeface="Helvetica Neue" charset="0"/>
+              </a:rPr>
+              <a:t>your poster as you work on it.</a:t>
+            </a:r>
+          </a:p>
+          <a:p>
+            <a:r>
+              <a:rPr lang="en-US" b="1" i="1" dirty="0">
+                <a:latin typeface="Helvetica Neue" charset="0"/>
+                <a:cs typeface="Helvetica Neue" charset="0"/>
+              </a:rPr>
+              <a:t>You shouldn’t</a:t>
+            </a:r>
+            <a:r>
+              <a:rPr lang="en-US" dirty="0">
+                <a:latin typeface="Helvetica Neue" charset="0"/>
+                <a:cs typeface="Helvetica Neue" charset="0"/>
+              </a:rPr>
+              <a:t> need to change the sizing of this file, it should already be landscape format with width: 41cm and height: 28.7 cm (A3 with 5 mm borders all around).</a:t>
+            </a:r>
+          </a:p>
+          <a:p>
+            <a:r>
+              <a:rPr lang="en-US" b="1" i="1" dirty="0">
+                <a:latin typeface="Helvetica Neue" charset="0"/>
+                <a:cs typeface="Helvetica Neue" charset="0"/>
+              </a:rPr>
+              <a:t>The title </a:t>
+            </a:r>
+            <a:r>
+              <a:rPr lang="en-US" dirty="0">
+                <a:latin typeface="Helvetica Neue" charset="0"/>
+                <a:cs typeface="Helvetica Neue" charset="0"/>
+              </a:rPr>
+              <a:t>may look to close to the top edge – don’t be tempted to change it. It allows for the extra 5mm from the printing.</a:t>
+            </a:r>
+          </a:p>
+        </p:txBody>
+      </p:sp>
+      <p:pic>
+        <p:nvPicPr>
+          <p:cNvPr id="5" name="Picture 4">
+            <a:extLst>
+              <a:ext uri="{FF2B5EF4-FFF2-40B4-BE49-F238E27FC236}">
+                <a16:creationId xmlns:a16="http://schemas.microsoft.com/office/drawing/2014/main" id="{F0AC4123-F867-4F63-D383-AC253D470EF2}"/>
+              </a:ext>
+            </a:extLst>
+          </p:cNvPr>
+          <p:cNvPicPr>
+            <a:picLocks noChangeAspect="1"/>
+          </p:cNvPicPr>
+          <p:nvPr/>
+        </p:nvPicPr>
+        <p:blipFill>
+          <a:blip r:embed="rId3"/>
+          <a:stretch>
+            <a:fillRect/>
+          </a:stretch>
+        </p:blipFill>
+        <p:spPr>
+          <a:xfrm>
+            <a:off x="2639810" y="5698340"/>
+            <a:ext cx="4960721" cy="4471825"/>
+          </a:xfrm>
+          <a:prstGeom prst="rect">
+            <a:avLst/>
+          </a:prstGeom>
+        </p:spPr>
+      </p:pic>
+      <p:pic>
+        <p:nvPicPr>
+          <p:cNvPr id="7" name="Picture 6" descr="A qr code with a dinosaur&#10;&#10;AI-generated content may be incorrect.">
+            <a:extLst>
+              <a:ext uri="{FF2B5EF4-FFF2-40B4-BE49-F238E27FC236}">
+                <a16:creationId xmlns:a16="http://schemas.microsoft.com/office/drawing/2014/main" id="{F0A0A6DD-5F43-DCB7-6575-4BFDC56FF04A}"/>
+              </a:ext>
+            </a:extLst>
+          </p:cNvPr>
+          <p:cNvPicPr>
+            <a:picLocks noChangeAspect="1"/>
+          </p:cNvPicPr>
+          <p:nvPr/>
+        </p:nvPicPr>
+        <p:blipFill>
+          <a:blip r:embed="rId4"/>
+          <a:srcRect l="6867" t="7057" r="6100" b="6987"/>
+          <a:stretch/>
+        </p:blipFill>
+        <p:spPr>
+          <a:xfrm>
+            <a:off x="5533893" y="1595762"/>
+            <a:ext cx="1987369" cy="1962757"/>
+          </a:xfrm>
+          <a:prstGeom prst="rect">
+            <a:avLst/>
+          </a:prstGeom>
+        </p:spPr>
+      </p:pic>
+      <p:sp>
+        <p:nvSpPr>
+          <p:cNvPr id="8" name="Content Placeholder 1">
+            <a:extLst>
+              <a:ext uri="{FF2B5EF4-FFF2-40B4-BE49-F238E27FC236}">
+                <a16:creationId xmlns:a16="http://schemas.microsoft.com/office/drawing/2014/main" id="{DB0E7CF7-0BE9-1C3B-893E-77CF5D811C45}"/>
+              </a:ext>
+            </a:extLst>
+          </p:cNvPr>
+          <p:cNvSpPr txBox="1">
+            <a:spLocks/>
+          </p:cNvSpPr>
+          <p:nvPr/>
+        </p:nvSpPr>
+        <p:spPr bwMode="auto">
+          <a:xfrm>
+            <a:off x="-3584460" y="7075032"/>
+            <a:ext cx="3498850" cy="7656513"/>
+          </a:xfrm>
+          <a:prstGeom prst="rect">
+            <a:avLst/>
+          </a:prstGeom>
+          <a:noFill/>
+          <a:ln w="9525">
+            <a:noFill/>
+            <a:miter lim="800000"/>
+            <a:headEnd/>
+            <a:tailEnd/>
+          </a:ln>
+          <a:extLst>
+            <a:ext uri="{909E8E84-426E-40dd-AFC4-6F175D3DCCD1}">
+              <a14:hiddenFill xmlns:a14="http://schemas.microsoft.com/office/drawing/2010/main" xmlns="">
+                <a:solidFill>
+                  <a:srgbClr val="FFFFFF"/>
+                </a:solidFill>
+              </a14:hiddenFill>
+            </a:ext>
+            <a:ext uri="{91240B29-F687-4f45-9708-019B960494DF}">
+              <a14:hiddenLine xmlns:a14="http://schemas.microsoft.com/office/drawing/2010/main" xmlns="" w="9525">
+                <a:solidFill>
+                  <a:srgbClr val="000000"/>
+                </a:solidFill>
+                <a:miter lim="800000"/>
+                <a:headEnd/>
+                <a:tailEnd/>
+              </a14:hiddenLine>
+            </a:ext>
+          </a:extLst>
+        </p:spPr>
+        <p:txBody>
+          <a:bodyPr vert="horz" wrap="square" lIns="143378" tIns="71689" rIns="143378" bIns="71689" numCol="1" anchor="t" anchorCtr="0" compatLnSpc="1">
+            <a:prstTxWarp prst="textNoShape">
+              <a:avLst/>
+            </a:prstTxWarp>
+          </a:bodyPr>
+          <a:lstStyle>
+            <a:lvl1pPr marL="0" indent="0" algn="l" defTabSz="715963" rtl="0" eaLnBrk="0" fontAlgn="base" hangingPunct="0">
+              <a:spcBef>
+                <a:spcPct val="20000"/>
+              </a:spcBef>
+              <a:spcAft>
+                <a:spcPct val="0"/>
+              </a:spcAft>
+              <a:buFont typeface="Arial" charset="0"/>
+              <a:buNone/>
+              <a:defRPr sz="1400" kern="1200">
+                <a:solidFill>
+                  <a:schemeClr val="tx1"/>
+                </a:solidFill>
+                <a:latin typeface="Helvetica Neue"/>
+                <a:ea typeface="Geneva" charset="-128"/>
+                <a:cs typeface="Helvetica Neue"/>
+              </a:defRPr>
+            </a:lvl1pPr>
+            <a:lvl2pPr marL="1163638" indent="-447675" algn="l" defTabSz="715963" rtl="0" eaLnBrk="0" fontAlgn="base" hangingPunct="0">
+              <a:spcBef>
+                <a:spcPct val="20000"/>
+              </a:spcBef>
+              <a:spcAft>
+                <a:spcPct val="0"/>
+              </a:spcAft>
+              <a:buFont typeface="Arial" charset="0"/>
+              <a:buNone/>
+              <a:defRPr sz="1800" kern="1200">
+                <a:solidFill>
+                  <a:schemeClr val="tx1"/>
+                </a:solidFill>
+                <a:latin typeface="Helvetica Neue"/>
+                <a:ea typeface="Geneva" charset="-128"/>
+                <a:cs typeface="Helvetica Neue"/>
+              </a:defRPr>
+            </a:lvl2pPr>
+            <a:lvl3pPr marL="1790700" indent="-357188" algn="l" defTabSz="715963" rtl="0" eaLnBrk="0" fontAlgn="base" hangingPunct="0">
+              <a:spcBef>
+                <a:spcPct val="20000"/>
+              </a:spcBef>
+              <a:spcAft>
+                <a:spcPct val="0"/>
+              </a:spcAft>
+              <a:buFont typeface="Arial" charset="0"/>
+              <a:buNone/>
+              <a:defRPr sz="1800" kern="1200">
+                <a:solidFill>
+                  <a:schemeClr val="tx1"/>
+                </a:solidFill>
+                <a:latin typeface="Helvetica Neue"/>
+                <a:ea typeface="Geneva" charset="-128"/>
+                <a:cs typeface="Helvetica Neue"/>
+              </a:defRPr>
+            </a:lvl3pPr>
+            <a:lvl4pPr marL="2508250" indent="-357188" algn="l" defTabSz="715963" rtl="0" eaLnBrk="0" fontAlgn="base" hangingPunct="0">
+              <a:spcBef>
+                <a:spcPct val="20000"/>
+              </a:spcBef>
+              <a:spcAft>
+                <a:spcPct val="0"/>
+              </a:spcAft>
+              <a:buFont typeface="Arial" charset="0"/>
+              <a:buNone/>
+              <a:defRPr sz="1800" kern="1200">
+                <a:solidFill>
+                  <a:schemeClr val="tx1"/>
+                </a:solidFill>
+                <a:latin typeface="Helvetica Neue"/>
+                <a:ea typeface="Geneva" charset="-128"/>
+                <a:cs typeface="Helvetica Neue"/>
+              </a:defRPr>
+            </a:lvl4pPr>
+            <a:lvl5pPr marL="3225800" indent="-357188" algn="l" defTabSz="715963" rtl="0" eaLnBrk="0" fontAlgn="base" hangingPunct="0">
+              <a:spcBef>
+                <a:spcPct val="20000"/>
+              </a:spcBef>
+              <a:spcAft>
+                <a:spcPct val="0"/>
+              </a:spcAft>
+              <a:buFont typeface="Arial" charset="0"/>
+              <a:buNone/>
+              <a:defRPr sz="1800" kern="1200">
+                <a:solidFill>
+                  <a:schemeClr val="tx1"/>
+                </a:solidFill>
+                <a:latin typeface="Helvetica Neue"/>
+                <a:ea typeface="Geneva" charset="-128"/>
+                <a:cs typeface="Helvetica Neue"/>
+              </a:defRPr>
+            </a:lvl5pPr>
+            <a:lvl6pPr marL="3942893" indent="-358445" algn="l" defTabSz="716890" rtl="0" eaLnBrk="1" latinLnBrk="0" hangingPunct="1">
+              <a:spcBef>
+                <a:spcPct val="20000"/>
+              </a:spcBef>
+              <a:buFont typeface="Arial"/>
+              <a:buChar char="•"/>
+              <a:defRPr sz="3100" kern="1200">
+                <a:solidFill>
+                  <a:schemeClr val="tx1"/>
+                </a:solidFill>
+                <a:latin typeface="+mn-lt"/>
+                <a:ea typeface="+mn-ea"/>
+                <a:cs typeface="+mn-cs"/>
+              </a:defRPr>
+            </a:lvl6pPr>
+            <a:lvl7pPr marL="4659782" indent="-358445" algn="l" defTabSz="716890" rtl="0" eaLnBrk="1" latinLnBrk="0" hangingPunct="1">
+              <a:spcBef>
+                <a:spcPct val="20000"/>
+              </a:spcBef>
+              <a:buFont typeface="Arial"/>
+              <a:buChar char="•"/>
+              <a:defRPr sz="3100" kern="1200">
+                <a:solidFill>
+                  <a:schemeClr val="tx1"/>
+                </a:solidFill>
+                <a:latin typeface="+mn-lt"/>
+                <a:ea typeface="+mn-ea"/>
+                <a:cs typeface="+mn-cs"/>
+              </a:defRPr>
+            </a:lvl7pPr>
+            <a:lvl8pPr marL="5376672" indent="-358445" algn="l" defTabSz="716890" rtl="0" eaLnBrk="1" latinLnBrk="0" hangingPunct="1">
+              <a:spcBef>
+                <a:spcPct val="20000"/>
+              </a:spcBef>
+              <a:buFont typeface="Arial"/>
+              <a:buChar char="•"/>
+              <a:defRPr sz="3100" kern="1200">
+                <a:solidFill>
+                  <a:schemeClr val="tx1"/>
+                </a:solidFill>
+                <a:latin typeface="+mn-lt"/>
+                <a:ea typeface="+mn-ea"/>
+                <a:cs typeface="+mn-cs"/>
+              </a:defRPr>
+            </a:lvl8pPr>
+            <a:lvl9pPr marL="6093562" indent="-358445" algn="l" defTabSz="716890" rtl="0" eaLnBrk="1" latinLnBrk="0" hangingPunct="1">
+              <a:spcBef>
+                <a:spcPct val="20000"/>
+              </a:spcBef>
+              <a:buFont typeface="Arial"/>
+              <a:buChar char="•"/>
+              <a:defRPr sz="3100" kern="1200">
+                <a:solidFill>
+                  <a:schemeClr val="tx1"/>
+                </a:solidFill>
+                <a:latin typeface="+mn-lt"/>
+                <a:ea typeface="+mn-ea"/>
+                <a:cs typeface="+mn-cs"/>
+              </a:defRPr>
+            </a:lvl9pPr>
+          </a:lstStyle>
+          <a:p>
+            <a:r>
+              <a:rPr lang="en-US" sz="1800" dirty="0">
+                <a:latin typeface="Bodoni MT" charset="0"/>
+                <a:cs typeface="Helvetica Neue" charset="0"/>
+              </a:rPr>
+              <a:t>GitHub Wiki:</a:t>
+            </a:r>
+            <a:endParaRPr lang="en-US" sz="1600" dirty="0">
+              <a:latin typeface="Bodoni MT" charset="0"/>
+              <a:cs typeface="Helvetica Neue" charset="0"/>
+            </a:endParaRPr>
+          </a:p>
+          <a:p>
+            <a:r>
+              <a:rPr lang="en-US" b="1" dirty="0">
+                <a:latin typeface="Helvetica Neue" charset="0"/>
+                <a:cs typeface="Helvetica Neue" charset="0"/>
+              </a:rPr>
+              <a:t>Subheadings – Helvetica Neue Bold 14pt</a:t>
+            </a:r>
+          </a:p>
+          <a:p>
+            <a:r>
+              <a:rPr lang="en-US" dirty="0">
+                <a:latin typeface="Helvetica Neue" charset="0"/>
+                <a:cs typeface="Helvetica Neue" charset="0"/>
+              </a:rPr>
+              <a:t>Body Text – Helvetica Neue 14pt (min 12pt)</a:t>
+            </a:r>
+          </a:p>
+          <a:p>
+            <a:endParaRPr lang="en-US" dirty="0">
+              <a:latin typeface="Helvetica Neue" charset="0"/>
+              <a:cs typeface="Helvetica Neue" charset="0"/>
+            </a:endParaRPr>
+          </a:p>
+          <a:p>
+            <a:r>
+              <a:rPr lang="en-US" b="1" dirty="0">
+                <a:latin typeface="Helvetica Neue" charset="0"/>
+                <a:cs typeface="Helvetica Neue" charset="0"/>
+              </a:rPr>
+              <a:t>Don’t have the above fonts installed?</a:t>
+            </a:r>
+          </a:p>
+          <a:p>
+            <a:r>
+              <a:rPr lang="en-US" dirty="0">
+                <a:latin typeface="Helvetica Neue" charset="0"/>
+                <a:cs typeface="Helvetica Neue" charset="0"/>
+              </a:rPr>
+              <a:t>Substitutes for Bodoni MT:</a:t>
+            </a:r>
+          </a:p>
+          <a:p>
+            <a:r>
+              <a:rPr lang="en-US" dirty="0">
+                <a:latin typeface="Didot" charset="0"/>
+                <a:cs typeface="Helvetica Neue" charset="0"/>
+              </a:rPr>
+              <a:t>Didot on Apple</a:t>
+            </a:r>
+          </a:p>
+          <a:p>
+            <a:r>
+              <a:rPr lang="en-US" dirty="0">
+                <a:latin typeface="Times New Roman" charset="0"/>
+                <a:cs typeface="Times New Roman" charset="0"/>
+              </a:rPr>
+              <a:t>or Times New Roman (Apple &amp; Windows)</a:t>
+            </a:r>
+          </a:p>
+          <a:p>
+            <a:endParaRPr lang="en-US" dirty="0">
+              <a:latin typeface="Helvetica Neue" charset="0"/>
+              <a:cs typeface="Helvetica Neue" charset="0"/>
+            </a:endParaRPr>
+          </a:p>
+          <a:p>
+            <a:r>
+              <a:rPr lang="en-US" dirty="0">
+                <a:latin typeface="Helvetica Neue" charset="0"/>
+                <a:cs typeface="Helvetica Neue" charset="0"/>
+              </a:rPr>
+              <a:t>Substitutes for Helvetica Neue:</a:t>
+            </a:r>
+          </a:p>
+          <a:p>
+            <a:r>
+              <a:rPr lang="en-US" dirty="0">
+                <a:latin typeface="Helvetica" charset="0"/>
+                <a:cs typeface="Helvetica" charset="0"/>
+              </a:rPr>
+              <a:t>Helvetica (Apple)</a:t>
+            </a:r>
+          </a:p>
+          <a:p>
+            <a:r>
+              <a:rPr lang="en-US" dirty="0">
+                <a:latin typeface="Arial" charset="0"/>
+                <a:cs typeface="Arial" charset="0"/>
+              </a:rPr>
+              <a:t>or Arial (Apple &amp; Windows)</a:t>
+            </a:r>
+          </a:p>
+          <a:p>
+            <a:endParaRPr lang="en-US" dirty="0">
+              <a:latin typeface="Helvetica Neue" charset="0"/>
+              <a:cs typeface="Helvetica Neue" charset="0"/>
+            </a:endParaRPr>
+          </a:p>
+        </p:txBody>
+      </p:sp>
+      <p:sp>
+        <p:nvSpPr>
+          <p:cNvPr id="9" name="Content Placeholder 1">
+            <a:extLst>
+              <a:ext uri="{FF2B5EF4-FFF2-40B4-BE49-F238E27FC236}">
+                <a16:creationId xmlns:a16="http://schemas.microsoft.com/office/drawing/2014/main" id="{A2DDA83E-3FAA-E554-CA94-8E1081DB120E}"/>
+              </a:ext>
+            </a:extLst>
+          </p:cNvPr>
+          <p:cNvSpPr txBox="1">
+            <a:spLocks/>
+          </p:cNvSpPr>
+          <p:nvPr/>
+        </p:nvSpPr>
+        <p:spPr bwMode="auto">
+          <a:xfrm>
+            <a:off x="5407479" y="1123597"/>
+            <a:ext cx="3498850" cy="423048"/>
+          </a:xfrm>
+          <a:prstGeom prst="rect">
+            <a:avLst/>
+          </a:prstGeom>
+          <a:noFill/>
+          <a:ln w="9525">
+            <a:noFill/>
+            <a:miter lim="800000"/>
+            <a:headEnd/>
+            <a:tailEnd/>
+          </a:ln>
+          <a:extLst>
+            <a:ext uri="{909E8E84-426E-40dd-AFC4-6F175D3DCCD1}">
+              <a14:hiddenFill xmlns:a14="http://schemas.microsoft.com/office/drawing/2010/main" xmlns="">
+                <a:solidFill>
+                  <a:srgbClr val="FFFFFF"/>
+                </a:solidFill>
+              </a14:hiddenFill>
+            </a:ext>
+            <a:ext uri="{91240B29-F687-4f45-9708-019B960494DF}">
+              <a14:hiddenLine xmlns:a14="http://schemas.microsoft.com/office/drawing/2010/main" xmlns="" w="9525">
+                <a:solidFill>
+                  <a:srgbClr val="000000"/>
+                </a:solidFill>
+                <a:miter lim="800000"/>
+                <a:headEnd/>
+                <a:tailEnd/>
+              </a14:hiddenLine>
+            </a:ext>
+          </a:extLst>
+        </p:spPr>
+        <p:txBody>
+          <a:bodyPr vert="horz" wrap="square" lIns="143378" tIns="71689" rIns="143378" bIns="71689" numCol="1" anchor="t" anchorCtr="0" compatLnSpc="1">
+            <a:prstTxWarp prst="textNoShape">
+              <a:avLst/>
+            </a:prstTxWarp>
+          </a:bodyPr>
+          <a:lstStyle>
+            <a:lvl1pPr marL="0" indent="0" algn="l" defTabSz="715963" rtl="0" eaLnBrk="0" fontAlgn="base" hangingPunct="0">
+              <a:spcBef>
+                <a:spcPct val="20000"/>
+              </a:spcBef>
+              <a:spcAft>
+                <a:spcPct val="0"/>
+              </a:spcAft>
+              <a:buFont typeface="Arial" charset="0"/>
+              <a:buNone/>
+              <a:defRPr sz="1400" kern="1200">
+                <a:solidFill>
+                  <a:schemeClr val="tx1"/>
+                </a:solidFill>
+                <a:latin typeface="Helvetica Neue"/>
+                <a:ea typeface="Geneva" charset="-128"/>
+                <a:cs typeface="Helvetica Neue"/>
+              </a:defRPr>
+            </a:lvl1pPr>
+            <a:lvl2pPr marL="1163638" indent="-447675" algn="l" defTabSz="715963" rtl="0" eaLnBrk="0" fontAlgn="base" hangingPunct="0">
+              <a:spcBef>
+                <a:spcPct val="20000"/>
+              </a:spcBef>
+              <a:spcAft>
+                <a:spcPct val="0"/>
+              </a:spcAft>
+              <a:buFont typeface="Arial" charset="0"/>
+              <a:buNone/>
+              <a:defRPr sz="1800" kern="1200">
+                <a:solidFill>
+                  <a:schemeClr val="tx1"/>
+                </a:solidFill>
+                <a:latin typeface="Helvetica Neue"/>
+                <a:ea typeface="Geneva" charset="-128"/>
+                <a:cs typeface="Helvetica Neue"/>
+              </a:defRPr>
+            </a:lvl2pPr>
+            <a:lvl3pPr marL="1790700" indent="-357188" algn="l" defTabSz="715963" rtl="0" eaLnBrk="0" fontAlgn="base" hangingPunct="0">
+              <a:spcBef>
+                <a:spcPct val="20000"/>
+              </a:spcBef>
+              <a:spcAft>
+                <a:spcPct val="0"/>
+              </a:spcAft>
+              <a:buFont typeface="Arial" charset="0"/>
+              <a:buNone/>
+              <a:defRPr sz="1800" kern="1200">
+                <a:solidFill>
+                  <a:schemeClr val="tx1"/>
+                </a:solidFill>
+                <a:latin typeface="Helvetica Neue"/>
+                <a:ea typeface="Geneva" charset="-128"/>
+                <a:cs typeface="Helvetica Neue"/>
+              </a:defRPr>
+            </a:lvl3pPr>
+            <a:lvl4pPr marL="2508250" indent="-357188" algn="l" defTabSz="715963" rtl="0" eaLnBrk="0" fontAlgn="base" hangingPunct="0">
+              <a:spcBef>
+                <a:spcPct val="20000"/>
+              </a:spcBef>
+              <a:spcAft>
+                <a:spcPct val="0"/>
+              </a:spcAft>
+              <a:buFont typeface="Arial" charset="0"/>
+              <a:buNone/>
+              <a:defRPr sz="1800" kern="1200">
+                <a:solidFill>
+                  <a:schemeClr val="tx1"/>
+                </a:solidFill>
+                <a:latin typeface="Helvetica Neue"/>
+                <a:ea typeface="Geneva" charset="-128"/>
+                <a:cs typeface="Helvetica Neue"/>
+              </a:defRPr>
+            </a:lvl4pPr>
+            <a:lvl5pPr marL="3225800" indent="-357188" algn="l" defTabSz="715963" rtl="0" eaLnBrk="0" fontAlgn="base" hangingPunct="0">
+              <a:spcBef>
+                <a:spcPct val="20000"/>
+              </a:spcBef>
+              <a:spcAft>
+                <a:spcPct val="0"/>
+              </a:spcAft>
+              <a:buFont typeface="Arial" charset="0"/>
+              <a:buNone/>
+              <a:defRPr sz="1800" kern="1200">
+                <a:solidFill>
+                  <a:schemeClr val="tx1"/>
+                </a:solidFill>
+                <a:latin typeface="Helvetica Neue"/>
+                <a:ea typeface="Geneva" charset="-128"/>
+                <a:cs typeface="Helvetica Neue"/>
+              </a:defRPr>
+            </a:lvl5pPr>
+            <a:lvl6pPr marL="3942893" indent="-358445" algn="l" defTabSz="716890" rtl="0" eaLnBrk="1" latinLnBrk="0" hangingPunct="1">
+              <a:spcBef>
+                <a:spcPct val="20000"/>
+              </a:spcBef>
+              <a:buFont typeface="Arial"/>
+              <a:buChar char="•"/>
+              <a:defRPr sz="3100" kern="1200">
+                <a:solidFill>
+                  <a:schemeClr val="tx1"/>
+                </a:solidFill>
+                <a:latin typeface="+mn-lt"/>
+                <a:ea typeface="+mn-ea"/>
+                <a:cs typeface="+mn-cs"/>
+              </a:defRPr>
+            </a:lvl6pPr>
+            <a:lvl7pPr marL="4659782" indent="-358445" algn="l" defTabSz="716890" rtl="0" eaLnBrk="1" latinLnBrk="0" hangingPunct="1">
+              <a:spcBef>
+                <a:spcPct val="20000"/>
+              </a:spcBef>
+              <a:buFont typeface="Arial"/>
+              <a:buChar char="•"/>
+              <a:defRPr sz="3100" kern="1200">
+                <a:solidFill>
+                  <a:schemeClr val="tx1"/>
+                </a:solidFill>
+                <a:latin typeface="+mn-lt"/>
+                <a:ea typeface="+mn-ea"/>
+                <a:cs typeface="+mn-cs"/>
+              </a:defRPr>
+            </a:lvl7pPr>
+            <a:lvl8pPr marL="5376672" indent="-358445" algn="l" defTabSz="716890" rtl="0" eaLnBrk="1" latinLnBrk="0" hangingPunct="1">
+              <a:spcBef>
+                <a:spcPct val="20000"/>
+              </a:spcBef>
+              <a:buFont typeface="Arial"/>
+              <a:buChar char="•"/>
+              <a:defRPr sz="3100" kern="1200">
+                <a:solidFill>
+                  <a:schemeClr val="tx1"/>
+                </a:solidFill>
+                <a:latin typeface="+mn-lt"/>
+                <a:ea typeface="+mn-ea"/>
+                <a:cs typeface="+mn-cs"/>
+              </a:defRPr>
+            </a:lvl8pPr>
+            <a:lvl9pPr marL="6093562" indent="-358445" algn="l" defTabSz="716890" rtl="0" eaLnBrk="1" latinLnBrk="0" hangingPunct="1">
+              <a:spcBef>
+                <a:spcPct val="20000"/>
+              </a:spcBef>
+              <a:buFont typeface="Arial"/>
+              <a:buChar char="•"/>
+              <a:defRPr sz="3100" kern="1200">
+                <a:solidFill>
+                  <a:schemeClr val="tx1"/>
+                </a:solidFill>
+                <a:latin typeface="+mn-lt"/>
+                <a:ea typeface="+mn-ea"/>
+                <a:cs typeface="+mn-cs"/>
+              </a:defRPr>
+            </a:lvl9pPr>
+          </a:lstStyle>
+          <a:p>
+            <a:r>
+              <a:rPr lang="en-US" sz="1800" dirty="0">
+                <a:latin typeface="Bodoni MT" charset="0"/>
+                <a:cs typeface="Helvetica Neue" charset="0"/>
+              </a:rPr>
+              <a:t>How Does it Work ?</a:t>
+            </a:r>
+            <a:endParaRPr lang="en-US" dirty="0">
+              <a:latin typeface="Arial" charset="0"/>
+              <a:cs typeface="Arial" charset="0"/>
+            </a:endParaRPr>
+          </a:p>
+          <a:p>
+            <a:endParaRPr lang="en-US" dirty="0">
+              <a:latin typeface="Helvetica Neue" charset="0"/>
+              <a:cs typeface="Helvetica Neue" charset="0"/>
+            </a:endParaRPr>
+          </a:p>
+        </p:txBody>
+      </p:sp>
+      <p:sp>
+        <p:nvSpPr>
+          <p:cNvPr id="10" name="Content Placeholder 7">
+            <a:extLst>
+              <a:ext uri="{FF2B5EF4-FFF2-40B4-BE49-F238E27FC236}">
+                <a16:creationId xmlns:a16="http://schemas.microsoft.com/office/drawing/2014/main" id="{0E1D9C92-A118-F597-4B6F-C7D7898A5566}"/>
+              </a:ext>
+            </a:extLst>
+          </p:cNvPr>
+          <p:cNvSpPr txBox="1">
+            <a:spLocks/>
+          </p:cNvSpPr>
+          <p:nvPr/>
+        </p:nvSpPr>
+        <p:spPr bwMode="auto">
+          <a:xfrm>
+            <a:off x="50869" y="990091"/>
+            <a:ext cx="5723472" cy="2697542"/>
+          </a:xfrm>
+          <a:prstGeom prst="rect">
+            <a:avLst/>
+          </a:prstGeom>
+          <a:noFill/>
+          <a:ln w="9525">
+            <a:noFill/>
+            <a:miter lim="800000"/>
+            <a:headEnd/>
+            <a:tailEnd/>
+          </a:ln>
+          <a:extLst>
+            <a:ext uri="{909E8E84-426E-40dd-AFC4-6F175D3DCCD1}">
+              <a14:hiddenFill xmlns:a14="http://schemas.microsoft.com/office/drawing/2010/main" xmlns="">
+                <a:solidFill>
+                  <a:srgbClr val="FFFFFF"/>
+                </a:solidFill>
+              </a14:hiddenFill>
+            </a:ext>
+            <a:ext uri="{91240B29-F687-4f45-9708-019B960494DF}">
+              <a14:hiddenLine xmlns:a14="http://schemas.microsoft.com/office/drawing/2010/main" xmlns="" w="9525">
+                <a:solidFill>
+                  <a:srgbClr val="000000"/>
+                </a:solidFill>
+                <a:miter lim="800000"/>
+                <a:headEnd/>
+                <a:tailEnd/>
+              </a14:hiddenLine>
+            </a:ext>
+          </a:extLst>
+        </p:spPr>
+        <p:txBody>
+          <a:bodyPr vert="horz" wrap="square" lIns="143378" tIns="71689" rIns="143378" bIns="71689" numCol="1" anchor="t" anchorCtr="0" compatLnSpc="1">
+            <a:prstTxWarp prst="textNoShape">
+              <a:avLst/>
+            </a:prstTxWarp>
+          </a:bodyPr>
+          <a:lstStyle>
+            <a:lvl1pPr marL="0" indent="0" algn="l" defTabSz="715963" rtl="0" eaLnBrk="0" fontAlgn="base" hangingPunct="0">
+              <a:spcBef>
+                <a:spcPct val="20000"/>
+              </a:spcBef>
+              <a:spcAft>
+                <a:spcPct val="0"/>
+              </a:spcAft>
+              <a:buFont typeface="Arial" charset="0"/>
+              <a:buNone/>
+              <a:defRPr sz="1400" kern="1200">
+                <a:solidFill>
+                  <a:schemeClr val="tx1"/>
+                </a:solidFill>
+                <a:latin typeface="Helvetica Neue"/>
+                <a:ea typeface="Geneva" charset="-128"/>
+                <a:cs typeface="Helvetica Neue"/>
+              </a:defRPr>
+            </a:lvl1pPr>
+            <a:lvl2pPr marL="1163638" indent="-447675" algn="l" defTabSz="715963" rtl="0" eaLnBrk="0" fontAlgn="base" hangingPunct="0">
+              <a:spcBef>
+                <a:spcPct val="20000"/>
+              </a:spcBef>
+              <a:spcAft>
+                <a:spcPct val="0"/>
+              </a:spcAft>
+              <a:buFont typeface="Arial" charset="0"/>
+              <a:buNone/>
+              <a:defRPr sz="1800" kern="1200">
+                <a:solidFill>
+                  <a:schemeClr val="tx1"/>
+                </a:solidFill>
+                <a:latin typeface="Helvetica Neue"/>
+                <a:ea typeface="Geneva" charset="-128"/>
+                <a:cs typeface="Helvetica Neue"/>
+              </a:defRPr>
+            </a:lvl2pPr>
+            <a:lvl3pPr marL="1790700" indent="-357188" algn="l" defTabSz="715963" rtl="0" eaLnBrk="0" fontAlgn="base" hangingPunct="0">
+              <a:spcBef>
+                <a:spcPct val="20000"/>
+              </a:spcBef>
+              <a:spcAft>
+                <a:spcPct val="0"/>
+              </a:spcAft>
+              <a:buFont typeface="Arial" charset="0"/>
+              <a:buNone/>
+              <a:defRPr sz="1800" kern="1200">
+                <a:solidFill>
+                  <a:schemeClr val="tx1"/>
+                </a:solidFill>
+                <a:latin typeface="Helvetica Neue"/>
+                <a:ea typeface="Geneva" charset="-128"/>
+                <a:cs typeface="Helvetica Neue"/>
+              </a:defRPr>
+            </a:lvl3pPr>
+            <a:lvl4pPr marL="2508250" indent="-357188" algn="l" defTabSz="715963" rtl="0" eaLnBrk="0" fontAlgn="base" hangingPunct="0">
+              <a:spcBef>
+                <a:spcPct val="20000"/>
+              </a:spcBef>
+              <a:spcAft>
+                <a:spcPct val="0"/>
+              </a:spcAft>
+              <a:buFont typeface="Arial" charset="0"/>
+              <a:buNone/>
+              <a:defRPr sz="1800" kern="1200">
+                <a:solidFill>
+                  <a:schemeClr val="tx1"/>
+                </a:solidFill>
+                <a:latin typeface="Helvetica Neue"/>
+                <a:ea typeface="Geneva" charset="-128"/>
+                <a:cs typeface="Helvetica Neue"/>
+              </a:defRPr>
+            </a:lvl4pPr>
+            <a:lvl5pPr marL="3225800" indent="-357188" algn="l" defTabSz="715963" rtl="0" eaLnBrk="0" fontAlgn="base" hangingPunct="0">
+              <a:spcBef>
+                <a:spcPct val="20000"/>
+              </a:spcBef>
+              <a:spcAft>
+                <a:spcPct val="0"/>
+              </a:spcAft>
+              <a:buFont typeface="Arial" charset="0"/>
+              <a:buNone/>
+              <a:defRPr sz="1800" kern="1200">
+                <a:solidFill>
+                  <a:schemeClr val="tx1"/>
+                </a:solidFill>
+                <a:latin typeface="Helvetica Neue"/>
+                <a:ea typeface="Geneva" charset="-128"/>
+                <a:cs typeface="Helvetica Neue"/>
+              </a:defRPr>
+            </a:lvl5pPr>
+            <a:lvl6pPr marL="3942893" indent="-358445" algn="l" defTabSz="716890" rtl="0" eaLnBrk="1" latinLnBrk="0" hangingPunct="1">
+              <a:spcBef>
+                <a:spcPct val="20000"/>
+              </a:spcBef>
+              <a:buFont typeface="Arial"/>
+              <a:buChar char="•"/>
+              <a:defRPr sz="3100" kern="1200">
+                <a:solidFill>
+                  <a:schemeClr val="tx1"/>
+                </a:solidFill>
+                <a:latin typeface="+mn-lt"/>
+                <a:ea typeface="+mn-ea"/>
+                <a:cs typeface="+mn-cs"/>
+              </a:defRPr>
+            </a:lvl6pPr>
+            <a:lvl7pPr marL="4659782" indent="-358445" algn="l" defTabSz="716890" rtl="0" eaLnBrk="1" latinLnBrk="0" hangingPunct="1">
+              <a:spcBef>
+                <a:spcPct val="20000"/>
+              </a:spcBef>
+              <a:buFont typeface="Arial"/>
+              <a:buChar char="•"/>
+              <a:defRPr sz="3100" kern="1200">
+                <a:solidFill>
+                  <a:schemeClr val="tx1"/>
+                </a:solidFill>
+                <a:latin typeface="+mn-lt"/>
+                <a:ea typeface="+mn-ea"/>
+                <a:cs typeface="+mn-cs"/>
+              </a:defRPr>
+            </a:lvl7pPr>
+            <a:lvl8pPr marL="5376672" indent="-358445" algn="l" defTabSz="716890" rtl="0" eaLnBrk="1" latinLnBrk="0" hangingPunct="1">
+              <a:spcBef>
+                <a:spcPct val="20000"/>
+              </a:spcBef>
+              <a:buFont typeface="Arial"/>
+              <a:buChar char="•"/>
+              <a:defRPr sz="3100" kern="1200">
+                <a:solidFill>
+                  <a:schemeClr val="tx1"/>
+                </a:solidFill>
+                <a:latin typeface="+mn-lt"/>
+                <a:ea typeface="+mn-ea"/>
+                <a:cs typeface="+mn-cs"/>
+              </a:defRPr>
+            </a:lvl8pPr>
+            <a:lvl9pPr marL="6093562" indent="-358445" algn="l" defTabSz="716890" rtl="0" eaLnBrk="1" latinLnBrk="0" hangingPunct="1">
+              <a:spcBef>
+                <a:spcPct val="20000"/>
+              </a:spcBef>
+              <a:buFont typeface="Arial"/>
+              <a:buChar char="•"/>
+              <a:defRPr sz="3100" kern="1200">
+                <a:solidFill>
+                  <a:schemeClr val="tx1"/>
+                </a:solidFill>
+                <a:latin typeface="+mn-lt"/>
+                <a:ea typeface="+mn-ea"/>
+                <a:cs typeface="+mn-cs"/>
+              </a:defRPr>
+            </a:lvl9pPr>
+          </a:lstStyle>
+          <a:p>
+            <a:pPr marL="0" marR="0" lvl="0" indent="0" algn="l" defTabSz="715963" rtl="0" eaLnBrk="1" fontAlgn="base" latinLnBrk="0" hangingPunct="1">
+              <a:lnSpc>
+                <a:spcPct val="150000"/>
+              </a:lnSpc>
+              <a:spcBef>
+                <a:spcPct val="0"/>
+              </a:spcBef>
+              <a:spcAft>
+                <a:spcPct val="0"/>
+              </a:spcAft>
+              <a:buClrTx/>
+              <a:buSzTx/>
+              <a:buFontTx/>
+              <a:buNone/>
+              <a:tabLst/>
+              <a:defRPr/>
+            </a:pPr>
+            <a:r>
+              <a:rPr kumimoji="0" lang="en-US" sz="1800" b="0" i="0" u="none" strike="noStrike" kern="1200" cap="none" spc="0" normalizeH="0" baseline="0" noProof="0" dirty="0">
+                <a:ln>
+                  <a:noFill/>
+                </a:ln>
+                <a:solidFill>
+                  <a:prstClr val="black"/>
+                </a:solidFill>
+                <a:effectLst/>
+                <a:uLnTx/>
+                <a:uFillTx/>
+                <a:latin typeface="Bodoni MT" charset="0"/>
+                <a:ea typeface="Geneva" charset="-128"/>
+                <a:cs typeface="Helvetica Neue" charset="0"/>
+              </a:rPr>
+              <a:t>What's The Problem ?</a:t>
+            </a:r>
+            <a:endParaRPr lang="en-US" dirty="0">
+              <a:latin typeface="Helvetica Neue" charset="0"/>
+              <a:cs typeface="Helvetica Neue" charset="0"/>
+            </a:endParaRPr>
+          </a:p>
+          <a:p>
+            <a:pPr>
+              <a:lnSpc>
+                <a:spcPct val="150000"/>
+              </a:lnSpc>
+            </a:pPr>
+            <a:r>
+              <a:rPr lang="en-US" dirty="0">
+                <a:latin typeface="Helvetica Neue" charset="0"/>
+                <a:cs typeface="Helvetica Neue" charset="0"/>
+              </a:rPr>
+              <a:t>Traditional Lockboxes:</a:t>
+            </a:r>
+          </a:p>
+          <a:p>
+            <a:pPr marL="285750" indent="-285750">
+              <a:lnSpc>
+                <a:spcPct val="150000"/>
+              </a:lnSpc>
+              <a:buFont typeface="Arial" panose="020B0604020202020204" pitchFamily="34" charset="0"/>
+              <a:buChar char="•"/>
+            </a:pPr>
+            <a:r>
+              <a:rPr lang="en-US" dirty="0">
+                <a:latin typeface="Helvetica Neue" charset="0"/>
+                <a:cs typeface="Helvetica Neue" charset="0"/>
+              </a:rPr>
+              <a:t>Single shared access code → weak security &amp; no accountability.</a:t>
+            </a:r>
+          </a:p>
+          <a:p>
+            <a:pPr marL="285750" indent="-285750">
+              <a:lnSpc>
+                <a:spcPct val="150000"/>
+              </a:lnSpc>
+              <a:buFont typeface="Arial" panose="020B0604020202020204" pitchFamily="34" charset="0"/>
+              <a:buChar char="•"/>
+            </a:pPr>
+            <a:r>
+              <a:rPr lang="en-US" dirty="0">
+                <a:latin typeface="Helvetica Neue" charset="0"/>
+                <a:cs typeface="Helvetica Neue" charset="0"/>
+              </a:rPr>
+              <a:t>Manual logs → unreliable auditing.</a:t>
+            </a:r>
+          </a:p>
+          <a:p>
+            <a:pPr>
+              <a:lnSpc>
+                <a:spcPct val="150000"/>
+              </a:lnSpc>
+            </a:pPr>
+            <a:r>
+              <a:rPr lang="en-US" dirty="0">
+                <a:latin typeface="Helvetica Neue" charset="0"/>
+                <a:cs typeface="Helvetica Neue" charset="0"/>
+              </a:rPr>
+              <a:t>Digital Alternatives:</a:t>
+            </a:r>
+          </a:p>
+          <a:p>
+            <a:pPr marL="285750" indent="-285750">
+              <a:lnSpc>
+                <a:spcPct val="150000"/>
+              </a:lnSpc>
+              <a:buFont typeface="Arial" panose="020B0604020202020204" pitchFamily="34" charset="0"/>
+              <a:buChar char="•"/>
+            </a:pPr>
+            <a:r>
+              <a:rPr lang="en-US" dirty="0">
+                <a:latin typeface="Helvetica Neue" charset="0"/>
+                <a:cs typeface="Helvetica Neue" charset="0"/>
+              </a:rPr>
+              <a:t>Internet-dependent → vulnerable to remote attacks.</a:t>
+            </a:r>
+          </a:p>
+          <a:p>
+            <a:pPr marL="285750" indent="-285750">
+              <a:lnSpc>
+                <a:spcPct val="150000"/>
+              </a:lnSpc>
+              <a:buFont typeface="Arial" panose="020B0604020202020204" pitchFamily="34" charset="0"/>
+              <a:buChar char="•"/>
+            </a:pPr>
+            <a:r>
+              <a:rPr lang="en-US" dirty="0">
+                <a:latin typeface="Helvetica Neue" charset="0"/>
+                <a:cs typeface="Helvetica Neue" charset="0"/>
+              </a:rPr>
+              <a:t>Centralized databases → risk of data modification breaches.</a:t>
+            </a:r>
+          </a:p>
+        </p:txBody>
+      </p:sp>
+      <p:sp>
+        <p:nvSpPr>
+          <p:cNvPr id="13" name="Content Placeholder 7">
+            <a:extLst>
+              <a:ext uri="{FF2B5EF4-FFF2-40B4-BE49-F238E27FC236}">
+                <a16:creationId xmlns:a16="http://schemas.microsoft.com/office/drawing/2014/main" id="{C7A53643-1D88-6C42-D048-F7EE83BA39C2}"/>
+              </a:ext>
+            </a:extLst>
+          </p:cNvPr>
+          <p:cNvSpPr txBox="1">
+            <a:spLocks/>
+          </p:cNvSpPr>
+          <p:nvPr/>
+        </p:nvSpPr>
+        <p:spPr bwMode="auto">
+          <a:xfrm>
+            <a:off x="2606707" y="3736750"/>
+            <a:ext cx="5205134" cy="2597329"/>
+          </a:xfrm>
+          <a:prstGeom prst="rect">
+            <a:avLst/>
+          </a:prstGeom>
+          <a:noFill/>
+          <a:ln w="9525">
+            <a:noFill/>
+            <a:miter lim="800000"/>
+            <a:headEnd/>
+            <a:tailEnd/>
+          </a:ln>
+          <a:extLst>
+            <a:ext uri="{909E8E84-426E-40dd-AFC4-6F175D3DCCD1}">
+              <a14:hiddenFill xmlns:a14="http://schemas.microsoft.com/office/drawing/2010/main" xmlns="">
+                <a:solidFill>
+                  <a:srgbClr val="FFFFFF"/>
+                </a:solidFill>
+              </a14:hiddenFill>
+            </a:ext>
+            <a:ext uri="{91240B29-F687-4f45-9708-019B960494DF}">
+              <a14:hiddenLine xmlns:a14="http://schemas.microsoft.com/office/drawing/2010/main" xmlns="" w="9525">
+                <a:solidFill>
+                  <a:srgbClr val="000000"/>
+                </a:solidFill>
+                <a:miter lim="800000"/>
+                <a:headEnd/>
+                <a:tailEnd/>
+              </a14:hiddenLine>
+            </a:ext>
+          </a:extLst>
+        </p:spPr>
+        <p:txBody>
+          <a:bodyPr vert="horz" wrap="square" lIns="143378" tIns="71689" rIns="143378" bIns="71689" numCol="1" anchor="t" anchorCtr="0" compatLnSpc="1">
+            <a:prstTxWarp prst="textNoShape">
+              <a:avLst/>
+            </a:prstTxWarp>
+          </a:bodyPr>
+          <a:lstStyle>
+            <a:lvl1pPr marL="0" indent="0" algn="l" defTabSz="715963" rtl="0" eaLnBrk="0" fontAlgn="base" hangingPunct="0">
+              <a:spcBef>
+                <a:spcPct val="20000"/>
+              </a:spcBef>
+              <a:spcAft>
+                <a:spcPct val="0"/>
+              </a:spcAft>
+              <a:buFont typeface="Arial" charset="0"/>
+              <a:buNone/>
+              <a:defRPr sz="1400" kern="1200">
+                <a:solidFill>
+                  <a:schemeClr val="tx1"/>
+                </a:solidFill>
+                <a:latin typeface="Helvetica Neue"/>
+                <a:ea typeface="Geneva" charset="-128"/>
+                <a:cs typeface="Helvetica Neue"/>
+              </a:defRPr>
+            </a:lvl1pPr>
+            <a:lvl2pPr marL="1163638" indent="-447675" algn="l" defTabSz="715963" rtl="0" eaLnBrk="0" fontAlgn="base" hangingPunct="0">
+              <a:spcBef>
+                <a:spcPct val="20000"/>
+              </a:spcBef>
+              <a:spcAft>
+                <a:spcPct val="0"/>
+              </a:spcAft>
+              <a:buFont typeface="Arial" charset="0"/>
+              <a:buNone/>
+              <a:defRPr sz="1800" kern="1200">
+                <a:solidFill>
+                  <a:schemeClr val="tx1"/>
+                </a:solidFill>
+                <a:latin typeface="Helvetica Neue"/>
+                <a:ea typeface="Geneva" charset="-128"/>
+                <a:cs typeface="Helvetica Neue"/>
+              </a:defRPr>
+            </a:lvl2pPr>
+            <a:lvl3pPr marL="1790700" indent="-357188" algn="l" defTabSz="715963" rtl="0" eaLnBrk="0" fontAlgn="base" hangingPunct="0">
+              <a:spcBef>
+                <a:spcPct val="20000"/>
+              </a:spcBef>
+              <a:spcAft>
+                <a:spcPct val="0"/>
+              </a:spcAft>
+              <a:buFont typeface="Arial" charset="0"/>
+              <a:buNone/>
+              <a:defRPr sz="1800" kern="1200">
+                <a:solidFill>
+                  <a:schemeClr val="tx1"/>
+                </a:solidFill>
+                <a:latin typeface="Helvetica Neue"/>
+                <a:ea typeface="Geneva" charset="-128"/>
+                <a:cs typeface="Helvetica Neue"/>
+              </a:defRPr>
+            </a:lvl3pPr>
+            <a:lvl4pPr marL="2508250" indent="-357188" algn="l" defTabSz="715963" rtl="0" eaLnBrk="0" fontAlgn="base" hangingPunct="0">
+              <a:spcBef>
+                <a:spcPct val="20000"/>
+              </a:spcBef>
+              <a:spcAft>
+                <a:spcPct val="0"/>
+              </a:spcAft>
+              <a:buFont typeface="Arial" charset="0"/>
+              <a:buNone/>
+              <a:defRPr sz="1800" kern="1200">
+                <a:solidFill>
+                  <a:schemeClr val="tx1"/>
+                </a:solidFill>
+                <a:latin typeface="Helvetica Neue"/>
+                <a:ea typeface="Geneva" charset="-128"/>
+                <a:cs typeface="Helvetica Neue"/>
+              </a:defRPr>
+            </a:lvl4pPr>
+            <a:lvl5pPr marL="3225800" indent="-357188" algn="l" defTabSz="715963" rtl="0" eaLnBrk="0" fontAlgn="base" hangingPunct="0">
+              <a:spcBef>
+                <a:spcPct val="20000"/>
+              </a:spcBef>
+              <a:spcAft>
+                <a:spcPct val="0"/>
+              </a:spcAft>
+              <a:buFont typeface="Arial" charset="0"/>
+              <a:buNone/>
+              <a:defRPr sz="1800" kern="1200">
+                <a:solidFill>
+                  <a:schemeClr val="tx1"/>
+                </a:solidFill>
+                <a:latin typeface="Helvetica Neue"/>
+                <a:ea typeface="Geneva" charset="-128"/>
+                <a:cs typeface="Helvetica Neue"/>
+              </a:defRPr>
+            </a:lvl5pPr>
+            <a:lvl6pPr marL="3942893" indent="-358445" algn="l" defTabSz="716890" rtl="0" eaLnBrk="1" latinLnBrk="0" hangingPunct="1">
+              <a:spcBef>
+                <a:spcPct val="20000"/>
+              </a:spcBef>
+              <a:buFont typeface="Arial"/>
+              <a:buChar char="•"/>
+              <a:defRPr sz="3100" kern="1200">
+                <a:solidFill>
+                  <a:schemeClr val="tx1"/>
+                </a:solidFill>
+                <a:latin typeface="+mn-lt"/>
+                <a:ea typeface="+mn-ea"/>
+                <a:cs typeface="+mn-cs"/>
+              </a:defRPr>
+            </a:lvl6pPr>
+            <a:lvl7pPr marL="4659782" indent="-358445" algn="l" defTabSz="716890" rtl="0" eaLnBrk="1" latinLnBrk="0" hangingPunct="1">
+              <a:spcBef>
+                <a:spcPct val="20000"/>
+              </a:spcBef>
+              <a:buFont typeface="Arial"/>
+              <a:buChar char="•"/>
+              <a:defRPr sz="3100" kern="1200">
+                <a:solidFill>
+                  <a:schemeClr val="tx1"/>
+                </a:solidFill>
+                <a:latin typeface="+mn-lt"/>
+                <a:ea typeface="+mn-ea"/>
+                <a:cs typeface="+mn-cs"/>
+              </a:defRPr>
+            </a:lvl7pPr>
+            <a:lvl8pPr marL="5376672" indent="-358445" algn="l" defTabSz="716890" rtl="0" eaLnBrk="1" latinLnBrk="0" hangingPunct="1">
+              <a:spcBef>
+                <a:spcPct val="20000"/>
+              </a:spcBef>
+              <a:buFont typeface="Arial"/>
+              <a:buChar char="•"/>
+              <a:defRPr sz="3100" kern="1200">
+                <a:solidFill>
+                  <a:schemeClr val="tx1"/>
+                </a:solidFill>
+                <a:latin typeface="+mn-lt"/>
+                <a:ea typeface="+mn-ea"/>
+                <a:cs typeface="+mn-cs"/>
+              </a:defRPr>
+            </a:lvl8pPr>
+            <a:lvl9pPr marL="6093562" indent="-358445" algn="l" defTabSz="716890" rtl="0" eaLnBrk="1" latinLnBrk="0" hangingPunct="1">
+              <a:spcBef>
+                <a:spcPct val="20000"/>
+              </a:spcBef>
+              <a:buFont typeface="Arial"/>
+              <a:buChar char="•"/>
+              <a:defRPr sz="3100" kern="1200">
+                <a:solidFill>
+                  <a:schemeClr val="tx1"/>
+                </a:solidFill>
+                <a:latin typeface="+mn-lt"/>
+                <a:ea typeface="+mn-ea"/>
+                <a:cs typeface="+mn-cs"/>
+              </a:defRPr>
+            </a:lvl9pPr>
+          </a:lstStyle>
+          <a:p>
+            <a:pPr marL="0" marR="0" lvl="0" indent="0" algn="l" defTabSz="715963" rtl="0" eaLnBrk="1" fontAlgn="base" latinLnBrk="0" hangingPunct="1">
+              <a:lnSpc>
+                <a:spcPct val="150000"/>
+              </a:lnSpc>
+              <a:spcBef>
+                <a:spcPct val="0"/>
+              </a:spcBef>
+              <a:spcAft>
+                <a:spcPct val="0"/>
+              </a:spcAft>
+              <a:buClrTx/>
+              <a:buSzTx/>
+              <a:buFontTx/>
+              <a:buNone/>
+              <a:tabLst/>
+              <a:defRPr/>
+            </a:pPr>
+            <a:r>
+              <a:rPr kumimoji="0" lang="en-US" sz="1800" b="0" i="0" u="none" strike="noStrike" kern="1200" cap="none" spc="0" normalizeH="0" baseline="0" noProof="0" dirty="0">
+                <a:ln>
+                  <a:noFill/>
+                </a:ln>
+                <a:solidFill>
+                  <a:prstClr val="black"/>
+                </a:solidFill>
+                <a:effectLst/>
+                <a:uLnTx/>
+                <a:uFillTx/>
+                <a:latin typeface="Bodoni MT" charset="0"/>
+                <a:ea typeface="Geneva" charset="-128"/>
+                <a:cs typeface="Helvetica Neue" charset="0"/>
+              </a:rPr>
+              <a:t>What’s Our Solution ?</a:t>
+            </a:r>
+            <a:endParaRPr lang="en-US" dirty="0">
+              <a:latin typeface="Arial" charset="0"/>
+              <a:cs typeface="Arial" charset="0"/>
+            </a:endParaRPr>
+          </a:p>
+          <a:p>
+            <a:pPr>
+              <a:lnSpc>
+                <a:spcPct val="150000"/>
+              </a:lnSpc>
+            </a:pPr>
+            <a:r>
+              <a:rPr lang="en-US" dirty="0">
+                <a:latin typeface="Helvetica Neue" charset="0"/>
+                <a:cs typeface="Helvetica Neue" charset="0"/>
+              </a:rPr>
+              <a:t>BlowChain proposes an advanced digital lockbox, combining environmental sensing, offline architecture, and blockchain based accountability to remove user error from lockbox security.</a:t>
+            </a:r>
+          </a:p>
+          <a:p>
+            <a:endParaRPr lang="en-US" dirty="0">
+              <a:latin typeface="Helvetica Neue" charset="0"/>
+              <a:cs typeface="Helvetica Neue" charset="0"/>
+            </a:endParaRPr>
+          </a:p>
+        </p:txBody>
+      </p:sp>
+      <p:sp>
+        <p:nvSpPr>
+          <p:cNvPr id="14" name="Content Placeholder 7">
+            <a:extLst>
+              <a:ext uri="{FF2B5EF4-FFF2-40B4-BE49-F238E27FC236}">
+                <a16:creationId xmlns:a16="http://schemas.microsoft.com/office/drawing/2014/main" id="{597E98D8-AC0E-6FD0-FA6F-DDC772D5ED3B}"/>
+              </a:ext>
+            </a:extLst>
+          </p:cNvPr>
+          <p:cNvSpPr txBox="1">
+            <a:spLocks/>
+          </p:cNvSpPr>
+          <p:nvPr/>
+        </p:nvSpPr>
+        <p:spPr bwMode="auto">
+          <a:xfrm>
+            <a:off x="-17233" y="6512310"/>
+            <a:ext cx="2824178" cy="4218525"/>
+          </a:xfrm>
+          <a:prstGeom prst="rect">
+            <a:avLst/>
+          </a:prstGeom>
+          <a:noFill/>
+          <a:ln w="9525">
+            <a:noFill/>
+            <a:miter lim="800000"/>
+            <a:headEnd/>
+            <a:tailEnd/>
+          </a:ln>
+          <a:extLst>
+            <a:ext uri="{909E8E84-426E-40dd-AFC4-6F175D3DCCD1}">
+              <a14:hiddenFill xmlns:a14="http://schemas.microsoft.com/office/drawing/2010/main" xmlns="">
+                <a:solidFill>
+                  <a:srgbClr val="FFFFFF"/>
+                </a:solidFill>
+              </a14:hiddenFill>
+            </a:ext>
+            <a:ext uri="{91240B29-F687-4f45-9708-019B960494DF}">
+              <a14:hiddenLine xmlns:a14="http://schemas.microsoft.com/office/drawing/2010/main" xmlns="" w="9525">
+                <a:solidFill>
+                  <a:srgbClr val="000000"/>
+                </a:solidFill>
+                <a:miter lim="800000"/>
+                <a:headEnd/>
+                <a:tailEnd/>
+              </a14:hiddenLine>
+            </a:ext>
+          </a:extLst>
+        </p:spPr>
+        <p:txBody>
+          <a:bodyPr vert="horz" wrap="square" lIns="143378" tIns="71689" rIns="143378" bIns="71689" numCol="1" anchor="t" anchorCtr="0" compatLnSpc="1">
+            <a:prstTxWarp prst="textNoShape">
+              <a:avLst/>
+            </a:prstTxWarp>
+          </a:bodyPr>
+          <a:lstStyle>
+            <a:lvl1pPr marL="0" indent="0" algn="l" defTabSz="715963" rtl="0" eaLnBrk="0" fontAlgn="base" hangingPunct="0">
+              <a:spcBef>
+                <a:spcPct val="20000"/>
+              </a:spcBef>
+              <a:spcAft>
+                <a:spcPct val="0"/>
+              </a:spcAft>
+              <a:buFont typeface="Arial" charset="0"/>
+              <a:buNone/>
+              <a:defRPr sz="1400" kern="1200">
+                <a:solidFill>
+                  <a:schemeClr val="tx1"/>
+                </a:solidFill>
+                <a:latin typeface="Helvetica Neue"/>
+                <a:ea typeface="Geneva" charset="-128"/>
+                <a:cs typeface="Helvetica Neue"/>
+              </a:defRPr>
+            </a:lvl1pPr>
+            <a:lvl2pPr marL="1163638" indent="-447675" algn="l" defTabSz="715963" rtl="0" eaLnBrk="0" fontAlgn="base" hangingPunct="0">
+              <a:spcBef>
+                <a:spcPct val="20000"/>
+              </a:spcBef>
+              <a:spcAft>
+                <a:spcPct val="0"/>
+              </a:spcAft>
+              <a:buFont typeface="Arial" charset="0"/>
+              <a:buNone/>
+              <a:defRPr sz="1800" kern="1200">
+                <a:solidFill>
+                  <a:schemeClr val="tx1"/>
+                </a:solidFill>
+                <a:latin typeface="Helvetica Neue"/>
+                <a:ea typeface="Geneva" charset="-128"/>
+                <a:cs typeface="Helvetica Neue"/>
+              </a:defRPr>
+            </a:lvl2pPr>
+            <a:lvl3pPr marL="1790700" indent="-357188" algn="l" defTabSz="715963" rtl="0" eaLnBrk="0" fontAlgn="base" hangingPunct="0">
+              <a:spcBef>
+                <a:spcPct val="20000"/>
+              </a:spcBef>
+              <a:spcAft>
+                <a:spcPct val="0"/>
+              </a:spcAft>
+              <a:buFont typeface="Arial" charset="0"/>
+              <a:buNone/>
+              <a:defRPr sz="1800" kern="1200">
+                <a:solidFill>
+                  <a:schemeClr val="tx1"/>
+                </a:solidFill>
+                <a:latin typeface="Helvetica Neue"/>
+                <a:ea typeface="Geneva" charset="-128"/>
+                <a:cs typeface="Helvetica Neue"/>
+              </a:defRPr>
+            </a:lvl3pPr>
+            <a:lvl4pPr marL="2508250" indent="-357188" algn="l" defTabSz="715963" rtl="0" eaLnBrk="0" fontAlgn="base" hangingPunct="0">
+              <a:spcBef>
+                <a:spcPct val="20000"/>
+              </a:spcBef>
+              <a:spcAft>
+                <a:spcPct val="0"/>
+              </a:spcAft>
+              <a:buFont typeface="Arial" charset="0"/>
+              <a:buNone/>
+              <a:defRPr sz="1800" kern="1200">
+                <a:solidFill>
+                  <a:schemeClr val="tx1"/>
+                </a:solidFill>
+                <a:latin typeface="Helvetica Neue"/>
+                <a:ea typeface="Geneva" charset="-128"/>
+                <a:cs typeface="Helvetica Neue"/>
+              </a:defRPr>
+            </a:lvl4pPr>
+            <a:lvl5pPr marL="3225800" indent="-357188" algn="l" defTabSz="715963" rtl="0" eaLnBrk="0" fontAlgn="base" hangingPunct="0">
+              <a:spcBef>
+                <a:spcPct val="20000"/>
+              </a:spcBef>
+              <a:spcAft>
+                <a:spcPct val="0"/>
+              </a:spcAft>
+              <a:buFont typeface="Arial" charset="0"/>
+              <a:buNone/>
+              <a:defRPr sz="1800" kern="1200">
+                <a:solidFill>
+                  <a:schemeClr val="tx1"/>
+                </a:solidFill>
+                <a:latin typeface="Helvetica Neue"/>
+                <a:ea typeface="Geneva" charset="-128"/>
+                <a:cs typeface="Helvetica Neue"/>
+              </a:defRPr>
+            </a:lvl5pPr>
+            <a:lvl6pPr marL="3942893" indent="-358445" algn="l" defTabSz="716890" rtl="0" eaLnBrk="1" latinLnBrk="0" hangingPunct="1">
+              <a:spcBef>
+                <a:spcPct val="20000"/>
+              </a:spcBef>
+              <a:buFont typeface="Arial"/>
+              <a:buChar char="•"/>
+              <a:defRPr sz="3100" kern="1200">
+                <a:solidFill>
+                  <a:schemeClr val="tx1"/>
+                </a:solidFill>
+                <a:latin typeface="+mn-lt"/>
+                <a:ea typeface="+mn-ea"/>
+                <a:cs typeface="+mn-cs"/>
+              </a:defRPr>
+            </a:lvl6pPr>
+            <a:lvl7pPr marL="4659782" indent="-358445" algn="l" defTabSz="716890" rtl="0" eaLnBrk="1" latinLnBrk="0" hangingPunct="1">
+              <a:spcBef>
+                <a:spcPct val="20000"/>
+              </a:spcBef>
+              <a:buFont typeface="Arial"/>
+              <a:buChar char="•"/>
+              <a:defRPr sz="3100" kern="1200">
+                <a:solidFill>
+                  <a:schemeClr val="tx1"/>
+                </a:solidFill>
+                <a:latin typeface="+mn-lt"/>
+                <a:ea typeface="+mn-ea"/>
+                <a:cs typeface="+mn-cs"/>
+              </a:defRPr>
+            </a:lvl7pPr>
+            <a:lvl8pPr marL="5376672" indent="-358445" algn="l" defTabSz="716890" rtl="0" eaLnBrk="1" latinLnBrk="0" hangingPunct="1">
+              <a:spcBef>
+                <a:spcPct val="20000"/>
+              </a:spcBef>
+              <a:buFont typeface="Arial"/>
+              <a:buChar char="•"/>
+              <a:defRPr sz="3100" kern="1200">
+                <a:solidFill>
+                  <a:schemeClr val="tx1"/>
+                </a:solidFill>
+                <a:latin typeface="+mn-lt"/>
+                <a:ea typeface="+mn-ea"/>
+                <a:cs typeface="+mn-cs"/>
+              </a:defRPr>
+            </a:lvl8pPr>
+            <a:lvl9pPr marL="6093562" indent="-358445" algn="l" defTabSz="716890" rtl="0" eaLnBrk="1" latinLnBrk="0" hangingPunct="1">
+              <a:spcBef>
+                <a:spcPct val="20000"/>
+              </a:spcBef>
+              <a:buFont typeface="Arial"/>
+              <a:buChar char="•"/>
+              <a:defRPr sz="3100" kern="1200">
+                <a:solidFill>
+                  <a:schemeClr val="tx1"/>
+                </a:solidFill>
+                <a:latin typeface="+mn-lt"/>
+                <a:ea typeface="+mn-ea"/>
+                <a:cs typeface="+mn-cs"/>
+              </a:defRPr>
+            </a:lvl9pPr>
+          </a:lstStyle>
+          <a:p>
+            <a:pPr marL="0" marR="0" lvl="0" indent="0" algn="l" defTabSz="715963" rtl="0" eaLnBrk="1" fontAlgn="base" latinLnBrk="0" hangingPunct="1">
+              <a:lnSpc>
+                <a:spcPct val="150000"/>
+              </a:lnSpc>
+              <a:spcBef>
+                <a:spcPct val="0"/>
+              </a:spcBef>
+              <a:spcAft>
+                <a:spcPct val="0"/>
+              </a:spcAft>
+              <a:buClrTx/>
+              <a:buSzTx/>
+              <a:buFontTx/>
+              <a:buNone/>
+              <a:tabLst/>
+              <a:defRPr/>
+            </a:pPr>
+            <a:r>
+              <a:rPr kumimoji="0" lang="en-US" sz="1800" b="0" i="0" u="none" strike="noStrike" kern="1200" cap="none" spc="0" normalizeH="0" baseline="0" noProof="0" dirty="0">
+                <a:ln>
+                  <a:noFill/>
+                </a:ln>
+                <a:solidFill>
+                  <a:prstClr val="black"/>
+                </a:solidFill>
+                <a:effectLst/>
+                <a:uLnTx/>
+                <a:uFillTx/>
+                <a:latin typeface="Bodoni MT" charset="0"/>
+                <a:ea typeface="Geneva" charset="-128"/>
+                <a:cs typeface="Helvetica Neue" charset="0"/>
+              </a:rPr>
+              <a:t>Who Needs It ?</a:t>
+            </a:r>
+            <a:endParaRPr lang="en-US" sz="3600" dirty="0">
+              <a:latin typeface="Arial" charset="0"/>
+              <a:cs typeface="Arial" charset="0"/>
+            </a:endParaRPr>
+          </a:p>
+          <a:p>
+            <a:pPr marL="285750" indent="-285750">
+              <a:lnSpc>
+                <a:spcPct val="150000"/>
+              </a:lnSpc>
+              <a:buFont typeface="Arial" panose="020B0604020202020204" pitchFamily="34" charset="0"/>
+              <a:buChar char="•"/>
+            </a:pPr>
+            <a:r>
+              <a:rPr lang="en-US" dirty="0">
+                <a:latin typeface="Helvetica Neue" charset="0"/>
+                <a:cs typeface="Helvetica Neue" charset="0"/>
+              </a:rPr>
+              <a:t>Real estate (secure property showings).</a:t>
+            </a:r>
+          </a:p>
+          <a:p>
+            <a:pPr marL="285750" indent="-285750">
+              <a:lnSpc>
+                <a:spcPct val="150000"/>
+              </a:lnSpc>
+              <a:buFont typeface="Arial" panose="020B0604020202020204" pitchFamily="34" charset="0"/>
+              <a:buChar char="•"/>
+            </a:pPr>
+            <a:r>
+              <a:rPr lang="en-US" dirty="0">
+                <a:latin typeface="Helvetica Neue" charset="0"/>
+                <a:cs typeface="Helvetica Neue" charset="0"/>
+              </a:rPr>
+              <a:t>Rental units (self-check-in with logs).</a:t>
+            </a:r>
+          </a:p>
+          <a:p>
+            <a:pPr marL="285750" indent="-285750">
+              <a:lnSpc>
+                <a:spcPct val="150000"/>
+              </a:lnSpc>
+              <a:buFont typeface="Arial" panose="020B0604020202020204" pitchFamily="34" charset="0"/>
+              <a:buChar char="•"/>
+            </a:pPr>
+            <a:r>
+              <a:rPr lang="en-US" dirty="0">
+                <a:latin typeface="Helvetica Neue" charset="0"/>
+                <a:cs typeface="Helvetica Neue" charset="0"/>
+              </a:rPr>
+              <a:t>Shared facilities (granular access control).</a:t>
+            </a:r>
+          </a:p>
+          <a:p>
+            <a:pPr marL="285750" indent="-285750">
+              <a:lnSpc>
+                <a:spcPct val="150000"/>
+              </a:lnSpc>
+              <a:buFont typeface="Arial" panose="020B0604020202020204" pitchFamily="34" charset="0"/>
+              <a:buChar char="•"/>
+            </a:pPr>
+            <a:r>
+              <a:rPr lang="en-US" dirty="0">
+                <a:latin typeface="Helvetica Neue" charset="0"/>
+                <a:cs typeface="Helvetica Neue" charset="0"/>
+              </a:rPr>
+              <a:t>Companies that create or access intellectual property that needs to be stored.</a:t>
+            </a:r>
+          </a:p>
+        </p:txBody>
+      </p:sp>
+      <p:graphicFrame>
+        <p:nvGraphicFramePr>
+          <p:cNvPr id="15" name="Table 14">
+            <a:extLst>
+              <a:ext uri="{FF2B5EF4-FFF2-40B4-BE49-F238E27FC236}">
+                <a16:creationId xmlns:a16="http://schemas.microsoft.com/office/drawing/2014/main" id="{6E04B3CD-5E7E-5F9E-930A-14A9047AE8E9}"/>
+              </a:ext>
+            </a:extLst>
+          </p:cNvPr>
+          <p:cNvGraphicFramePr>
+            <a:graphicFrameLocks noGrp="1"/>
+          </p:cNvGraphicFramePr>
+          <p:nvPr>
+            <p:extLst>
+              <p:ext uri="{D42A27DB-BD31-4B8C-83A1-F6EECF244321}">
+                <p14:modId xmlns:p14="http://schemas.microsoft.com/office/powerpoint/2010/main" val="2758247130"/>
+              </p:ext>
+            </p:extLst>
+          </p:nvPr>
+        </p:nvGraphicFramePr>
+        <p:xfrm>
+          <a:off x="7679801" y="1234753"/>
+          <a:ext cx="3012883" cy="8852676"/>
+        </p:xfrm>
+        <a:graphic>
+          <a:graphicData uri="http://schemas.openxmlformats.org/drawingml/2006/table">
+            <a:tbl>
+              <a:tblPr firstRow="1" bandRow="1">
+                <a:tableStyleId>{69012ECD-51FC-41F1-AA8D-1B2483CD663E}</a:tableStyleId>
+              </a:tblPr>
+              <a:tblGrid>
+                <a:gridCol w="1591229">
+                  <a:extLst>
+                    <a:ext uri="{9D8B030D-6E8A-4147-A177-3AD203B41FA5}">
+                      <a16:colId xmlns:a16="http://schemas.microsoft.com/office/drawing/2014/main" val="2063823472"/>
+                    </a:ext>
+                  </a:extLst>
+                </a:gridCol>
+                <a:gridCol w="1421654">
+                  <a:extLst>
+                    <a:ext uri="{9D8B030D-6E8A-4147-A177-3AD203B41FA5}">
+                      <a16:colId xmlns:a16="http://schemas.microsoft.com/office/drawing/2014/main" val="1522963484"/>
+                    </a:ext>
+                  </a:extLst>
+                </a:gridCol>
+              </a:tblGrid>
+              <a:tr h="646416">
+                <a:tc>
+                  <a:txBody>
+                    <a:bodyPr/>
+                    <a:lstStyle/>
+                    <a:p>
+                      <a:pPr algn="l">
+                        <a:lnSpc>
+                          <a:spcPct val="100000"/>
+                        </a:lnSpc>
+                      </a:pPr>
+                      <a:r>
+                        <a:rPr lang="en-AU" sz="1600" b="1" kern="1200" dirty="0">
+                          <a:solidFill>
+                            <a:schemeClr val="lt1"/>
+                          </a:solidFill>
+                          <a:effectLst/>
+                        </a:rPr>
+                        <a:t>Feature</a:t>
+                      </a:r>
+                      <a:endParaRPr lang="en-AU" sz="1600" dirty="0"/>
+                    </a:p>
+                  </a:txBody>
+                  <a:tcPr anchor="ctr">
+                    <a:lnR w="12700" cap="flat" cmpd="sng" algn="ctr">
+                      <a:solidFill>
+                        <a:schemeClr val="tx1"/>
+                      </a:solidFill>
+                      <a:prstDash val="solid"/>
+                      <a:round/>
+                      <a:headEnd type="none" w="med" len="med"/>
+                      <a:tailEnd type="none" w="med" len="med"/>
+                    </a:lnR>
+                  </a:tcPr>
+                </a:tc>
+                <a:tc>
+                  <a:txBody>
+                    <a:bodyPr/>
+                    <a:lstStyle/>
+                    <a:p>
+                      <a:pPr algn="l">
+                        <a:lnSpc>
+                          <a:spcPct val="100000"/>
+                        </a:lnSpc>
+                      </a:pPr>
+                      <a:r>
+                        <a:rPr lang="en-AU" sz="1600" b="1" kern="1200" dirty="0">
+                          <a:solidFill>
+                            <a:schemeClr val="lt1"/>
+                          </a:solidFill>
+                          <a:effectLst/>
+                        </a:rPr>
+                        <a:t>Benefit</a:t>
+                      </a:r>
+                      <a:endParaRPr lang="en-AU" sz="1600" dirty="0"/>
+                    </a:p>
+                  </a:txBody>
+                  <a:tcPr anchor="ctr">
+                    <a:lnL w="12700" cap="flat" cmpd="sng" algn="ctr">
+                      <a:solidFill>
+                        <a:schemeClr val="tx1"/>
+                      </a:solidFill>
+                      <a:prstDash val="solid"/>
+                      <a:round/>
+                      <a:headEnd type="none" w="med" len="med"/>
+                      <a:tailEnd type="none" w="med" len="med"/>
+                    </a:lnL>
+                  </a:tcPr>
+                </a:tc>
+                <a:extLst>
+                  <a:ext uri="{0D108BD9-81ED-4DB2-BD59-A6C34878D82A}">
+                    <a16:rowId xmlns:a16="http://schemas.microsoft.com/office/drawing/2014/main" val="2569739377"/>
+                  </a:ext>
+                </a:extLst>
+              </a:tr>
+              <a:tr h="1814432">
+                <a:tc>
+                  <a:txBody>
+                    <a:bodyPr/>
+                    <a:lstStyle/>
+                    <a:p>
+                      <a:pPr algn="l">
+                        <a:lnSpc>
+                          <a:spcPct val="100000"/>
+                        </a:lnSpc>
+                      </a:pPr>
+                      <a:r>
+                        <a:rPr lang="en-AU" sz="1600" b="1" kern="1200" dirty="0">
+                          <a:solidFill>
+                            <a:schemeClr val="dk1"/>
+                          </a:solidFill>
+                          <a:effectLst/>
+                        </a:rPr>
+                        <a:t>Human Presence Detection</a:t>
+                      </a:r>
+                      <a:br>
+                        <a:rPr lang="en-AU" sz="1600" dirty="0"/>
+                      </a:br>
+                      <a:r>
+                        <a:rPr lang="en-AU" sz="1600" b="0" kern="1200" dirty="0">
+                          <a:solidFill>
+                            <a:schemeClr val="dk1"/>
+                          </a:solidFill>
+                          <a:effectLst/>
+                        </a:rPr>
+                        <a:t>(CO₂ + particle sensors)</a:t>
+                      </a:r>
+                      <a:endParaRPr lang="en-AU" sz="1600" dirty="0"/>
+                    </a:p>
+                  </a:txBody>
+                  <a:tcPr anchor="ctr">
+                    <a:lnR w="12700" cap="flat" cmpd="sng" algn="ctr">
+                      <a:solidFill>
+                        <a:schemeClr val="tx1"/>
+                      </a:solidFill>
+                      <a:prstDash val="solid"/>
+                      <a:round/>
+                      <a:headEnd type="none" w="med" len="med"/>
+                      <a:tailEnd type="none" w="med" len="med"/>
+                    </a:lnR>
+                  </a:tcPr>
+                </a:tc>
+                <a:tc>
+                  <a:txBody>
+                    <a:bodyPr/>
+                    <a:lstStyle/>
+                    <a:p>
+                      <a:pPr algn="l">
+                        <a:lnSpc>
+                          <a:spcPct val="100000"/>
+                        </a:lnSpc>
+                      </a:pPr>
+                      <a:r>
+                        <a:rPr lang="en-US" sz="1600" dirty="0">
+                          <a:effectLst/>
+                        </a:rPr>
+                        <a:t>Prevents spoofing by verifying access attempt is by a human.</a:t>
+                      </a:r>
+                    </a:p>
+                  </a:txBody>
+                  <a:tcPr marL="123825" marR="123825" marT="57150" marB="57150" anchor="ctr">
+                    <a:lnL w="12700" cap="flat" cmpd="sng" algn="ctr">
+                      <a:solidFill>
+                        <a:schemeClr val="tx1"/>
+                      </a:solidFill>
+                      <a:prstDash val="solid"/>
+                      <a:round/>
+                      <a:headEnd type="none" w="med" len="med"/>
+                      <a:tailEnd type="none" w="med" len="med"/>
+                    </a:lnL>
+                  </a:tcPr>
+                </a:tc>
+                <a:extLst>
+                  <a:ext uri="{0D108BD9-81ED-4DB2-BD59-A6C34878D82A}">
+                    <a16:rowId xmlns:a16="http://schemas.microsoft.com/office/drawing/2014/main" val="1490514185"/>
+                  </a:ext>
+                </a:extLst>
+              </a:tr>
+              <a:tr h="1139722">
+                <a:tc>
+                  <a:txBody>
+                    <a:bodyPr/>
+                    <a:lstStyle/>
+                    <a:p>
+                      <a:pPr algn="l">
+                        <a:lnSpc>
+                          <a:spcPct val="100000"/>
+                        </a:lnSpc>
+                      </a:pPr>
+                      <a:r>
+                        <a:rPr lang="en-AU" sz="1600" b="1" dirty="0">
+                          <a:effectLst/>
+                        </a:rPr>
+                        <a:t>Blockchain Immutable Logs</a:t>
+                      </a:r>
+                      <a:endParaRPr lang="en-AU" sz="1600" dirty="0">
+                        <a:effectLst/>
+                      </a:endParaRPr>
+                    </a:p>
+                  </a:txBody>
+                  <a:tcPr marL="123825" marR="123825" marT="57150" marB="57150" anchor="ctr">
+                    <a:lnR w="12700" cap="flat" cmpd="sng" algn="ctr">
+                      <a:solidFill>
+                        <a:schemeClr val="tx1"/>
+                      </a:solidFill>
+                      <a:prstDash val="solid"/>
+                      <a:round/>
+                      <a:headEnd type="none" w="med" len="med"/>
+                      <a:tailEnd type="none" w="med" len="med"/>
+                    </a:lnR>
+                  </a:tcPr>
+                </a:tc>
+                <a:tc>
+                  <a:txBody>
+                    <a:bodyPr/>
+                    <a:lstStyle/>
+                    <a:p>
+                      <a:pPr algn="l">
+                        <a:lnSpc>
+                          <a:spcPct val="100000"/>
+                        </a:lnSpc>
+                      </a:pPr>
+                      <a:r>
+                        <a:rPr lang="en-US" sz="1600" dirty="0">
+                          <a:effectLst/>
+                        </a:rPr>
+                        <a:t>Tamper-proof record of all events.</a:t>
+                      </a:r>
+                    </a:p>
+                  </a:txBody>
+                  <a:tcPr marL="123825" marR="123825" marT="57150" marB="57150" anchor="ctr">
+                    <a:lnL w="12700" cap="flat" cmpd="sng" algn="ctr">
+                      <a:solidFill>
+                        <a:schemeClr val="tx1"/>
+                      </a:solidFill>
+                      <a:prstDash val="solid"/>
+                      <a:round/>
+                      <a:headEnd type="none" w="med" len="med"/>
+                      <a:tailEnd type="none" w="med" len="med"/>
+                    </a:lnL>
+                  </a:tcPr>
+                </a:tc>
+                <a:extLst>
+                  <a:ext uri="{0D108BD9-81ED-4DB2-BD59-A6C34878D82A}">
+                    <a16:rowId xmlns:a16="http://schemas.microsoft.com/office/drawing/2014/main" val="2186911723"/>
+                  </a:ext>
+                </a:extLst>
+              </a:tr>
+              <a:tr h="2220459">
+                <a:tc>
+                  <a:txBody>
+                    <a:bodyPr/>
+                    <a:lstStyle/>
+                    <a:p>
+                      <a:pPr marL="0" marR="0" lvl="0" indent="0" algn="l" defTabSz="716890" rtl="0" eaLnBrk="1" fontAlgn="auto" latinLnBrk="0" hangingPunct="1">
+                        <a:lnSpc>
+                          <a:spcPct val="100000"/>
+                        </a:lnSpc>
+                        <a:spcBef>
+                          <a:spcPts val="0"/>
+                        </a:spcBef>
+                        <a:spcAft>
+                          <a:spcPts val="0"/>
+                        </a:spcAft>
+                        <a:buClrTx/>
+                        <a:buSzTx/>
+                        <a:buFontTx/>
+                        <a:buNone/>
+                        <a:tabLst/>
+                        <a:defRPr/>
+                      </a:pPr>
+                      <a:r>
+                        <a:rPr lang="en-US" sz="1600" b="1" kern="1200" dirty="0">
+                          <a:solidFill>
+                            <a:schemeClr val="dk1"/>
+                          </a:solidFill>
+                          <a:effectLst/>
+                        </a:rPr>
+                        <a:t>Dynamic Access Tokens</a:t>
+                      </a:r>
+                      <a:br>
+                        <a:rPr lang="en-US" sz="1600" dirty="0"/>
+                      </a:br>
+                      <a:r>
+                        <a:rPr lang="en-US" sz="1600" b="0" kern="1200" dirty="0">
+                          <a:solidFill>
+                            <a:schemeClr val="dk1"/>
+                          </a:solidFill>
+                          <a:effectLst/>
+                        </a:rPr>
+                        <a:t>(NFT-based credentials)</a:t>
+                      </a:r>
+                      <a:endParaRPr lang="en-AU" sz="1600" dirty="0"/>
+                    </a:p>
+                    <a:p>
+                      <a:pPr algn="l">
+                        <a:lnSpc>
+                          <a:spcPct val="100000"/>
+                        </a:lnSpc>
+                      </a:pPr>
+                      <a:endParaRPr lang="en-AU" sz="1600" dirty="0"/>
+                    </a:p>
+                  </a:txBody>
+                  <a:tcPr anchor="ctr">
+                    <a:lnR w="12700" cap="flat" cmpd="sng" algn="ctr">
+                      <a:solidFill>
+                        <a:schemeClr val="tx1"/>
+                      </a:solidFill>
+                      <a:prstDash val="solid"/>
+                      <a:round/>
+                      <a:headEnd type="none" w="med" len="med"/>
+                      <a:tailEnd type="none" w="med" len="med"/>
+                    </a:lnR>
+                  </a:tcPr>
+                </a:tc>
+                <a:tc>
+                  <a:txBody>
+                    <a:bodyPr/>
+                    <a:lstStyle/>
+                    <a:p>
+                      <a:pPr marL="0" marR="0" lvl="0" indent="0" algn="l" defTabSz="716890" rtl="0" eaLnBrk="1" fontAlgn="auto" latinLnBrk="0" hangingPunct="1">
+                        <a:lnSpc>
+                          <a:spcPct val="100000"/>
+                        </a:lnSpc>
+                        <a:spcBef>
+                          <a:spcPts val="0"/>
+                        </a:spcBef>
+                        <a:spcAft>
+                          <a:spcPts val="0"/>
+                        </a:spcAft>
+                        <a:buClrTx/>
+                        <a:buSzTx/>
+                        <a:buFontTx/>
+                        <a:buNone/>
+                        <a:tabLst/>
+                        <a:defRPr/>
+                      </a:pPr>
+                      <a:r>
+                        <a:rPr lang="en-US" sz="1600" b="0" kern="1200" dirty="0">
+                          <a:solidFill>
+                            <a:schemeClr val="dk1"/>
+                          </a:solidFill>
+                          <a:effectLst/>
+                        </a:rPr>
+                        <a:t>Time-bound, revocable permissions per user (no static codes).</a:t>
+                      </a:r>
+                      <a:endParaRPr lang="en-AU" sz="1600" dirty="0">
+                        <a:effectLst/>
+                      </a:endParaRPr>
+                    </a:p>
+                    <a:p>
+                      <a:pPr algn="l">
+                        <a:lnSpc>
+                          <a:spcPct val="100000"/>
+                        </a:lnSpc>
+                      </a:pPr>
+                      <a:endParaRPr lang="en-AU" sz="1600" dirty="0">
+                        <a:effectLst/>
+                      </a:endParaRPr>
+                    </a:p>
+                  </a:txBody>
+                  <a:tcPr marL="123825" marR="123825" marT="57150" marB="57150" anchor="ctr">
+                    <a:lnL w="12700" cap="flat" cmpd="sng" algn="ctr">
+                      <a:solidFill>
+                        <a:schemeClr val="tx1"/>
+                      </a:solidFill>
+                      <a:prstDash val="solid"/>
+                      <a:round/>
+                      <a:headEnd type="none" w="med" len="med"/>
+                      <a:tailEnd type="none" w="med" len="med"/>
+                    </a:lnL>
+                  </a:tcPr>
+                </a:tc>
+                <a:extLst>
+                  <a:ext uri="{0D108BD9-81ED-4DB2-BD59-A6C34878D82A}">
+                    <a16:rowId xmlns:a16="http://schemas.microsoft.com/office/drawing/2014/main" val="2025755874"/>
+                  </a:ext>
+                </a:extLst>
+              </a:tr>
+              <a:tr h="1370342">
+                <a:tc>
+                  <a:txBody>
+                    <a:bodyPr/>
+                    <a:lstStyle/>
+                    <a:p>
+                      <a:pPr algn="l">
+                        <a:lnSpc>
+                          <a:spcPct val="100000"/>
+                        </a:lnSpc>
+                      </a:pPr>
+                      <a:r>
+                        <a:rPr lang="en-AU" sz="1600" b="1" kern="1200" dirty="0">
+                          <a:solidFill>
+                            <a:schemeClr val="dk1"/>
+                          </a:solidFill>
+                          <a:effectLst/>
+                        </a:rPr>
+                        <a:t>Tamper Detection</a:t>
+                      </a:r>
+                      <a:br>
+                        <a:rPr lang="en-AU" sz="1600" dirty="0"/>
+                      </a:br>
+                      <a:r>
+                        <a:rPr lang="en-AU" sz="1600" b="0" kern="1200" dirty="0">
+                          <a:solidFill>
+                            <a:schemeClr val="dk1"/>
+                          </a:solidFill>
+                          <a:effectLst/>
+                        </a:rPr>
+                        <a:t>(Magnetometer trigger)</a:t>
+                      </a:r>
+                      <a:endParaRPr lang="en-AU" sz="1600" dirty="0"/>
+                    </a:p>
+                  </a:txBody>
+                  <a:tcPr anchor="ctr">
+                    <a:lnR w="12700" cap="flat" cmpd="sng" algn="ctr">
+                      <a:solidFill>
+                        <a:schemeClr val="tx1"/>
+                      </a:solidFill>
+                      <a:prstDash val="solid"/>
+                      <a:round/>
+                      <a:headEnd type="none" w="med" len="med"/>
+                      <a:tailEnd type="none" w="med" len="med"/>
+                    </a:lnR>
+                  </a:tcPr>
+                </a:tc>
+                <a:tc>
+                  <a:txBody>
+                    <a:bodyPr/>
+                    <a:lstStyle/>
+                    <a:p>
+                      <a:pPr algn="l">
+                        <a:lnSpc>
+                          <a:spcPct val="100000"/>
+                        </a:lnSpc>
+                      </a:pPr>
+                      <a:r>
+                        <a:rPr lang="en-US" sz="1600" b="0" kern="1200" dirty="0">
+                          <a:solidFill>
+                            <a:schemeClr val="dk1"/>
+                          </a:solidFill>
+                          <a:effectLst/>
+                        </a:rPr>
+                        <a:t>Alerts + logs forced entry attempts in real time.</a:t>
+                      </a:r>
+                      <a:endParaRPr lang="en-AU" sz="1600" dirty="0"/>
+                    </a:p>
+                  </a:txBody>
+                  <a:tcPr anchor="ctr">
+                    <a:lnL w="12700" cap="flat" cmpd="sng" algn="ctr">
+                      <a:solidFill>
+                        <a:schemeClr val="tx1"/>
+                      </a:solidFill>
+                      <a:prstDash val="solid"/>
+                      <a:round/>
+                      <a:headEnd type="none" w="med" len="med"/>
+                      <a:tailEnd type="none" w="med" len="med"/>
+                    </a:lnL>
+                  </a:tcPr>
+                </a:tc>
+                <a:extLst>
+                  <a:ext uri="{0D108BD9-81ED-4DB2-BD59-A6C34878D82A}">
+                    <a16:rowId xmlns:a16="http://schemas.microsoft.com/office/drawing/2014/main" val="4031601779"/>
+                  </a:ext>
+                </a:extLst>
+              </a:tr>
+              <a:tr h="1661305">
+                <a:tc>
+                  <a:txBody>
+                    <a:bodyPr/>
+                    <a:lstStyle/>
+                    <a:p>
+                      <a:pPr algn="l">
+                        <a:lnSpc>
+                          <a:spcPct val="100000"/>
+                        </a:lnSpc>
+                      </a:pPr>
+                      <a:r>
+                        <a:rPr lang="en-US" sz="1600" b="1" kern="1200" dirty="0">
+                          <a:solidFill>
+                            <a:schemeClr val="dk1"/>
+                          </a:solidFill>
+                          <a:effectLst/>
+                        </a:rPr>
+                        <a:t>Offline-First Design</a:t>
+                      </a:r>
+                      <a:br>
+                        <a:rPr lang="en-US" sz="1600" dirty="0"/>
+                      </a:br>
+                      <a:r>
+                        <a:rPr lang="en-US" sz="1600" b="0" kern="1200" dirty="0">
+                          <a:solidFill>
+                            <a:schemeClr val="dk1"/>
+                          </a:solidFill>
+                          <a:effectLst/>
+                        </a:rPr>
+                        <a:t>(BLE-only to base station)</a:t>
+                      </a:r>
+                      <a:endParaRPr lang="en-AU" sz="1600" dirty="0"/>
+                    </a:p>
+                  </a:txBody>
+                  <a:tcPr anchor="ctr">
+                    <a:lnR w="12700" cap="flat" cmpd="sng" algn="ctr">
+                      <a:solidFill>
+                        <a:schemeClr val="tx1"/>
+                      </a:solidFill>
+                      <a:prstDash val="solid"/>
+                      <a:round/>
+                      <a:headEnd type="none" w="med" len="med"/>
+                      <a:tailEnd type="none" w="med" len="med"/>
+                    </a:lnR>
+                  </a:tcPr>
+                </a:tc>
+                <a:tc>
+                  <a:txBody>
+                    <a:bodyPr/>
+                    <a:lstStyle/>
+                    <a:p>
+                      <a:pPr algn="l">
+                        <a:lnSpc>
+                          <a:spcPct val="100000"/>
+                        </a:lnSpc>
+                      </a:pPr>
+                      <a:r>
+                        <a:rPr lang="en-US" sz="1600" b="0" kern="1200" dirty="0">
+                          <a:solidFill>
+                            <a:schemeClr val="dk1"/>
+                          </a:solidFill>
+                          <a:effectLst/>
+                        </a:rPr>
+                        <a:t>No direct internet exposure → immunity to remote hacking.</a:t>
+                      </a:r>
+                      <a:endParaRPr lang="en-AU" sz="1600" dirty="0"/>
+                    </a:p>
+                  </a:txBody>
+                  <a:tcPr anchor="ctr">
+                    <a:lnL w="12700" cap="flat" cmpd="sng" algn="ctr">
+                      <a:solidFill>
+                        <a:schemeClr val="tx1"/>
+                      </a:solidFill>
+                      <a:prstDash val="solid"/>
+                      <a:round/>
+                      <a:headEnd type="none" w="med" len="med"/>
+                      <a:tailEnd type="none" w="med" len="med"/>
+                    </a:lnL>
+                  </a:tcPr>
+                </a:tc>
+                <a:extLst>
+                  <a:ext uri="{0D108BD9-81ED-4DB2-BD59-A6C34878D82A}">
+                    <a16:rowId xmlns:a16="http://schemas.microsoft.com/office/drawing/2014/main" val="2450201231"/>
+                  </a:ext>
+                </a:extLst>
+              </a:tr>
+            </a:tbl>
+          </a:graphicData>
+        </a:graphic>
+      </p:graphicFrame>
+      <p:sp>
+        <p:nvSpPr>
+          <p:cNvPr id="2" name="Content Placeholder 7">
+            <a:extLst>
+              <a:ext uri="{FF2B5EF4-FFF2-40B4-BE49-F238E27FC236}">
+                <a16:creationId xmlns:a16="http://schemas.microsoft.com/office/drawing/2014/main" id="{82FC0E5C-706F-5C6A-DE7C-D1F88A647820}"/>
+              </a:ext>
+            </a:extLst>
+          </p:cNvPr>
+          <p:cNvSpPr txBox="1">
+            <a:spLocks/>
+          </p:cNvSpPr>
+          <p:nvPr/>
+        </p:nvSpPr>
+        <p:spPr bwMode="auto">
+          <a:xfrm>
+            <a:off x="10647196" y="1123597"/>
+            <a:ext cx="4111791" cy="3454493"/>
+          </a:xfrm>
+          <a:prstGeom prst="rect">
+            <a:avLst/>
+          </a:prstGeom>
+          <a:noFill/>
+          <a:ln w="9525">
+            <a:noFill/>
+            <a:miter lim="800000"/>
+            <a:headEnd/>
+            <a:tailEnd/>
+          </a:ln>
+          <a:extLst>
+            <a:ext uri="{909E8E84-426E-40dd-AFC4-6F175D3DCCD1}">
+              <a14:hiddenFill xmlns:a14="http://schemas.microsoft.com/office/drawing/2010/main" xmlns="">
+                <a:solidFill>
+                  <a:srgbClr val="FFFFFF"/>
+                </a:solidFill>
+              </a14:hiddenFill>
+            </a:ext>
+            <a:ext uri="{91240B29-F687-4f45-9708-019B960494DF}">
+              <a14:hiddenLine xmlns:a14="http://schemas.microsoft.com/office/drawing/2010/main" xmlns="" w="9525">
+                <a:solidFill>
+                  <a:srgbClr val="000000"/>
+                </a:solidFill>
+                <a:miter lim="800000"/>
+                <a:headEnd/>
+                <a:tailEnd/>
+              </a14:hiddenLine>
+            </a:ext>
+          </a:extLst>
+        </p:spPr>
+        <p:txBody>
+          <a:bodyPr vert="horz" wrap="square" lIns="143378" tIns="71689" rIns="143378" bIns="71689" numCol="1" anchor="t" anchorCtr="0" compatLnSpc="1">
+            <a:prstTxWarp prst="textNoShape">
+              <a:avLst/>
+            </a:prstTxWarp>
+          </a:bodyPr>
+          <a:lstStyle>
+            <a:lvl1pPr marL="0" indent="0" algn="l" defTabSz="715963" rtl="0" eaLnBrk="0" fontAlgn="base" hangingPunct="0">
+              <a:spcBef>
+                <a:spcPct val="20000"/>
+              </a:spcBef>
+              <a:spcAft>
+                <a:spcPct val="0"/>
+              </a:spcAft>
+              <a:buFont typeface="Arial" charset="0"/>
+              <a:buNone/>
+              <a:defRPr sz="1400" kern="1200">
+                <a:solidFill>
+                  <a:schemeClr val="tx1"/>
+                </a:solidFill>
+                <a:latin typeface="Helvetica Neue"/>
+                <a:ea typeface="Geneva" charset="-128"/>
+                <a:cs typeface="Helvetica Neue"/>
+              </a:defRPr>
+            </a:lvl1pPr>
+            <a:lvl2pPr marL="1163638" indent="-447675" algn="l" defTabSz="715963" rtl="0" eaLnBrk="0" fontAlgn="base" hangingPunct="0">
+              <a:spcBef>
+                <a:spcPct val="20000"/>
+              </a:spcBef>
+              <a:spcAft>
+                <a:spcPct val="0"/>
+              </a:spcAft>
+              <a:buFont typeface="Arial" charset="0"/>
+              <a:buNone/>
+              <a:defRPr sz="1800" kern="1200">
+                <a:solidFill>
+                  <a:schemeClr val="tx1"/>
+                </a:solidFill>
+                <a:latin typeface="Helvetica Neue"/>
+                <a:ea typeface="Geneva" charset="-128"/>
+                <a:cs typeface="Helvetica Neue"/>
+              </a:defRPr>
+            </a:lvl2pPr>
+            <a:lvl3pPr marL="1790700" indent="-357188" algn="l" defTabSz="715963" rtl="0" eaLnBrk="0" fontAlgn="base" hangingPunct="0">
+              <a:spcBef>
+                <a:spcPct val="20000"/>
+              </a:spcBef>
+              <a:spcAft>
+                <a:spcPct val="0"/>
+              </a:spcAft>
+              <a:buFont typeface="Arial" charset="0"/>
+              <a:buNone/>
+              <a:defRPr sz="1800" kern="1200">
+                <a:solidFill>
+                  <a:schemeClr val="tx1"/>
+                </a:solidFill>
+                <a:latin typeface="Helvetica Neue"/>
+                <a:ea typeface="Geneva" charset="-128"/>
+                <a:cs typeface="Helvetica Neue"/>
+              </a:defRPr>
+            </a:lvl3pPr>
+            <a:lvl4pPr marL="2508250" indent="-357188" algn="l" defTabSz="715963" rtl="0" eaLnBrk="0" fontAlgn="base" hangingPunct="0">
+              <a:spcBef>
+                <a:spcPct val="20000"/>
+              </a:spcBef>
+              <a:spcAft>
+                <a:spcPct val="0"/>
+              </a:spcAft>
+              <a:buFont typeface="Arial" charset="0"/>
+              <a:buNone/>
+              <a:defRPr sz="1800" kern="1200">
+                <a:solidFill>
+                  <a:schemeClr val="tx1"/>
+                </a:solidFill>
+                <a:latin typeface="Helvetica Neue"/>
+                <a:ea typeface="Geneva" charset="-128"/>
+                <a:cs typeface="Helvetica Neue"/>
+              </a:defRPr>
+            </a:lvl4pPr>
+            <a:lvl5pPr marL="3225800" indent="-357188" algn="l" defTabSz="715963" rtl="0" eaLnBrk="0" fontAlgn="base" hangingPunct="0">
+              <a:spcBef>
+                <a:spcPct val="20000"/>
+              </a:spcBef>
+              <a:spcAft>
+                <a:spcPct val="0"/>
+              </a:spcAft>
+              <a:buFont typeface="Arial" charset="0"/>
+              <a:buNone/>
+              <a:defRPr sz="1800" kern="1200">
+                <a:solidFill>
+                  <a:schemeClr val="tx1"/>
+                </a:solidFill>
+                <a:latin typeface="Helvetica Neue"/>
+                <a:ea typeface="Geneva" charset="-128"/>
+                <a:cs typeface="Helvetica Neue"/>
+              </a:defRPr>
+            </a:lvl5pPr>
+            <a:lvl6pPr marL="3942893" indent="-358445" algn="l" defTabSz="716890" rtl="0" eaLnBrk="1" latinLnBrk="0" hangingPunct="1">
+              <a:spcBef>
+                <a:spcPct val="20000"/>
+              </a:spcBef>
+              <a:buFont typeface="Arial"/>
+              <a:buChar char="•"/>
+              <a:defRPr sz="3100" kern="1200">
+                <a:solidFill>
+                  <a:schemeClr val="tx1"/>
+                </a:solidFill>
+                <a:latin typeface="+mn-lt"/>
+                <a:ea typeface="+mn-ea"/>
+                <a:cs typeface="+mn-cs"/>
+              </a:defRPr>
+            </a:lvl6pPr>
+            <a:lvl7pPr marL="4659782" indent="-358445" algn="l" defTabSz="716890" rtl="0" eaLnBrk="1" latinLnBrk="0" hangingPunct="1">
+              <a:spcBef>
+                <a:spcPct val="20000"/>
+              </a:spcBef>
+              <a:buFont typeface="Arial"/>
+              <a:buChar char="•"/>
+              <a:defRPr sz="3100" kern="1200">
+                <a:solidFill>
+                  <a:schemeClr val="tx1"/>
+                </a:solidFill>
+                <a:latin typeface="+mn-lt"/>
+                <a:ea typeface="+mn-ea"/>
+                <a:cs typeface="+mn-cs"/>
+              </a:defRPr>
+            </a:lvl7pPr>
+            <a:lvl8pPr marL="5376672" indent="-358445" algn="l" defTabSz="716890" rtl="0" eaLnBrk="1" latinLnBrk="0" hangingPunct="1">
+              <a:spcBef>
+                <a:spcPct val="20000"/>
+              </a:spcBef>
+              <a:buFont typeface="Arial"/>
+              <a:buChar char="•"/>
+              <a:defRPr sz="3100" kern="1200">
+                <a:solidFill>
+                  <a:schemeClr val="tx1"/>
+                </a:solidFill>
+                <a:latin typeface="+mn-lt"/>
+                <a:ea typeface="+mn-ea"/>
+                <a:cs typeface="+mn-cs"/>
+              </a:defRPr>
+            </a:lvl8pPr>
+            <a:lvl9pPr marL="6093562" indent="-358445" algn="l" defTabSz="716890" rtl="0" eaLnBrk="1" latinLnBrk="0" hangingPunct="1">
+              <a:spcBef>
+                <a:spcPct val="20000"/>
+              </a:spcBef>
+              <a:buFont typeface="Arial"/>
+              <a:buChar char="•"/>
+              <a:defRPr sz="3100" kern="1200">
+                <a:solidFill>
+                  <a:schemeClr val="tx1"/>
+                </a:solidFill>
+                <a:latin typeface="+mn-lt"/>
+                <a:ea typeface="+mn-ea"/>
+                <a:cs typeface="+mn-cs"/>
+              </a:defRPr>
+            </a:lvl9pPr>
+          </a:lstStyle>
+          <a:p>
+            <a:pPr marL="0" marR="0" lvl="0" indent="0" algn="l" defTabSz="715963" rtl="0" eaLnBrk="1" fontAlgn="base" latinLnBrk="0" hangingPunct="1">
+              <a:lnSpc>
+                <a:spcPct val="150000"/>
+              </a:lnSpc>
+              <a:spcBef>
+                <a:spcPct val="0"/>
+              </a:spcBef>
+              <a:spcAft>
+                <a:spcPct val="0"/>
+              </a:spcAft>
+              <a:buClrTx/>
+              <a:buSzTx/>
+              <a:buFontTx/>
+              <a:buNone/>
+              <a:tabLst/>
+              <a:defRPr/>
+            </a:pPr>
+            <a:r>
+              <a:rPr lang="en-US" sz="1800" dirty="0">
+                <a:solidFill>
+                  <a:prstClr val="black"/>
+                </a:solidFill>
+                <a:latin typeface="Bodoni MT" charset="0"/>
+                <a:cs typeface="Arial" charset="0"/>
+              </a:rPr>
+              <a:t>What Did We Found Out ?</a:t>
+            </a:r>
+            <a:endParaRPr lang="en-US" sz="3600" dirty="0">
+              <a:latin typeface="Arial" charset="0"/>
+              <a:cs typeface="Arial" charset="0"/>
+            </a:endParaRPr>
+          </a:p>
+          <a:p>
+            <a:pPr marL="285750" indent="-285750">
+              <a:lnSpc>
+                <a:spcPct val="150000"/>
+              </a:lnSpc>
+              <a:buFont typeface="Arial" panose="020B0604020202020204" pitchFamily="34" charset="0"/>
+              <a:buChar char="•"/>
+            </a:pPr>
+            <a:r>
+              <a:rPr lang="en-US" dirty="0">
+                <a:latin typeface="Helvetica Neue" charset="0"/>
+                <a:cs typeface="Helvetica Neue" charset="0"/>
+              </a:rPr>
+              <a:t>Human interaction met KPI goals with registering sensor happening 98% of the time.</a:t>
+            </a:r>
+          </a:p>
+          <a:p>
+            <a:pPr marL="285750" indent="-285750">
+              <a:lnSpc>
+                <a:spcPct val="150000"/>
+              </a:lnSpc>
+              <a:buFont typeface="Arial" panose="020B0604020202020204" pitchFamily="34" charset="0"/>
+              <a:buChar char="•"/>
+            </a:pPr>
+            <a:r>
+              <a:rPr lang="en-US" dirty="0">
+                <a:latin typeface="Helvetica Neue" charset="0"/>
+                <a:cs typeface="Helvetica Neue" charset="0"/>
+              </a:rPr>
+              <a:t>GATT BLE Communication is One-To-One thus we used 1 GATT service with multiple observation/advertisers. </a:t>
+            </a:r>
+          </a:p>
+          <a:p>
+            <a:pPr marL="285750" indent="-285750">
+              <a:lnSpc>
+                <a:spcPct val="150000"/>
+              </a:lnSpc>
+              <a:buFont typeface="Arial" panose="020B0604020202020204" pitchFamily="34" charset="0"/>
+              <a:buChar char="•"/>
+            </a:pPr>
+            <a:r>
+              <a:rPr lang="en-US" dirty="0">
+                <a:latin typeface="Helvetica Neue" charset="0"/>
+                <a:cs typeface="Helvetica Neue" charset="0"/>
+              </a:rPr>
+              <a:t>Blockchain validation and performance is limited by the storage space, most blocks were </a:t>
+            </a:r>
+          </a:p>
+          <a:p>
+            <a:pPr marL="285750" indent="-285750">
+              <a:lnSpc>
+                <a:spcPct val="150000"/>
+              </a:lnSpc>
+              <a:buFont typeface="Arial" panose="020B0604020202020204" pitchFamily="34" charset="0"/>
+              <a:buChar char="•"/>
+            </a:pPr>
+            <a:r>
+              <a:rPr lang="en-US" dirty="0">
+                <a:latin typeface="Helvetica Neue" charset="0"/>
+                <a:cs typeface="Helvetica Neue" charset="0"/>
+              </a:rPr>
+              <a:t>Minting and transaction loading happened every 5 seconds with 3 transactions possible per block.</a:t>
+            </a:r>
+          </a:p>
+        </p:txBody>
+      </p:sp>
+      <p:sp>
+        <p:nvSpPr>
+          <p:cNvPr id="3" name="Content Placeholder 7">
+            <a:extLst>
+              <a:ext uri="{FF2B5EF4-FFF2-40B4-BE49-F238E27FC236}">
+                <a16:creationId xmlns:a16="http://schemas.microsoft.com/office/drawing/2014/main" id="{836721C8-F66A-96D0-7253-AE3CB875B7FB}"/>
+              </a:ext>
+            </a:extLst>
+          </p:cNvPr>
+          <p:cNvSpPr txBox="1">
+            <a:spLocks/>
+          </p:cNvSpPr>
+          <p:nvPr/>
+        </p:nvSpPr>
+        <p:spPr bwMode="auto">
+          <a:xfrm>
+            <a:off x="10859574" y="7934252"/>
+            <a:ext cx="3628102" cy="1527116"/>
+          </a:xfrm>
+          <a:prstGeom prst="rect">
+            <a:avLst/>
+          </a:prstGeom>
+          <a:noFill/>
+          <a:ln w="9525">
+            <a:noFill/>
+            <a:miter lim="800000"/>
+            <a:headEnd/>
+            <a:tailEnd/>
+          </a:ln>
+          <a:extLst>
+            <a:ext uri="{909E8E84-426E-40dd-AFC4-6F175D3DCCD1}">
+              <a14:hiddenFill xmlns:a14="http://schemas.microsoft.com/office/drawing/2010/main" xmlns="">
+                <a:solidFill>
+                  <a:srgbClr val="FFFFFF"/>
+                </a:solidFill>
+              </a14:hiddenFill>
+            </a:ext>
+            <a:ext uri="{91240B29-F687-4f45-9708-019B960494DF}">
+              <a14:hiddenLine xmlns:a14="http://schemas.microsoft.com/office/drawing/2010/main" xmlns="" w="9525">
+                <a:solidFill>
+                  <a:srgbClr val="000000"/>
+                </a:solidFill>
+                <a:miter lim="800000"/>
+                <a:headEnd/>
+                <a:tailEnd/>
+              </a14:hiddenLine>
+            </a:ext>
+          </a:extLst>
+        </p:spPr>
+        <p:txBody>
+          <a:bodyPr vert="horz" wrap="square" lIns="143378" tIns="71689" rIns="143378" bIns="71689" numCol="1" anchor="t" anchorCtr="0" compatLnSpc="1">
+            <a:prstTxWarp prst="textNoShape">
+              <a:avLst/>
+            </a:prstTxWarp>
+          </a:bodyPr>
+          <a:lstStyle>
+            <a:lvl1pPr marL="0" indent="0" algn="l" defTabSz="715963" rtl="0" eaLnBrk="0" fontAlgn="base" hangingPunct="0">
+              <a:spcBef>
+                <a:spcPct val="20000"/>
+              </a:spcBef>
+              <a:spcAft>
+                <a:spcPct val="0"/>
+              </a:spcAft>
+              <a:buFont typeface="Arial" charset="0"/>
+              <a:buNone/>
+              <a:defRPr sz="1400" kern="1200">
+                <a:solidFill>
+                  <a:schemeClr val="tx1"/>
+                </a:solidFill>
+                <a:latin typeface="Helvetica Neue"/>
+                <a:ea typeface="Geneva" charset="-128"/>
+                <a:cs typeface="Helvetica Neue"/>
+              </a:defRPr>
+            </a:lvl1pPr>
+            <a:lvl2pPr marL="1163638" indent="-447675" algn="l" defTabSz="715963" rtl="0" eaLnBrk="0" fontAlgn="base" hangingPunct="0">
+              <a:spcBef>
+                <a:spcPct val="20000"/>
+              </a:spcBef>
+              <a:spcAft>
+                <a:spcPct val="0"/>
+              </a:spcAft>
+              <a:buFont typeface="Arial" charset="0"/>
+              <a:buNone/>
+              <a:defRPr sz="1800" kern="1200">
+                <a:solidFill>
+                  <a:schemeClr val="tx1"/>
+                </a:solidFill>
+                <a:latin typeface="Helvetica Neue"/>
+                <a:ea typeface="Geneva" charset="-128"/>
+                <a:cs typeface="Helvetica Neue"/>
+              </a:defRPr>
+            </a:lvl2pPr>
+            <a:lvl3pPr marL="1790700" indent="-357188" algn="l" defTabSz="715963" rtl="0" eaLnBrk="0" fontAlgn="base" hangingPunct="0">
+              <a:spcBef>
+                <a:spcPct val="20000"/>
+              </a:spcBef>
+              <a:spcAft>
+                <a:spcPct val="0"/>
+              </a:spcAft>
+              <a:buFont typeface="Arial" charset="0"/>
+              <a:buNone/>
+              <a:defRPr sz="1800" kern="1200">
+                <a:solidFill>
+                  <a:schemeClr val="tx1"/>
+                </a:solidFill>
+                <a:latin typeface="Helvetica Neue"/>
+                <a:ea typeface="Geneva" charset="-128"/>
+                <a:cs typeface="Helvetica Neue"/>
+              </a:defRPr>
+            </a:lvl3pPr>
+            <a:lvl4pPr marL="2508250" indent="-357188" algn="l" defTabSz="715963" rtl="0" eaLnBrk="0" fontAlgn="base" hangingPunct="0">
+              <a:spcBef>
+                <a:spcPct val="20000"/>
+              </a:spcBef>
+              <a:spcAft>
+                <a:spcPct val="0"/>
+              </a:spcAft>
+              <a:buFont typeface="Arial" charset="0"/>
+              <a:buNone/>
+              <a:defRPr sz="1800" kern="1200">
+                <a:solidFill>
+                  <a:schemeClr val="tx1"/>
+                </a:solidFill>
+                <a:latin typeface="Helvetica Neue"/>
+                <a:ea typeface="Geneva" charset="-128"/>
+                <a:cs typeface="Helvetica Neue"/>
+              </a:defRPr>
+            </a:lvl4pPr>
+            <a:lvl5pPr marL="3225800" indent="-357188" algn="l" defTabSz="715963" rtl="0" eaLnBrk="0" fontAlgn="base" hangingPunct="0">
+              <a:spcBef>
+                <a:spcPct val="20000"/>
+              </a:spcBef>
+              <a:spcAft>
+                <a:spcPct val="0"/>
+              </a:spcAft>
+              <a:buFont typeface="Arial" charset="0"/>
+              <a:buNone/>
+              <a:defRPr sz="1800" kern="1200">
+                <a:solidFill>
+                  <a:schemeClr val="tx1"/>
+                </a:solidFill>
+                <a:latin typeface="Helvetica Neue"/>
+                <a:ea typeface="Geneva" charset="-128"/>
+                <a:cs typeface="Helvetica Neue"/>
+              </a:defRPr>
+            </a:lvl5pPr>
+            <a:lvl6pPr marL="3942893" indent="-358445" algn="l" defTabSz="716890" rtl="0" eaLnBrk="1" latinLnBrk="0" hangingPunct="1">
+              <a:spcBef>
+                <a:spcPct val="20000"/>
+              </a:spcBef>
+              <a:buFont typeface="Arial"/>
+              <a:buChar char="•"/>
+              <a:defRPr sz="3100" kern="1200">
+                <a:solidFill>
+                  <a:schemeClr val="tx1"/>
+                </a:solidFill>
+                <a:latin typeface="+mn-lt"/>
+                <a:ea typeface="+mn-ea"/>
+                <a:cs typeface="+mn-cs"/>
+              </a:defRPr>
+            </a:lvl6pPr>
+            <a:lvl7pPr marL="4659782" indent="-358445" algn="l" defTabSz="716890" rtl="0" eaLnBrk="1" latinLnBrk="0" hangingPunct="1">
+              <a:spcBef>
+                <a:spcPct val="20000"/>
+              </a:spcBef>
+              <a:buFont typeface="Arial"/>
+              <a:buChar char="•"/>
+              <a:defRPr sz="3100" kern="1200">
+                <a:solidFill>
+                  <a:schemeClr val="tx1"/>
+                </a:solidFill>
+                <a:latin typeface="+mn-lt"/>
+                <a:ea typeface="+mn-ea"/>
+                <a:cs typeface="+mn-cs"/>
+              </a:defRPr>
+            </a:lvl7pPr>
+            <a:lvl8pPr marL="5376672" indent="-358445" algn="l" defTabSz="716890" rtl="0" eaLnBrk="1" latinLnBrk="0" hangingPunct="1">
+              <a:spcBef>
+                <a:spcPct val="20000"/>
+              </a:spcBef>
+              <a:buFont typeface="Arial"/>
+              <a:buChar char="•"/>
+              <a:defRPr sz="3100" kern="1200">
+                <a:solidFill>
+                  <a:schemeClr val="tx1"/>
+                </a:solidFill>
+                <a:latin typeface="+mn-lt"/>
+                <a:ea typeface="+mn-ea"/>
+                <a:cs typeface="+mn-cs"/>
+              </a:defRPr>
+            </a:lvl8pPr>
+            <a:lvl9pPr marL="6093562" indent="-358445" algn="l" defTabSz="716890" rtl="0" eaLnBrk="1" latinLnBrk="0" hangingPunct="1">
+              <a:spcBef>
+                <a:spcPct val="20000"/>
+              </a:spcBef>
+              <a:buFont typeface="Arial"/>
+              <a:buChar char="•"/>
+              <a:defRPr sz="3100" kern="1200">
+                <a:solidFill>
+                  <a:schemeClr val="tx1"/>
+                </a:solidFill>
+                <a:latin typeface="+mn-lt"/>
+                <a:ea typeface="+mn-ea"/>
+                <a:cs typeface="+mn-cs"/>
+              </a:defRPr>
+            </a:lvl9pPr>
+          </a:lstStyle>
+          <a:p>
+            <a:pPr marL="0" marR="0" lvl="0" indent="0" algn="l" defTabSz="715963" rtl="0" eaLnBrk="1" fontAlgn="base" latinLnBrk="0" hangingPunct="1">
+              <a:lnSpc>
+                <a:spcPct val="150000"/>
+              </a:lnSpc>
+              <a:spcBef>
+                <a:spcPct val="0"/>
+              </a:spcBef>
+              <a:spcAft>
+                <a:spcPct val="0"/>
+              </a:spcAft>
+              <a:buClrTx/>
+              <a:buSzTx/>
+              <a:buFontTx/>
+              <a:buNone/>
+              <a:tabLst/>
+              <a:defRPr/>
+            </a:pPr>
+            <a:r>
+              <a:rPr lang="en-US" sz="1600" dirty="0">
+                <a:solidFill>
+                  <a:prstClr val="black"/>
+                </a:solidFill>
+                <a:latin typeface="Bodoni MT" charset="0"/>
+                <a:cs typeface="Arial" charset="0"/>
+              </a:rPr>
+              <a:t>References &amp; Acknowledgments</a:t>
+            </a:r>
+            <a:endParaRPr lang="en-US" sz="1200" dirty="0">
+              <a:latin typeface="Helvetica Neue" charset="0"/>
+              <a:cs typeface="Helvetica Neue" charset="0"/>
+            </a:endParaRPr>
+          </a:p>
+          <a:p>
+            <a:pPr marL="285750" indent="-285750">
+              <a:lnSpc>
+                <a:spcPct val="150000"/>
+              </a:lnSpc>
+              <a:buFont typeface="Arial" panose="020B0604020202020204" pitchFamily="34" charset="0"/>
+              <a:buChar char="•"/>
+            </a:pPr>
+            <a:r>
+              <a:rPr lang="en-US" sz="1200" dirty="0">
+                <a:latin typeface="Helvetica Neue" charset="0"/>
+                <a:cs typeface="Helvetica Neue" charset="0"/>
+              </a:rPr>
+              <a:t>Building Blockchain Projects – Narayan </a:t>
+            </a:r>
+            <a:r>
+              <a:rPr lang="en-US" sz="1200" dirty="0" err="1">
+                <a:latin typeface="Helvetica Neue" charset="0"/>
+                <a:cs typeface="Helvetica Neue" charset="0"/>
+              </a:rPr>
+              <a:t>Prusty</a:t>
+            </a:r>
+            <a:r>
+              <a:rPr lang="en-US" sz="1200" dirty="0">
+                <a:latin typeface="Helvetica Neue" charset="0"/>
+                <a:cs typeface="Helvetica Neue" charset="0"/>
+              </a:rPr>
+              <a:t>.</a:t>
+            </a:r>
+          </a:p>
+          <a:p>
+            <a:pPr marL="285750" indent="-285750">
+              <a:lnSpc>
+                <a:spcPct val="150000"/>
+              </a:lnSpc>
+              <a:buFont typeface="Arial" panose="020B0604020202020204" pitchFamily="34" charset="0"/>
+              <a:buChar char="•"/>
+            </a:pPr>
+            <a:r>
+              <a:rPr lang="en-US" sz="1200" dirty="0">
+                <a:latin typeface="Helvetica Neue" charset="0"/>
+                <a:cs typeface="Helvetica Neue" charset="0"/>
+              </a:rPr>
+              <a:t>Zephyr Documentation – especially Bluetooth.</a:t>
+            </a:r>
+          </a:p>
+          <a:p>
+            <a:pPr marL="285750" indent="-285750">
+              <a:lnSpc>
+                <a:spcPct val="150000"/>
+              </a:lnSpc>
+              <a:buFont typeface="Arial" panose="020B0604020202020204" pitchFamily="34" charset="0"/>
+              <a:buChar char="•"/>
+            </a:pPr>
+            <a:r>
+              <a:rPr lang="en-US" sz="1200" dirty="0">
+                <a:latin typeface="Helvetica Neue" charset="0"/>
+                <a:cs typeface="Helvetica Neue" charset="0"/>
+              </a:rPr>
+              <a:t>Thank you Matt, Michael &amp; especially all the tutors for the experience. </a:t>
+            </a:r>
+          </a:p>
+        </p:txBody>
+      </p:sp>
+      <p:pic>
+        <p:nvPicPr>
+          <p:cNvPr id="4" name="Content Placeholder 9">
+            <a:extLst>
+              <a:ext uri="{FF2B5EF4-FFF2-40B4-BE49-F238E27FC236}">
+                <a16:creationId xmlns:a16="http://schemas.microsoft.com/office/drawing/2014/main" id="{03C6E695-EE31-F5A3-F15A-564A7ACBD1E7}"/>
+              </a:ext>
+            </a:extLst>
+          </p:cNvPr>
+          <p:cNvPicPr>
+            <a:picLocks noChangeAspect="1"/>
+          </p:cNvPicPr>
+          <p:nvPr/>
+        </p:nvPicPr>
+        <p:blipFill>
+          <a:blip r:embed="rId5"/>
+          <a:stretch>
+            <a:fillRect/>
+          </a:stretch>
+        </p:blipFill>
+        <p:spPr bwMode="auto">
+          <a:xfrm>
+            <a:off x="106066" y="3921957"/>
+            <a:ext cx="2319112" cy="2524965"/>
+          </a:xfrm>
+          <a:prstGeom prst="rect">
+            <a:avLst/>
+          </a:prstGeom>
+          <a:noFill/>
+          <a:ln w="9525">
+            <a:noFill/>
+            <a:miter lim="800000"/>
+            <a:headEnd/>
+            <a:tailEnd/>
+          </a:ln>
+          <a:extLst>
+            <a:ext uri="{909E8E84-426E-40dd-AFC4-6F175D3DCCD1}">
+              <a14:hiddenFill xmlns:a14="http://schemas.microsoft.com/office/drawing/2010/main" xmlns="">
+                <a:solidFill>
+                  <a:srgbClr val="FFFFFF"/>
+                </a:solidFill>
+              </a14:hiddenFill>
+            </a:ext>
+            <a:ext uri="{91240B29-F687-4f45-9708-019B960494DF}">
+              <a14:hiddenLine xmlns:a14="http://schemas.microsoft.com/office/drawing/2010/main" xmlns="" w="9525">
+                <a:solidFill>
+                  <a:srgbClr val="000000"/>
+                </a:solidFill>
+                <a:miter lim="800000"/>
+                <a:headEnd/>
+                <a:tailEnd/>
+              </a14:hiddenLine>
+            </a:ext>
+          </a:extLst>
+        </p:spPr>
+      </p:pic>
+      <p:pic>
+        <p:nvPicPr>
+          <p:cNvPr id="1026" name="Picture 2" descr="image">
+            <a:extLst>
+              <a:ext uri="{FF2B5EF4-FFF2-40B4-BE49-F238E27FC236}">
+                <a16:creationId xmlns:a16="http://schemas.microsoft.com/office/drawing/2014/main" id="{2908F8C6-DEB9-BAF4-E417-823D65BB0A18}"/>
+              </a:ext>
+            </a:extLst>
+          </p:cNvPr>
+          <p:cNvPicPr>
+            <a:picLocks noChangeAspect="1" noChangeArrowheads="1"/>
+          </p:cNvPicPr>
+          <p:nvPr/>
+        </p:nvPicPr>
+        <p:blipFill>
+          <a:blip r:embed="rId6">
+            <a:extLst>
+              <a:ext uri="{28A0092B-C50C-407E-A947-70E740481C1C}">
+                <a14:useLocalDpi xmlns:a14="http://schemas.microsoft.com/office/drawing/2010/main" val="0"/>
+              </a:ext>
+            </a:extLst>
+          </a:blip>
+          <a:srcRect/>
+          <a:stretch>
+            <a:fillRect/>
+          </a:stretch>
+        </p:blipFill>
+        <p:spPr bwMode="auto">
+          <a:xfrm>
+            <a:off x="10948393" y="5754949"/>
+            <a:ext cx="3628102" cy="2120978"/>
+          </a:xfrm>
+          <a:prstGeom prst="rect">
+            <a:avLst/>
+          </a:prstGeom>
+          <a:noFill/>
+          <a:extLst>
+            <a:ext uri="{909E8E84-426E-40DD-AFC4-6F175D3DCCD1}">
+              <a14:hiddenFill xmlns:a14="http://schemas.microsoft.com/office/drawing/2010/main">
+                <a:solidFill>
+                  <a:srgbClr val="FFFFFF"/>
+                </a:solidFill>
+              </a14:hiddenFill>
+            </a:ext>
+          </a:extLst>
+        </p:spPr>
+      </p:pic>
+    </p:spTree>
+    <p:extLst>
+      <p:ext uri="{BB962C8B-B14F-4D97-AF65-F5344CB8AC3E}">
+        <p14:creationId xmlns:p14="http://schemas.microsoft.com/office/powerpoint/2010/main" val="3731206615"/>
+      </p:ext>
+    </p:extLst>
+  </p:cSld>
+  <p:clrMapOvr>
+    <a:masterClrMapping/>
+  </p:clrMapOvr>
+</p:sld>
+</file>
+
+<file path=ppt/slides/slide2.xml><?xml version="1.0" encoding="utf-8"?>
+<p:sld xmlns:a="http://schemas.openxmlformats.org/drawingml/2006/main" xmlns:r="http://schemas.openxmlformats.org/officeDocument/2006/relationships" xmlns:p="http://schemas.openxmlformats.org/presentationml/2006/main">
+  <p:cSld>
+    <p:spTree>
+      <p:nvGrpSpPr>
         <p:cNvPr id="1" name=""/>
         <p:cNvGrpSpPr/>
         <p:nvPr/>
@@ -2946,7 +6335,7 @@
 </p:sld>
 </file>
 
-<file path=ppt/slides/slide2.xml><?xml version="1.0" encoding="utf-8"?>
+<file path=ppt/slides/slide3.xml><?xml version="1.0" encoding="utf-8"?>
 <p:sld xmlns:a="http://schemas.openxmlformats.org/drawingml/2006/main" xmlns:r="http://schemas.openxmlformats.org/officeDocument/2006/relationships" xmlns:p="http://schemas.openxmlformats.org/presentationml/2006/main">
   <p:cSld>
     <p:spTree>
@@ -5392,7 +8781,7 @@
 </p:sld>
 </file>
 
-<file path=ppt/slides/slide3.xml><?xml version="1.0" encoding="utf-8"?>
+<file path=ppt/slides/slide4.xml><?xml version="1.0" encoding="utf-8"?>
 <p:sld xmlns:a="http://schemas.openxmlformats.org/drawingml/2006/main" xmlns:r="http://schemas.openxmlformats.org/officeDocument/2006/relationships" xmlns:p="http://schemas.openxmlformats.org/presentationml/2006/main">
   <p:cSld>
     <p:spTree>
@@ -8504,7 +11893,7 @@
 </p:sld>
 </file>
 
-<file path=ppt/slides/slide4.xml><?xml version="1.0" encoding="utf-8"?>
+<file path=ppt/slides/slide5.xml><?xml version="1.0" encoding="utf-8"?>
 <p:sld xmlns:a="http://schemas.openxmlformats.org/drawingml/2006/main" xmlns:r="http://schemas.openxmlformats.org/officeDocument/2006/relationships" xmlns:p="http://schemas.openxmlformats.org/presentationml/2006/main">
   <p:cSld>
     <p:spTree>
@@ -8709,6 +12098,3142 @@
     <p:extLst>
       <p:ext uri="{BB962C8B-B14F-4D97-AF65-F5344CB8AC3E}">
         <p14:creationId xmlns:p14="http://schemas.microsoft.com/office/powerpoint/2010/main" val="565007070"/>
+      </p:ext>
+    </p:extLst>
+  </p:cSld>
+  <p:clrMapOvr>
+    <a:masterClrMapping/>
+  </p:clrMapOvr>
+</p:sld>
+</file>
+
+<file path=ppt/slides/slide6.xml><?xml version="1.0" encoding="utf-8"?>
+<p:sld xmlns:a="http://schemas.openxmlformats.org/drawingml/2006/main" xmlns:r="http://schemas.openxmlformats.org/officeDocument/2006/relationships" xmlns:p="http://schemas.openxmlformats.org/presentationml/2006/main">
+  <p:cSld>
+    <p:spTree>
+      <p:nvGrpSpPr>
+        <p:cNvPr id="1" name="">
+          <a:extLst>
+            <a:ext uri="{FF2B5EF4-FFF2-40B4-BE49-F238E27FC236}">
+              <a16:creationId xmlns:a16="http://schemas.microsoft.com/office/drawing/2014/main" id="{5949912D-00F1-9646-267B-DDCBDCFF434A}"/>
+            </a:ext>
+          </a:extLst>
+        </p:cNvPr>
+        <p:cNvGrpSpPr/>
+        <p:nvPr/>
+      </p:nvGrpSpPr>
+      <p:grpSpPr>
+        <a:xfrm>
+          <a:off x="0" y="0"/>
+          <a:ext cx="0" cy="0"/>
+          <a:chOff x="0" y="0"/>
+          <a:chExt cx="0" cy="0"/>
+        </a:xfrm>
+      </p:grpSpPr>
+      <p:sp>
+        <p:nvSpPr>
+          <p:cNvPr id="3075" name="Title 2">
+            <a:extLst>
+              <a:ext uri="{FF2B5EF4-FFF2-40B4-BE49-F238E27FC236}">
+                <a16:creationId xmlns:a16="http://schemas.microsoft.com/office/drawing/2014/main" id="{74A6E229-E0D7-8A29-55AA-8A46788F9763}"/>
+              </a:ext>
+            </a:extLst>
+          </p:cNvPr>
+          <p:cNvSpPr>
+            <a:spLocks noGrp="1"/>
+          </p:cNvSpPr>
+          <p:nvPr>
+            <p:ph type="title"/>
+          </p:nvPr>
+        </p:nvSpPr>
+        <p:spPr>
+          <a:xfrm>
+            <a:off x="0" y="19957"/>
+            <a:ext cx="14762163" cy="698500"/>
+          </a:xfrm>
+        </p:spPr>
+        <p:txBody>
+          <a:bodyPr/>
+          <a:lstStyle/>
+          <a:p>
+            <a:pPr algn="ctr"/>
+            <a:r>
+              <a:rPr lang="en-US" cap="none" dirty="0">
+                <a:latin typeface="Bodoni MT" charset="0"/>
+                <a:cs typeface="Didot" charset="0"/>
+              </a:rPr>
+              <a:t>BlowChain: Tamper-Proof Secure-Logging Lock-Box</a:t>
+            </a:r>
+          </a:p>
+        </p:txBody>
+      </p:sp>
+      <p:sp>
+        <p:nvSpPr>
+          <p:cNvPr id="3076" name="Subtitle 3">
+            <a:extLst>
+              <a:ext uri="{FF2B5EF4-FFF2-40B4-BE49-F238E27FC236}">
+                <a16:creationId xmlns:a16="http://schemas.microsoft.com/office/drawing/2014/main" id="{66D34817-43C7-B53E-0493-C5E0525B1F91}"/>
+              </a:ext>
+            </a:extLst>
+          </p:cNvPr>
+          <p:cNvSpPr>
+            <a:spLocks noGrp="1"/>
+          </p:cNvSpPr>
+          <p:nvPr>
+            <p:ph type="subTitle" idx="10"/>
+          </p:nvPr>
+        </p:nvSpPr>
+        <p:spPr>
+          <a:xfrm>
+            <a:off x="0" y="752250"/>
+            <a:ext cx="14758988" cy="345030"/>
+          </a:xfrm>
+        </p:spPr>
+        <p:txBody>
+          <a:bodyPr/>
+          <a:lstStyle/>
+          <a:p>
+            <a:pPr algn="ctr">
+              <a:spcBef>
+                <a:spcPct val="0"/>
+              </a:spcBef>
+            </a:pPr>
+            <a:r>
+              <a:rPr lang="en-US" sz="2000" i="1" dirty="0">
+                <a:latin typeface="Helvetica Neue" charset="0"/>
+                <a:cs typeface="Helvetica Neue" charset="0"/>
+              </a:rPr>
+              <a:t>Niall Waller, James McAuley, Dhanan Balasaravanan </a:t>
+            </a:r>
+          </a:p>
+        </p:txBody>
+      </p:sp>
+      <p:sp>
+        <p:nvSpPr>
+          <p:cNvPr id="3077" name="Content Placeholder 7">
+            <a:extLst>
+              <a:ext uri="{FF2B5EF4-FFF2-40B4-BE49-F238E27FC236}">
+                <a16:creationId xmlns:a16="http://schemas.microsoft.com/office/drawing/2014/main" id="{C6A957D1-DEF6-5C4B-A7D4-8F535D6087AC}"/>
+              </a:ext>
+            </a:extLst>
+          </p:cNvPr>
+          <p:cNvSpPr>
+            <a:spLocks noGrp="1"/>
+          </p:cNvSpPr>
+          <p:nvPr>
+            <p:ph idx="11"/>
+          </p:nvPr>
+        </p:nvSpPr>
+        <p:spPr>
+          <a:xfrm>
+            <a:off x="-3652837" y="133531"/>
+            <a:ext cx="3500437" cy="7656513"/>
+          </a:xfrm>
+          <a:ln/>
+        </p:spPr>
+        <p:txBody>
+          <a:bodyPr/>
+          <a:lstStyle/>
+          <a:p>
+            <a:r>
+              <a:rPr lang="en-US" b="1" dirty="0">
+                <a:latin typeface="Helvetica Neue" charset="0"/>
+                <a:cs typeface="Helvetica Neue" charset="0"/>
+              </a:rPr>
+              <a:t>General Hints &amp; Tips</a:t>
+            </a:r>
+          </a:p>
+          <a:p>
+            <a:r>
+              <a:rPr lang="en-US" b="1" i="1" dirty="0">
+                <a:latin typeface="Helvetica Neue" charset="0"/>
+                <a:cs typeface="Helvetica Neue" charset="0"/>
+              </a:rPr>
+              <a:t>Do not </a:t>
+            </a:r>
+            <a:r>
+              <a:rPr lang="en-US" dirty="0">
+                <a:latin typeface="Helvetica Neue" charset="0"/>
+                <a:cs typeface="Helvetica Neue" charset="0"/>
+              </a:rPr>
+              <a:t>change the </a:t>
+            </a:r>
+            <a:r>
+              <a:rPr lang="en-US" dirty="0" err="1">
+                <a:latin typeface="Helvetica Neue" charset="0"/>
+                <a:cs typeface="Helvetica Neue" charset="0"/>
+              </a:rPr>
+              <a:t>colour</a:t>
+            </a:r>
+            <a:r>
+              <a:rPr lang="en-US" dirty="0">
+                <a:latin typeface="Helvetica Neue" charset="0"/>
+                <a:cs typeface="Helvetica Neue" charset="0"/>
+              </a:rPr>
+              <a:t>/size/logos/positioning of the Slide Master.</a:t>
+            </a:r>
+          </a:p>
+          <a:p>
+            <a:r>
+              <a:rPr lang="en-US" dirty="0">
+                <a:latin typeface="Helvetica Neue" charset="0"/>
+                <a:cs typeface="Helvetica Neue" charset="0"/>
+              </a:rPr>
+              <a:t>This is a standard format across all Innovation Expo posters.</a:t>
+            </a:r>
+          </a:p>
+          <a:p>
+            <a:r>
+              <a:rPr lang="en-US" b="1" i="1" dirty="0">
+                <a:latin typeface="Helvetica Neue" charset="0"/>
+                <a:cs typeface="Helvetica Neue" charset="0"/>
+              </a:rPr>
+              <a:t>Do not </a:t>
+            </a:r>
+            <a:r>
+              <a:rPr lang="en-US" dirty="0">
+                <a:latin typeface="Helvetica Neue" charset="0"/>
+                <a:cs typeface="Helvetica Neue" charset="0"/>
+              </a:rPr>
+              <a:t>add other corporate logos. This is an infringement of copyright, unless you have express permission to do so.</a:t>
+            </a:r>
+          </a:p>
+          <a:p>
+            <a:r>
+              <a:rPr lang="en-US" b="1" i="1" dirty="0">
+                <a:latin typeface="Helvetica Neue" charset="0"/>
+                <a:cs typeface="Helvetica Neue" charset="0"/>
+              </a:rPr>
+              <a:t>Do</a:t>
+            </a:r>
+            <a:r>
+              <a:rPr lang="en-US" dirty="0">
+                <a:latin typeface="Helvetica Neue" charset="0"/>
+                <a:cs typeface="Helvetica Neue" charset="0"/>
+              </a:rPr>
+              <a:t> use this space as creatively as you wish.</a:t>
+            </a:r>
+          </a:p>
+          <a:p>
+            <a:r>
+              <a:rPr lang="en-US" b="1" i="1" dirty="0">
+                <a:latin typeface="Helvetica Neue" charset="0"/>
+                <a:cs typeface="Helvetica Neue" charset="0"/>
+              </a:rPr>
+              <a:t>Avoid </a:t>
+            </a:r>
+            <a:r>
+              <a:rPr lang="en-US" dirty="0">
+                <a:latin typeface="Helvetica Neue" charset="0"/>
+                <a:cs typeface="Helvetica Neue" charset="0"/>
+              </a:rPr>
+              <a:t>using large background </a:t>
+            </a:r>
+            <a:r>
+              <a:rPr lang="en-US" dirty="0" err="1">
+                <a:latin typeface="Helvetica Neue" charset="0"/>
+                <a:cs typeface="Helvetica Neue" charset="0"/>
+              </a:rPr>
+              <a:t>colours</a:t>
+            </a:r>
+            <a:r>
+              <a:rPr lang="en-US" dirty="0">
+                <a:latin typeface="Helvetica Neue" charset="0"/>
+                <a:cs typeface="Helvetica Neue" charset="0"/>
+              </a:rPr>
+              <a:t> – doesn’t print well.</a:t>
+            </a:r>
+          </a:p>
+          <a:p>
+            <a:r>
+              <a:rPr lang="en-US" b="1" i="1" dirty="0">
+                <a:latin typeface="Helvetica Neue" charset="0"/>
+                <a:cs typeface="Helvetica Neue" charset="0"/>
+              </a:rPr>
+              <a:t>Stick to </a:t>
+            </a:r>
+            <a:r>
+              <a:rPr lang="en-US" dirty="0">
+                <a:latin typeface="Helvetica Neue" charset="0"/>
+                <a:cs typeface="Helvetica Neue" charset="0"/>
+              </a:rPr>
+              <a:t>the basic fonts &amp; sizes (left) – these read clearly. If you need to reduce the text size, you are trying to put too much on your poster.</a:t>
+            </a:r>
+          </a:p>
+          <a:p>
+            <a:r>
+              <a:rPr lang="en-US" b="1" i="1" dirty="0">
+                <a:latin typeface="Helvetica Neue" charset="0"/>
+                <a:cs typeface="Helvetica Neue" charset="0"/>
+              </a:rPr>
+              <a:t>As a check</a:t>
+            </a:r>
+            <a:r>
+              <a:rPr lang="en-US" dirty="0">
+                <a:latin typeface="Helvetica Neue" charset="0"/>
+                <a:cs typeface="Helvetica Neue" charset="0"/>
+              </a:rPr>
+              <a:t>, print “scaled to fit” onto A4 and read at arms length.</a:t>
+            </a:r>
+          </a:p>
+          <a:p>
+            <a:r>
+              <a:rPr lang="en-US" b="1" i="1" dirty="0">
+                <a:latin typeface="Helvetica Neue" charset="0"/>
+                <a:cs typeface="Helvetica Neue" charset="0"/>
+              </a:rPr>
+              <a:t>Save </a:t>
+            </a:r>
+            <a:r>
+              <a:rPr lang="en-US" dirty="0">
+                <a:latin typeface="Helvetica Neue" charset="0"/>
+                <a:cs typeface="Helvetica Neue" charset="0"/>
+              </a:rPr>
+              <a:t>your poster as you work on it.</a:t>
+            </a:r>
+          </a:p>
+          <a:p>
+            <a:r>
+              <a:rPr lang="en-US" b="1" i="1" dirty="0">
+                <a:latin typeface="Helvetica Neue" charset="0"/>
+                <a:cs typeface="Helvetica Neue" charset="0"/>
+              </a:rPr>
+              <a:t>You shouldn’t</a:t>
+            </a:r>
+            <a:r>
+              <a:rPr lang="en-US" dirty="0">
+                <a:latin typeface="Helvetica Neue" charset="0"/>
+                <a:cs typeface="Helvetica Neue" charset="0"/>
+              </a:rPr>
+              <a:t> need to change the sizing of this file, it should already be landscape format with width: 41cm and height: 28.7 cm (A3 with 5 mm borders all around).</a:t>
+            </a:r>
+          </a:p>
+          <a:p>
+            <a:r>
+              <a:rPr lang="en-US" b="1" i="1" dirty="0">
+                <a:latin typeface="Helvetica Neue" charset="0"/>
+                <a:cs typeface="Helvetica Neue" charset="0"/>
+              </a:rPr>
+              <a:t>The title </a:t>
+            </a:r>
+            <a:r>
+              <a:rPr lang="en-US" dirty="0">
+                <a:latin typeface="Helvetica Neue" charset="0"/>
+                <a:cs typeface="Helvetica Neue" charset="0"/>
+              </a:rPr>
+              <a:t>may look to close to the top edge – don’t be tempted to change it. It allows for the extra 5mm from the printing.</a:t>
+            </a:r>
+          </a:p>
+        </p:txBody>
+      </p:sp>
+      <p:pic>
+        <p:nvPicPr>
+          <p:cNvPr id="5" name="Picture 4">
+            <a:extLst>
+              <a:ext uri="{FF2B5EF4-FFF2-40B4-BE49-F238E27FC236}">
+                <a16:creationId xmlns:a16="http://schemas.microsoft.com/office/drawing/2014/main" id="{92653CAE-8E37-0ED5-1675-B5B74639588A}"/>
+              </a:ext>
+            </a:extLst>
+          </p:cNvPr>
+          <p:cNvPicPr>
+            <a:picLocks noChangeAspect="1"/>
+          </p:cNvPicPr>
+          <p:nvPr/>
+        </p:nvPicPr>
+        <p:blipFill>
+          <a:blip r:embed="rId3"/>
+          <a:stretch>
+            <a:fillRect/>
+          </a:stretch>
+        </p:blipFill>
+        <p:spPr>
+          <a:xfrm>
+            <a:off x="2639810" y="5698340"/>
+            <a:ext cx="4960721" cy="4471825"/>
+          </a:xfrm>
+          <a:prstGeom prst="rect">
+            <a:avLst/>
+          </a:prstGeom>
+        </p:spPr>
+      </p:pic>
+      <p:pic>
+        <p:nvPicPr>
+          <p:cNvPr id="7" name="Picture 6" descr="A qr code with a dinosaur&#10;&#10;AI-generated content may be incorrect.">
+            <a:extLst>
+              <a:ext uri="{FF2B5EF4-FFF2-40B4-BE49-F238E27FC236}">
+                <a16:creationId xmlns:a16="http://schemas.microsoft.com/office/drawing/2014/main" id="{42495C90-70AB-6BE7-BA27-3B3EB48E469D}"/>
+              </a:ext>
+            </a:extLst>
+          </p:cNvPr>
+          <p:cNvPicPr>
+            <a:picLocks noChangeAspect="1"/>
+          </p:cNvPicPr>
+          <p:nvPr/>
+        </p:nvPicPr>
+        <p:blipFill>
+          <a:blip r:embed="rId4"/>
+          <a:srcRect l="6867" t="7057" r="6100" b="6987"/>
+          <a:stretch/>
+        </p:blipFill>
+        <p:spPr>
+          <a:xfrm>
+            <a:off x="5533893" y="1595762"/>
+            <a:ext cx="1987369" cy="1962757"/>
+          </a:xfrm>
+          <a:prstGeom prst="rect">
+            <a:avLst/>
+          </a:prstGeom>
+        </p:spPr>
+      </p:pic>
+      <p:sp>
+        <p:nvSpPr>
+          <p:cNvPr id="8" name="Content Placeholder 1">
+            <a:extLst>
+              <a:ext uri="{FF2B5EF4-FFF2-40B4-BE49-F238E27FC236}">
+                <a16:creationId xmlns:a16="http://schemas.microsoft.com/office/drawing/2014/main" id="{A9ECCC95-17E8-2C64-BE56-7B0F9E6347C8}"/>
+              </a:ext>
+            </a:extLst>
+          </p:cNvPr>
+          <p:cNvSpPr txBox="1">
+            <a:spLocks/>
+          </p:cNvSpPr>
+          <p:nvPr/>
+        </p:nvSpPr>
+        <p:spPr bwMode="auto">
+          <a:xfrm>
+            <a:off x="-3584460" y="7075032"/>
+            <a:ext cx="3498850" cy="7656513"/>
+          </a:xfrm>
+          <a:prstGeom prst="rect">
+            <a:avLst/>
+          </a:prstGeom>
+          <a:noFill/>
+          <a:ln w="9525">
+            <a:noFill/>
+            <a:miter lim="800000"/>
+            <a:headEnd/>
+            <a:tailEnd/>
+          </a:ln>
+          <a:extLst>
+            <a:ext uri="{909E8E84-426E-40dd-AFC4-6F175D3DCCD1}">
+              <a14:hiddenFill xmlns:a14="http://schemas.microsoft.com/office/drawing/2010/main" xmlns="">
+                <a:solidFill>
+                  <a:srgbClr val="FFFFFF"/>
+                </a:solidFill>
+              </a14:hiddenFill>
+            </a:ext>
+            <a:ext uri="{91240B29-F687-4f45-9708-019B960494DF}">
+              <a14:hiddenLine xmlns:a14="http://schemas.microsoft.com/office/drawing/2010/main" xmlns="" w="9525">
+                <a:solidFill>
+                  <a:srgbClr val="000000"/>
+                </a:solidFill>
+                <a:miter lim="800000"/>
+                <a:headEnd/>
+                <a:tailEnd/>
+              </a14:hiddenLine>
+            </a:ext>
+          </a:extLst>
+        </p:spPr>
+        <p:txBody>
+          <a:bodyPr vert="horz" wrap="square" lIns="143378" tIns="71689" rIns="143378" bIns="71689" numCol="1" anchor="t" anchorCtr="0" compatLnSpc="1">
+            <a:prstTxWarp prst="textNoShape">
+              <a:avLst/>
+            </a:prstTxWarp>
+          </a:bodyPr>
+          <a:lstStyle>
+            <a:lvl1pPr marL="0" indent="0" algn="l" defTabSz="715963" rtl="0" eaLnBrk="0" fontAlgn="base" hangingPunct="0">
+              <a:spcBef>
+                <a:spcPct val="20000"/>
+              </a:spcBef>
+              <a:spcAft>
+                <a:spcPct val="0"/>
+              </a:spcAft>
+              <a:buFont typeface="Arial" charset="0"/>
+              <a:buNone/>
+              <a:defRPr sz="1400" kern="1200">
+                <a:solidFill>
+                  <a:schemeClr val="tx1"/>
+                </a:solidFill>
+                <a:latin typeface="Helvetica Neue"/>
+                <a:ea typeface="Geneva" charset="-128"/>
+                <a:cs typeface="Helvetica Neue"/>
+              </a:defRPr>
+            </a:lvl1pPr>
+            <a:lvl2pPr marL="1163638" indent="-447675" algn="l" defTabSz="715963" rtl="0" eaLnBrk="0" fontAlgn="base" hangingPunct="0">
+              <a:spcBef>
+                <a:spcPct val="20000"/>
+              </a:spcBef>
+              <a:spcAft>
+                <a:spcPct val="0"/>
+              </a:spcAft>
+              <a:buFont typeface="Arial" charset="0"/>
+              <a:buNone/>
+              <a:defRPr sz="1800" kern="1200">
+                <a:solidFill>
+                  <a:schemeClr val="tx1"/>
+                </a:solidFill>
+                <a:latin typeface="Helvetica Neue"/>
+                <a:ea typeface="Geneva" charset="-128"/>
+                <a:cs typeface="Helvetica Neue"/>
+              </a:defRPr>
+            </a:lvl2pPr>
+            <a:lvl3pPr marL="1790700" indent="-357188" algn="l" defTabSz="715963" rtl="0" eaLnBrk="0" fontAlgn="base" hangingPunct="0">
+              <a:spcBef>
+                <a:spcPct val="20000"/>
+              </a:spcBef>
+              <a:spcAft>
+                <a:spcPct val="0"/>
+              </a:spcAft>
+              <a:buFont typeface="Arial" charset="0"/>
+              <a:buNone/>
+              <a:defRPr sz="1800" kern="1200">
+                <a:solidFill>
+                  <a:schemeClr val="tx1"/>
+                </a:solidFill>
+                <a:latin typeface="Helvetica Neue"/>
+                <a:ea typeface="Geneva" charset="-128"/>
+                <a:cs typeface="Helvetica Neue"/>
+              </a:defRPr>
+            </a:lvl3pPr>
+            <a:lvl4pPr marL="2508250" indent="-357188" algn="l" defTabSz="715963" rtl="0" eaLnBrk="0" fontAlgn="base" hangingPunct="0">
+              <a:spcBef>
+                <a:spcPct val="20000"/>
+              </a:spcBef>
+              <a:spcAft>
+                <a:spcPct val="0"/>
+              </a:spcAft>
+              <a:buFont typeface="Arial" charset="0"/>
+              <a:buNone/>
+              <a:defRPr sz="1800" kern="1200">
+                <a:solidFill>
+                  <a:schemeClr val="tx1"/>
+                </a:solidFill>
+                <a:latin typeface="Helvetica Neue"/>
+                <a:ea typeface="Geneva" charset="-128"/>
+                <a:cs typeface="Helvetica Neue"/>
+              </a:defRPr>
+            </a:lvl4pPr>
+            <a:lvl5pPr marL="3225800" indent="-357188" algn="l" defTabSz="715963" rtl="0" eaLnBrk="0" fontAlgn="base" hangingPunct="0">
+              <a:spcBef>
+                <a:spcPct val="20000"/>
+              </a:spcBef>
+              <a:spcAft>
+                <a:spcPct val="0"/>
+              </a:spcAft>
+              <a:buFont typeface="Arial" charset="0"/>
+              <a:buNone/>
+              <a:defRPr sz="1800" kern="1200">
+                <a:solidFill>
+                  <a:schemeClr val="tx1"/>
+                </a:solidFill>
+                <a:latin typeface="Helvetica Neue"/>
+                <a:ea typeface="Geneva" charset="-128"/>
+                <a:cs typeface="Helvetica Neue"/>
+              </a:defRPr>
+            </a:lvl5pPr>
+            <a:lvl6pPr marL="3942893" indent="-358445" algn="l" defTabSz="716890" rtl="0" eaLnBrk="1" latinLnBrk="0" hangingPunct="1">
+              <a:spcBef>
+                <a:spcPct val="20000"/>
+              </a:spcBef>
+              <a:buFont typeface="Arial"/>
+              <a:buChar char="•"/>
+              <a:defRPr sz="3100" kern="1200">
+                <a:solidFill>
+                  <a:schemeClr val="tx1"/>
+                </a:solidFill>
+                <a:latin typeface="+mn-lt"/>
+                <a:ea typeface="+mn-ea"/>
+                <a:cs typeface="+mn-cs"/>
+              </a:defRPr>
+            </a:lvl6pPr>
+            <a:lvl7pPr marL="4659782" indent="-358445" algn="l" defTabSz="716890" rtl="0" eaLnBrk="1" latinLnBrk="0" hangingPunct="1">
+              <a:spcBef>
+                <a:spcPct val="20000"/>
+              </a:spcBef>
+              <a:buFont typeface="Arial"/>
+              <a:buChar char="•"/>
+              <a:defRPr sz="3100" kern="1200">
+                <a:solidFill>
+                  <a:schemeClr val="tx1"/>
+                </a:solidFill>
+                <a:latin typeface="+mn-lt"/>
+                <a:ea typeface="+mn-ea"/>
+                <a:cs typeface="+mn-cs"/>
+              </a:defRPr>
+            </a:lvl7pPr>
+            <a:lvl8pPr marL="5376672" indent="-358445" algn="l" defTabSz="716890" rtl="0" eaLnBrk="1" latinLnBrk="0" hangingPunct="1">
+              <a:spcBef>
+                <a:spcPct val="20000"/>
+              </a:spcBef>
+              <a:buFont typeface="Arial"/>
+              <a:buChar char="•"/>
+              <a:defRPr sz="3100" kern="1200">
+                <a:solidFill>
+                  <a:schemeClr val="tx1"/>
+                </a:solidFill>
+                <a:latin typeface="+mn-lt"/>
+                <a:ea typeface="+mn-ea"/>
+                <a:cs typeface="+mn-cs"/>
+              </a:defRPr>
+            </a:lvl8pPr>
+            <a:lvl9pPr marL="6093562" indent="-358445" algn="l" defTabSz="716890" rtl="0" eaLnBrk="1" latinLnBrk="0" hangingPunct="1">
+              <a:spcBef>
+                <a:spcPct val="20000"/>
+              </a:spcBef>
+              <a:buFont typeface="Arial"/>
+              <a:buChar char="•"/>
+              <a:defRPr sz="3100" kern="1200">
+                <a:solidFill>
+                  <a:schemeClr val="tx1"/>
+                </a:solidFill>
+                <a:latin typeface="+mn-lt"/>
+                <a:ea typeface="+mn-ea"/>
+                <a:cs typeface="+mn-cs"/>
+              </a:defRPr>
+            </a:lvl9pPr>
+          </a:lstStyle>
+          <a:p>
+            <a:r>
+              <a:rPr lang="en-US" sz="1800" dirty="0">
+                <a:latin typeface="Bodoni MT" charset="0"/>
+                <a:cs typeface="Helvetica Neue" charset="0"/>
+              </a:rPr>
+              <a:t>GitHub Wiki:</a:t>
+            </a:r>
+            <a:endParaRPr lang="en-US" sz="1600" dirty="0">
+              <a:latin typeface="Bodoni MT" charset="0"/>
+              <a:cs typeface="Helvetica Neue" charset="0"/>
+            </a:endParaRPr>
+          </a:p>
+          <a:p>
+            <a:r>
+              <a:rPr lang="en-US" b="1" dirty="0">
+                <a:latin typeface="Helvetica Neue" charset="0"/>
+                <a:cs typeface="Helvetica Neue" charset="0"/>
+              </a:rPr>
+              <a:t>Subheadings – Helvetica Neue Bold 14pt</a:t>
+            </a:r>
+          </a:p>
+          <a:p>
+            <a:r>
+              <a:rPr lang="en-US" dirty="0">
+                <a:latin typeface="Helvetica Neue" charset="0"/>
+                <a:cs typeface="Helvetica Neue" charset="0"/>
+              </a:rPr>
+              <a:t>Body Text – Helvetica Neue 14pt (min 12pt)</a:t>
+            </a:r>
+          </a:p>
+          <a:p>
+            <a:endParaRPr lang="en-US" dirty="0">
+              <a:latin typeface="Helvetica Neue" charset="0"/>
+              <a:cs typeface="Helvetica Neue" charset="0"/>
+            </a:endParaRPr>
+          </a:p>
+          <a:p>
+            <a:r>
+              <a:rPr lang="en-US" b="1" dirty="0">
+                <a:latin typeface="Helvetica Neue" charset="0"/>
+                <a:cs typeface="Helvetica Neue" charset="0"/>
+              </a:rPr>
+              <a:t>Don’t have the above fonts installed?</a:t>
+            </a:r>
+          </a:p>
+          <a:p>
+            <a:r>
+              <a:rPr lang="en-US" dirty="0">
+                <a:latin typeface="Helvetica Neue" charset="0"/>
+                <a:cs typeface="Helvetica Neue" charset="0"/>
+              </a:rPr>
+              <a:t>Substitutes for Bodoni MT:</a:t>
+            </a:r>
+          </a:p>
+          <a:p>
+            <a:r>
+              <a:rPr lang="en-US" dirty="0">
+                <a:latin typeface="Didot" charset="0"/>
+                <a:cs typeface="Helvetica Neue" charset="0"/>
+              </a:rPr>
+              <a:t>Didot on Apple</a:t>
+            </a:r>
+          </a:p>
+          <a:p>
+            <a:r>
+              <a:rPr lang="en-US" dirty="0">
+                <a:latin typeface="Times New Roman" charset="0"/>
+                <a:cs typeface="Times New Roman" charset="0"/>
+              </a:rPr>
+              <a:t>or Times New Roman (Apple &amp; Windows)</a:t>
+            </a:r>
+          </a:p>
+          <a:p>
+            <a:endParaRPr lang="en-US" dirty="0">
+              <a:latin typeface="Helvetica Neue" charset="0"/>
+              <a:cs typeface="Helvetica Neue" charset="0"/>
+            </a:endParaRPr>
+          </a:p>
+          <a:p>
+            <a:r>
+              <a:rPr lang="en-US" dirty="0">
+                <a:latin typeface="Helvetica Neue" charset="0"/>
+                <a:cs typeface="Helvetica Neue" charset="0"/>
+              </a:rPr>
+              <a:t>Substitutes for Helvetica Neue:</a:t>
+            </a:r>
+          </a:p>
+          <a:p>
+            <a:r>
+              <a:rPr lang="en-US" dirty="0">
+                <a:latin typeface="Helvetica" charset="0"/>
+                <a:cs typeface="Helvetica" charset="0"/>
+              </a:rPr>
+              <a:t>Helvetica (Apple)</a:t>
+            </a:r>
+          </a:p>
+          <a:p>
+            <a:r>
+              <a:rPr lang="en-US" dirty="0">
+                <a:latin typeface="Arial" charset="0"/>
+                <a:cs typeface="Arial" charset="0"/>
+              </a:rPr>
+              <a:t>or Arial (Apple &amp; Windows)</a:t>
+            </a:r>
+          </a:p>
+          <a:p>
+            <a:endParaRPr lang="en-US" dirty="0">
+              <a:latin typeface="Helvetica Neue" charset="0"/>
+              <a:cs typeface="Helvetica Neue" charset="0"/>
+            </a:endParaRPr>
+          </a:p>
+        </p:txBody>
+      </p:sp>
+      <p:sp>
+        <p:nvSpPr>
+          <p:cNvPr id="9" name="Content Placeholder 1">
+            <a:extLst>
+              <a:ext uri="{FF2B5EF4-FFF2-40B4-BE49-F238E27FC236}">
+                <a16:creationId xmlns:a16="http://schemas.microsoft.com/office/drawing/2014/main" id="{C852A2EF-624E-EBBA-C52A-A5ADD06F98C5}"/>
+              </a:ext>
+            </a:extLst>
+          </p:cNvPr>
+          <p:cNvSpPr txBox="1">
+            <a:spLocks/>
+          </p:cNvSpPr>
+          <p:nvPr/>
+        </p:nvSpPr>
+        <p:spPr bwMode="auto">
+          <a:xfrm>
+            <a:off x="5407479" y="1123597"/>
+            <a:ext cx="3498850" cy="423048"/>
+          </a:xfrm>
+          <a:prstGeom prst="rect">
+            <a:avLst/>
+          </a:prstGeom>
+          <a:noFill/>
+          <a:ln w="9525">
+            <a:noFill/>
+            <a:miter lim="800000"/>
+            <a:headEnd/>
+            <a:tailEnd/>
+          </a:ln>
+          <a:extLst>
+            <a:ext uri="{909E8E84-426E-40dd-AFC4-6F175D3DCCD1}">
+              <a14:hiddenFill xmlns:a14="http://schemas.microsoft.com/office/drawing/2010/main" xmlns="">
+                <a:solidFill>
+                  <a:srgbClr val="FFFFFF"/>
+                </a:solidFill>
+              </a14:hiddenFill>
+            </a:ext>
+            <a:ext uri="{91240B29-F687-4f45-9708-019B960494DF}">
+              <a14:hiddenLine xmlns:a14="http://schemas.microsoft.com/office/drawing/2010/main" xmlns="" w="9525">
+                <a:solidFill>
+                  <a:srgbClr val="000000"/>
+                </a:solidFill>
+                <a:miter lim="800000"/>
+                <a:headEnd/>
+                <a:tailEnd/>
+              </a14:hiddenLine>
+            </a:ext>
+          </a:extLst>
+        </p:spPr>
+        <p:txBody>
+          <a:bodyPr vert="horz" wrap="square" lIns="143378" tIns="71689" rIns="143378" bIns="71689" numCol="1" anchor="t" anchorCtr="0" compatLnSpc="1">
+            <a:prstTxWarp prst="textNoShape">
+              <a:avLst/>
+            </a:prstTxWarp>
+          </a:bodyPr>
+          <a:lstStyle>
+            <a:lvl1pPr marL="0" indent="0" algn="l" defTabSz="715963" rtl="0" eaLnBrk="0" fontAlgn="base" hangingPunct="0">
+              <a:spcBef>
+                <a:spcPct val="20000"/>
+              </a:spcBef>
+              <a:spcAft>
+                <a:spcPct val="0"/>
+              </a:spcAft>
+              <a:buFont typeface="Arial" charset="0"/>
+              <a:buNone/>
+              <a:defRPr sz="1400" kern="1200">
+                <a:solidFill>
+                  <a:schemeClr val="tx1"/>
+                </a:solidFill>
+                <a:latin typeface="Helvetica Neue"/>
+                <a:ea typeface="Geneva" charset="-128"/>
+                <a:cs typeface="Helvetica Neue"/>
+              </a:defRPr>
+            </a:lvl1pPr>
+            <a:lvl2pPr marL="1163638" indent="-447675" algn="l" defTabSz="715963" rtl="0" eaLnBrk="0" fontAlgn="base" hangingPunct="0">
+              <a:spcBef>
+                <a:spcPct val="20000"/>
+              </a:spcBef>
+              <a:spcAft>
+                <a:spcPct val="0"/>
+              </a:spcAft>
+              <a:buFont typeface="Arial" charset="0"/>
+              <a:buNone/>
+              <a:defRPr sz="1800" kern="1200">
+                <a:solidFill>
+                  <a:schemeClr val="tx1"/>
+                </a:solidFill>
+                <a:latin typeface="Helvetica Neue"/>
+                <a:ea typeface="Geneva" charset="-128"/>
+                <a:cs typeface="Helvetica Neue"/>
+              </a:defRPr>
+            </a:lvl2pPr>
+            <a:lvl3pPr marL="1790700" indent="-357188" algn="l" defTabSz="715963" rtl="0" eaLnBrk="0" fontAlgn="base" hangingPunct="0">
+              <a:spcBef>
+                <a:spcPct val="20000"/>
+              </a:spcBef>
+              <a:spcAft>
+                <a:spcPct val="0"/>
+              </a:spcAft>
+              <a:buFont typeface="Arial" charset="0"/>
+              <a:buNone/>
+              <a:defRPr sz="1800" kern="1200">
+                <a:solidFill>
+                  <a:schemeClr val="tx1"/>
+                </a:solidFill>
+                <a:latin typeface="Helvetica Neue"/>
+                <a:ea typeface="Geneva" charset="-128"/>
+                <a:cs typeface="Helvetica Neue"/>
+              </a:defRPr>
+            </a:lvl3pPr>
+            <a:lvl4pPr marL="2508250" indent="-357188" algn="l" defTabSz="715963" rtl="0" eaLnBrk="0" fontAlgn="base" hangingPunct="0">
+              <a:spcBef>
+                <a:spcPct val="20000"/>
+              </a:spcBef>
+              <a:spcAft>
+                <a:spcPct val="0"/>
+              </a:spcAft>
+              <a:buFont typeface="Arial" charset="0"/>
+              <a:buNone/>
+              <a:defRPr sz="1800" kern="1200">
+                <a:solidFill>
+                  <a:schemeClr val="tx1"/>
+                </a:solidFill>
+                <a:latin typeface="Helvetica Neue"/>
+                <a:ea typeface="Geneva" charset="-128"/>
+                <a:cs typeface="Helvetica Neue"/>
+              </a:defRPr>
+            </a:lvl4pPr>
+            <a:lvl5pPr marL="3225800" indent="-357188" algn="l" defTabSz="715963" rtl="0" eaLnBrk="0" fontAlgn="base" hangingPunct="0">
+              <a:spcBef>
+                <a:spcPct val="20000"/>
+              </a:spcBef>
+              <a:spcAft>
+                <a:spcPct val="0"/>
+              </a:spcAft>
+              <a:buFont typeface="Arial" charset="0"/>
+              <a:buNone/>
+              <a:defRPr sz="1800" kern="1200">
+                <a:solidFill>
+                  <a:schemeClr val="tx1"/>
+                </a:solidFill>
+                <a:latin typeface="Helvetica Neue"/>
+                <a:ea typeface="Geneva" charset="-128"/>
+                <a:cs typeface="Helvetica Neue"/>
+              </a:defRPr>
+            </a:lvl5pPr>
+            <a:lvl6pPr marL="3942893" indent="-358445" algn="l" defTabSz="716890" rtl="0" eaLnBrk="1" latinLnBrk="0" hangingPunct="1">
+              <a:spcBef>
+                <a:spcPct val="20000"/>
+              </a:spcBef>
+              <a:buFont typeface="Arial"/>
+              <a:buChar char="•"/>
+              <a:defRPr sz="3100" kern="1200">
+                <a:solidFill>
+                  <a:schemeClr val="tx1"/>
+                </a:solidFill>
+                <a:latin typeface="+mn-lt"/>
+                <a:ea typeface="+mn-ea"/>
+                <a:cs typeface="+mn-cs"/>
+              </a:defRPr>
+            </a:lvl6pPr>
+            <a:lvl7pPr marL="4659782" indent="-358445" algn="l" defTabSz="716890" rtl="0" eaLnBrk="1" latinLnBrk="0" hangingPunct="1">
+              <a:spcBef>
+                <a:spcPct val="20000"/>
+              </a:spcBef>
+              <a:buFont typeface="Arial"/>
+              <a:buChar char="•"/>
+              <a:defRPr sz="3100" kern="1200">
+                <a:solidFill>
+                  <a:schemeClr val="tx1"/>
+                </a:solidFill>
+                <a:latin typeface="+mn-lt"/>
+                <a:ea typeface="+mn-ea"/>
+                <a:cs typeface="+mn-cs"/>
+              </a:defRPr>
+            </a:lvl7pPr>
+            <a:lvl8pPr marL="5376672" indent="-358445" algn="l" defTabSz="716890" rtl="0" eaLnBrk="1" latinLnBrk="0" hangingPunct="1">
+              <a:spcBef>
+                <a:spcPct val="20000"/>
+              </a:spcBef>
+              <a:buFont typeface="Arial"/>
+              <a:buChar char="•"/>
+              <a:defRPr sz="3100" kern="1200">
+                <a:solidFill>
+                  <a:schemeClr val="tx1"/>
+                </a:solidFill>
+                <a:latin typeface="+mn-lt"/>
+                <a:ea typeface="+mn-ea"/>
+                <a:cs typeface="+mn-cs"/>
+              </a:defRPr>
+            </a:lvl8pPr>
+            <a:lvl9pPr marL="6093562" indent="-358445" algn="l" defTabSz="716890" rtl="0" eaLnBrk="1" latinLnBrk="0" hangingPunct="1">
+              <a:spcBef>
+                <a:spcPct val="20000"/>
+              </a:spcBef>
+              <a:buFont typeface="Arial"/>
+              <a:buChar char="•"/>
+              <a:defRPr sz="3100" kern="1200">
+                <a:solidFill>
+                  <a:schemeClr val="tx1"/>
+                </a:solidFill>
+                <a:latin typeface="+mn-lt"/>
+                <a:ea typeface="+mn-ea"/>
+                <a:cs typeface="+mn-cs"/>
+              </a:defRPr>
+            </a:lvl9pPr>
+          </a:lstStyle>
+          <a:p>
+            <a:r>
+              <a:rPr lang="en-US" sz="1800" dirty="0">
+                <a:latin typeface="Bodoni MT" charset="0"/>
+                <a:cs typeface="Helvetica Neue" charset="0"/>
+              </a:rPr>
+              <a:t>How Does it Work ?</a:t>
+            </a:r>
+            <a:endParaRPr lang="en-US" dirty="0">
+              <a:latin typeface="Arial" charset="0"/>
+              <a:cs typeface="Arial" charset="0"/>
+            </a:endParaRPr>
+          </a:p>
+          <a:p>
+            <a:endParaRPr lang="en-US" dirty="0">
+              <a:latin typeface="Helvetica Neue" charset="0"/>
+              <a:cs typeface="Helvetica Neue" charset="0"/>
+            </a:endParaRPr>
+          </a:p>
+        </p:txBody>
+      </p:sp>
+      <p:sp>
+        <p:nvSpPr>
+          <p:cNvPr id="10" name="Content Placeholder 7">
+            <a:extLst>
+              <a:ext uri="{FF2B5EF4-FFF2-40B4-BE49-F238E27FC236}">
+                <a16:creationId xmlns:a16="http://schemas.microsoft.com/office/drawing/2014/main" id="{895B3757-68F5-0BA2-411B-46E916114AF0}"/>
+              </a:ext>
+            </a:extLst>
+          </p:cNvPr>
+          <p:cNvSpPr txBox="1">
+            <a:spLocks/>
+          </p:cNvSpPr>
+          <p:nvPr/>
+        </p:nvSpPr>
+        <p:spPr bwMode="auto">
+          <a:xfrm>
+            <a:off x="50869" y="990091"/>
+            <a:ext cx="5723472" cy="2697542"/>
+          </a:xfrm>
+          <a:prstGeom prst="rect">
+            <a:avLst/>
+          </a:prstGeom>
+          <a:noFill/>
+          <a:ln w="9525">
+            <a:noFill/>
+            <a:miter lim="800000"/>
+            <a:headEnd/>
+            <a:tailEnd/>
+          </a:ln>
+          <a:extLst>
+            <a:ext uri="{909E8E84-426E-40dd-AFC4-6F175D3DCCD1}">
+              <a14:hiddenFill xmlns:a14="http://schemas.microsoft.com/office/drawing/2010/main" xmlns="">
+                <a:solidFill>
+                  <a:srgbClr val="FFFFFF"/>
+                </a:solidFill>
+              </a14:hiddenFill>
+            </a:ext>
+            <a:ext uri="{91240B29-F687-4f45-9708-019B960494DF}">
+              <a14:hiddenLine xmlns:a14="http://schemas.microsoft.com/office/drawing/2010/main" xmlns="" w="9525">
+                <a:solidFill>
+                  <a:srgbClr val="000000"/>
+                </a:solidFill>
+                <a:miter lim="800000"/>
+                <a:headEnd/>
+                <a:tailEnd/>
+              </a14:hiddenLine>
+            </a:ext>
+          </a:extLst>
+        </p:spPr>
+        <p:txBody>
+          <a:bodyPr vert="horz" wrap="square" lIns="143378" tIns="71689" rIns="143378" bIns="71689" numCol="1" anchor="t" anchorCtr="0" compatLnSpc="1">
+            <a:prstTxWarp prst="textNoShape">
+              <a:avLst/>
+            </a:prstTxWarp>
+          </a:bodyPr>
+          <a:lstStyle>
+            <a:lvl1pPr marL="0" indent="0" algn="l" defTabSz="715963" rtl="0" eaLnBrk="0" fontAlgn="base" hangingPunct="0">
+              <a:spcBef>
+                <a:spcPct val="20000"/>
+              </a:spcBef>
+              <a:spcAft>
+                <a:spcPct val="0"/>
+              </a:spcAft>
+              <a:buFont typeface="Arial" charset="0"/>
+              <a:buNone/>
+              <a:defRPr sz="1400" kern="1200">
+                <a:solidFill>
+                  <a:schemeClr val="tx1"/>
+                </a:solidFill>
+                <a:latin typeface="Helvetica Neue"/>
+                <a:ea typeface="Geneva" charset="-128"/>
+                <a:cs typeface="Helvetica Neue"/>
+              </a:defRPr>
+            </a:lvl1pPr>
+            <a:lvl2pPr marL="1163638" indent="-447675" algn="l" defTabSz="715963" rtl="0" eaLnBrk="0" fontAlgn="base" hangingPunct="0">
+              <a:spcBef>
+                <a:spcPct val="20000"/>
+              </a:spcBef>
+              <a:spcAft>
+                <a:spcPct val="0"/>
+              </a:spcAft>
+              <a:buFont typeface="Arial" charset="0"/>
+              <a:buNone/>
+              <a:defRPr sz="1800" kern="1200">
+                <a:solidFill>
+                  <a:schemeClr val="tx1"/>
+                </a:solidFill>
+                <a:latin typeface="Helvetica Neue"/>
+                <a:ea typeface="Geneva" charset="-128"/>
+                <a:cs typeface="Helvetica Neue"/>
+              </a:defRPr>
+            </a:lvl2pPr>
+            <a:lvl3pPr marL="1790700" indent="-357188" algn="l" defTabSz="715963" rtl="0" eaLnBrk="0" fontAlgn="base" hangingPunct="0">
+              <a:spcBef>
+                <a:spcPct val="20000"/>
+              </a:spcBef>
+              <a:spcAft>
+                <a:spcPct val="0"/>
+              </a:spcAft>
+              <a:buFont typeface="Arial" charset="0"/>
+              <a:buNone/>
+              <a:defRPr sz="1800" kern="1200">
+                <a:solidFill>
+                  <a:schemeClr val="tx1"/>
+                </a:solidFill>
+                <a:latin typeface="Helvetica Neue"/>
+                <a:ea typeface="Geneva" charset="-128"/>
+                <a:cs typeface="Helvetica Neue"/>
+              </a:defRPr>
+            </a:lvl3pPr>
+            <a:lvl4pPr marL="2508250" indent="-357188" algn="l" defTabSz="715963" rtl="0" eaLnBrk="0" fontAlgn="base" hangingPunct="0">
+              <a:spcBef>
+                <a:spcPct val="20000"/>
+              </a:spcBef>
+              <a:spcAft>
+                <a:spcPct val="0"/>
+              </a:spcAft>
+              <a:buFont typeface="Arial" charset="0"/>
+              <a:buNone/>
+              <a:defRPr sz="1800" kern="1200">
+                <a:solidFill>
+                  <a:schemeClr val="tx1"/>
+                </a:solidFill>
+                <a:latin typeface="Helvetica Neue"/>
+                <a:ea typeface="Geneva" charset="-128"/>
+                <a:cs typeface="Helvetica Neue"/>
+              </a:defRPr>
+            </a:lvl4pPr>
+            <a:lvl5pPr marL="3225800" indent="-357188" algn="l" defTabSz="715963" rtl="0" eaLnBrk="0" fontAlgn="base" hangingPunct="0">
+              <a:spcBef>
+                <a:spcPct val="20000"/>
+              </a:spcBef>
+              <a:spcAft>
+                <a:spcPct val="0"/>
+              </a:spcAft>
+              <a:buFont typeface="Arial" charset="0"/>
+              <a:buNone/>
+              <a:defRPr sz="1800" kern="1200">
+                <a:solidFill>
+                  <a:schemeClr val="tx1"/>
+                </a:solidFill>
+                <a:latin typeface="Helvetica Neue"/>
+                <a:ea typeface="Geneva" charset="-128"/>
+                <a:cs typeface="Helvetica Neue"/>
+              </a:defRPr>
+            </a:lvl5pPr>
+            <a:lvl6pPr marL="3942893" indent="-358445" algn="l" defTabSz="716890" rtl="0" eaLnBrk="1" latinLnBrk="0" hangingPunct="1">
+              <a:spcBef>
+                <a:spcPct val="20000"/>
+              </a:spcBef>
+              <a:buFont typeface="Arial"/>
+              <a:buChar char="•"/>
+              <a:defRPr sz="3100" kern="1200">
+                <a:solidFill>
+                  <a:schemeClr val="tx1"/>
+                </a:solidFill>
+                <a:latin typeface="+mn-lt"/>
+                <a:ea typeface="+mn-ea"/>
+                <a:cs typeface="+mn-cs"/>
+              </a:defRPr>
+            </a:lvl6pPr>
+            <a:lvl7pPr marL="4659782" indent="-358445" algn="l" defTabSz="716890" rtl="0" eaLnBrk="1" latinLnBrk="0" hangingPunct="1">
+              <a:spcBef>
+                <a:spcPct val="20000"/>
+              </a:spcBef>
+              <a:buFont typeface="Arial"/>
+              <a:buChar char="•"/>
+              <a:defRPr sz="3100" kern="1200">
+                <a:solidFill>
+                  <a:schemeClr val="tx1"/>
+                </a:solidFill>
+                <a:latin typeface="+mn-lt"/>
+                <a:ea typeface="+mn-ea"/>
+                <a:cs typeface="+mn-cs"/>
+              </a:defRPr>
+            </a:lvl7pPr>
+            <a:lvl8pPr marL="5376672" indent="-358445" algn="l" defTabSz="716890" rtl="0" eaLnBrk="1" latinLnBrk="0" hangingPunct="1">
+              <a:spcBef>
+                <a:spcPct val="20000"/>
+              </a:spcBef>
+              <a:buFont typeface="Arial"/>
+              <a:buChar char="•"/>
+              <a:defRPr sz="3100" kern="1200">
+                <a:solidFill>
+                  <a:schemeClr val="tx1"/>
+                </a:solidFill>
+                <a:latin typeface="+mn-lt"/>
+                <a:ea typeface="+mn-ea"/>
+                <a:cs typeface="+mn-cs"/>
+              </a:defRPr>
+            </a:lvl8pPr>
+            <a:lvl9pPr marL="6093562" indent="-358445" algn="l" defTabSz="716890" rtl="0" eaLnBrk="1" latinLnBrk="0" hangingPunct="1">
+              <a:spcBef>
+                <a:spcPct val="20000"/>
+              </a:spcBef>
+              <a:buFont typeface="Arial"/>
+              <a:buChar char="•"/>
+              <a:defRPr sz="3100" kern="1200">
+                <a:solidFill>
+                  <a:schemeClr val="tx1"/>
+                </a:solidFill>
+                <a:latin typeface="+mn-lt"/>
+                <a:ea typeface="+mn-ea"/>
+                <a:cs typeface="+mn-cs"/>
+              </a:defRPr>
+            </a:lvl9pPr>
+          </a:lstStyle>
+          <a:p>
+            <a:pPr marL="0" marR="0" lvl="0" indent="0" algn="l" defTabSz="715963" rtl="0" eaLnBrk="1" fontAlgn="base" latinLnBrk="0" hangingPunct="1">
+              <a:lnSpc>
+                <a:spcPct val="150000"/>
+              </a:lnSpc>
+              <a:spcBef>
+                <a:spcPct val="0"/>
+              </a:spcBef>
+              <a:spcAft>
+                <a:spcPct val="0"/>
+              </a:spcAft>
+              <a:buClrTx/>
+              <a:buSzTx/>
+              <a:buFontTx/>
+              <a:buNone/>
+              <a:tabLst/>
+              <a:defRPr/>
+            </a:pPr>
+            <a:r>
+              <a:rPr kumimoji="0" lang="en-US" sz="1800" b="0" i="0" u="none" strike="noStrike" kern="1200" cap="none" spc="0" normalizeH="0" baseline="0" noProof="0" dirty="0">
+                <a:ln>
+                  <a:noFill/>
+                </a:ln>
+                <a:solidFill>
+                  <a:prstClr val="black"/>
+                </a:solidFill>
+                <a:effectLst/>
+                <a:uLnTx/>
+                <a:uFillTx/>
+                <a:latin typeface="Bodoni MT" charset="0"/>
+                <a:ea typeface="Geneva" charset="-128"/>
+                <a:cs typeface="Helvetica Neue" charset="0"/>
+              </a:rPr>
+              <a:t>What's The Problem ?</a:t>
+            </a:r>
+            <a:endParaRPr lang="en-US" dirty="0">
+              <a:latin typeface="Helvetica Neue" charset="0"/>
+              <a:cs typeface="Helvetica Neue" charset="0"/>
+            </a:endParaRPr>
+          </a:p>
+          <a:p>
+            <a:pPr>
+              <a:lnSpc>
+                <a:spcPct val="150000"/>
+              </a:lnSpc>
+            </a:pPr>
+            <a:r>
+              <a:rPr lang="en-US" dirty="0">
+                <a:latin typeface="Helvetica Neue" charset="0"/>
+                <a:cs typeface="Helvetica Neue" charset="0"/>
+              </a:rPr>
+              <a:t>Traditional Lockboxes:</a:t>
+            </a:r>
+          </a:p>
+          <a:p>
+            <a:pPr marL="285750" indent="-285750">
+              <a:lnSpc>
+                <a:spcPct val="150000"/>
+              </a:lnSpc>
+              <a:buFont typeface="Arial" panose="020B0604020202020204" pitchFamily="34" charset="0"/>
+              <a:buChar char="•"/>
+            </a:pPr>
+            <a:r>
+              <a:rPr lang="en-US" dirty="0">
+                <a:latin typeface="Helvetica Neue" charset="0"/>
+                <a:cs typeface="Helvetica Neue" charset="0"/>
+              </a:rPr>
+              <a:t>Single shared access code → weak security &amp; no accountability.</a:t>
+            </a:r>
+          </a:p>
+          <a:p>
+            <a:pPr marL="285750" indent="-285750">
+              <a:lnSpc>
+                <a:spcPct val="150000"/>
+              </a:lnSpc>
+              <a:buFont typeface="Arial" panose="020B0604020202020204" pitchFamily="34" charset="0"/>
+              <a:buChar char="•"/>
+            </a:pPr>
+            <a:r>
+              <a:rPr lang="en-US" dirty="0">
+                <a:latin typeface="Helvetica Neue" charset="0"/>
+                <a:cs typeface="Helvetica Neue" charset="0"/>
+              </a:rPr>
+              <a:t>Manual logs → unreliable auditing.</a:t>
+            </a:r>
+          </a:p>
+          <a:p>
+            <a:pPr>
+              <a:lnSpc>
+                <a:spcPct val="150000"/>
+              </a:lnSpc>
+            </a:pPr>
+            <a:r>
+              <a:rPr lang="en-US" dirty="0">
+                <a:latin typeface="Helvetica Neue" charset="0"/>
+                <a:cs typeface="Helvetica Neue" charset="0"/>
+              </a:rPr>
+              <a:t>Digital Alternatives:</a:t>
+            </a:r>
+          </a:p>
+          <a:p>
+            <a:pPr marL="285750" indent="-285750">
+              <a:lnSpc>
+                <a:spcPct val="150000"/>
+              </a:lnSpc>
+              <a:buFont typeface="Arial" panose="020B0604020202020204" pitchFamily="34" charset="0"/>
+              <a:buChar char="•"/>
+            </a:pPr>
+            <a:r>
+              <a:rPr lang="en-US" dirty="0">
+                <a:latin typeface="Helvetica Neue" charset="0"/>
+                <a:cs typeface="Helvetica Neue" charset="0"/>
+              </a:rPr>
+              <a:t>Internet-dependent → vulnerable to remote attacks.</a:t>
+            </a:r>
+          </a:p>
+          <a:p>
+            <a:pPr marL="285750" indent="-285750">
+              <a:lnSpc>
+                <a:spcPct val="150000"/>
+              </a:lnSpc>
+              <a:buFont typeface="Arial" panose="020B0604020202020204" pitchFamily="34" charset="0"/>
+              <a:buChar char="•"/>
+            </a:pPr>
+            <a:r>
+              <a:rPr lang="en-US" dirty="0">
+                <a:latin typeface="Helvetica Neue" charset="0"/>
+                <a:cs typeface="Helvetica Neue" charset="0"/>
+              </a:rPr>
+              <a:t>Centralized databases → risk of data modification breaches.</a:t>
+            </a:r>
+          </a:p>
+        </p:txBody>
+      </p:sp>
+      <p:sp>
+        <p:nvSpPr>
+          <p:cNvPr id="13" name="Content Placeholder 7">
+            <a:extLst>
+              <a:ext uri="{FF2B5EF4-FFF2-40B4-BE49-F238E27FC236}">
+                <a16:creationId xmlns:a16="http://schemas.microsoft.com/office/drawing/2014/main" id="{5E4BF189-4B00-CF8E-E703-8BF0156F3969}"/>
+              </a:ext>
+            </a:extLst>
+          </p:cNvPr>
+          <p:cNvSpPr txBox="1">
+            <a:spLocks/>
+          </p:cNvSpPr>
+          <p:nvPr/>
+        </p:nvSpPr>
+        <p:spPr bwMode="auto">
+          <a:xfrm>
+            <a:off x="2606707" y="3736750"/>
+            <a:ext cx="5205134" cy="2597329"/>
+          </a:xfrm>
+          <a:prstGeom prst="rect">
+            <a:avLst/>
+          </a:prstGeom>
+          <a:noFill/>
+          <a:ln w="9525">
+            <a:noFill/>
+            <a:miter lim="800000"/>
+            <a:headEnd/>
+            <a:tailEnd/>
+          </a:ln>
+          <a:extLst>
+            <a:ext uri="{909E8E84-426E-40dd-AFC4-6F175D3DCCD1}">
+              <a14:hiddenFill xmlns:a14="http://schemas.microsoft.com/office/drawing/2010/main" xmlns="">
+                <a:solidFill>
+                  <a:srgbClr val="FFFFFF"/>
+                </a:solidFill>
+              </a14:hiddenFill>
+            </a:ext>
+            <a:ext uri="{91240B29-F687-4f45-9708-019B960494DF}">
+              <a14:hiddenLine xmlns:a14="http://schemas.microsoft.com/office/drawing/2010/main" xmlns="" w="9525">
+                <a:solidFill>
+                  <a:srgbClr val="000000"/>
+                </a:solidFill>
+                <a:miter lim="800000"/>
+                <a:headEnd/>
+                <a:tailEnd/>
+              </a14:hiddenLine>
+            </a:ext>
+          </a:extLst>
+        </p:spPr>
+        <p:txBody>
+          <a:bodyPr vert="horz" wrap="square" lIns="143378" tIns="71689" rIns="143378" bIns="71689" numCol="1" anchor="t" anchorCtr="0" compatLnSpc="1">
+            <a:prstTxWarp prst="textNoShape">
+              <a:avLst/>
+            </a:prstTxWarp>
+          </a:bodyPr>
+          <a:lstStyle>
+            <a:lvl1pPr marL="0" indent="0" algn="l" defTabSz="715963" rtl="0" eaLnBrk="0" fontAlgn="base" hangingPunct="0">
+              <a:spcBef>
+                <a:spcPct val="20000"/>
+              </a:spcBef>
+              <a:spcAft>
+                <a:spcPct val="0"/>
+              </a:spcAft>
+              <a:buFont typeface="Arial" charset="0"/>
+              <a:buNone/>
+              <a:defRPr sz="1400" kern="1200">
+                <a:solidFill>
+                  <a:schemeClr val="tx1"/>
+                </a:solidFill>
+                <a:latin typeface="Helvetica Neue"/>
+                <a:ea typeface="Geneva" charset="-128"/>
+                <a:cs typeface="Helvetica Neue"/>
+              </a:defRPr>
+            </a:lvl1pPr>
+            <a:lvl2pPr marL="1163638" indent="-447675" algn="l" defTabSz="715963" rtl="0" eaLnBrk="0" fontAlgn="base" hangingPunct="0">
+              <a:spcBef>
+                <a:spcPct val="20000"/>
+              </a:spcBef>
+              <a:spcAft>
+                <a:spcPct val="0"/>
+              </a:spcAft>
+              <a:buFont typeface="Arial" charset="0"/>
+              <a:buNone/>
+              <a:defRPr sz="1800" kern="1200">
+                <a:solidFill>
+                  <a:schemeClr val="tx1"/>
+                </a:solidFill>
+                <a:latin typeface="Helvetica Neue"/>
+                <a:ea typeface="Geneva" charset="-128"/>
+                <a:cs typeface="Helvetica Neue"/>
+              </a:defRPr>
+            </a:lvl2pPr>
+            <a:lvl3pPr marL="1790700" indent="-357188" algn="l" defTabSz="715963" rtl="0" eaLnBrk="0" fontAlgn="base" hangingPunct="0">
+              <a:spcBef>
+                <a:spcPct val="20000"/>
+              </a:spcBef>
+              <a:spcAft>
+                <a:spcPct val="0"/>
+              </a:spcAft>
+              <a:buFont typeface="Arial" charset="0"/>
+              <a:buNone/>
+              <a:defRPr sz="1800" kern="1200">
+                <a:solidFill>
+                  <a:schemeClr val="tx1"/>
+                </a:solidFill>
+                <a:latin typeface="Helvetica Neue"/>
+                <a:ea typeface="Geneva" charset="-128"/>
+                <a:cs typeface="Helvetica Neue"/>
+              </a:defRPr>
+            </a:lvl3pPr>
+            <a:lvl4pPr marL="2508250" indent="-357188" algn="l" defTabSz="715963" rtl="0" eaLnBrk="0" fontAlgn="base" hangingPunct="0">
+              <a:spcBef>
+                <a:spcPct val="20000"/>
+              </a:spcBef>
+              <a:spcAft>
+                <a:spcPct val="0"/>
+              </a:spcAft>
+              <a:buFont typeface="Arial" charset="0"/>
+              <a:buNone/>
+              <a:defRPr sz="1800" kern="1200">
+                <a:solidFill>
+                  <a:schemeClr val="tx1"/>
+                </a:solidFill>
+                <a:latin typeface="Helvetica Neue"/>
+                <a:ea typeface="Geneva" charset="-128"/>
+                <a:cs typeface="Helvetica Neue"/>
+              </a:defRPr>
+            </a:lvl4pPr>
+            <a:lvl5pPr marL="3225800" indent="-357188" algn="l" defTabSz="715963" rtl="0" eaLnBrk="0" fontAlgn="base" hangingPunct="0">
+              <a:spcBef>
+                <a:spcPct val="20000"/>
+              </a:spcBef>
+              <a:spcAft>
+                <a:spcPct val="0"/>
+              </a:spcAft>
+              <a:buFont typeface="Arial" charset="0"/>
+              <a:buNone/>
+              <a:defRPr sz="1800" kern="1200">
+                <a:solidFill>
+                  <a:schemeClr val="tx1"/>
+                </a:solidFill>
+                <a:latin typeface="Helvetica Neue"/>
+                <a:ea typeface="Geneva" charset="-128"/>
+                <a:cs typeface="Helvetica Neue"/>
+              </a:defRPr>
+            </a:lvl5pPr>
+            <a:lvl6pPr marL="3942893" indent="-358445" algn="l" defTabSz="716890" rtl="0" eaLnBrk="1" latinLnBrk="0" hangingPunct="1">
+              <a:spcBef>
+                <a:spcPct val="20000"/>
+              </a:spcBef>
+              <a:buFont typeface="Arial"/>
+              <a:buChar char="•"/>
+              <a:defRPr sz="3100" kern="1200">
+                <a:solidFill>
+                  <a:schemeClr val="tx1"/>
+                </a:solidFill>
+                <a:latin typeface="+mn-lt"/>
+                <a:ea typeface="+mn-ea"/>
+                <a:cs typeface="+mn-cs"/>
+              </a:defRPr>
+            </a:lvl6pPr>
+            <a:lvl7pPr marL="4659782" indent="-358445" algn="l" defTabSz="716890" rtl="0" eaLnBrk="1" latinLnBrk="0" hangingPunct="1">
+              <a:spcBef>
+                <a:spcPct val="20000"/>
+              </a:spcBef>
+              <a:buFont typeface="Arial"/>
+              <a:buChar char="•"/>
+              <a:defRPr sz="3100" kern="1200">
+                <a:solidFill>
+                  <a:schemeClr val="tx1"/>
+                </a:solidFill>
+                <a:latin typeface="+mn-lt"/>
+                <a:ea typeface="+mn-ea"/>
+                <a:cs typeface="+mn-cs"/>
+              </a:defRPr>
+            </a:lvl7pPr>
+            <a:lvl8pPr marL="5376672" indent="-358445" algn="l" defTabSz="716890" rtl="0" eaLnBrk="1" latinLnBrk="0" hangingPunct="1">
+              <a:spcBef>
+                <a:spcPct val="20000"/>
+              </a:spcBef>
+              <a:buFont typeface="Arial"/>
+              <a:buChar char="•"/>
+              <a:defRPr sz="3100" kern="1200">
+                <a:solidFill>
+                  <a:schemeClr val="tx1"/>
+                </a:solidFill>
+                <a:latin typeface="+mn-lt"/>
+                <a:ea typeface="+mn-ea"/>
+                <a:cs typeface="+mn-cs"/>
+              </a:defRPr>
+            </a:lvl8pPr>
+            <a:lvl9pPr marL="6093562" indent="-358445" algn="l" defTabSz="716890" rtl="0" eaLnBrk="1" latinLnBrk="0" hangingPunct="1">
+              <a:spcBef>
+                <a:spcPct val="20000"/>
+              </a:spcBef>
+              <a:buFont typeface="Arial"/>
+              <a:buChar char="•"/>
+              <a:defRPr sz="3100" kern="1200">
+                <a:solidFill>
+                  <a:schemeClr val="tx1"/>
+                </a:solidFill>
+                <a:latin typeface="+mn-lt"/>
+                <a:ea typeface="+mn-ea"/>
+                <a:cs typeface="+mn-cs"/>
+              </a:defRPr>
+            </a:lvl9pPr>
+          </a:lstStyle>
+          <a:p>
+            <a:pPr marL="0" marR="0" lvl="0" indent="0" algn="l" defTabSz="715963" rtl="0" eaLnBrk="1" fontAlgn="base" latinLnBrk="0" hangingPunct="1">
+              <a:lnSpc>
+                <a:spcPct val="150000"/>
+              </a:lnSpc>
+              <a:spcBef>
+                <a:spcPct val="0"/>
+              </a:spcBef>
+              <a:spcAft>
+                <a:spcPct val="0"/>
+              </a:spcAft>
+              <a:buClrTx/>
+              <a:buSzTx/>
+              <a:buFontTx/>
+              <a:buNone/>
+              <a:tabLst/>
+              <a:defRPr/>
+            </a:pPr>
+            <a:r>
+              <a:rPr kumimoji="0" lang="en-US" sz="1800" b="0" i="0" u="none" strike="noStrike" kern="1200" cap="none" spc="0" normalizeH="0" baseline="0" noProof="0" dirty="0">
+                <a:ln>
+                  <a:noFill/>
+                </a:ln>
+                <a:solidFill>
+                  <a:prstClr val="black"/>
+                </a:solidFill>
+                <a:effectLst/>
+                <a:uLnTx/>
+                <a:uFillTx/>
+                <a:latin typeface="Bodoni MT" charset="0"/>
+                <a:ea typeface="Geneva" charset="-128"/>
+                <a:cs typeface="Helvetica Neue" charset="0"/>
+              </a:rPr>
+              <a:t>What’s Our Solution ?</a:t>
+            </a:r>
+            <a:endParaRPr lang="en-US" dirty="0">
+              <a:latin typeface="Arial" charset="0"/>
+              <a:cs typeface="Arial" charset="0"/>
+            </a:endParaRPr>
+          </a:p>
+          <a:p>
+            <a:pPr>
+              <a:lnSpc>
+                <a:spcPct val="150000"/>
+              </a:lnSpc>
+            </a:pPr>
+            <a:r>
+              <a:rPr lang="en-US" dirty="0">
+                <a:latin typeface="Helvetica Neue" charset="0"/>
+                <a:cs typeface="Helvetica Neue" charset="0"/>
+              </a:rPr>
+              <a:t>BlowChain proposes an advanced digital lockbox, combining environmental sensing, offline architecture, and blockchain based accountability to remove user error from lockbox security.</a:t>
+            </a:r>
+          </a:p>
+          <a:p>
+            <a:endParaRPr lang="en-US" dirty="0">
+              <a:latin typeface="Helvetica Neue" charset="0"/>
+              <a:cs typeface="Helvetica Neue" charset="0"/>
+            </a:endParaRPr>
+          </a:p>
+        </p:txBody>
+      </p:sp>
+      <p:sp>
+        <p:nvSpPr>
+          <p:cNvPr id="14" name="Content Placeholder 7">
+            <a:extLst>
+              <a:ext uri="{FF2B5EF4-FFF2-40B4-BE49-F238E27FC236}">
+                <a16:creationId xmlns:a16="http://schemas.microsoft.com/office/drawing/2014/main" id="{814D4FE1-5BDC-1878-0C4A-72112F678161}"/>
+              </a:ext>
+            </a:extLst>
+          </p:cNvPr>
+          <p:cNvSpPr txBox="1">
+            <a:spLocks/>
+          </p:cNvSpPr>
+          <p:nvPr/>
+        </p:nvSpPr>
+        <p:spPr bwMode="auto">
+          <a:xfrm>
+            <a:off x="-17233" y="6512310"/>
+            <a:ext cx="2824178" cy="4218525"/>
+          </a:xfrm>
+          <a:prstGeom prst="rect">
+            <a:avLst/>
+          </a:prstGeom>
+          <a:noFill/>
+          <a:ln w="9525">
+            <a:noFill/>
+            <a:miter lim="800000"/>
+            <a:headEnd/>
+            <a:tailEnd/>
+          </a:ln>
+          <a:extLst>
+            <a:ext uri="{909E8E84-426E-40dd-AFC4-6F175D3DCCD1}">
+              <a14:hiddenFill xmlns:a14="http://schemas.microsoft.com/office/drawing/2010/main" xmlns="">
+                <a:solidFill>
+                  <a:srgbClr val="FFFFFF"/>
+                </a:solidFill>
+              </a14:hiddenFill>
+            </a:ext>
+            <a:ext uri="{91240B29-F687-4f45-9708-019B960494DF}">
+              <a14:hiddenLine xmlns:a14="http://schemas.microsoft.com/office/drawing/2010/main" xmlns="" w="9525">
+                <a:solidFill>
+                  <a:srgbClr val="000000"/>
+                </a:solidFill>
+                <a:miter lim="800000"/>
+                <a:headEnd/>
+                <a:tailEnd/>
+              </a14:hiddenLine>
+            </a:ext>
+          </a:extLst>
+        </p:spPr>
+        <p:txBody>
+          <a:bodyPr vert="horz" wrap="square" lIns="143378" tIns="71689" rIns="143378" bIns="71689" numCol="1" anchor="t" anchorCtr="0" compatLnSpc="1">
+            <a:prstTxWarp prst="textNoShape">
+              <a:avLst/>
+            </a:prstTxWarp>
+          </a:bodyPr>
+          <a:lstStyle>
+            <a:lvl1pPr marL="0" indent="0" algn="l" defTabSz="715963" rtl="0" eaLnBrk="0" fontAlgn="base" hangingPunct="0">
+              <a:spcBef>
+                <a:spcPct val="20000"/>
+              </a:spcBef>
+              <a:spcAft>
+                <a:spcPct val="0"/>
+              </a:spcAft>
+              <a:buFont typeface="Arial" charset="0"/>
+              <a:buNone/>
+              <a:defRPr sz="1400" kern="1200">
+                <a:solidFill>
+                  <a:schemeClr val="tx1"/>
+                </a:solidFill>
+                <a:latin typeface="Helvetica Neue"/>
+                <a:ea typeface="Geneva" charset="-128"/>
+                <a:cs typeface="Helvetica Neue"/>
+              </a:defRPr>
+            </a:lvl1pPr>
+            <a:lvl2pPr marL="1163638" indent="-447675" algn="l" defTabSz="715963" rtl="0" eaLnBrk="0" fontAlgn="base" hangingPunct="0">
+              <a:spcBef>
+                <a:spcPct val="20000"/>
+              </a:spcBef>
+              <a:spcAft>
+                <a:spcPct val="0"/>
+              </a:spcAft>
+              <a:buFont typeface="Arial" charset="0"/>
+              <a:buNone/>
+              <a:defRPr sz="1800" kern="1200">
+                <a:solidFill>
+                  <a:schemeClr val="tx1"/>
+                </a:solidFill>
+                <a:latin typeface="Helvetica Neue"/>
+                <a:ea typeface="Geneva" charset="-128"/>
+                <a:cs typeface="Helvetica Neue"/>
+              </a:defRPr>
+            </a:lvl2pPr>
+            <a:lvl3pPr marL="1790700" indent="-357188" algn="l" defTabSz="715963" rtl="0" eaLnBrk="0" fontAlgn="base" hangingPunct="0">
+              <a:spcBef>
+                <a:spcPct val="20000"/>
+              </a:spcBef>
+              <a:spcAft>
+                <a:spcPct val="0"/>
+              </a:spcAft>
+              <a:buFont typeface="Arial" charset="0"/>
+              <a:buNone/>
+              <a:defRPr sz="1800" kern="1200">
+                <a:solidFill>
+                  <a:schemeClr val="tx1"/>
+                </a:solidFill>
+                <a:latin typeface="Helvetica Neue"/>
+                <a:ea typeface="Geneva" charset="-128"/>
+                <a:cs typeface="Helvetica Neue"/>
+              </a:defRPr>
+            </a:lvl3pPr>
+            <a:lvl4pPr marL="2508250" indent="-357188" algn="l" defTabSz="715963" rtl="0" eaLnBrk="0" fontAlgn="base" hangingPunct="0">
+              <a:spcBef>
+                <a:spcPct val="20000"/>
+              </a:spcBef>
+              <a:spcAft>
+                <a:spcPct val="0"/>
+              </a:spcAft>
+              <a:buFont typeface="Arial" charset="0"/>
+              <a:buNone/>
+              <a:defRPr sz="1800" kern="1200">
+                <a:solidFill>
+                  <a:schemeClr val="tx1"/>
+                </a:solidFill>
+                <a:latin typeface="Helvetica Neue"/>
+                <a:ea typeface="Geneva" charset="-128"/>
+                <a:cs typeface="Helvetica Neue"/>
+              </a:defRPr>
+            </a:lvl4pPr>
+            <a:lvl5pPr marL="3225800" indent="-357188" algn="l" defTabSz="715963" rtl="0" eaLnBrk="0" fontAlgn="base" hangingPunct="0">
+              <a:spcBef>
+                <a:spcPct val="20000"/>
+              </a:spcBef>
+              <a:spcAft>
+                <a:spcPct val="0"/>
+              </a:spcAft>
+              <a:buFont typeface="Arial" charset="0"/>
+              <a:buNone/>
+              <a:defRPr sz="1800" kern="1200">
+                <a:solidFill>
+                  <a:schemeClr val="tx1"/>
+                </a:solidFill>
+                <a:latin typeface="Helvetica Neue"/>
+                <a:ea typeface="Geneva" charset="-128"/>
+                <a:cs typeface="Helvetica Neue"/>
+              </a:defRPr>
+            </a:lvl5pPr>
+            <a:lvl6pPr marL="3942893" indent="-358445" algn="l" defTabSz="716890" rtl="0" eaLnBrk="1" latinLnBrk="0" hangingPunct="1">
+              <a:spcBef>
+                <a:spcPct val="20000"/>
+              </a:spcBef>
+              <a:buFont typeface="Arial"/>
+              <a:buChar char="•"/>
+              <a:defRPr sz="3100" kern="1200">
+                <a:solidFill>
+                  <a:schemeClr val="tx1"/>
+                </a:solidFill>
+                <a:latin typeface="+mn-lt"/>
+                <a:ea typeface="+mn-ea"/>
+                <a:cs typeface="+mn-cs"/>
+              </a:defRPr>
+            </a:lvl6pPr>
+            <a:lvl7pPr marL="4659782" indent="-358445" algn="l" defTabSz="716890" rtl="0" eaLnBrk="1" latinLnBrk="0" hangingPunct="1">
+              <a:spcBef>
+                <a:spcPct val="20000"/>
+              </a:spcBef>
+              <a:buFont typeface="Arial"/>
+              <a:buChar char="•"/>
+              <a:defRPr sz="3100" kern="1200">
+                <a:solidFill>
+                  <a:schemeClr val="tx1"/>
+                </a:solidFill>
+                <a:latin typeface="+mn-lt"/>
+                <a:ea typeface="+mn-ea"/>
+                <a:cs typeface="+mn-cs"/>
+              </a:defRPr>
+            </a:lvl7pPr>
+            <a:lvl8pPr marL="5376672" indent="-358445" algn="l" defTabSz="716890" rtl="0" eaLnBrk="1" latinLnBrk="0" hangingPunct="1">
+              <a:spcBef>
+                <a:spcPct val="20000"/>
+              </a:spcBef>
+              <a:buFont typeface="Arial"/>
+              <a:buChar char="•"/>
+              <a:defRPr sz="3100" kern="1200">
+                <a:solidFill>
+                  <a:schemeClr val="tx1"/>
+                </a:solidFill>
+                <a:latin typeface="+mn-lt"/>
+                <a:ea typeface="+mn-ea"/>
+                <a:cs typeface="+mn-cs"/>
+              </a:defRPr>
+            </a:lvl8pPr>
+            <a:lvl9pPr marL="6093562" indent="-358445" algn="l" defTabSz="716890" rtl="0" eaLnBrk="1" latinLnBrk="0" hangingPunct="1">
+              <a:spcBef>
+                <a:spcPct val="20000"/>
+              </a:spcBef>
+              <a:buFont typeface="Arial"/>
+              <a:buChar char="•"/>
+              <a:defRPr sz="3100" kern="1200">
+                <a:solidFill>
+                  <a:schemeClr val="tx1"/>
+                </a:solidFill>
+                <a:latin typeface="+mn-lt"/>
+                <a:ea typeface="+mn-ea"/>
+                <a:cs typeface="+mn-cs"/>
+              </a:defRPr>
+            </a:lvl9pPr>
+          </a:lstStyle>
+          <a:p>
+            <a:pPr marL="0" marR="0" lvl="0" indent="0" algn="l" defTabSz="715963" rtl="0" eaLnBrk="1" fontAlgn="base" latinLnBrk="0" hangingPunct="1">
+              <a:lnSpc>
+                <a:spcPct val="150000"/>
+              </a:lnSpc>
+              <a:spcBef>
+                <a:spcPct val="0"/>
+              </a:spcBef>
+              <a:spcAft>
+                <a:spcPct val="0"/>
+              </a:spcAft>
+              <a:buClrTx/>
+              <a:buSzTx/>
+              <a:buFontTx/>
+              <a:buNone/>
+              <a:tabLst/>
+              <a:defRPr/>
+            </a:pPr>
+            <a:r>
+              <a:rPr kumimoji="0" lang="en-US" sz="1800" b="0" i="0" u="none" strike="noStrike" kern="1200" cap="none" spc="0" normalizeH="0" baseline="0" noProof="0" dirty="0">
+                <a:ln>
+                  <a:noFill/>
+                </a:ln>
+                <a:solidFill>
+                  <a:prstClr val="black"/>
+                </a:solidFill>
+                <a:effectLst/>
+                <a:uLnTx/>
+                <a:uFillTx/>
+                <a:latin typeface="Bodoni MT" charset="0"/>
+                <a:ea typeface="Geneva" charset="-128"/>
+                <a:cs typeface="Helvetica Neue" charset="0"/>
+              </a:rPr>
+              <a:t>Who Needs It ?</a:t>
+            </a:r>
+            <a:endParaRPr lang="en-US" sz="3600" dirty="0">
+              <a:latin typeface="Arial" charset="0"/>
+              <a:cs typeface="Arial" charset="0"/>
+            </a:endParaRPr>
+          </a:p>
+          <a:p>
+            <a:pPr marL="285750" indent="-285750">
+              <a:lnSpc>
+                <a:spcPct val="150000"/>
+              </a:lnSpc>
+              <a:buFont typeface="Arial" panose="020B0604020202020204" pitchFamily="34" charset="0"/>
+              <a:buChar char="•"/>
+            </a:pPr>
+            <a:r>
+              <a:rPr lang="en-US" dirty="0">
+                <a:latin typeface="Helvetica Neue" charset="0"/>
+                <a:cs typeface="Helvetica Neue" charset="0"/>
+              </a:rPr>
+              <a:t>Real estate (secure property showings).</a:t>
+            </a:r>
+          </a:p>
+          <a:p>
+            <a:pPr marL="285750" indent="-285750">
+              <a:lnSpc>
+                <a:spcPct val="150000"/>
+              </a:lnSpc>
+              <a:buFont typeface="Arial" panose="020B0604020202020204" pitchFamily="34" charset="0"/>
+              <a:buChar char="•"/>
+            </a:pPr>
+            <a:r>
+              <a:rPr lang="en-US" dirty="0">
+                <a:latin typeface="Helvetica Neue" charset="0"/>
+                <a:cs typeface="Helvetica Neue" charset="0"/>
+              </a:rPr>
+              <a:t>Rental units (self-check-in with logs).</a:t>
+            </a:r>
+          </a:p>
+          <a:p>
+            <a:pPr marL="285750" indent="-285750">
+              <a:lnSpc>
+                <a:spcPct val="150000"/>
+              </a:lnSpc>
+              <a:buFont typeface="Arial" panose="020B0604020202020204" pitchFamily="34" charset="0"/>
+              <a:buChar char="•"/>
+            </a:pPr>
+            <a:r>
+              <a:rPr lang="en-US" dirty="0">
+                <a:latin typeface="Helvetica Neue" charset="0"/>
+                <a:cs typeface="Helvetica Neue" charset="0"/>
+              </a:rPr>
+              <a:t>Shared facilities (granular access control).</a:t>
+            </a:r>
+          </a:p>
+          <a:p>
+            <a:pPr marL="285750" indent="-285750">
+              <a:lnSpc>
+                <a:spcPct val="150000"/>
+              </a:lnSpc>
+              <a:buFont typeface="Arial" panose="020B0604020202020204" pitchFamily="34" charset="0"/>
+              <a:buChar char="•"/>
+            </a:pPr>
+            <a:r>
+              <a:rPr lang="en-US" dirty="0">
+                <a:latin typeface="Helvetica Neue" charset="0"/>
+                <a:cs typeface="Helvetica Neue" charset="0"/>
+              </a:rPr>
+              <a:t>Companies that create or access intellectual property that needs to be stored.</a:t>
+            </a:r>
+          </a:p>
+        </p:txBody>
+      </p:sp>
+      <p:graphicFrame>
+        <p:nvGraphicFramePr>
+          <p:cNvPr id="15" name="Table 14">
+            <a:extLst>
+              <a:ext uri="{FF2B5EF4-FFF2-40B4-BE49-F238E27FC236}">
+                <a16:creationId xmlns:a16="http://schemas.microsoft.com/office/drawing/2014/main" id="{B2F95632-419D-B515-C532-58BAEB8251C8}"/>
+              </a:ext>
+            </a:extLst>
+          </p:cNvPr>
+          <p:cNvGraphicFramePr>
+            <a:graphicFrameLocks noGrp="1"/>
+          </p:cNvGraphicFramePr>
+          <p:nvPr/>
+        </p:nvGraphicFramePr>
+        <p:xfrm>
+          <a:off x="7679801" y="1234753"/>
+          <a:ext cx="3012883" cy="8967739"/>
+        </p:xfrm>
+        <a:graphic>
+          <a:graphicData uri="http://schemas.openxmlformats.org/drawingml/2006/table">
+            <a:tbl>
+              <a:tblPr firstRow="1" bandRow="1">
+                <a:tableStyleId>{69012ECD-51FC-41F1-AA8D-1B2483CD663E}</a:tableStyleId>
+              </a:tblPr>
+              <a:tblGrid>
+                <a:gridCol w="1591229">
+                  <a:extLst>
+                    <a:ext uri="{9D8B030D-6E8A-4147-A177-3AD203B41FA5}">
+                      <a16:colId xmlns:a16="http://schemas.microsoft.com/office/drawing/2014/main" val="2063823472"/>
+                    </a:ext>
+                  </a:extLst>
+                </a:gridCol>
+                <a:gridCol w="1421654">
+                  <a:extLst>
+                    <a:ext uri="{9D8B030D-6E8A-4147-A177-3AD203B41FA5}">
+                      <a16:colId xmlns:a16="http://schemas.microsoft.com/office/drawing/2014/main" val="1522963484"/>
+                    </a:ext>
+                  </a:extLst>
+                </a:gridCol>
+              </a:tblGrid>
+              <a:tr h="646416">
+                <a:tc>
+                  <a:txBody>
+                    <a:bodyPr/>
+                    <a:lstStyle/>
+                    <a:p>
+                      <a:pPr algn="l">
+                        <a:lnSpc>
+                          <a:spcPct val="100000"/>
+                        </a:lnSpc>
+                      </a:pPr>
+                      <a:r>
+                        <a:rPr lang="en-AU" sz="1600" b="1" kern="1200" dirty="0">
+                          <a:solidFill>
+                            <a:schemeClr val="lt1"/>
+                          </a:solidFill>
+                          <a:effectLst/>
+                        </a:rPr>
+                        <a:t>Feature</a:t>
+                      </a:r>
+                      <a:endParaRPr lang="en-AU" sz="1600" dirty="0"/>
+                    </a:p>
+                  </a:txBody>
+                  <a:tcPr anchor="ctr">
+                    <a:lnR w="12700" cap="flat" cmpd="sng" algn="ctr">
+                      <a:solidFill>
+                        <a:schemeClr val="tx1"/>
+                      </a:solidFill>
+                      <a:prstDash val="solid"/>
+                      <a:round/>
+                      <a:headEnd type="none" w="med" len="med"/>
+                      <a:tailEnd type="none" w="med" len="med"/>
+                    </a:lnR>
+                  </a:tcPr>
+                </a:tc>
+                <a:tc>
+                  <a:txBody>
+                    <a:bodyPr/>
+                    <a:lstStyle/>
+                    <a:p>
+                      <a:pPr algn="l">
+                        <a:lnSpc>
+                          <a:spcPct val="100000"/>
+                        </a:lnSpc>
+                      </a:pPr>
+                      <a:r>
+                        <a:rPr lang="en-AU" sz="1600" b="1" kern="1200" dirty="0">
+                          <a:solidFill>
+                            <a:schemeClr val="lt1"/>
+                          </a:solidFill>
+                          <a:effectLst/>
+                        </a:rPr>
+                        <a:t>Benefit</a:t>
+                      </a:r>
+                      <a:endParaRPr lang="en-AU" sz="1600" dirty="0"/>
+                    </a:p>
+                  </a:txBody>
+                  <a:tcPr anchor="ctr">
+                    <a:lnL w="12700" cap="flat" cmpd="sng" algn="ctr">
+                      <a:solidFill>
+                        <a:schemeClr val="tx1"/>
+                      </a:solidFill>
+                      <a:prstDash val="solid"/>
+                      <a:round/>
+                      <a:headEnd type="none" w="med" len="med"/>
+                      <a:tailEnd type="none" w="med" len="med"/>
+                    </a:lnL>
+                  </a:tcPr>
+                </a:tc>
+                <a:extLst>
+                  <a:ext uri="{0D108BD9-81ED-4DB2-BD59-A6C34878D82A}">
+                    <a16:rowId xmlns:a16="http://schemas.microsoft.com/office/drawing/2014/main" val="2569739377"/>
+                  </a:ext>
+                </a:extLst>
+              </a:tr>
+              <a:tr h="1814432">
+                <a:tc>
+                  <a:txBody>
+                    <a:bodyPr/>
+                    <a:lstStyle/>
+                    <a:p>
+                      <a:pPr algn="l">
+                        <a:lnSpc>
+                          <a:spcPct val="100000"/>
+                        </a:lnSpc>
+                      </a:pPr>
+                      <a:r>
+                        <a:rPr lang="en-AU" sz="1600" b="1" kern="1200" dirty="0">
+                          <a:solidFill>
+                            <a:schemeClr val="dk1"/>
+                          </a:solidFill>
+                          <a:effectLst/>
+                        </a:rPr>
+                        <a:t>Human Presence Detection</a:t>
+                      </a:r>
+                      <a:br>
+                        <a:rPr lang="en-AU" sz="1600" dirty="0"/>
+                      </a:br>
+                      <a:r>
+                        <a:rPr lang="en-AU" sz="1600" b="0" kern="1200" dirty="0">
+                          <a:solidFill>
+                            <a:schemeClr val="dk1"/>
+                          </a:solidFill>
+                          <a:effectLst/>
+                        </a:rPr>
+                        <a:t>(CO₂ + particle sensors)</a:t>
+                      </a:r>
+                      <a:endParaRPr lang="en-AU" sz="1600" dirty="0"/>
+                    </a:p>
+                  </a:txBody>
+                  <a:tcPr anchor="ctr">
+                    <a:lnR w="12700" cap="flat" cmpd="sng" algn="ctr">
+                      <a:solidFill>
+                        <a:schemeClr val="tx1"/>
+                      </a:solidFill>
+                      <a:prstDash val="solid"/>
+                      <a:round/>
+                      <a:headEnd type="none" w="med" len="med"/>
+                      <a:tailEnd type="none" w="med" len="med"/>
+                    </a:lnR>
+                  </a:tcPr>
+                </a:tc>
+                <a:tc>
+                  <a:txBody>
+                    <a:bodyPr/>
+                    <a:lstStyle/>
+                    <a:p>
+                      <a:pPr algn="l">
+                        <a:lnSpc>
+                          <a:spcPct val="100000"/>
+                        </a:lnSpc>
+                      </a:pPr>
+                      <a:r>
+                        <a:rPr lang="en-US" sz="1600" dirty="0">
+                          <a:effectLst/>
+                        </a:rPr>
+                        <a:t>Prevents spoofing by verifying access attempt is by a human.</a:t>
+                      </a:r>
+                    </a:p>
+                  </a:txBody>
+                  <a:tcPr marL="123825" marR="123825" marT="57150" marB="57150" anchor="ctr">
+                    <a:lnL w="12700" cap="flat" cmpd="sng" algn="ctr">
+                      <a:solidFill>
+                        <a:schemeClr val="tx1"/>
+                      </a:solidFill>
+                      <a:prstDash val="solid"/>
+                      <a:round/>
+                      <a:headEnd type="none" w="med" len="med"/>
+                      <a:tailEnd type="none" w="med" len="med"/>
+                    </a:lnL>
+                  </a:tcPr>
+                </a:tc>
+                <a:extLst>
+                  <a:ext uri="{0D108BD9-81ED-4DB2-BD59-A6C34878D82A}">
+                    <a16:rowId xmlns:a16="http://schemas.microsoft.com/office/drawing/2014/main" val="1490514185"/>
+                  </a:ext>
+                </a:extLst>
+              </a:tr>
+              <a:tr h="1139722">
+                <a:tc>
+                  <a:txBody>
+                    <a:bodyPr/>
+                    <a:lstStyle/>
+                    <a:p>
+                      <a:pPr algn="l">
+                        <a:lnSpc>
+                          <a:spcPct val="100000"/>
+                        </a:lnSpc>
+                      </a:pPr>
+                      <a:r>
+                        <a:rPr lang="en-AU" sz="1600" b="1" dirty="0">
+                          <a:effectLst/>
+                        </a:rPr>
+                        <a:t>Blockchain Immutable Logs</a:t>
+                      </a:r>
+                      <a:endParaRPr lang="en-AU" sz="1600" dirty="0">
+                        <a:effectLst/>
+                      </a:endParaRPr>
+                    </a:p>
+                  </a:txBody>
+                  <a:tcPr marL="123825" marR="123825" marT="57150" marB="57150" anchor="ctr">
+                    <a:lnR w="12700" cap="flat" cmpd="sng" algn="ctr">
+                      <a:solidFill>
+                        <a:schemeClr val="tx1"/>
+                      </a:solidFill>
+                      <a:prstDash val="solid"/>
+                      <a:round/>
+                      <a:headEnd type="none" w="med" len="med"/>
+                      <a:tailEnd type="none" w="med" len="med"/>
+                    </a:lnR>
+                  </a:tcPr>
+                </a:tc>
+                <a:tc>
+                  <a:txBody>
+                    <a:bodyPr/>
+                    <a:lstStyle/>
+                    <a:p>
+                      <a:pPr algn="l">
+                        <a:lnSpc>
+                          <a:spcPct val="100000"/>
+                        </a:lnSpc>
+                      </a:pPr>
+                      <a:r>
+                        <a:rPr lang="en-US" sz="1600" dirty="0">
+                          <a:effectLst/>
+                        </a:rPr>
+                        <a:t>Tamper-proof record of all events.</a:t>
+                      </a:r>
+                    </a:p>
+                  </a:txBody>
+                  <a:tcPr marL="123825" marR="123825" marT="57150" marB="57150" anchor="ctr">
+                    <a:lnL w="12700" cap="flat" cmpd="sng" algn="ctr">
+                      <a:solidFill>
+                        <a:schemeClr val="tx1"/>
+                      </a:solidFill>
+                      <a:prstDash val="solid"/>
+                      <a:round/>
+                      <a:headEnd type="none" w="med" len="med"/>
+                      <a:tailEnd type="none" w="med" len="med"/>
+                    </a:lnL>
+                  </a:tcPr>
+                </a:tc>
+                <a:extLst>
+                  <a:ext uri="{0D108BD9-81ED-4DB2-BD59-A6C34878D82A}">
+                    <a16:rowId xmlns:a16="http://schemas.microsoft.com/office/drawing/2014/main" val="2186911723"/>
+                  </a:ext>
+                </a:extLst>
+              </a:tr>
+              <a:tr h="2220459">
+                <a:tc>
+                  <a:txBody>
+                    <a:bodyPr/>
+                    <a:lstStyle/>
+                    <a:p>
+                      <a:pPr marL="0" marR="0" lvl="0" indent="0" algn="l" defTabSz="716890" rtl="0" eaLnBrk="1" fontAlgn="auto" latinLnBrk="0" hangingPunct="1">
+                        <a:lnSpc>
+                          <a:spcPct val="100000"/>
+                        </a:lnSpc>
+                        <a:spcBef>
+                          <a:spcPts val="0"/>
+                        </a:spcBef>
+                        <a:spcAft>
+                          <a:spcPts val="0"/>
+                        </a:spcAft>
+                        <a:buClrTx/>
+                        <a:buSzTx/>
+                        <a:buFontTx/>
+                        <a:buNone/>
+                        <a:tabLst/>
+                        <a:defRPr/>
+                      </a:pPr>
+                      <a:r>
+                        <a:rPr lang="en-US" sz="1600" b="1" kern="1200" dirty="0">
+                          <a:solidFill>
+                            <a:schemeClr val="dk1"/>
+                          </a:solidFill>
+                          <a:effectLst/>
+                        </a:rPr>
+                        <a:t>Dynamic Access Tokens</a:t>
+                      </a:r>
+                      <a:br>
+                        <a:rPr lang="en-US" sz="1600" dirty="0"/>
+                      </a:br>
+                      <a:r>
+                        <a:rPr lang="en-US" sz="1600" b="0" kern="1200" dirty="0">
+                          <a:solidFill>
+                            <a:schemeClr val="dk1"/>
+                          </a:solidFill>
+                          <a:effectLst/>
+                        </a:rPr>
+                        <a:t>(NFT-based credentials)</a:t>
+                      </a:r>
+                      <a:endParaRPr lang="en-AU" sz="1600" dirty="0"/>
+                    </a:p>
+                    <a:p>
+                      <a:pPr algn="l">
+                        <a:lnSpc>
+                          <a:spcPct val="100000"/>
+                        </a:lnSpc>
+                      </a:pPr>
+                      <a:endParaRPr lang="en-AU" sz="1600" dirty="0"/>
+                    </a:p>
+                  </a:txBody>
+                  <a:tcPr anchor="ctr">
+                    <a:lnR w="12700" cap="flat" cmpd="sng" algn="ctr">
+                      <a:solidFill>
+                        <a:schemeClr val="tx1"/>
+                      </a:solidFill>
+                      <a:prstDash val="solid"/>
+                      <a:round/>
+                      <a:headEnd type="none" w="med" len="med"/>
+                      <a:tailEnd type="none" w="med" len="med"/>
+                    </a:lnR>
+                  </a:tcPr>
+                </a:tc>
+                <a:tc>
+                  <a:txBody>
+                    <a:bodyPr/>
+                    <a:lstStyle/>
+                    <a:p>
+                      <a:pPr marL="0" marR="0" lvl="0" indent="0" algn="l" defTabSz="716890" rtl="0" eaLnBrk="1" fontAlgn="auto" latinLnBrk="0" hangingPunct="1">
+                        <a:lnSpc>
+                          <a:spcPct val="100000"/>
+                        </a:lnSpc>
+                        <a:spcBef>
+                          <a:spcPts val="0"/>
+                        </a:spcBef>
+                        <a:spcAft>
+                          <a:spcPts val="0"/>
+                        </a:spcAft>
+                        <a:buClrTx/>
+                        <a:buSzTx/>
+                        <a:buFontTx/>
+                        <a:buNone/>
+                        <a:tabLst/>
+                        <a:defRPr/>
+                      </a:pPr>
+                      <a:r>
+                        <a:rPr lang="en-US" sz="1600" b="0" kern="1200" dirty="0">
+                          <a:solidFill>
+                            <a:schemeClr val="dk1"/>
+                          </a:solidFill>
+                          <a:effectLst/>
+                        </a:rPr>
+                        <a:t>Time-bound, revocable permissions per user (no static codes).</a:t>
+                      </a:r>
+                      <a:endParaRPr lang="en-AU" sz="1600" dirty="0">
+                        <a:effectLst/>
+                      </a:endParaRPr>
+                    </a:p>
+                    <a:p>
+                      <a:pPr algn="l">
+                        <a:lnSpc>
+                          <a:spcPct val="100000"/>
+                        </a:lnSpc>
+                      </a:pPr>
+                      <a:endParaRPr lang="en-AU" sz="1600" dirty="0">
+                        <a:effectLst/>
+                      </a:endParaRPr>
+                    </a:p>
+                  </a:txBody>
+                  <a:tcPr marL="123825" marR="123825" marT="57150" marB="57150" anchor="ctr">
+                    <a:lnL w="12700" cap="flat" cmpd="sng" algn="ctr">
+                      <a:solidFill>
+                        <a:schemeClr val="tx1"/>
+                      </a:solidFill>
+                      <a:prstDash val="solid"/>
+                      <a:round/>
+                      <a:headEnd type="none" w="med" len="med"/>
+                      <a:tailEnd type="none" w="med" len="med"/>
+                    </a:lnL>
+                  </a:tcPr>
+                </a:tc>
+                <a:extLst>
+                  <a:ext uri="{0D108BD9-81ED-4DB2-BD59-A6C34878D82A}">
+                    <a16:rowId xmlns:a16="http://schemas.microsoft.com/office/drawing/2014/main" val="2025755874"/>
+                  </a:ext>
+                </a:extLst>
+              </a:tr>
+              <a:tr h="1370342">
+                <a:tc>
+                  <a:txBody>
+                    <a:bodyPr/>
+                    <a:lstStyle/>
+                    <a:p>
+                      <a:pPr algn="l">
+                        <a:lnSpc>
+                          <a:spcPct val="100000"/>
+                        </a:lnSpc>
+                      </a:pPr>
+                      <a:r>
+                        <a:rPr lang="en-AU" sz="1600" b="1" kern="1200" dirty="0">
+                          <a:solidFill>
+                            <a:schemeClr val="dk1"/>
+                          </a:solidFill>
+                          <a:effectLst/>
+                        </a:rPr>
+                        <a:t>Tamper Detection</a:t>
+                      </a:r>
+                      <a:br>
+                        <a:rPr lang="en-AU" sz="1600" dirty="0"/>
+                      </a:br>
+                      <a:r>
+                        <a:rPr lang="en-AU" sz="1600" b="0" kern="1200" dirty="0">
+                          <a:solidFill>
+                            <a:schemeClr val="dk1"/>
+                          </a:solidFill>
+                          <a:effectLst/>
+                        </a:rPr>
+                        <a:t>(Magnetometer trigger)</a:t>
+                      </a:r>
+                      <a:endParaRPr lang="en-AU" sz="1600" dirty="0"/>
+                    </a:p>
+                  </a:txBody>
+                  <a:tcPr anchor="ctr">
+                    <a:lnR w="12700" cap="flat" cmpd="sng" algn="ctr">
+                      <a:solidFill>
+                        <a:schemeClr val="tx1"/>
+                      </a:solidFill>
+                      <a:prstDash val="solid"/>
+                      <a:round/>
+                      <a:headEnd type="none" w="med" len="med"/>
+                      <a:tailEnd type="none" w="med" len="med"/>
+                    </a:lnR>
+                  </a:tcPr>
+                </a:tc>
+                <a:tc>
+                  <a:txBody>
+                    <a:bodyPr/>
+                    <a:lstStyle/>
+                    <a:p>
+                      <a:pPr algn="l">
+                        <a:lnSpc>
+                          <a:spcPct val="100000"/>
+                        </a:lnSpc>
+                      </a:pPr>
+                      <a:r>
+                        <a:rPr lang="en-US" sz="1600" b="0" kern="1200" dirty="0">
+                          <a:solidFill>
+                            <a:schemeClr val="dk1"/>
+                          </a:solidFill>
+                          <a:effectLst/>
+                        </a:rPr>
+                        <a:t>Alerts + logs forced entry attempts in real time.</a:t>
+                      </a:r>
+                      <a:endParaRPr lang="en-AU" sz="1600" dirty="0"/>
+                    </a:p>
+                  </a:txBody>
+                  <a:tcPr anchor="ctr">
+                    <a:lnL w="12700" cap="flat" cmpd="sng" algn="ctr">
+                      <a:solidFill>
+                        <a:schemeClr val="tx1"/>
+                      </a:solidFill>
+                      <a:prstDash val="solid"/>
+                      <a:round/>
+                      <a:headEnd type="none" w="med" len="med"/>
+                      <a:tailEnd type="none" w="med" len="med"/>
+                    </a:lnL>
+                  </a:tcPr>
+                </a:tc>
+                <a:extLst>
+                  <a:ext uri="{0D108BD9-81ED-4DB2-BD59-A6C34878D82A}">
+                    <a16:rowId xmlns:a16="http://schemas.microsoft.com/office/drawing/2014/main" val="4031601779"/>
+                  </a:ext>
+                </a:extLst>
+              </a:tr>
+              <a:tr h="1776368">
+                <a:tc>
+                  <a:txBody>
+                    <a:bodyPr/>
+                    <a:lstStyle/>
+                    <a:p>
+                      <a:pPr algn="l">
+                        <a:lnSpc>
+                          <a:spcPct val="100000"/>
+                        </a:lnSpc>
+                      </a:pPr>
+                      <a:r>
+                        <a:rPr lang="en-US" sz="1600" b="1" kern="1200" dirty="0">
+                          <a:solidFill>
+                            <a:schemeClr val="dk1"/>
+                          </a:solidFill>
+                          <a:effectLst/>
+                        </a:rPr>
+                        <a:t>Offline-First Design</a:t>
+                      </a:r>
+                      <a:br>
+                        <a:rPr lang="en-US" sz="1600" dirty="0"/>
+                      </a:br>
+                      <a:r>
+                        <a:rPr lang="en-US" sz="1600" b="0" kern="1200" dirty="0">
+                          <a:solidFill>
+                            <a:schemeClr val="dk1"/>
+                          </a:solidFill>
+                          <a:effectLst/>
+                        </a:rPr>
+                        <a:t>(BLE-only to base station)</a:t>
+                      </a:r>
+                      <a:endParaRPr lang="en-AU" sz="1600" dirty="0"/>
+                    </a:p>
+                  </a:txBody>
+                  <a:tcPr anchor="ctr">
+                    <a:lnR w="12700" cap="flat" cmpd="sng" algn="ctr">
+                      <a:solidFill>
+                        <a:schemeClr val="tx1"/>
+                      </a:solidFill>
+                      <a:prstDash val="solid"/>
+                      <a:round/>
+                      <a:headEnd type="none" w="med" len="med"/>
+                      <a:tailEnd type="none" w="med" len="med"/>
+                    </a:lnR>
+                  </a:tcPr>
+                </a:tc>
+                <a:tc>
+                  <a:txBody>
+                    <a:bodyPr/>
+                    <a:lstStyle/>
+                    <a:p>
+                      <a:pPr algn="l">
+                        <a:lnSpc>
+                          <a:spcPct val="100000"/>
+                        </a:lnSpc>
+                      </a:pPr>
+                      <a:r>
+                        <a:rPr lang="en-US" sz="1600" b="0" kern="1200" dirty="0">
+                          <a:solidFill>
+                            <a:schemeClr val="dk1"/>
+                          </a:solidFill>
+                          <a:effectLst/>
+                        </a:rPr>
+                        <a:t>No direct internet exposure → immunity to remote hacking.</a:t>
+                      </a:r>
+                      <a:endParaRPr lang="en-AU" sz="1600" dirty="0"/>
+                    </a:p>
+                  </a:txBody>
+                  <a:tcPr anchor="ctr">
+                    <a:lnL w="12700" cap="flat" cmpd="sng" algn="ctr">
+                      <a:solidFill>
+                        <a:schemeClr val="tx1"/>
+                      </a:solidFill>
+                      <a:prstDash val="solid"/>
+                      <a:round/>
+                      <a:headEnd type="none" w="med" len="med"/>
+                      <a:tailEnd type="none" w="med" len="med"/>
+                    </a:lnL>
+                  </a:tcPr>
+                </a:tc>
+                <a:extLst>
+                  <a:ext uri="{0D108BD9-81ED-4DB2-BD59-A6C34878D82A}">
+                    <a16:rowId xmlns:a16="http://schemas.microsoft.com/office/drawing/2014/main" val="2450201231"/>
+                  </a:ext>
+                </a:extLst>
+              </a:tr>
+            </a:tbl>
+          </a:graphicData>
+        </a:graphic>
+      </p:graphicFrame>
+      <p:sp>
+        <p:nvSpPr>
+          <p:cNvPr id="2" name="Content Placeholder 7">
+            <a:extLst>
+              <a:ext uri="{FF2B5EF4-FFF2-40B4-BE49-F238E27FC236}">
+                <a16:creationId xmlns:a16="http://schemas.microsoft.com/office/drawing/2014/main" id="{8E2D9446-F038-7236-45E9-0B7971712215}"/>
+              </a:ext>
+            </a:extLst>
+          </p:cNvPr>
+          <p:cNvSpPr txBox="1">
+            <a:spLocks/>
+          </p:cNvSpPr>
+          <p:nvPr/>
+        </p:nvSpPr>
+        <p:spPr bwMode="auto">
+          <a:xfrm>
+            <a:off x="10647196" y="1123597"/>
+            <a:ext cx="4111791" cy="3454493"/>
+          </a:xfrm>
+          <a:prstGeom prst="rect">
+            <a:avLst/>
+          </a:prstGeom>
+          <a:noFill/>
+          <a:ln w="9525">
+            <a:noFill/>
+            <a:miter lim="800000"/>
+            <a:headEnd/>
+            <a:tailEnd/>
+          </a:ln>
+          <a:extLst>
+            <a:ext uri="{909E8E84-426E-40dd-AFC4-6F175D3DCCD1}">
+              <a14:hiddenFill xmlns:a14="http://schemas.microsoft.com/office/drawing/2010/main" xmlns="">
+                <a:solidFill>
+                  <a:srgbClr val="FFFFFF"/>
+                </a:solidFill>
+              </a14:hiddenFill>
+            </a:ext>
+            <a:ext uri="{91240B29-F687-4f45-9708-019B960494DF}">
+              <a14:hiddenLine xmlns:a14="http://schemas.microsoft.com/office/drawing/2010/main" xmlns="" w="9525">
+                <a:solidFill>
+                  <a:srgbClr val="000000"/>
+                </a:solidFill>
+                <a:miter lim="800000"/>
+                <a:headEnd/>
+                <a:tailEnd/>
+              </a14:hiddenLine>
+            </a:ext>
+          </a:extLst>
+        </p:spPr>
+        <p:txBody>
+          <a:bodyPr vert="horz" wrap="square" lIns="143378" tIns="71689" rIns="143378" bIns="71689" numCol="1" anchor="t" anchorCtr="0" compatLnSpc="1">
+            <a:prstTxWarp prst="textNoShape">
+              <a:avLst/>
+            </a:prstTxWarp>
+          </a:bodyPr>
+          <a:lstStyle>
+            <a:lvl1pPr marL="0" indent="0" algn="l" defTabSz="715963" rtl="0" eaLnBrk="0" fontAlgn="base" hangingPunct="0">
+              <a:spcBef>
+                <a:spcPct val="20000"/>
+              </a:spcBef>
+              <a:spcAft>
+                <a:spcPct val="0"/>
+              </a:spcAft>
+              <a:buFont typeface="Arial" charset="0"/>
+              <a:buNone/>
+              <a:defRPr sz="1400" kern="1200">
+                <a:solidFill>
+                  <a:schemeClr val="tx1"/>
+                </a:solidFill>
+                <a:latin typeface="Helvetica Neue"/>
+                <a:ea typeface="Geneva" charset="-128"/>
+                <a:cs typeface="Helvetica Neue"/>
+              </a:defRPr>
+            </a:lvl1pPr>
+            <a:lvl2pPr marL="1163638" indent="-447675" algn="l" defTabSz="715963" rtl="0" eaLnBrk="0" fontAlgn="base" hangingPunct="0">
+              <a:spcBef>
+                <a:spcPct val="20000"/>
+              </a:spcBef>
+              <a:spcAft>
+                <a:spcPct val="0"/>
+              </a:spcAft>
+              <a:buFont typeface="Arial" charset="0"/>
+              <a:buNone/>
+              <a:defRPr sz="1800" kern="1200">
+                <a:solidFill>
+                  <a:schemeClr val="tx1"/>
+                </a:solidFill>
+                <a:latin typeface="Helvetica Neue"/>
+                <a:ea typeface="Geneva" charset="-128"/>
+                <a:cs typeface="Helvetica Neue"/>
+              </a:defRPr>
+            </a:lvl2pPr>
+            <a:lvl3pPr marL="1790700" indent="-357188" algn="l" defTabSz="715963" rtl="0" eaLnBrk="0" fontAlgn="base" hangingPunct="0">
+              <a:spcBef>
+                <a:spcPct val="20000"/>
+              </a:spcBef>
+              <a:spcAft>
+                <a:spcPct val="0"/>
+              </a:spcAft>
+              <a:buFont typeface="Arial" charset="0"/>
+              <a:buNone/>
+              <a:defRPr sz="1800" kern="1200">
+                <a:solidFill>
+                  <a:schemeClr val="tx1"/>
+                </a:solidFill>
+                <a:latin typeface="Helvetica Neue"/>
+                <a:ea typeface="Geneva" charset="-128"/>
+                <a:cs typeface="Helvetica Neue"/>
+              </a:defRPr>
+            </a:lvl3pPr>
+            <a:lvl4pPr marL="2508250" indent="-357188" algn="l" defTabSz="715963" rtl="0" eaLnBrk="0" fontAlgn="base" hangingPunct="0">
+              <a:spcBef>
+                <a:spcPct val="20000"/>
+              </a:spcBef>
+              <a:spcAft>
+                <a:spcPct val="0"/>
+              </a:spcAft>
+              <a:buFont typeface="Arial" charset="0"/>
+              <a:buNone/>
+              <a:defRPr sz="1800" kern="1200">
+                <a:solidFill>
+                  <a:schemeClr val="tx1"/>
+                </a:solidFill>
+                <a:latin typeface="Helvetica Neue"/>
+                <a:ea typeface="Geneva" charset="-128"/>
+                <a:cs typeface="Helvetica Neue"/>
+              </a:defRPr>
+            </a:lvl4pPr>
+            <a:lvl5pPr marL="3225800" indent="-357188" algn="l" defTabSz="715963" rtl="0" eaLnBrk="0" fontAlgn="base" hangingPunct="0">
+              <a:spcBef>
+                <a:spcPct val="20000"/>
+              </a:spcBef>
+              <a:spcAft>
+                <a:spcPct val="0"/>
+              </a:spcAft>
+              <a:buFont typeface="Arial" charset="0"/>
+              <a:buNone/>
+              <a:defRPr sz="1800" kern="1200">
+                <a:solidFill>
+                  <a:schemeClr val="tx1"/>
+                </a:solidFill>
+                <a:latin typeface="Helvetica Neue"/>
+                <a:ea typeface="Geneva" charset="-128"/>
+                <a:cs typeface="Helvetica Neue"/>
+              </a:defRPr>
+            </a:lvl5pPr>
+            <a:lvl6pPr marL="3942893" indent="-358445" algn="l" defTabSz="716890" rtl="0" eaLnBrk="1" latinLnBrk="0" hangingPunct="1">
+              <a:spcBef>
+                <a:spcPct val="20000"/>
+              </a:spcBef>
+              <a:buFont typeface="Arial"/>
+              <a:buChar char="•"/>
+              <a:defRPr sz="3100" kern="1200">
+                <a:solidFill>
+                  <a:schemeClr val="tx1"/>
+                </a:solidFill>
+                <a:latin typeface="+mn-lt"/>
+                <a:ea typeface="+mn-ea"/>
+                <a:cs typeface="+mn-cs"/>
+              </a:defRPr>
+            </a:lvl6pPr>
+            <a:lvl7pPr marL="4659782" indent="-358445" algn="l" defTabSz="716890" rtl="0" eaLnBrk="1" latinLnBrk="0" hangingPunct="1">
+              <a:spcBef>
+                <a:spcPct val="20000"/>
+              </a:spcBef>
+              <a:buFont typeface="Arial"/>
+              <a:buChar char="•"/>
+              <a:defRPr sz="3100" kern="1200">
+                <a:solidFill>
+                  <a:schemeClr val="tx1"/>
+                </a:solidFill>
+                <a:latin typeface="+mn-lt"/>
+                <a:ea typeface="+mn-ea"/>
+                <a:cs typeface="+mn-cs"/>
+              </a:defRPr>
+            </a:lvl7pPr>
+            <a:lvl8pPr marL="5376672" indent="-358445" algn="l" defTabSz="716890" rtl="0" eaLnBrk="1" latinLnBrk="0" hangingPunct="1">
+              <a:spcBef>
+                <a:spcPct val="20000"/>
+              </a:spcBef>
+              <a:buFont typeface="Arial"/>
+              <a:buChar char="•"/>
+              <a:defRPr sz="3100" kern="1200">
+                <a:solidFill>
+                  <a:schemeClr val="tx1"/>
+                </a:solidFill>
+                <a:latin typeface="+mn-lt"/>
+                <a:ea typeface="+mn-ea"/>
+                <a:cs typeface="+mn-cs"/>
+              </a:defRPr>
+            </a:lvl8pPr>
+            <a:lvl9pPr marL="6093562" indent="-358445" algn="l" defTabSz="716890" rtl="0" eaLnBrk="1" latinLnBrk="0" hangingPunct="1">
+              <a:spcBef>
+                <a:spcPct val="20000"/>
+              </a:spcBef>
+              <a:buFont typeface="Arial"/>
+              <a:buChar char="•"/>
+              <a:defRPr sz="3100" kern="1200">
+                <a:solidFill>
+                  <a:schemeClr val="tx1"/>
+                </a:solidFill>
+                <a:latin typeface="+mn-lt"/>
+                <a:ea typeface="+mn-ea"/>
+                <a:cs typeface="+mn-cs"/>
+              </a:defRPr>
+            </a:lvl9pPr>
+          </a:lstStyle>
+          <a:p>
+            <a:pPr marL="0" marR="0" lvl="0" indent="0" algn="l" defTabSz="715963" rtl="0" eaLnBrk="1" fontAlgn="base" latinLnBrk="0" hangingPunct="1">
+              <a:lnSpc>
+                <a:spcPct val="150000"/>
+              </a:lnSpc>
+              <a:spcBef>
+                <a:spcPct val="0"/>
+              </a:spcBef>
+              <a:spcAft>
+                <a:spcPct val="0"/>
+              </a:spcAft>
+              <a:buClrTx/>
+              <a:buSzTx/>
+              <a:buFontTx/>
+              <a:buNone/>
+              <a:tabLst/>
+              <a:defRPr/>
+            </a:pPr>
+            <a:r>
+              <a:rPr lang="en-US" sz="1800" dirty="0">
+                <a:solidFill>
+                  <a:prstClr val="black"/>
+                </a:solidFill>
+                <a:latin typeface="Bodoni MT" charset="0"/>
+                <a:cs typeface="Arial" charset="0"/>
+              </a:rPr>
+              <a:t>What Did We Found Out ?</a:t>
+            </a:r>
+            <a:endParaRPr lang="en-US" sz="3600" dirty="0">
+              <a:latin typeface="Arial" charset="0"/>
+              <a:cs typeface="Arial" charset="0"/>
+            </a:endParaRPr>
+          </a:p>
+          <a:p>
+            <a:pPr marL="285750" indent="-285750">
+              <a:lnSpc>
+                <a:spcPct val="150000"/>
+              </a:lnSpc>
+              <a:buFont typeface="Arial" panose="020B0604020202020204" pitchFamily="34" charset="0"/>
+              <a:buChar char="•"/>
+            </a:pPr>
+            <a:r>
+              <a:rPr lang="en-US" dirty="0">
+                <a:latin typeface="Helvetica Neue" charset="0"/>
+                <a:cs typeface="Helvetica Neue" charset="0"/>
+              </a:rPr>
+              <a:t>Human interaction met KPI goals with registering sensor happening 98% of the time.</a:t>
+            </a:r>
+          </a:p>
+          <a:p>
+            <a:pPr marL="285750" indent="-285750">
+              <a:lnSpc>
+                <a:spcPct val="150000"/>
+              </a:lnSpc>
+              <a:buFont typeface="Arial" panose="020B0604020202020204" pitchFamily="34" charset="0"/>
+              <a:buChar char="•"/>
+            </a:pPr>
+            <a:r>
+              <a:rPr lang="en-US" dirty="0">
+                <a:latin typeface="Helvetica Neue" charset="0"/>
+                <a:cs typeface="Helvetica Neue" charset="0"/>
+              </a:rPr>
+              <a:t>GATT BLE Communication is One-To-One thus we used 1 GATT service with multiple observation/advertisers. </a:t>
+            </a:r>
+          </a:p>
+          <a:p>
+            <a:pPr marL="285750" indent="-285750">
+              <a:lnSpc>
+                <a:spcPct val="150000"/>
+              </a:lnSpc>
+              <a:buFont typeface="Arial" panose="020B0604020202020204" pitchFamily="34" charset="0"/>
+              <a:buChar char="•"/>
+            </a:pPr>
+            <a:r>
+              <a:rPr lang="en-US" dirty="0">
+                <a:latin typeface="Helvetica Neue" charset="0"/>
+                <a:cs typeface="Helvetica Neue" charset="0"/>
+              </a:rPr>
+              <a:t>Blockchain validation and performance is limited by the storage space, most blocks were </a:t>
+            </a:r>
+          </a:p>
+          <a:p>
+            <a:pPr marL="285750" indent="-285750">
+              <a:lnSpc>
+                <a:spcPct val="150000"/>
+              </a:lnSpc>
+              <a:buFont typeface="Arial" panose="020B0604020202020204" pitchFamily="34" charset="0"/>
+              <a:buChar char="•"/>
+            </a:pPr>
+            <a:r>
+              <a:rPr lang="en-US" dirty="0">
+                <a:latin typeface="Helvetica Neue" charset="0"/>
+                <a:cs typeface="Helvetica Neue" charset="0"/>
+              </a:rPr>
+              <a:t>Minting and transaction loading happened every 5 seconds with 3 transactions possible per block.</a:t>
+            </a:r>
+          </a:p>
+        </p:txBody>
+      </p:sp>
+      <p:sp>
+        <p:nvSpPr>
+          <p:cNvPr id="3" name="Content Placeholder 7">
+            <a:extLst>
+              <a:ext uri="{FF2B5EF4-FFF2-40B4-BE49-F238E27FC236}">
+                <a16:creationId xmlns:a16="http://schemas.microsoft.com/office/drawing/2014/main" id="{C6551C3A-949F-8759-A36F-0E4714DBE1D3}"/>
+              </a:ext>
+            </a:extLst>
+          </p:cNvPr>
+          <p:cNvSpPr txBox="1">
+            <a:spLocks/>
+          </p:cNvSpPr>
+          <p:nvPr/>
+        </p:nvSpPr>
+        <p:spPr bwMode="auto">
+          <a:xfrm>
+            <a:off x="10851223" y="8675377"/>
+            <a:ext cx="3628102" cy="1527116"/>
+          </a:xfrm>
+          <a:prstGeom prst="rect">
+            <a:avLst/>
+          </a:prstGeom>
+          <a:noFill/>
+          <a:ln w="9525">
+            <a:noFill/>
+            <a:miter lim="800000"/>
+            <a:headEnd/>
+            <a:tailEnd/>
+          </a:ln>
+          <a:extLst>
+            <a:ext uri="{909E8E84-426E-40dd-AFC4-6F175D3DCCD1}">
+              <a14:hiddenFill xmlns:a14="http://schemas.microsoft.com/office/drawing/2010/main" xmlns="">
+                <a:solidFill>
+                  <a:srgbClr val="FFFFFF"/>
+                </a:solidFill>
+              </a14:hiddenFill>
+            </a:ext>
+            <a:ext uri="{91240B29-F687-4f45-9708-019B960494DF}">
+              <a14:hiddenLine xmlns:a14="http://schemas.microsoft.com/office/drawing/2010/main" xmlns="" w="9525">
+                <a:solidFill>
+                  <a:srgbClr val="000000"/>
+                </a:solidFill>
+                <a:miter lim="800000"/>
+                <a:headEnd/>
+                <a:tailEnd/>
+              </a14:hiddenLine>
+            </a:ext>
+          </a:extLst>
+        </p:spPr>
+        <p:txBody>
+          <a:bodyPr vert="horz" wrap="square" lIns="143378" tIns="71689" rIns="143378" bIns="71689" numCol="1" anchor="t" anchorCtr="0" compatLnSpc="1">
+            <a:prstTxWarp prst="textNoShape">
+              <a:avLst/>
+            </a:prstTxWarp>
+          </a:bodyPr>
+          <a:lstStyle>
+            <a:lvl1pPr marL="0" indent="0" algn="l" defTabSz="715963" rtl="0" eaLnBrk="0" fontAlgn="base" hangingPunct="0">
+              <a:spcBef>
+                <a:spcPct val="20000"/>
+              </a:spcBef>
+              <a:spcAft>
+                <a:spcPct val="0"/>
+              </a:spcAft>
+              <a:buFont typeface="Arial" charset="0"/>
+              <a:buNone/>
+              <a:defRPr sz="1400" kern="1200">
+                <a:solidFill>
+                  <a:schemeClr val="tx1"/>
+                </a:solidFill>
+                <a:latin typeface="Helvetica Neue"/>
+                <a:ea typeface="Geneva" charset="-128"/>
+                <a:cs typeface="Helvetica Neue"/>
+              </a:defRPr>
+            </a:lvl1pPr>
+            <a:lvl2pPr marL="1163638" indent="-447675" algn="l" defTabSz="715963" rtl="0" eaLnBrk="0" fontAlgn="base" hangingPunct="0">
+              <a:spcBef>
+                <a:spcPct val="20000"/>
+              </a:spcBef>
+              <a:spcAft>
+                <a:spcPct val="0"/>
+              </a:spcAft>
+              <a:buFont typeface="Arial" charset="0"/>
+              <a:buNone/>
+              <a:defRPr sz="1800" kern="1200">
+                <a:solidFill>
+                  <a:schemeClr val="tx1"/>
+                </a:solidFill>
+                <a:latin typeface="Helvetica Neue"/>
+                <a:ea typeface="Geneva" charset="-128"/>
+                <a:cs typeface="Helvetica Neue"/>
+              </a:defRPr>
+            </a:lvl2pPr>
+            <a:lvl3pPr marL="1790700" indent="-357188" algn="l" defTabSz="715963" rtl="0" eaLnBrk="0" fontAlgn="base" hangingPunct="0">
+              <a:spcBef>
+                <a:spcPct val="20000"/>
+              </a:spcBef>
+              <a:spcAft>
+                <a:spcPct val="0"/>
+              </a:spcAft>
+              <a:buFont typeface="Arial" charset="0"/>
+              <a:buNone/>
+              <a:defRPr sz="1800" kern="1200">
+                <a:solidFill>
+                  <a:schemeClr val="tx1"/>
+                </a:solidFill>
+                <a:latin typeface="Helvetica Neue"/>
+                <a:ea typeface="Geneva" charset="-128"/>
+                <a:cs typeface="Helvetica Neue"/>
+              </a:defRPr>
+            </a:lvl3pPr>
+            <a:lvl4pPr marL="2508250" indent="-357188" algn="l" defTabSz="715963" rtl="0" eaLnBrk="0" fontAlgn="base" hangingPunct="0">
+              <a:spcBef>
+                <a:spcPct val="20000"/>
+              </a:spcBef>
+              <a:spcAft>
+                <a:spcPct val="0"/>
+              </a:spcAft>
+              <a:buFont typeface="Arial" charset="0"/>
+              <a:buNone/>
+              <a:defRPr sz="1800" kern="1200">
+                <a:solidFill>
+                  <a:schemeClr val="tx1"/>
+                </a:solidFill>
+                <a:latin typeface="Helvetica Neue"/>
+                <a:ea typeface="Geneva" charset="-128"/>
+                <a:cs typeface="Helvetica Neue"/>
+              </a:defRPr>
+            </a:lvl4pPr>
+            <a:lvl5pPr marL="3225800" indent="-357188" algn="l" defTabSz="715963" rtl="0" eaLnBrk="0" fontAlgn="base" hangingPunct="0">
+              <a:spcBef>
+                <a:spcPct val="20000"/>
+              </a:spcBef>
+              <a:spcAft>
+                <a:spcPct val="0"/>
+              </a:spcAft>
+              <a:buFont typeface="Arial" charset="0"/>
+              <a:buNone/>
+              <a:defRPr sz="1800" kern="1200">
+                <a:solidFill>
+                  <a:schemeClr val="tx1"/>
+                </a:solidFill>
+                <a:latin typeface="Helvetica Neue"/>
+                <a:ea typeface="Geneva" charset="-128"/>
+                <a:cs typeface="Helvetica Neue"/>
+              </a:defRPr>
+            </a:lvl5pPr>
+            <a:lvl6pPr marL="3942893" indent="-358445" algn="l" defTabSz="716890" rtl="0" eaLnBrk="1" latinLnBrk="0" hangingPunct="1">
+              <a:spcBef>
+                <a:spcPct val="20000"/>
+              </a:spcBef>
+              <a:buFont typeface="Arial"/>
+              <a:buChar char="•"/>
+              <a:defRPr sz="3100" kern="1200">
+                <a:solidFill>
+                  <a:schemeClr val="tx1"/>
+                </a:solidFill>
+                <a:latin typeface="+mn-lt"/>
+                <a:ea typeface="+mn-ea"/>
+                <a:cs typeface="+mn-cs"/>
+              </a:defRPr>
+            </a:lvl6pPr>
+            <a:lvl7pPr marL="4659782" indent="-358445" algn="l" defTabSz="716890" rtl="0" eaLnBrk="1" latinLnBrk="0" hangingPunct="1">
+              <a:spcBef>
+                <a:spcPct val="20000"/>
+              </a:spcBef>
+              <a:buFont typeface="Arial"/>
+              <a:buChar char="•"/>
+              <a:defRPr sz="3100" kern="1200">
+                <a:solidFill>
+                  <a:schemeClr val="tx1"/>
+                </a:solidFill>
+                <a:latin typeface="+mn-lt"/>
+                <a:ea typeface="+mn-ea"/>
+                <a:cs typeface="+mn-cs"/>
+              </a:defRPr>
+            </a:lvl7pPr>
+            <a:lvl8pPr marL="5376672" indent="-358445" algn="l" defTabSz="716890" rtl="0" eaLnBrk="1" latinLnBrk="0" hangingPunct="1">
+              <a:spcBef>
+                <a:spcPct val="20000"/>
+              </a:spcBef>
+              <a:buFont typeface="Arial"/>
+              <a:buChar char="•"/>
+              <a:defRPr sz="3100" kern="1200">
+                <a:solidFill>
+                  <a:schemeClr val="tx1"/>
+                </a:solidFill>
+                <a:latin typeface="+mn-lt"/>
+                <a:ea typeface="+mn-ea"/>
+                <a:cs typeface="+mn-cs"/>
+              </a:defRPr>
+            </a:lvl8pPr>
+            <a:lvl9pPr marL="6093562" indent="-358445" algn="l" defTabSz="716890" rtl="0" eaLnBrk="1" latinLnBrk="0" hangingPunct="1">
+              <a:spcBef>
+                <a:spcPct val="20000"/>
+              </a:spcBef>
+              <a:buFont typeface="Arial"/>
+              <a:buChar char="•"/>
+              <a:defRPr sz="3100" kern="1200">
+                <a:solidFill>
+                  <a:schemeClr val="tx1"/>
+                </a:solidFill>
+                <a:latin typeface="+mn-lt"/>
+                <a:ea typeface="+mn-ea"/>
+                <a:cs typeface="+mn-cs"/>
+              </a:defRPr>
+            </a:lvl9pPr>
+          </a:lstStyle>
+          <a:p>
+            <a:pPr marL="0" marR="0" lvl="0" indent="0" algn="l" defTabSz="715963" rtl="0" eaLnBrk="1" fontAlgn="base" latinLnBrk="0" hangingPunct="1">
+              <a:lnSpc>
+                <a:spcPct val="150000"/>
+              </a:lnSpc>
+              <a:spcBef>
+                <a:spcPct val="0"/>
+              </a:spcBef>
+              <a:spcAft>
+                <a:spcPct val="0"/>
+              </a:spcAft>
+              <a:buClrTx/>
+              <a:buSzTx/>
+              <a:buFontTx/>
+              <a:buNone/>
+              <a:tabLst/>
+              <a:defRPr/>
+            </a:pPr>
+            <a:r>
+              <a:rPr lang="en-US" dirty="0">
+                <a:solidFill>
+                  <a:prstClr val="black"/>
+                </a:solidFill>
+                <a:latin typeface="Bodoni MT" charset="0"/>
+                <a:cs typeface="Arial" charset="0"/>
+              </a:rPr>
+              <a:t>References &amp; Acknowledgments</a:t>
+            </a:r>
+            <a:endParaRPr lang="en-US" sz="1100" dirty="0">
+              <a:latin typeface="Helvetica Neue" charset="0"/>
+              <a:cs typeface="Helvetica Neue" charset="0"/>
+            </a:endParaRPr>
+          </a:p>
+          <a:p>
+            <a:pPr marL="285750" indent="-285750">
+              <a:lnSpc>
+                <a:spcPct val="150000"/>
+              </a:lnSpc>
+              <a:buFont typeface="Arial" panose="020B0604020202020204" pitchFamily="34" charset="0"/>
+              <a:buChar char="•"/>
+            </a:pPr>
+            <a:r>
+              <a:rPr lang="en-US" sz="1100" dirty="0">
+                <a:latin typeface="Helvetica Neue" charset="0"/>
+                <a:cs typeface="Helvetica Neue" charset="0"/>
+              </a:rPr>
+              <a:t>Building Blockchain Projects – Narayan </a:t>
+            </a:r>
+            <a:r>
+              <a:rPr lang="en-US" sz="1100" dirty="0" err="1">
+                <a:latin typeface="Helvetica Neue" charset="0"/>
+                <a:cs typeface="Helvetica Neue" charset="0"/>
+              </a:rPr>
+              <a:t>Prusty</a:t>
+            </a:r>
+            <a:r>
+              <a:rPr lang="en-US" sz="1100" dirty="0">
+                <a:latin typeface="Helvetica Neue" charset="0"/>
+                <a:cs typeface="Helvetica Neue" charset="0"/>
+              </a:rPr>
+              <a:t>.</a:t>
+            </a:r>
+          </a:p>
+          <a:p>
+            <a:pPr marL="285750" indent="-285750">
+              <a:lnSpc>
+                <a:spcPct val="150000"/>
+              </a:lnSpc>
+              <a:buFont typeface="Arial" panose="020B0604020202020204" pitchFamily="34" charset="0"/>
+              <a:buChar char="•"/>
+            </a:pPr>
+            <a:r>
+              <a:rPr lang="en-US" sz="1100" dirty="0">
+                <a:latin typeface="Helvetica Neue" charset="0"/>
+                <a:cs typeface="Helvetica Neue" charset="0"/>
+              </a:rPr>
+              <a:t>Zephyr Documentation – especially Bluetooth.</a:t>
+            </a:r>
+          </a:p>
+          <a:p>
+            <a:pPr marL="285750" indent="-285750">
+              <a:lnSpc>
+                <a:spcPct val="150000"/>
+              </a:lnSpc>
+              <a:buFont typeface="Arial" panose="020B0604020202020204" pitchFamily="34" charset="0"/>
+              <a:buChar char="•"/>
+            </a:pPr>
+            <a:r>
+              <a:rPr lang="en-US" sz="1100" dirty="0">
+                <a:latin typeface="Helvetica Neue" charset="0"/>
+                <a:cs typeface="Helvetica Neue" charset="0"/>
+              </a:rPr>
+              <a:t>Thank you Matt, Michael &amp; especially all the tutors for the experience. </a:t>
+            </a:r>
+          </a:p>
+        </p:txBody>
+      </p:sp>
+      <p:pic>
+        <p:nvPicPr>
+          <p:cNvPr id="4" name="Content Placeholder 9">
+            <a:extLst>
+              <a:ext uri="{FF2B5EF4-FFF2-40B4-BE49-F238E27FC236}">
+                <a16:creationId xmlns:a16="http://schemas.microsoft.com/office/drawing/2014/main" id="{C1A92EDA-F1BE-A473-4C8D-493B53011BE6}"/>
+              </a:ext>
+            </a:extLst>
+          </p:cNvPr>
+          <p:cNvPicPr>
+            <a:picLocks noChangeAspect="1"/>
+          </p:cNvPicPr>
+          <p:nvPr/>
+        </p:nvPicPr>
+        <p:blipFill>
+          <a:blip r:embed="rId5"/>
+          <a:stretch>
+            <a:fillRect/>
+          </a:stretch>
+        </p:blipFill>
+        <p:spPr bwMode="auto">
+          <a:xfrm>
+            <a:off x="106066" y="3921957"/>
+            <a:ext cx="2319112" cy="2524965"/>
+          </a:xfrm>
+          <a:prstGeom prst="rect">
+            <a:avLst/>
+          </a:prstGeom>
+          <a:noFill/>
+          <a:ln w="9525">
+            <a:noFill/>
+            <a:miter lim="800000"/>
+            <a:headEnd/>
+            <a:tailEnd/>
+          </a:ln>
+          <a:extLst>
+            <a:ext uri="{909E8E84-426E-40dd-AFC4-6F175D3DCCD1}">
+              <a14:hiddenFill xmlns:a14="http://schemas.microsoft.com/office/drawing/2010/main" xmlns="">
+                <a:solidFill>
+                  <a:srgbClr val="FFFFFF"/>
+                </a:solidFill>
+              </a14:hiddenFill>
+            </a:ext>
+            <a:ext uri="{91240B29-F687-4f45-9708-019B960494DF}">
+              <a14:hiddenLine xmlns:a14="http://schemas.microsoft.com/office/drawing/2010/main" xmlns="" w="9525">
+                <a:solidFill>
+                  <a:srgbClr val="000000"/>
+                </a:solidFill>
+                <a:miter lim="800000"/>
+                <a:headEnd/>
+                <a:tailEnd/>
+              </a14:hiddenLine>
+            </a:ext>
+          </a:extLst>
+        </p:spPr>
+      </p:pic>
+      <p:pic>
+        <p:nvPicPr>
+          <p:cNvPr id="6" name="Picture 5">
+            <a:extLst>
+              <a:ext uri="{FF2B5EF4-FFF2-40B4-BE49-F238E27FC236}">
+                <a16:creationId xmlns:a16="http://schemas.microsoft.com/office/drawing/2014/main" id="{693E99B0-11BA-AA77-E781-875281CBFBA3}"/>
+              </a:ext>
+            </a:extLst>
+          </p:cNvPr>
+          <p:cNvPicPr>
+            <a:picLocks noChangeAspect="1"/>
+          </p:cNvPicPr>
+          <p:nvPr/>
+        </p:nvPicPr>
+        <p:blipFill>
+          <a:blip r:embed="rId6"/>
+          <a:stretch>
+            <a:fillRect/>
+          </a:stretch>
+        </p:blipFill>
+        <p:spPr>
+          <a:xfrm>
+            <a:off x="11219394" y="5718622"/>
+            <a:ext cx="3012883" cy="2828629"/>
+          </a:xfrm>
+          <a:prstGeom prst="rect">
+            <a:avLst/>
+          </a:prstGeom>
+        </p:spPr>
+      </p:pic>
+    </p:spTree>
+    <p:extLst>
+      <p:ext uri="{BB962C8B-B14F-4D97-AF65-F5344CB8AC3E}">
+        <p14:creationId xmlns:p14="http://schemas.microsoft.com/office/powerpoint/2010/main" val="2668250556"/>
       </p:ext>
     </p:extLst>
   </p:cSld>
